--- a/mail these/presentation.pptx
+++ b/mail these/presentation.pptx
@@ -21,6 +21,8 @@
     <p:sldId id="266" r:id="rId16"/>
     <p:sldId id="267" r:id="rId17"/>
     <p:sldId id="268" r:id="rId18"/>
+    <p:sldId id="269" r:id="rId19"/>
+    <p:sldId id="270" r:id="rId20"/>
   </p:sldIdLst>
   <p:sldSz cy="5143500" cx="9144000"/>
   <p:notesSz cx="6858000" cy="9144000"/>
@@ -1113,7 +1115,7 @@
       </p:grpSpPr>
       <p:sp>
         <p:nvSpPr>
-          <p:cNvPr id="123" name="Google Shape;123;g3231e36602fd62b1_72:notes"/>
+          <p:cNvPr id="123" name="Google Shape;123;g631124c3a3_0_0:notes"/>
           <p:cNvSpPr/>
           <p:nvPr>
             <p:ph idx="2" type="sldImg"/>
@@ -1148,7 +1150,205 @@
       </p:sp>
       <p:sp>
         <p:nvSpPr>
-          <p:cNvPr id="124" name="Google Shape;124;g3231e36602fd62b1_72:notes"/>
+          <p:cNvPr id="124" name="Google Shape;124;g631124c3a3_0_0:notes"/>
+          <p:cNvSpPr txBox="1"/>
+          <p:nvPr>
+            <p:ph idx="1" type="body"/>
+          </p:nvPr>
+        </p:nvSpPr>
+        <p:spPr>
+          <a:xfrm>
+            <a:off x="685800" y="4343400"/>
+            <a:ext cx="5486400" cy="4114800"/>
+          </a:xfrm>
+          <a:prstGeom prst="rect">
+            <a:avLst/>
+          </a:prstGeom>
+        </p:spPr>
+        <p:txBody>
+          <a:bodyPr anchorCtr="0" anchor="t" bIns="91425" lIns="91425" spcFirstLastPara="1" rIns="91425" wrap="square" tIns="91425">
+            <a:noAutofit/>
+          </a:bodyPr>
+          <a:lstStyle/>
+          <a:p>
+            <a:pPr indent="0" lvl="0" marL="0" rtl="0" algn="l">
+              <a:spcBef>
+                <a:spcPts val="0"/>
+              </a:spcBef>
+              <a:spcAft>
+                <a:spcPts val="0"/>
+              </a:spcAft>
+              <a:buNone/>
+            </a:pPr>
+            <a:r>
+              <a:t/>
+            </a:r>
+            <a:endParaRPr/>
+          </a:p>
+        </p:txBody>
+      </p:sp>
+    </p:spTree>
+  </p:cSld>
+  <p:clrMapOvr>
+    <a:masterClrMapping/>
+  </p:clrMapOvr>
+</p:notes>
+</file>
+
+<file path=ppt/notesSlides/notesSlide14.xml><?xml version="1.0" encoding="utf-8"?>
+<p:notes xmlns:a="http://schemas.openxmlformats.org/drawingml/2006/main" xmlns:r="http://schemas.openxmlformats.org/officeDocument/2006/relationships" xmlns:mc="http://schemas.openxmlformats.org/markup-compatibility/2006" xmlns:mv="urn:schemas-microsoft-com:mac:vml" xmlns:p="http://schemas.openxmlformats.org/presentationml/2006/main" xmlns:c="http://schemas.openxmlformats.org/drawingml/2006/chart" xmlns:dgm="http://schemas.openxmlformats.org/drawingml/2006/diagram" xmlns:o="urn:schemas-microsoft-com:office:office" xmlns:v="urn:schemas-microsoft-com:vml" xmlns:pvml="urn:schemas-microsoft-com:office:powerpoint" xmlns:com="http://schemas.openxmlformats.org/drawingml/2006/compatibility" xmlns:p14="http://schemas.microsoft.com/office/powerpoint/2010/main" xmlns:p15="http://schemas.microsoft.com/office/powerpoint/2012/main" showMasterPhAnim="0" showMasterSp="0">
+  <p:cSld>
+    <p:spTree>
+      <p:nvGrpSpPr>
+        <p:cNvPr id="128" name="Shape 128"/>
+        <p:cNvGrpSpPr/>
+        <p:nvPr/>
+      </p:nvGrpSpPr>
+      <p:grpSpPr>
+        <a:xfrm>
+          <a:off x="0" y="0"/>
+          <a:ext cx="0" cy="0"/>
+          <a:chOff x="0" y="0"/>
+          <a:chExt cx="0" cy="0"/>
+        </a:xfrm>
+      </p:grpSpPr>
+      <p:sp>
+        <p:nvSpPr>
+          <p:cNvPr id="129" name="Google Shape;129;g631124c3a3_0_15:notes"/>
+          <p:cNvSpPr/>
+          <p:nvPr>
+            <p:ph idx="2" type="sldImg"/>
+          </p:nvPr>
+        </p:nvSpPr>
+        <p:spPr>
+          <a:xfrm>
+            <a:off x="381300" y="685800"/>
+            <a:ext cx="6096000" cy="3429000"/>
+          </a:xfrm>
+          <a:custGeom>
+            <a:rect b="b" l="l" r="r" t="t"/>
+            <a:pathLst>
+              <a:path extrusionOk="0" h="120000" w="120000">
+                <a:moveTo>
+                  <a:pt x="0" y="0"/>
+                </a:moveTo>
+                <a:lnTo>
+                  <a:pt x="120000" y="0"/>
+                </a:lnTo>
+                <a:lnTo>
+                  <a:pt x="120000" y="120000"/>
+                </a:lnTo>
+                <a:lnTo>
+                  <a:pt x="0" y="120000"/>
+                </a:lnTo>
+                <a:close/>
+              </a:path>
+            </a:pathLst>
+          </a:custGeom>
+        </p:spPr>
+      </p:sp>
+      <p:sp>
+        <p:nvSpPr>
+          <p:cNvPr id="130" name="Google Shape;130;g631124c3a3_0_15:notes"/>
+          <p:cNvSpPr txBox="1"/>
+          <p:nvPr>
+            <p:ph idx="1" type="body"/>
+          </p:nvPr>
+        </p:nvSpPr>
+        <p:spPr>
+          <a:xfrm>
+            <a:off x="685800" y="4343400"/>
+            <a:ext cx="5486400" cy="4114800"/>
+          </a:xfrm>
+          <a:prstGeom prst="rect">
+            <a:avLst/>
+          </a:prstGeom>
+        </p:spPr>
+        <p:txBody>
+          <a:bodyPr anchorCtr="0" anchor="t" bIns="91425" lIns="91425" spcFirstLastPara="1" rIns="91425" wrap="square" tIns="91425">
+            <a:noAutofit/>
+          </a:bodyPr>
+          <a:lstStyle/>
+          <a:p>
+            <a:pPr indent="0" lvl="0" marL="0" rtl="0" algn="l">
+              <a:spcBef>
+                <a:spcPts val="0"/>
+              </a:spcBef>
+              <a:spcAft>
+                <a:spcPts val="0"/>
+              </a:spcAft>
+              <a:buNone/>
+            </a:pPr>
+            <a:r>
+              <a:t/>
+            </a:r>
+            <a:endParaRPr/>
+          </a:p>
+        </p:txBody>
+      </p:sp>
+    </p:spTree>
+  </p:cSld>
+  <p:clrMapOvr>
+    <a:masterClrMapping/>
+  </p:clrMapOvr>
+</p:notes>
+</file>
+
+<file path=ppt/notesSlides/notesSlide15.xml><?xml version="1.0" encoding="utf-8"?>
+<p:notes xmlns:a="http://schemas.openxmlformats.org/drawingml/2006/main" xmlns:r="http://schemas.openxmlformats.org/officeDocument/2006/relationships" xmlns:mc="http://schemas.openxmlformats.org/markup-compatibility/2006" xmlns:mv="urn:schemas-microsoft-com:mac:vml" xmlns:p="http://schemas.openxmlformats.org/presentationml/2006/main" xmlns:c="http://schemas.openxmlformats.org/drawingml/2006/chart" xmlns:dgm="http://schemas.openxmlformats.org/drawingml/2006/diagram" xmlns:o="urn:schemas-microsoft-com:office:office" xmlns:v="urn:schemas-microsoft-com:vml" xmlns:pvml="urn:schemas-microsoft-com:office:powerpoint" xmlns:com="http://schemas.openxmlformats.org/drawingml/2006/compatibility" xmlns:p14="http://schemas.microsoft.com/office/powerpoint/2010/main" xmlns:p15="http://schemas.microsoft.com/office/powerpoint/2012/main" showMasterPhAnim="0" showMasterSp="0">
+  <p:cSld>
+    <p:spTree>
+      <p:nvGrpSpPr>
+        <p:cNvPr id="134" name="Shape 134"/>
+        <p:cNvGrpSpPr/>
+        <p:nvPr/>
+      </p:nvGrpSpPr>
+      <p:grpSpPr>
+        <a:xfrm>
+          <a:off x="0" y="0"/>
+          <a:ext cx="0" cy="0"/>
+          <a:chOff x="0" y="0"/>
+          <a:chExt cx="0" cy="0"/>
+        </a:xfrm>
+      </p:grpSpPr>
+      <p:sp>
+        <p:nvSpPr>
+          <p:cNvPr id="135" name="Google Shape;135;g3231e36602fd62b1_72:notes"/>
+          <p:cNvSpPr/>
+          <p:nvPr>
+            <p:ph idx="2" type="sldImg"/>
+          </p:nvPr>
+        </p:nvSpPr>
+        <p:spPr>
+          <a:xfrm>
+            <a:off x="381300" y="685800"/>
+            <a:ext cx="6096000" cy="3429000"/>
+          </a:xfrm>
+          <a:custGeom>
+            <a:rect b="b" l="l" r="r" t="t"/>
+            <a:pathLst>
+              <a:path extrusionOk="0" h="120000" w="120000">
+                <a:moveTo>
+                  <a:pt x="0" y="0"/>
+                </a:moveTo>
+                <a:lnTo>
+                  <a:pt x="120000" y="0"/>
+                </a:lnTo>
+                <a:lnTo>
+                  <a:pt x="120000" y="120000"/>
+                </a:lnTo>
+                <a:lnTo>
+                  <a:pt x="0" y="120000"/>
+                </a:lnTo>
+                <a:close/>
+              </a:path>
+            </a:pathLst>
+          </a:custGeom>
+        </p:spPr>
+      </p:sp>
+      <p:sp>
+        <p:nvSpPr>
+          <p:cNvPr id="136" name="Google Shape;136;g3231e36602fd62b1_72:notes"/>
           <p:cNvSpPr txBox="1"/>
           <p:nvPr>
             <p:ph idx="1" type="body"/>
@@ -7124,7 +7324,7 @@
           </a:bodyPr>
           <a:lstStyle/>
           <a:p>
-            <a:pPr indent="0" lvl="0" marL="457200" rtl="0" algn="just">
+            <a:pPr indent="-342900" lvl="0" marL="457200" rtl="0" algn="just">
               <a:lnSpc>
                 <a:spcPct val="115000"/>
               </a:lnSpc>
@@ -7134,7 +7334,11 @@
               <a:spcAft>
                 <a:spcPts val="0"/>
               </a:spcAft>
-              <a:buNone/>
+              <a:buClr>
+                <a:srgbClr val="FFFFFF"/>
+              </a:buClr>
+              <a:buSzPts val="1800"/>
+              <a:buChar char="●"/>
             </a:pPr>
             <a:r>
               <a:rPr lang="en" sz="1800">
@@ -7142,7 +7346,7 @@
                   <a:srgbClr val="FFFFFF"/>
                 </a:solidFill>
               </a:rPr>
-              <a:t>The models had been evaluated based on the Common Vulnerability Scoring System (CVSS) v3.0 standards which is commonly followed in the cyber security domain. But to make the model more generic we also introduced a few parameters for the social factors that would depend on the use case domain. All the input was stored as blobs within dataframes, which in turn were retrieved from the tables that pandas provides.</a:t>
+              <a:t>The models had been evaluated based on the Common Vulnerability Scoring System (CVSS) v3.0 standards which is commonly followed in the cyber security domain. </a:t>
             </a:r>
             <a:endParaRPr sz="1800">
               <a:solidFill>
@@ -7151,7 +7355,7 @@
             </a:endParaRPr>
           </a:p>
           <a:p>
-            <a:pPr indent="0" lvl="0" marL="457200" rtl="0" algn="just">
+            <a:pPr indent="-342900" lvl="0" marL="457200" rtl="0" algn="just">
               <a:lnSpc>
                 <a:spcPct val="115000"/>
               </a:lnSpc>
@@ -7161,10 +7365,19 @@
               <a:spcAft>
                 <a:spcPts val="0"/>
               </a:spcAft>
-              <a:buNone/>
+              <a:buClr>
+                <a:srgbClr val="FFFFFF"/>
+              </a:buClr>
+              <a:buSzPts val="1800"/>
+              <a:buChar char="●"/>
             </a:pPr>
             <a:r>
-              <a:t/>
+              <a:rPr lang="en" sz="1800">
+                <a:solidFill>
+                  <a:srgbClr val="FFFFFF"/>
+                </a:solidFill>
+              </a:rPr>
+              <a:t>But to make the model more generic we also introduced a few parameters for the social factors that would depend on the use case domain. </a:t>
             </a:r>
             <a:endParaRPr sz="1800">
               <a:solidFill>
@@ -7295,7 +7508,7 @@
           </a:bodyPr>
           <a:lstStyle/>
           <a:p>
-            <a:pPr indent="0" lvl="0" marL="457200" rtl="0" algn="just">
+            <a:pPr indent="-342900" lvl="0" marL="457200" rtl="0" algn="just">
               <a:lnSpc>
                 <a:spcPct val="115000"/>
               </a:lnSpc>
@@ -7305,7 +7518,11 @@
               <a:spcAft>
                 <a:spcPts val="0"/>
               </a:spcAft>
-              <a:buNone/>
+              <a:buClr>
+                <a:srgbClr val="FFFFFF"/>
+              </a:buClr>
+              <a:buSzPts val="1800"/>
+              <a:buChar char="●"/>
             </a:pPr>
             <a:r>
               <a:rPr lang="en" sz="1800">
@@ -7313,7 +7530,69 @@
                   <a:srgbClr val="FFFFFF"/>
                 </a:solidFill>
               </a:rPr>
-              <a:t>The models had to be developed on the Lagrangian bias removed data sets and had work in all domains like spam calls, phishing emails and inappropriate conversations in social media. As a result they had to be tested against the same CVSS standard.  As the output is scalar as with the CVSS standard we could go with the k-means models as they would be efficient and generic enough.</a:t>
+              <a:t>The models had to be developed on the Lagrangian bias removed data sets and had work in all domains like spam calls, phishing emails and inappropriate conversations in social media. </a:t>
+            </a:r>
+            <a:endParaRPr sz="1800">
+              <a:solidFill>
+                <a:srgbClr val="FFFFFF"/>
+              </a:solidFill>
+            </a:endParaRPr>
+          </a:p>
+          <a:p>
+            <a:pPr indent="-342900" lvl="0" marL="457200" rtl="0" algn="just">
+              <a:lnSpc>
+                <a:spcPct val="115000"/>
+              </a:lnSpc>
+              <a:spcBef>
+                <a:spcPts val="0"/>
+              </a:spcBef>
+              <a:spcAft>
+                <a:spcPts val="0"/>
+              </a:spcAft>
+              <a:buClr>
+                <a:srgbClr val="FFFFFF"/>
+              </a:buClr>
+              <a:buSzPts val="1800"/>
+              <a:buChar char="●"/>
+            </a:pPr>
+            <a:r>
+              <a:rPr lang="en" sz="1800">
+                <a:solidFill>
+                  <a:srgbClr val="FFFFFF"/>
+                </a:solidFill>
+              </a:rPr>
+              <a:t>As a result they had to be tested against the same CVSS standard.  </a:t>
+            </a:r>
+            <a:endParaRPr sz="1800">
+              <a:solidFill>
+                <a:srgbClr val="FFFFFF"/>
+              </a:solidFill>
+            </a:endParaRPr>
+          </a:p>
+          <a:p>
+            <a:pPr indent="-342900" lvl="0" marL="457200" rtl="0" algn="just">
+              <a:lnSpc>
+                <a:spcPct val="115000"/>
+              </a:lnSpc>
+              <a:spcBef>
+                <a:spcPts val="0"/>
+              </a:spcBef>
+              <a:spcAft>
+                <a:spcPts val="0"/>
+              </a:spcAft>
+              <a:buClr>
+                <a:srgbClr val="FFFFFF"/>
+              </a:buClr>
+              <a:buSzPts val="1800"/>
+              <a:buChar char="●"/>
+            </a:pPr>
+            <a:r>
+              <a:rPr lang="en" sz="1800">
+                <a:solidFill>
+                  <a:srgbClr val="FFFFFF"/>
+                </a:solidFill>
+              </a:rPr>
+              <a:t>The scalar output with the CVSS standard we could go with the k-means models as they would be efficient and generic enough.</a:t>
             </a:r>
             <a:endParaRPr sz="1800">
               <a:solidFill>
@@ -7422,7 +7701,7 @@
           </a:bodyPr>
           <a:lstStyle/>
           <a:p>
-            <a:pPr indent="0" lvl="0" marL="457200" rtl="0" algn="just">
+            <a:pPr indent="-342900" lvl="0" marL="457200" rtl="0" algn="just">
               <a:lnSpc>
                 <a:spcPct val="115000"/>
               </a:lnSpc>
@@ -7432,7 +7711,11 @@
               <a:spcAft>
                 <a:spcPts val="0"/>
               </a:spcAft>
-              <a:buNone/>
+              <a:buClr>
+                <a:srgbClr val="FFFFFF"/>
+              </a:buClr>
+              <a:buSzPts val="1800"/>
+              <a:buChar char="●"/>
             </a:pPr>
             <a:r>
               <a:rPr lang="en" sz="1800">
@@ -7440,7 +7723,100 @@
                   <a:srgbClr val="FFFFFF"/>
                 </a:solidFill>
               </a:rPr>
-              <a:t>To test the models the golden standard of Common Vulnerability Scoring System (CVSS) v3.0 standards was used. This gives a score from 0 to 10 based on the ease to exploit the vulnerability and the industry impact it will be having. Thus the above will act as the gold standard. We will also check the information gain from the clustering of the data points and try to arrive at conclusions.</a:t>
+              <a:t>Common Vulnerability Scoring System (CVSS) v3.0 standards</a:t>
+            </a:r>
+            <a:endParaRPr sz="1800">
+              <a:solidFill>
+                <a:srgbClr val="FFFFFF"/>
+              </a:solidFill>
+            </a:endParaRPr>
+          </a:p>
+          <a:p>
+            <a:pPr indent="-342900" lvl="0" marL="457200" rtl="0" algn="just">
+              <a:lnSpc>
+                <a:spcPct val="115000"/>
+              </a:lnSpc>
+              <a:spcBef>
+                <a:spcPts val="0"/>
+              </a:spcBef>
+              <a:spcAft>
+                <a:spcPts val="0"/>
+              </a:spcAft>
+              <a:buClr>
+                <a:srgbClr val="FFFFFF"/>
+              </a:buClr>
+              <a:buSzPts val="1800"/>
+              <a:buChar char="●"/>
+            </a:pPr>
+            <a:r>
+              <a:rPr lang="en" sz="1800">
+                <a:solidFill>
+                  <a:srgbClr val="FFFFFF"/>
+                </a:solidFill>
+              </a:rPr>
+              <a:t>Score from 0 to 10 based on the ease to exploit the vulnerability and the industry impact it will be having. </a:t>
+            </a:r>
+            <a:endParaRPr sz="1800">
+              <a:solidFill>
+                <a:srgbClr val="FFFFFF"/>
+              </a:solidFill>
+            </a:endParaRPr>
+          </a:p>
+          <a:p>
+            <a:pPr indent="-342900" lvl="0" marL="457200" rtl="0" algn="just">
+              <a:lnSpc>
+                <a:spcPct val="115000"/>
+              </a:lnSpc>
+              <a:spcBef>
+                <a:spcPts val="0"/>
+              </a:spcBef>
+              <a:spcAft>
+                <a:spcPts val="0"/>
+              </a:spcAft>
+              <a:buClr>
+                <a:srgbClr val="FFFFFF"/>
+              </a:buClr>
+              <a:buSzPts val="1800"/>
+              <a:buChar char="●"/>
+            </a:pPr>
+            <a:r>
+              <a:rPr lang="en" sz="1800">
+                <a:solidFill>
+                  <a:srgbClr val="FFFFFF"/>
+                </a:solidFill>
+              </a:rPr>
+              <a:t>Gold standard. </a:t>
+            </a:r>
+            <a:endParaRPr sz="1800">
+              <a:solidFill>
+                <a:srgbClr val="FFFFFF"/>
+              </a:solidFill>
+            </a:endParaRPr>
+          </a:p>
+          <a:p>
+            <a:pPr indent="-342900" lvl="0" marL="457200" rtl="0" algn="just">
+              <a:lnSpc>
+                <a:spcPct val="115000"/>
+              </a:lnSpc>
+              <a:spcBef>
+                <a:spcPts val="0"/>
+              </a:spcBef>
+              <a:spcAft>
+                <a:spcPts val="0"/>
+              </a:spcAft>
+              <a:buClr>
+                <a:srgbClr val="FFFFFF"/>
+              </a:buClr>
+              <a:buSzPts val="1800"/>
+              <a:buChar char="●"/>
+            </a:pPr>
+            <a:r>
+              <a:rPr lang="en" sz="1800">
+                <a:solidFill>
+                  <a:srgbClr val="FFFFFF"/>
+                </a:solidFill>
+              </a:rPr>
+              <a:t>We will also check the information gain from the clustering of the data points and try to arrive at conclusions.</a:t>
             </a:r>
             <a:endParaRPr sz="1800">
               <a:solidFill>
@@ -7485,6 +7861,602 @@
         </p:nvSpPr>
         <p:spPr>
           <a:xfrm>
+            <a:off x="1576950" y="708825"/>
+            <a:ext cx="5990100" cy="860700"/>
+          </a:xfrm>
+          <a:prstGeom prst="rect">
+            <a:avLst/>
+          </a:prstGeom>
+        </p:spPr>
+        <p:txBody>
+          <a:bodyPr anchorCtr="0" anchor="b" bIns="91425" lIns="91425" spcFirstLastPara="1" rIns="91425" wrap="square" tIns="91425">
+            <a:noAutofit/>
+          </a:bodyPr>
+          <a:lstStyle/>
+          <a:p>
+            <a:pPr indent="0" lvl="0" marL="0" rtl="0" algn="ctr">
+              <a:lnSpc>
+                <a:spcPct val="115000"/>
+              </a:lnSpc>
+              <a:spcBef>
+                <a:spcPts val="0"/>
+              </a:spcBef>
+              <a:spcAft>
+                <a:spcPts val="0"/>
+              </a:spcAft>
+              <a:buNone/>
+            </a:pPr>
+            <a:r>
+              <a:rPr b="1" lang="en" sz="3000">
+                <a:solidFill>
+                  <a:srgbClr val="FFFFFF"/>
+                </a:solidFill>
+              </a:rPr>
+              <a:t>IMPLEMENTATION</a:t>
+            </a:r>
+            <a:endParaRPr b="1" sz="3000">
+              <a:solidFill>
+                <a:srgbClr val="FFFFFF"/>
+              </a:solidFill>
+            </a:endParaRPr>
+          </a:p>
+        </p:txBody>
+      </p:sp>
+      <p:sp>
+        <p:nvSpPr>
+          <p:cNvPr id="127" name="Google Shape;127;p25"/>
+          <p:cNvSpPr txBox="1"/>
+          <p:nvPr>
+            <p:ph idx="1" type="subTitle"/>
+          </p:nvPr>
+        </p:nvSpPr>
+        <p:spPr>
+          <a:xfrm>
+            <a:off x="516925" y="1927500"/>
+            <a:ext cx="7955700" cy="2342700"/>
+          </a:xfrm>
+          <a:prstGeom prst="rect">
+            <a:avLst/>
+          </a:prstGeom>
+        </p:spPr>
+        <p:txBody>
+          <a:bodyPr anchorCtr="0" anchor="t" bIns="91425" lIns="91425" spcFirstLastPara="1" rIns="91425" wrap="square" tIns="91425">
+            <a:noAutofit/>
+          </a:bodyPr>
+          <a:lstStyle/>
+          <a:p>
+            <a:pPr indent="-342900" lvl="0" marL="457200" rtl="0" algn="just">
+              <a:lnSpc>
+                <a:spcPct val="115000"/>
+              </a:lnSpc>
+              <a:spcBef>
+                <a:spcPts val="0"/>
+              </a:spcBef>
+              <a:spcAft>
+                <a:spcPts val="0"/>
+              </a:spcAft>
+              <a:buClr>
+                <a:srgbClr val="FFFFFF"/>
+              </a:buClr>
+              <a:buSzPts val="1800"/>
+              <a:buChar char="●"/>
+            </a:pPr>
+            <a:r>
+              <a:rPr lang="en" sz="1800">
+                <a:solidFill>
+                  <a:srgbClr val="FFFFFF"/>
+                </a:solidFill>
+              </a:rPr>
+              <a:t>Python with Jupyter Notebook</a:t>
+            </a:r>
+            <a:endParaRPr sz="1800">
+              <a:solidFill>
+                <a:srgbClr val="FFFFFF"/>
+              </a:solidFill>
+            </a:endParaRPr>
+          </a:p>
+          <a:p>
+            <a:pPr indent="-342900" lvl="0" marL="457200" rtl="0" algn="just">
+              <a:lnSpc>
+                <a:spcPct val="115000"/>
+              </a:lnSpc>
+              <a:spcBef>
+                <a:spcPts val="0"/>
+              </a:spcBef>
+              <a:spcAft>
+                <a:spcPts val="0"/>
+              </a:spcAft>
+              <a:buClr>
+                <a:srgbClr val="FFFFFF"/>
+              </a:buClr>
+              <a:buSzPts val="1800"/>
+              <a:buChar char="●"/>
+            </a:pPr>
+            <a:r>
+              <a:rPr lang="en" sz="1800">
+                <a:solidFill>
+                  <a:srgbClr val="FFFFFF"/>
+                </a:solidFill>
+              </a:rPr>
+              <a:t>Pandas, NumPy, BeautifulSoup, matplotlib, sklearn</a:t>
+            </a:r>
+            <a:endParaRPr sz="1800">
+              <a:solidFill>
+                <a:srgbClr val="FFFFFF"/>
+              </a:solidFill>
+            </a:endParaRPr>
+          </a:p>
+          <a:p>
+            <a:pPr indent="-342900" lvl="0" marL="457200" rtl="0" algn="just">
+              <a:lnSpc>
+                <a:spcPct val="115000"/>
+              </a:lnSpc>
+              <a:spcBef>
+                <a:spcPts val="0"/>
+              </a:spcBef>
+              <a:spcAft>
+                <a:spcPts val="0"/>
+              </a:spcAft>
+              <a:buClr>
+                <a:srgbClr val="FFFFFF"/>
+              </a:buClr>
+              <a:buSzPts val="1800"/>
+              <a:buChar char="●"/>
+            </a:pPr>
+            <a:r>
+              <a:rPr lang="en" sz="1800">
+                <a:solidFill>
+                  <a:srgbClr val="FFFFFF"/>
+                </a:solidFill>
+              </a:rPr>
+              <a:t>K-mean cluster</a:t>
+            </a:r>
+            <a:endParaRPr sz="1800">
+              <a:solidFill>
+                <a:srgbClr val="FFFFFF"/>
+              </a:solidFill>
+            </a:endParaRPr>
+          </a:p>
+          <a:p>
+            <a:pPr indent="-342900" lvl="0" marL="457200" rtl="0" algn="just">
+              <a:lnSpc>
+                <a:spcPct val="115000"/>
+              </a:lnSpc>
+              <a:spcBef>
+                <a:spcPts val="0"/>
+              </a:spcBef>
+              <a:spcAft>
+                <a:spcPts val="0"/>
+              </a:spcAft>
+              <a:buClr>
+                <a:srgbClr val="FFFFFF"/>
+              </a:buClr>
+              <a:buSzPts val="1800"/>
+              <a:buChar char="●"/>
+            </a:pPr>
+            <a:r>
+              <a:rPr lang="en" sz="1800">
+                <a:solidFill>
+                  <a:srgbClr val="FFFFFF"/>
+                </a:solidFill>
+              </a:rPr>
+              <a:t>Silhouette analysis cluster size 6</a:t>
+            </a:r>
+            <a:endParaRPr sz="1800">
+              <a:solidFill>
+                <a:srgbClr val="FFFFFF"/>
+              </a:solidFill>
+            </a:endParaRPr>
+          </a:p>
+          <a:p>
+            <a:pPr indent="-342900" lvl="0" marL="457200" rtl="0" algn="just">
+              <a:lnSpc>
+                <a:spcPct val="115000"/>
+              </a:lnSpc>
+              <a:spcBef>
+                <a:spcPts val="0"/>
+              </a:spcBef>
+              <a:spcAft>
+                <a:spcPts val="0"/>
+              </a:spcAft>
+              <a:buClr>
+                <a:srgbClr val="FFFFFF"/>
+              </a:buClr>
+              <a:buSzPts val="1800"/>
+              <a:buChar char="●"/>
+            </a:pPr>
+            <a:r>
+              <a:rPr lang="en" sz="1800">
+                <a:solidFill>
+                  <a:srgbClr val="FFFFFF"/>
+                </a:solidFill>
+              </a:rPr>
+              <a:t>Plot </a:t>
+            </a:r>
+            <a:r>
+              <a:rPr lang="en" sz="1800">
+                <a:solidFill>
+                  <a:srgbClr val="FFFFFF"/>
+                </a:solidFill>
+              </a:rPr>
+              <a:t>exploitability</a:t>
+            </a:r>
+            <a:r>
+              <a:rPr lang="en" sz="1800">
+                <a:solidFill>
+                  <a:srgbClr val="FFFFFF"/>
+                </a:solidFill>
+              </a:rPr>
+              <a:t> with impact score for a basic idea</a:t>
+            </a:r>
+            <a:endParaRPr sz="1800">
+              <a:solidFill>
+                <a:srgbClr val="FFFFFF"/>
+              </a:solidFill>
+            </a:endParaRPr>
+          </a:p>
+          <a:p>
+            <a:pPr indent="-342900" lvl="0" marL="457200" rtl="0" algn="just">
+              <a:lnSpc>
+                <a:spcPct val="115000"/>
+              </a:lnSpc>
+              <a:spcBef>
+                <a:spcPts val="0"/>
+              </a:spcBef>
+              <a:spcAft>
+                <a:spcPts val="0"/>
+              </a:spcAft>
+              <a:buClr>
+                <a:srgbClr val="FFFFFF"/>
+              </a:buClr>
+              <a:buSzPts val="1800"/>
+              <a:buChar char="●"/>
+            </a:pPr>
+            <a:r>
+              <a:rPr lang="en" sz="1800">
+                <a:solidFill>
+                  <a:srgbClr val="FFFFFF"/>
+                </a:solidFill>
+              </a:rPr>
+              <a:t>Equifax hack with CVE-2017-5638</a:t>
+            </a:r>
+            <a:endParaRPr sz="1800">
+              <a:solidFill>
+                <a:srgbClr val="FFFFFF"/>
+              </a:solidFill>
+            </a:endParaRPr>
+          </a:p>
+        </p:txBody>
+      </p:sp>
+    </p:spTree>
+  </p:cSld>
+  <p:clrMapOvr>
+    <a:masterClrMapping/>
+  </p:clrMapOvr>
+</p:sld>
+</file>
+
+<file path=ppt/slides/slide14.xml><?xml version="1.0" encoding="utf-8"?>
+<p:sld xmlns:a="http://schemas.openxmlformats.org/drawingml/2006/main" xmlns:r="http://schemas.openxmlformats.org/officeDocument/2006/relationships" xmlns:mc="http://schemas.openxmlformats.org/markup-compatibility/2006" xmlns:mv="urn:schemas-microsoft-com:mac:vml" xmlns:p="http://schemas.openxmlformats.org/presentationml/2006/main" xmlns:c="http://schemas.openxmlformats.org/drawingml/2006/chart" xmlns:dgm="http://schemas.openxmlformats.org/drawingml/2006/diagram" xmlns:o="urn:schemas-microsoft-com:office:office" xmlns:v="urn:schemas-microsoft-com:vml" xmlns:pvml="urn:schemas-microsoft-com:office:powerpoint" xmlns:com="http://schemas.openxmlformats.org/drawingml/2006/compatibility" xmlns:p14="http://schemas.microsoft.com/office/powerpoint/2010/main" xmlns:p15="http://schemas.microsoft.com/office/powerpoint/2012/main">
+  <p:cSld>
+    <p:spTree>
+      <p:nvGrpSpPr>
+        <p:cNvPr id="131" name="Shape 131"/>
+        <p:cNvGrpSpPr/>
+        <p:nvPr/>
+      </p:nvGrpSpPr>
+      <p:grpSpPr>
+        <a:xfrm>
+          <a:off x="0" y="0"/>
+          <a:ext cx="0" cy="0"/>
+          <a:chOff x="0" y="0"/>
+          <a:chExt cx="0" cy="0"/>
+        </a:xfrm>
+      </p:grpSpPr>
+      <p:sp>
+        <p:nvSpPr>
+          <p:cNvPr id="132" name="Google Shape;132;p26"/>
+          <p:cNvSpPr txBox="1"/>
+          <p:nvPr>
+            <p:ph type="ctrTitle"/>
+          </p:nvPr>
+        </p:nvSpPr>
+        <p:spPr>
+          <a:xfrm>
+            <a:off x="1576950" y="708825"/>
+            <a:ext cx="5990100" cy="860700"/>
+          </a:xfrm>
+          <a:prstGeom prst="rect">
+            <a:avLst/>
+          </a:prstGeom>
+        </p:spPr>
+        <p:txBody>
+          <a:bodyPr anchorCtr="0" anchor="b" bIns="91425" lIns="91425" spcFirstLastPara="1" rIns="91425" wrap="square" tIns="91425">
+            <a:noAutofit/>
+          </a:bodyPr>
+          <a:lstStyle/>
+          <a:p>
+            <a:pPr indent="0" lvl="0" marL="0" rtl="0" algn="ctr">
+              <a:lnSpc>
+                <a:spcPct val="115000"/>
+              </a:lnSpc>
+              <a:spcBef>
+                <a:spcPts val="0"/>
+              </a:spcBef>
+              <a:spcAft>
+                <a:spcPts val="0"/>
+              </a:spcAft>
+              <a:buNone/>
+            </a:pPr>
+            <a:r>
+              <a:rPr b="1" lang="en" sz="3000">
+                <a:solidFill>
+                  <a:srgbClr val="FFFFFF"/>
+                </a:solidFill>
+              </a:rPr>
+              <a:t>CONCLUSIONS</a:t>
+            </a:r>
+            <a:endParaRPr b="1" sz="3000">
+              <a:solidFill>
+                <a:srgbClr val="FFFFFF"/>
+              </a:solidFill>
+            </a:endParaRPr>
+          </a:p>
+        </p:txBody>
+      </p:sp>
+      <p:sp>
+        <p:nvSpPr>
+          <p:cNvPr id="133" name="Google Shape;133;p26"/>
+          <p:cNvSpPr txBox="1"/>
+          <p:nvPr>
+            <p:ph idx="1" type="subTitle"/>
+          </p:nvPr>
+        </p:nvSpPr>
+        <p:spPr>
+          <a:xfrm>
+            <a:off x="516925" y="1927500"/>
+            <a:ext cx="7955700" cy="2342700"/>
+          </a:xfrm>
+          <a:prstGeom prst="rect">
+            <a:avLst/>
+          </a:prstGeom>
+        </p:spPr>
+        <p:txBody>
+          <a:bodyPr anchorCtr="0" anchor="t" bIns="91425" lIns="91425" spcFirstLastPara="1" rIns="91425" wrap="square" tIns="91425">
+            <a:noAutofit/>
+          </a:bodyPr>
+          <a:lstStyle/>
+          <a:p>
+            <a:pPr indent="-342900" lvl="0" marL="457200" rtl="0" algn="just">
+              <a:lnSpc>
+                <a:spcPct val="115000"/>
+              </a:lnSpc>
+              <a:spcBef>
+                <a:spcPts val="0"/>
+              </a:spcBef>
+              <a:spcAft>
+                <a:spcPts val="0"/>
+              </a:spcAft>
+              <a:buClr>
+                <a:srgbClr val="FFFFFF"/>
+              </a:buClr>
+              <a:buSzPts val="1800"/>
+              <a:buChar char="●"/>
+            </a:pPr>
+            <a:r>
+              <a:rPr lang="en" sz="1800">
+                <a:solidFill>
+                  <a:srgbClr val="FFFFFF"/>
+                </a:solidFill>
+              </a:rPr>
+              <a:t>Known </a:t>
+            </a:r>
+            <a:r>
+              <a:rPr lang="en" sz="1800">
+                <a:solidFill>
+                  <a:srgbClr val="FFFFFF"/>
+                </a:solidFill>
+              </a:rPr>
+              <a:t>vulnerabilities</a:t>
+            </a:r>
+            <a:endParaRPr sz="1800">
+              <a:solidFill>
+                <a:srgbClr val="FFFFFF"/>
+              </a:solidFill>
+            </a:endParaRPr>
+          </a:p>
+          <a:p>
+            <a:pPr indent="-342900" lvl="0" marL="457200" rtl="0" algn="just">
+              <a:lnSpc>
+                <a:spcPct val="115000"/>
+              </a:lnSpc>
+              <a:spcBef>
+                <a:spcPts val="0"/>
+              </a:spcBef>
+              <a:spcAft>
+                <a:spcPts val="0"/>
+              </a:spcAft>
+              <a:buClr>
+                <a:srgbClr val="FFFFFF"/>
+              </a:buClr>
+              <a:buSzPts val="1800"/>
+              <a:buChar char="●"/>
+            </a:pPr>
+            <a:r>
+              <a:rPr lang="en" sz="1800">
+                <a:solidFill>
+                  <a:srgbClr val="FFFFFF"/>
+                </a:solidFill>
+              </a:rPr>
+              <a:t>Form correct clusters based on seriousness</a:t>
+            </a:r>
+            <a:endParaRPr sz="1800">
+              <a:solidFill>
+                <a:srgbClr val="FFFFFF"/>
+              </a:solidFill>
+            </a:endParaRPr>
+          </a:p>
+          <a:p>
+            <a:pPr indent="-342900" lvl="0" marL="457200" rtl="0" algn="just">
+              <a:lnSpc>
+                <a:spcPct val="115000"/>
+              </a:lnSpc>
+              <a:spcBef>
+                <a:spcPts val="0"/>
+              </a:spcBef>
+              <a:spcAft>
+                <a:spcPts val="0"/>
+              </a:spcAft>
+              <a:buClr>
+                <a:srgbClr val="FFFFFF"/>
+              </a:buClr>
+              <a:buSzPts val="1800"/>
+              <a:buChar char="●"/>
+            </a:pPr>
+            <a:r>
+              <a:rPr lang="en" sz="1800">
+                <a:solidFill>
+                  <a:srgbClr val="FFFFFF"/>
+                </a:solidFill>
+              </a:rPr>
+              <a:t>K-mean cluster</a:t>
+            </a:r>
+            <a:endParaRPr sz="1800">
+              <a:solidFill>
+                <a:srgbClr val="FFFFFF"/>
+              </a:solidFill>
+            </a:endParaRPr>
+          </a:p>
+          <a:p>
+            <a:pPr indent="-342900" lvl="0" marL="457200" rtl="0" algn="just">
+              <a:lnSpc>
+                <a:spcPct val="115000"/>
+              </a:lnSpc>
+              <a:spcBef>
+                <a:spcPts val="0"/>
+              </a:spcBef>
+              <a:spcAft>
+                <a:spcPts val="0"/>
+              </a:spcAft>
+              <a:buClr>
+                <a:srgbClr val="FFFFFF"/>
+              </a:buClr>
+              <a:buSzPts val="1800"/>
+              <a:buChar char="●"/>
+            </a:pPr>
+            <a:r>
+              <a:rPr lang="en" sz="1800">
+                <a:solidFill>
+                  <a:srgbClr val="FFFFFF"/>
+                </a:solidFill>
+              </a:rPr>
+              <a:t>rules of thumb</a:t>
+            </a:r>
+            <a:endParaRPr sz="1800">
+              <a:solidFill>
+                <a:srgbClr val="FFFFFF"/>
+              </a:solidFill>
+            </a:endParaRPr>
+          </a:p>
+          <a:p>
+            <a:pPr indent="-342900" lvl="0" marL="457200" rtl="0" algn="just">
+              <a:lnSpc>
+                <a:spcPct val="115000"/>
+              </a:lnSpc>
+              <a:spcBef>
+                <a:spcPts val="0"/>
+              </a:spcBef>
+              <a:spcAft>
+                <a:spcPts val="0"/>
+              </a:spcAft>
+              <a:buClr>
+                <a:srgbClr val="FFFFFF"/>
+              </a:buClr>
+              <a:buSzPts val="1800"/>
+              <a:buChar char="●"/>
+            </a:pPr>
+            <a:r>
+              <a:rPr lang="en" sz="1800">
+                <a:solidFill>
+                  <a:srgbClr val="FFFFFF"/>
+                </a:solidFill>
+              </a:rPr>
+              <a:t>exploitable vulnerabilities are quite common</a:t>
+            </a:r>
+            <a:endParaRPr sz="1800">
+              <a:solidFill>
+                <a:srgbClr val="FFFFFF"/>
+              </a:solidFill>
+            </a:endParaRPr>
+          </a:p>
+          <a:p>
+            <a:pPr indent="-342900" lvl="0" marL="457200" rtl="0" algn="just">
+              <a:lnSpc>
+                <a:spcPct val="115000"/>
+              </a:lnSpc>
+              <a:spcBef>
+                <a:spcPts val="0"/>
+              </a:spcBef>
+              <a:spcAft>
+                <a:spcPts val="0"/>
+              </a:spcAft>
+              <a:buClr>
+                <a:srgbClr val="FFFFFF"/>
+              </a:buClr>
+              <a:buSzPts val="1800"/>
+              <a:buChar char="●"/>
+            </a:pPr>
+            <a:r>
+              <a:rPr lang="en" sz="1800">
+                <a:solidFill>
+                  <a:srgbClr val="FFFFFF"/>
+                </a:solidFill>
+              </a:rPr>
+              <a:t>vulnerabilities share some common characteristics</a:t>
+            </a:r>
+            <a:endParaRPr sz="1800">
+              <a:solidFill>
+                <a:srgbClr val="FFFFFF"/>
+              </a:solidFill>
+            </a:endParaRPr>
+          </a:p>
+        </p:txBody>
+      </p:sp>
+    </p:spTree>
+  </p:cSld>
+  <p:clrMapOvr>
+    <a:masterClrMapping/>
+  </p:clrMapOvr>
+</p:sld>
+</file>
+
+<file path=ppt/slides/slide15.xml><?xml version="1.0" encoding="utf-8"?>
+<p:sld xmlns:a="http://schemas.openxmlformats.org/drawingml/2006/main" xmlns:r="http://schemas.openxmlformats.org/officeDocument/2006/relationships" xmlns:mc="http://schemas.openxmlformats.org/markup-compatibility/2006" xmlns:mv="urn:schemas-microsoft-com:mac:vml" xmlns:p="http://schemas.openxmlformats.org/presentationml/2006/main" xmlns:c="http://schemas.openxmlformats.org/drawingml/2006/chart" xmlns:dgm="http://schemas.openxmlformats.org/drawingml/2006/diagram" xmlns:o="urn:schemas-microsoft-com:office:office" xmlns:v="urn:schemas-microsoft-com:vml" xmlns:pvml="urn:schemas-microsoft-com:office:powerpoint" xmlns:com="http://schemas.openxmlformats.org/drawingml/2006/compatibility" xmlns:p14="http://schemas.microsoft.com/office/powerpoint/2010/main" xmlns:p15="http://schemas.microsoft.com/office/powerpoint/2012/main">
+  <p:cSld>
+    <p:spTree>
+      <p:nvGrpSpPr>
+        <p:cNvPr id="137" name="Shape 137"/>
+        <p:cNvGrpSpPr/>
+        <p:nvPr/>
+      </p:nvGrpSpPr>
+      <p:grpSpPr>
+        <a:xfrm>
+          <a:off x="0" y="0"/>
+          <a:ext cx="0" cy="0"/>
+          <a:chOff x="0" y="0"/>
+          <a:chExt cx="0" cy="0"/>
+        </a:xfrm>
+      </p:grpSpPr>
+      <p:sp>
+        <p:nvSpPr>
+          <p:cNvPr id="138" name="Google Shape;138;p27"/>
+          <p:cNvSpPr txBox="1"/>
+          <p:nvPr>
+            <p:ph type="ctrTitle"/>
+          </p:nvPr>
+        </p:nvSpPr>
+        <p:spPr>
+          <a:xfrm>
             <a:off x="3164875" y="708825"/>
             <a:ext cx="2910600" cy="860700"/>
           </a:xfrm>
@@ -7528,7 +8500,7 @@
       </p:sp>
       <p:sp>
         <p:nvSpPr>
-          <p:cNvPr id="127" name="Google Shape;127;p25"/>
+          <p:cNvPr id="139" name="Google Shape;139;p27"/>
           <p:cNvSpPr txBox="1"/>
           <p:nvPr>
             <p:ph idx="1" type="subTitle"/>
@@ -8780,7 +9752,7 @@
           </a:bodyPr>
           <a:lstStyle/>
           <a:p>
-            <a:pPr indent="0" lvl="0" marL="457200" rtl="0" algn="just">
+            <a:pPr indent="-342900" lvl="0" marL="457200" rtl="0" algn="just">
               <a:lnSpc>
                 <a:spcPct val="115000"/>
               </a:lnSpc>
@@ -8790,7 +9762,11 @@
               <a:spcAft>
                 <a:spcPts val="0"/>
               </a:spcAft>
-              <a:buNone/>
+              <a:buClr>
+                <a:srgbClr val="FFFFFF"/>
+              </a:buClr>
+              <a:buSzPts val="1800"/>
+              <a:buChar char="●"/>
             </a:pPr>
             <a:r>
               <a:rPr lang="en" sz="1800">
@@ -8798,7 +9774,38 @@
                   <a:srgbClr val="FFFFFF"/>
                 </a:solidFill>
               </a:rPr>
-              <a:t>The data set provided by the National Vulnerability Database maintained by the U.S. Department of Homeland Security’s Computer Emergency Readiness Team (US-CERT) has been used. We used python to build all the modules. These data sets were provided at different endpoints by the organisation for the CDN to reduce the server load. Packages in python were used to hit the server and concatenate the data into a JSON file.</a:t>
+              <a:t>The data set provided by the National Vulnerability Database maintained by the U.S. Department of Homeland Security’s Computer Emergency Readiness Team (US-CERT) has been used. </a:t>
+            </a:r>
+            <a:endParaRPr sz="1800">
+              <a:solidFill>
+                <a:srgbClr val="FFFFFF"/>
+              </a:solidFill>
+            </a:endParaRPr>
+          </a:p>
+          <a:p>
+            <a:pPr indent="-342900" lvl="0" marL="457200" rtl="0" algn="just">
+              <a:lnSpc>
+                <a:spcPct val="115000"/>
+              </a:lnSpc>
+              <a:spcBef>
+                <a:spcPts val="0"/>
+              </a:spcBef>
+              <a:spcAft>
+                <a:spcPts val="0"/>
+              </a:spcAft>
+              <a:buClr>
+                <a:srgbClr val="FFFFFF"/>
+              </a:buClr>
+              <a:buSzPts val="1800"/>
+              <a:buChar char="●"/>
+            </a:pPr>
+            <a:r>
+              <a:rPr lang="en" sz="1800">
+                <a:solidFill>
+                  <a:srgbClr val="FFFFFF"/>
+                </a:solidFill>
+              </a:rPr>
+              <a:t>Hit the server and concatenate the data into a JSON file.</a:t>
             </a:r>
             <a:endParaRPr sz="1800">
               <a:solidFill>
@@ -8951,7 +9958,7 @@
           </a:bodyPr>
           <a:lstStyle/>
           <a:p>
-            <a:pPr indent="0" lvl="0" marL="457200" rtl="0" algn="just">
+            <a:pPr indent="-342900" lvl="0" marL="457200" rtl="0" algn="just">
               <a:lnSpc>
                 <a:spcPct val="115000"/>
               </a:lnSpc>
@@ -8961,7 +9968,11 @@
               <a:spcAft>
                 <a:spcPts val="0"/>
               </a:spcAft>
-              <a:buNone/>
+              <a:buClr>
+                <a:srgbClr val="FFFFFF"/>
+              </a:buClr>
+              <a:buSzPts val="1800"/>
+              <a:buChar char="●"/>
             </a:pPr>
             <a:r>
               <a:rPr lang="en" sz="1800">
@@ -8969,7 +9980,85 @@
                   <a:srgbClr val="FFFFFF"/>
                 </a:solidFill>
               </a:rPr>
-              <a:t>The data was accumulated as JSON files in accordance to the year of data creation. And as the file size was a bit large we zipped files for later use and loaded them into our local hard disks. The JSON parser module in Python used a custom caching mechanism to provide faster access to the values of the required fields. This component was provided by Pandas and so we stuck to using the same for developing our machine learning models as well.</a:t>
+              <a:t>The data was accumulated as JSON files in accordance to the year of data creation. </a:t>
+            </a:r>
+            <a:endParaRPr sz="1800">
+              <a:solidFill>
+                <a:srgbClr val="FFFFFF"/>
+              </a:solidFill>
+            </a:endParaRPr>
+          </a:p>
+          <a:p>
+            <a:pPr indent="-342900" lvl="0" marL="457200" rtl="0" algn="just">
+              <a:lnSpc>
+                <a:spcPct val="115000"/>
+              </a:lnSpc>
+              <a:spcBef>
+                <a:spcPts val="0"/>
+              </a:spcBef>
+              <a:spcAft>
+                <a:spcPts val="0"/>
+              </a:spcAft>
+              <a:buClr>
+                <a:srgbClr val="FFFFFF"/>
+              </a:buClr>
+              <a:buSzPts val="1800"/>
+              <a:buChar char="●"/>
+            </a:pPr>
+            <a:r>
+              <a:rPr lang="en" sz="1800">
+                <a:solidFill>
+                  <a:srgbClr val="FFFFFF"/>
+                </a:solidFill>
+              </a:rPr>
+              <a:t>Due to the file size was a bit large we zipped files for later use and loaded them into our local hard disks. </a:t>
+            </a:r>
+            <a:endParaRPr sz="1800">
+              <a:solidFill>
+                <a:srgbClr val="FFFFFF"/>
+              </a:solidFill>
+            </a:endParaRPr>
+          </a:p>
+          <a:p>
+            <a:pPr indent="-342900" lvl="0" marL="457200" rtl="0" algn="just">
+              <a:lnSpc>
+                <a:spcPct val="115000"/>
+              </a:lnSpc>
+              <a:spcBef>
+                <a:spcPts val="0"/>
+              </a:spcBef>
+              <a:spcAft>
+                <a:spcPts val="0"/>
+              </a:spcAft>
+              <a:buClr>
+                <a:srgbClr val="FFFFFF"/>
+              </a:buClr>
+              <a:buSzPts val="1800"/>
+              <a:buChar char="●"/>
+            </a:pPr>
+            <a:r>
+              <a:rPr lang="en" sz="1800">
+                <a:solidFill>
+                  <a:srgbClr val="FFFFFF"/>
+                </a:solidFill>
+              </a:rPr>
+              <a:t>The caching and </a:t>
+            </a:r>
+            <a:r>
+              <a:rPr lang="en" sz="1800">
+                <a:solidFill>
+                  <a:srgbClr val="FFFFFF"/>
+                </a:solidFill>
+              </a:rPr>
+              <a:t>retrieval</a:t>
+            </a:r>
+            <a:r>
+              <a:rPr lang="en" sz="1800">
+                <a:solidFill>
+                  <a:srgbClr val="FFFFFF"/>
+                </a:solidFill>
+              </a:rPr>
+              <a:t> components were provided by Pandas and so we stuck to using the same for developing our machine learning models as well.</a:t>
             </a:r>
             <a:endParaRPr sz="1800">
               <a:solidFill>

--- a/mail these/presentation.pptx
+++ b/mail these/presentation.pptx
@@ -1,33 +1,33 @@
 
 <file path=ppt/presentation.xml><?xml version="1.0" encoding="utf-8"?>
-<p:presentation xmlns:a="http://schemas.openxmlformats.org/drawingml/2006/main" xmlns:r="http://schemas.openxmlformats.org/officeDocument/2006/relationships" xmlns:mc="http://schemas.openxmlformats.org/markup-compatibility/2006" xmlns:mv="urn:schemas-microsoft-com:mac:vml" xmlns:p="http://schemas.openxmlformats.org/presentationml/2006/main" xmlns:c="http://schemas.openxmlformats.org/drawingml/2006/chart" xmlns:dgm="http://schemas.openxmlformats.org/drawingml/2006/diagram" xmlns:o="urn:schemas-microsoft-com:office:office" xmlns:v="urn:schemas-microsoft-com:vml" xmlns:pvml="urn:schemas-microsoft-com:office:powerpoint" xmlns:com="http://schemas.openxmlformats.org/drawingml/2006/compatibility" xmlns:p14="http://schemas.microsoft.com/office/powerpoint/2010/main" xmlns:p15="http://schemas.microsoft.com/office/powerpoint/2012/main" autoCompressPictures="0" strictFirstAndLastChars="0" saveSubsetFonts="1">
+<p:presentation xmlns:a="http://schemas.openxmlformats.org/drawingml/2006/main" xmlns:r="http://schemas.openxmlformats.org/officeDocument/2006/relationships" xmlns:p="http://schemas.openxmlformats.org/presentationml/2006/main" strictFirstAndLastChars="0" saveSubsetFonts="1" autoCompressPictures="0">
   <p:sldMasterIdLst>
-    <p:sldMasterId id="2147483659" r:id="rId4"/>
+    <p:sldMasterId id="2147483659" r:id="rId1"/>
   </p:sldMasterIdLst>
   <p:notesMasterIdLst>
-    <p:notesMasterId r:id="rId5"/>
+    <p:notesMasterId r:id="rId17"/>
   </p:notesMasterIdLst>
   <p:sldIdLst>
-    <p:sldId id="256" r:id="rId6"/>
-    <p:sldId id="257" r:id="rId7"/>
-    <p:sldId id="258" r:id="rId8"/>
-    <p:sldId id="259" r:id="rId9"/>
-    <p:sldId id="260" r:id="rId10"/>
-    <p:sldId id="261" r:id="rId11"/>
-    <p:sldId id="262" r:id="rId12"/>
-    <p:sldId id="263" r:id="rId13"/>
-    <p:sldId id="264" r:id="rId14"/>
-    <p:sldId id="265" r:id="rId15"/>
-    <p:sldId id="266" r:id="rId16"/>
-    <p:sldId id="267" r:id="rId17"/>
-    <p:sldId id="268" r:id="rId18"/>
-    <p:sldId id="269" r:id="rId19"/>
-    <p:sldId id="270" r:id="rId20"/>
+    <p:sldId id="256" r:id="rId2"/>
+    <p:sldId id="257" r:id="rId3"/>
+    <p:sldId id="258" r:id="rId4"/>
+    <p:sldId id="259" r:id="rId5"/>
+    <p:sldId id="260" r:id="rId6"/>
+    <p:sldId id="261" r:id="rId7"/>
+    <p:sldId id="262" r:id="rId8"/>
+    <p:sldId id="263" r:id="rId9"/>
+    <p:sldId id="264" r:id="rId10"/>
+    <p:sldId id="265" r:id="rId11"/>
+    <p:sldId id="266" r:id="rId12"/>
+    <p:sldId id="267" r:id="rId13"/>
+    <p:sldId id="268" r:id="rId14"/>
+    <p:sldId id="269" r:id="rId15"/>
+    <p:sldId id="270" r:id="rId16"/>
   </p:sldIdLst>
-  <p:sldSz cy="5143500" cx="9144000"/>
+  <p:sldSz cx="9144000" cy="5143500" type="screen16x9"/>
   <p:notesSz cx="6858000" cy="9144000"/>
   <p:defaultTextStyle>
-    <a:defPPr lvl="0" marR="0" rtl="0" algn="l">
+    <a:defPPr marR="0" lvl="0" algn="l" rtl="0">
       <a:lnSpc>
         <a:spcPct val="100000"/>
       </a:lnSpc>
@@ -38,7 +38,7 @@
         <a:spcPts val="0"/>
       </a:spcAft>
     </a:defPPr>
-    <a:lvl1pPr lvl="0" marR="0" rtl="0" algn="l">
+    <a:lvl1pPr marR="0" lvl="0" algn="l" rtl="0">
       <a:lnSpc>
         <a:spcPct val="100000"/>
       </a:lnSpc>
@@ -52,7 +52,7 @@
         <a:srgbClr val="000000"/>
       </a:buClr>
       <a:buFont typeface="Arial"/>
-      <a:defRPr b="0" i="0" sz="1400" u="none" cap="none" strike="noStrike">
+      <a:defRPr sz="1400" b="0" i="0" u="none" strike="noStrike" cap="none">
         <a:solidFill>
           <a:srgbClr val="000000"/>
         </a:solidFill>
@@ -62,7 +62,7 @@
         <a:sym typeface="Arial"/>
       </a:defRPr>
     </a:lvl1pPr>
-    <a:lvl2pPr lvl="1" marR="0" rtl="0" algn="l">
+    <a:lvl2pPr marR="0" lvl="1" algn="l" rtl="0">
       <a:lnSpc>
         <a:spcPct val="100000"/>
       </a:lnSpc>
@@ -76,7 +76,7 @@
         <a:srgbClr val="000000"/>
       </a:buClr>
       <a:buFont typeface="Arial"/>
-      <a:defRPr b="0" i="0" sz="1400" u="none" cap="none" strike="noStrike">
+      <a:defRPr sz="1400" b="0" i="0" u="none" strike="noStrike" cap="none">
         <a:solidFill>
           <a:srgbClr val="000000"/>
         </a:solidFill>
@@ -86,7 +86,7 @@
         <a:sym typeface="Arial"/>
       </a:defRPr>
     </a:lvl2pPr>
-    <a:lvl3pPr lvl="2" marR="0" rtl="0" algn="l">
+    <a:lvl3pPr marR="0" lvl="2" algn="l" rtl="0">
       <a:lnSpc>
         <a:spcPct val="100000"/>
       </a:lnSpc>
@@ -100,7 +100,7 @@
         <a:srgbClr val="000000"/>
       </a:buClr>
       <a:buFont typeface="Arial"/>
-      <a:defRPr b="0" i="0" sz="1400" u="none" cap="none" strike="noStrike">
+      <a:defRPr sz="1400" b="0" i="0" u="none" strike="noStrike" cap="none">
         <a:solidFill>
           <a:srgbClr val="000000"/>
         </a:solidFill>
@@ -110,7 +110,7 @@
         <a:sym typeface="Arial"/>
       </a:defRPr>
     </a:lvl3pPr>
-    <a:lvl4pPr lvl="3" marR="0" rtl="0" algn="l">
+    <a:lvl4pPr marR="0" lvl="3" algn="l" rtl="0">
       <a:lnSpc>
         <a:spcPct val="100000"/>
       </a:lnSpc>
@@ -124,7 +124,7 @@
         <a:srgbClr val="000000"/>
       </a:buClr>
       <a:buFont typeface="Arial"/>
-      <a:defRPr b="0" i="0" sz="1400" u="none" cap="none" strike="noStrike">
+      <a:defRPr sz="1400" b="0" i="0" u="none" strike="noStrike" cap="none">
         <a:solidFill>
           <a:srgbClr val="000000"/>
         </a:solidFill>
@@ -134,7 +134,7 @@
         <a:sym typeface="Arial"/>
       </a:defRPr>
     </a:lvl4pPr>
-    <a:lvl5pPr lvl="4" marR="0" rtl="0" algn="l">
+    <a:lvl5pPr marR="0" lvl="4" algn="l" rtl="0">
       <a:lnSpc>
         <a:spcPct val="100000"/>
       </a:lnSpc>
@@ -148,7 +148,7 @@
         <a:srgbClr val="000000"/>
       </a:buClr>
       <a:buFont typeface="Arial"/>
-      <a:defRPr b="0" i="0" sz="1400" u="none" cap="none" strike="noStrike">
+      <a:defRPr sz="1400" b="0" i="0" u="none" strike="noStrike" cap="none">
         <a:solidFill>
           <a:srgbClr val="000000"/>
         </a:solidFill>
@@ -158,7 +158,7 @@
         <a:sym typeface="Arial"/>
       </a:defRPr>
     </a:lvl5pPr>
-    <a:lvl6pPr lvl="5" marR="0" rtl="0" algn="l">
+    <a:lvl6pPr marR="0" lvl="5" algn="l" rtl="0">
       <a:lnSpc>
         <a:spcPct val="100000"/>
       </a:lnSpc>
@@ -172,7 +172,7 @@
         <a:srgbClr val="000000"/>
       </a:buClr>
       <a:buFont typeface="Arial"/>
-      <a:defRPr b="0" i="0" sz="1400" u="none" cap="none" strike="noStrike">
+      <a:defRPr sz="1400" b="0" i="0" u="none" strike="noStrike" cap="none">
         <a:solidFill>
           <a:srgbClr val="000000"/>
         </a:solidFill>
@@ -182,7 +182,7 @@
         <a:sym typeface="Arial"/>
       </a:defRPr>
     </a:lvl6pPr>
-    <a:lvl7pPr lvl="6" marR="0" rtl="0" algn="l">
+    <a:lvl7pPr marR="0" lvl="6" algn="l" rtl="0">
       <a:lnSpc>
         <a:spcPct val="100000"/>
       </a:lnSpc>
@@ -196,7 +196,7 @@
         <a:srgbClr val="000000"/>
       </a:buClr>
       <a:buFont typeface="Arial"/>
-      <a:defRPr b="0" i="0" sz="1400" u="none" cap="none" strike="noStrike">
+      <a:defRPr sz="1400" b="0" i="0" u="none" strike="noStrike" cap="none">
         <a:solidFill>
           <a:srgbClr val="000000"/>
         </a:solidFill>
@@ -206,7 +206,7 @@
         <a:sym typeface="Arial"/>
       </a:defRPr>
     </a:lvl7pPr>
-    <a:lvl8pPr lvl="7" marR="0" rtl="0" algn="l">
+    <a:lvl8pPr marR="0" lvl="7" algn="l" rtl="0">
       <a:lnSpc>
         <a:spcPct val="100000"/>
       </a:lnSpc>
@@ -220,7 +220,7 @@
         <a:srgbClr val="000000"/>
       </a:buClr>
       <a:buFont typeface="Arial"/>
-      <a:defRPr b="0" i="0" sz="1400" u="none" cap="none" strike="noStrike">
+      <a:defRPr sz="1400" b="0" i="0" u="none" strike="noStrike" cap="none">
         <a:solidFill>
           <a:srgbClr val="000000"/>
         </a:solidFill>
@@ -230,7 +230,7 @@
         <a:sym typeface="Arial"/>
       </a:defRPr>
     </a:lvl8pPr>
-    <a:lvl9pPr lvl="8" marR="0" rtl="0" algn="l">
+    <a:lvl9pPr marR="0" lvl="8" algn="l" rtl="0">
       <a:lnSpc>
         <a:spcPct val="100000"/>
       </a:lnSpc>
@@ -244,7 +244,7 @@
         <a:srgbClr val="000000"/>
       </a:buClr>
       <a:buFont typeface="Arial"/>
-      <a:defRPr b="0" i="0" sz="1400" u="none" cap="none" strike="noStrike">
+      <a:defRPr sz="1400" b="0" i="0" u="none" strike="noStrike" cap="none">
         <a:solidFill>
           <a:srgbClr val="000000"/>
         </a:solidFill>
@@ -257,7 +257,7 @@
   </p:defaultTextStyle>
   <p:extLst>
     <p:ext uri="{EFAFB233-063F-42B5-8137-9DF3F51BA10A}">
-      <p15:sldGuideLst>
+      <p15:sldGuideLst xmlns:p15="http://schemas.microsoft.com/office/powerpoint/2012/main">
         <p15:guide id="1" orient="horz" pos="1620">
           <p15:clr>
             <a:srgbClr val="A4A3A4"/>
@@ -275,11 +275,16 @@
 </file>
 
 <file path=ppt/notesMasters/notesMaster1.xml><?xml version="1.0" encoding="utf-8"?>
-<p:notesMaster xmlns:a="http://schemas.openxmlformats.org/drawingml/2006/main" xmlns:r="http://schemas.openxmlformats.org/officeDocument/2006/relationships" xmlns:mc="http://schemas.openxmlformats.org/markup-compatibility/2006" xmlns:mv="urn:schemas-microsoft-com:mac:vml" xmlns:p="http://schemas.openxmlformats.org/presentationml/2006/main" xmlns:c="http://schemas.openxmlformats.org/drawingml/2006/chart" xmlns:dgm="http://schemas.openxmlformats.org/drawingml/2006/diagram" xmlns:o="urn:schemas-microsoft-com:office:office" xmlns:v="urn:schemas-microsoft-com:vml" xmlns:pvml="urn:schemas-microsoft-com:office:powerpoint" xmlns:com="http://schemas.openxmlformats.org/drawingml/2006/compatibility" xmlns:p14="http://schemas.microsoft.com/office/powerpoint/2010/main" xmlns:p15="http://schemas.microsoft.com/office/powerpoint/2012/main">
+<p:notesMaster xmlns:a="http://schemas.openxmlformats.org/drawingml/2006/main" xmlns:r="http://schemas.openxmlformats.org/officeDocument/2006/relationships" xmlns:p="http://schemas.openxmlformats.org/presentationml/2006/main">
   <p:cSld>
+    <p:bg>
+      <p:bgRef idx="1001">
+        <a:schemeClr val="bg1"/>
+      </p:bgRef>
+    </p:bg>
     <p:spTree>
       <p:nvGrpSpPr>
-        <p:cNvPr id="2" name="Shape 2"/>
+        <p:cNvPr id="1" name="Shape 2"/>
         <p:cNvGrpSpPr/>
         <p:nvPr/>
       </p:nvGrpSpPr>
@@ -294,9 +299,11 @@
       <p:sp>
         <p:nvSpPr>
           <p:cNvPr id="3" name="Google Shape;3;n"/>
-          <p:cNvSpPr/>
+          <p:cNvSpPr>
+            <a:spLocks noGrp="1" noRot="1" noChangeAspect="1"/>
+          </p:cNvSpPr>
           <p:nvPr>
-            <p:ph idx="2" type="sldImg"/>
+            <p:ph type="sldImg" idx="2"/>
           </p:nvPr>
         </p:nvSpPr>
         <p:spPr>
@@ -305,9 +312,13 @@
             <a:ext cx="6096075" cy="3429000"/>
           </a:xfrm>
           <a:custGeom>
-            <a:rect b="b" l="l" r="r" t="t"/>
+            <a:avLst/>
+            <a:gdLst/>
+            <a:ahLst/>
+            <a:cxnLst/>
+            <a:rect l="l" t="t" r="r" b="b"/>
             <a:pathLst>
-              <a:path extrusionOk="0" h="120000" w="120000">
+              <a:path w="120000" h="120000" extrusionOk="0">
                 <a:moveTo>
                   <a:pt x="0" y="0"/>
                 </a:moveTo>
@@ -325,23 +336,25 @@
             </a:pathLst>
           </a:custGeom>
           <a:noFill/>
-          <a:ln cap="flat" cmpd="sng" w="9525">
+          <a:ln w="9525" cap="flat" cmpd="sng">
             <a:solidFill>
               <a:srgbClr val="000000"/>
             </a:solidFill>
             <a:prstDash val="solid"/>
             <a:round/>
-            <a:headEnd len="sm" w="sm" type="none"/>
-            <a:tailEnd len="sm" w="sm" type="none"/>
+            <a:headEnd type="none" w="sm" len="sm"/>
+            <a:tailEnd type="none" w="sm" len="sm"/>
           </a:ln>
         </p:spPr>
       </p:sp>
       <p:sp>
         <p:nvSpPr>
           <p:cNvPr id="4" name="Google Shape;4;n"/>
-          <p:cNvSpPr txBox="1"/>
+          <p:cNvSpPr txBox="1">
+            <a:spLocks noGrp="1"/>
+          </p:cNvSpPr>
           <p:nvPr>
-            <p:ph idx="1" type="body"/>
+            <p:ph type="body" idx="1"/>
           </p:nvPr>
         </p:nvSpPr>
         <p:spPr>
@@ -358,11 +371,11 @@
           </a:ln>
         </p:spPr>
         <p:txBody>
-          <a:bodyPr anchorCtr="0" anchor="t" bIns="91425" lIns="91425" spcFirstLastPara="1" rIns="91425" wrap="square" tIns="91425">
+          <a:bodyPr spcFirstLastPara="1" wrap="square" lIns="91425" tIns="91425" rIns="91425" bIns="91425" anchor="t" anchorCtr="0">
             <a:noAutofit/>
           </a:bodyPr>
           <a:lstStyle>
-            <a:lvl1pPr indent="-298450" lvl="0" marL="457200">
+            <a:lvl1pPr marL="457200" lvl="0" indent="-298450">
               <a:spcBef>
                 <a:spcPts val="0"/>
               </a:spcBef>
@@ -373,7 +386,7 @@
               <a:buChar char="●"/>
               <a:defRPr sz="1100"/>
             </a:lvl1pPr>
-            <a:lvl2pPr indent="-298450" lvl="1" marL="914400">
+            <a:lvl2pPr marL="914400" lvl="1" indent="-298450">
               <a:spcBef>
                 <a:spcPts val="0"/>
               </a:spcBef>
@@ -384,7 +397,7 @@
               <a:buChar char="○"/>
               <a:defRPr sz="1100"/>
             </a:lvl2pPr>
-            <a:lvl3pPr indent="-298450" lvl="2" marL="1371600">
+            <a:lvl3pPr marL="1371600" lvl="2" indent="-298450">
               <a:spcBef>
                 <a:spcPts val="0"/>
               </a:spcBef>
@@ -395,7 +408,7 @@
               <a:buChar char="■"/>
               <a:defRPr sz="1100"/>
             </a:lvl3pPr>
-            <a:lvl4pPr indent="-298450" lvl="3" marL="1828800">
+            <a:lvl4pPr marL="1828800" lvl="3" indent="-298450">
               <a:spcBef>
                 <a:spcPts val="0"/>
               </a:spcBef>
@@ -406,7 +419,7 @@
               <a:buChar char="●"/>
               <a:defRPr sz="1100"/>
             </a:lvl4pPr>
-            <a:lvl5pPr indent="-298450" lvl="4" marL="2286000">
+            <a:lvl5pPr marL="2286000" lvl="4" indent="-298450">
               <a:spcBef>
                 <a:spcPts val="0"/>
               </a:spcBef>
@@ -417,7 +430,7 @@
               <a:buChar char="○"/>
               <a:defRPr sz="1100"/>
             </a:lvl5pPr>
-            <a:lvl6pPr indent="-298450" lvl="5" marL="2743200">
+            <a:lvl6pPr marL="2743200" lvl="5" indent="-298450">
               <a:spcBef>
                 <a:spcPts val="0"/>
               </a:spcBef>
@@ -428,7 +441,7 @@
               <a:buChar char="■"/>
               <a:defRPr sz="1100"/>
             </a:lvl6pPr>
-            <a:lvl7pPr indent="-298450" lvl="6" marL="3200400">
+            <a:lvl7pPr marL="3200400" lvl="6" indent="-298450">
               <a:spcBef>
                 <a:spcPts val="0"/>
               </a:spcBef>
@@ -439,7 +452,7 @@
               <a:buChar char="●"/>
               <a:defRPr sz="1100"/>
             </a:lvl7pPr>
-            <a:lvl8pPr indent="-298450" lvl="7" marL="3657600">
+            <a:lvl8pPr marL="3657600" lvl="7" indent="-298450">
               <a:spcBef>
                 <a:spcPts val="0"/>
               </a:spcBef>
@@ -450,7 +463,7 @@
               <a:buChar char="○"/>
               <a:defRPr sz="1100"/>
             </a:lvl8pPr>
-            <a:lvl9pPr indent="-298450" lvl="8" marL="4114800">
+            <a:lvl9pPr marL="4114800" lvl="8" indent="-298450">
               <a:spcBef>
                 <a:spcPts val="0"/>
               </a:spcBef>
@@ -462,14 +475,16 @@
               <a:defRPr sz="1100"/>
             </a:lvl9pPr>
           </a:lstStyle>
-          <a:p/>
+          <a:p>
+            <a:endParaRPr/>
+          </a:p>
         </p:txBody>
       </p:sp>
     </p:spTree>
   </p:cSld>
-  <p:clrMap accent1="accent1" accent2="accent2" accent3="accent3" accent4="accent4" accent5="accent5" accent6="accent6" bg1="lt1" bg2="dk2" tx1="dk1" tx2="lt2" folHlink="folHlink" hlink="hlink"/>
+  <p:clrMap bg1="lt1" tx1="dk1" bg2="dk2" tx2="lt2" accent1="accent1" accent2="accent2" accent3="accent3" accent4="accent4" accent5="accent5" accent6="accent6" hlink="hlink" folHlink="folHlink"/>
   <p:notesStyle>
-    <a:defPPr lvl="0" marR="0" rtl="0" algn="l">
+    <a:defPPr marR="0" lvl="0" algn="l" rtl="0">
       <a:lnSpc>
         <a:spcPct val="100000"/>
       </a:lnSpc>
@@ -480,7 +495,7 @@
         <a:spcPts val="0"/>
       </a:spcAft>
     </a:defPPr>
-    <a:lvl1pPr lvl="0" marR="0" rtl="0" algn="l">
+    <a:lvl1pPr marR="0" lvl="0" algn="l" rtl="0">
       <a:lnSpc>
         <a:spcPct val="100000"/>
       </a:lnSpc>
@@ -494,7 +509,7 @@
         <a:srgbClr val="000000"/>
       </a:buClr>
       <a:buFont typeface="Arial"/>
-      <a:defRPr b="0" i="0" sz="1400" u="none" cap="none" strike="noStrike">
+      <a:defRPr sz="1400" b="0" i="0" u="none" strike="noStrike" cap="none">
         <a:solidFill>
           <a:srgbClr val="000000"/>
         </a:solidFill>
@@ -504,7 +519,7 @@
         <a:sym typeface="Arial"/>
       </a:defRPr>
     </a:lvl1pPr>
-    <a:lvl2pPr lvl="1" marR="0" rtl="0" algn="l">
+    <a:lvl2pPr marR="0" lvl="1" algn="l" rtl="0">
       <a:lnSpc>
         <a:spcPct val="100000"/>
       </a:lnSpc>
@@ -518,7 +533,7 @@
         <a:srgbClr val="000000"/>
       </a:buClr>
       <a:buFont typeface="Arial"/>
-      <a:defRPr b="0" i="0" sz="1400" u="none" cap="none" strike="noStrike">
+      <a:defRPr sz="1400" b="0" i="0" u="none" strike="noStrike" cap="none">
         <a:solidFill>
           <a:srgbClr val="000000"/>
         </a:solidFill>
@@ -528,7 +543,7 @@
         <a:sym typeface="Arial"/>
       </a:defRPr>
     </a:lvl2pPr>
-    <a:lvl3pPr lvl="2" marR="0" rtl="0" algn="l">
+    <a:lvl3pPr marR="0" lvl="2" algn="l" rtl="0">
       <a:lnSpc>
         <a:spcPct val="100000"/>
       </a:lnSpc>
@@ -542,7 +557,7 @@
         <a:srgbClr val="000000"/>
       </a:buClr>
       <a:buFont typeface="Arial"/>
-      <a:defRPr b="0" i="0" sz="1400" u="none" cap="none" strike="noStrike">
+      <a:defRPr sz="1400" b="0" i="0" u="none" strike="noStrike" cap="none">
         <a:solidFill>
           <a:srgbClr val="000000"/>
         </a:solidFill>
@@ -552,7 +567,7 @@
         <a:sym typeface="Arial"/>
       </a:defRPr>
     </a:lvl3pPr>
-    <a:lvl4pPr lvl="3" marR="0" rtl="0" algn="l">
+    <a:lvl4pPr marR="0" lvl="3" algn="l" rtl="0">
       <a:lnSpc>
         <a:spcPct val="100000"/>
       </a:lnSpc>
@@ -566,7 +581,7 @@
         <a:srgbClr val="000000"/>
       </a:buClr>
       <a:buFont typeface="Arial"/>
-      <a:defRPr b="0" i="0" sz="1400" u="none" cap="none" strike="noStrike">
+      <a:defRPr sz="1400" b="0" i="0" u="none" strike="noStrike" cap="none">
         <a:solidFill>
           <a:srgbClr val="000000"/>
         </a:solidFill>
@@ -576,7 +591,7 @@
         <a:sym typeface="Arial"/>
       </a:defRPr>
     </a:lvl4pPr>
-    <a:lvl5pPr lvl="4" marR="0" rtl="0" algn="l">
+    <a:lvl5pPr marR="0" lvl="4" algn="l" rtl="0">
       <a:lnSpc>
         <a:spcPct val="100000"/>
       </a:lnSpc>
@@ -590,7 +605,7 @@
         <a:srgbClr val="000000"/>
       </a:buClr>
       <a:buFont typeface="Arial"/>
-      <a:defRPr b="0" i="0" sz="1400" u="none" cap="none" strike="noStrike">
+      <a:defRPr sz="1400" b="0" i="0" u="none" strike="noStrike" cap="none">
         <a:solidFill>
           <a:srgbClr val="000000"/>
         </a:solidFill>
@@ -600,7 +615,7 @@
         <a:sym typeface="Arial"/>
       </a:defRPr>
     </a:lvl5pPr>
-    <a:lvl6pPr lvl="5" marR="0" rtl="0" algn="l">
+    <a:lvl6pPr marR="0" lvl="5" algn="l" rtl="0">
       <a:lnSpc>
         <a:spcPct val="100000"/>
       </a:lnSpc>
@@ -614,7 +629,7 @@
         <a:srgbClr val="000000"/>
       </a:buClr>
       <a:buFont typeface="Arial"/>
-      <a:defRPr b="0" i="0" sz="1400" u="none" cap="none" strike="noStrike">
+      <a:defRPr sz="1400" b="0" i="0" u="none" strike="noStrike" cap="none">
         <a:solidFill>
           <a:srgbClr val="000000"/>
         </a:solidFill>
@@ -624,7 +639,7 @@
         <a:sym typeface="Arial"/>
       </a:defRPr>
     </a:lvl6pPr>
-    <a:lvl7pPr lvl="6" marR="0" rtl="0" algn="l">
+    <a:lvl7pPr marR="0" lvl="6" algn="l" rtl="0">
       <a:lnSpc>
         <a:spcPct val="100000"/>
       </a:lnSpc>
@@ -638,7 +653,7 @@
         <a:srgbClr val="000000"/>
       </a:buClr>
       <a:buFont typeface="Arial"/>
-      <a:defRPr b="0" i="0" sz="1400" u="none" cap="none" strike="noStrike">
+      <a:defRPr sz="1400" b="0" i="0" u="none" strike="noStrike" cap="none">
         <a:solidFill>
           <a:srgbClr val="000000"/>
         </a:solidFill>
@@ -648,7 +663,7 @@
         <a:sym typeface="Arial"/>
       </a:defRPr>
     </a:lvl7pPr>
-    <a:lvl8pPr lvl="7" marR="0" rtl="0" algn="l">
+    <a:lvl8pPr marR="0" lvl="7" algn="l" rtl="0">
       <a:lnSpc>
         <a:spcPct val="100000"/>
       </a:lnSpc>
@@ -662,7 +677,7 @@
         <a:srgbClr val="000000"/>
       </a:buClr>
       <a:buFont typeface="Arial"/>
-      <a:defRPr b="0" i="0" sz="1400" u="none" cap="none" strike="noStrike">
+      <a:defRPr sz="1400" b="0" i="0" u="none" strike="noStrike" cap="none">
         <a:solidFill>
           <a:srgbClr val="000000"/>
         </a:solidFill>
@@ -672,7 +687,7 @@
         <a:sym typeface="Arial"/>
       </a:defRPr>
     </a:lvl8pPr>
-    <a:lvl9pPr lvl="8" marR="0" rtl="0" algn="l">
+    <a:lvl9pPr marR="0" lvl="8" algn="l" rtl="0">
       <a:lnSpc>
         <a:spcPct val="100000"/>
       </a:lnSpc>
@@ -686,7 +701,7 @@
         <a:srgbClr val="000000"/>
       </a:buClr>
       <a:buFont typeface="Arial"/>
-      <a:defRPr b="0" i="0" sz="1400" u="none" cap="none" strike="noStrike">
+      <a:defRPr sz="1400" b="0" i="0" u="none" strike="noStrike" cap="none">
         <a:solidFill>
           <a:srgbClr val="000000"/>
         </a:solidFill>
@@ -701,11 +716,11 @@
 </file>
 
 <file path=ppt/notesSlides/notesSlide1.xml><?xml version="1.0" encoding="utf-8"?>
-<p:notes xmlns:a="http://schemas.openxmlformats.org/drawingml/2006/main" xmlns:r="http://schemas.openxmlformats.org/officeDocument/2006/relationships" xmlns:mc="http://schemas.openxmlformats.org/markup-compatibility/2006" xmlns:mv="urn:schemas-microsoft-com:mac:vml" xmlns:p="http://schemas.openxmlformats.org/presentationml/2006/main" xmlns:c="http://schemas.openxmlformats.org/drawingml/2006/chart" xmlns:dgm="http://schemas.openxmlformats.org/drawingml/2006/diagram" xmlns:o="urn:schemas-microsoft-com:office:office" xmlns:v="urn:schemas-microsoft-com:vml" xmlns:pvml="urn:schemas-microsoft-com:office:powerpoint" xmlns:com="http://schemas.openxmlformats.org/drawingml/2006/compatibility" xmlns:p14="http://schemas.microsoft.com/office/powerpoint/2010/main" xmlns:p15="http://schemas.microsoft.com/office/powerpoint/2012/main" showMasterPhAnim="0" showMasterSp="0">
+<p:notes xmlns:a="http://schemas.openxmlformats.org/drawingml/2006/main" xmlns:r="http://schemas.openxmlformats.org/officeDocument/2006/relationships" xmlns:p="http://schemas.openxmlformats.org/presentationml/2006/main" showMasterSp="0" showMasterPhAnim="0">
   <p:cSld>
     <p:spTree>
       <p:nvGrpSpPr>
-        <p:cNvPr id="50" name="Shape 50"/>
+        <p:cNvPr id="1" name="Shape 50"/>
         <p:cNvGrpSpPr/>
         <p:nvPr/>
       </p:nvGrpSpPr>
@@ -720,20 +735,26 @@
       <p:sp>
         <p:nvSpPr>
           <p:cNvPr id="51" name="Google Shape;51;p:notes"/>
-          <p:cNvSpPr/>
+          <p:cNvSpPr>
+            <a:spLocks noGrp="1" noRot="1" noChangeAspect="1"/>
+          </p:cNvSpPr>
           <p:nvPr>
-            <p:ph idx="2" type="sldImg"/>
+            <p:ph type="sldImg" idx="2"/>
           </p:nvPr>
         </p:nvSpPr>
         <p:spPr>
           <a:xfrm>
-            <a:off x="381300" y="685800"/>
-            <a:ext cx="6096075" cy="3429000"/>
+            <a:off x="381000" y="685800"/>
+            <a:ext cx="6096000" cy="3429000"/>
           </a:xfrm>
           <a:custGeom>
-            <a:rect b="b" l="l" r="r" t="t"/>
+            <a:avLst/>
+            <a:gdLst/>
+            <a:ahLst/>
+            <a:cxnLst/>
+            <a:rect l="l" t="t" r="r" b="b"/>
             <a:pathLst>
-              <a:path extrusionOk="0" h="120000" w="120000">
+              <a:path w="120000" h="120000" extrusionOk="0">
                 <a:moveTo>
                   <a:pt x="0" y="0"/>
                 </a:moveTo>
@@ -755,9 +776,11 @@
       <p:sp>
         <p:nvSpPr>
           <p:cNvPr id="52" name="Google Shape;52;p:notes"/>
-          <p:cNvSpPr txBox="1"/>
+          <p:cNvSpPr txBox="1">
+            <a:spLocks noGrp="1"/>
+          </p:cNvSpPr>
           <p:nvPr>
-            <p:ph idx="1" type="body"/>
+            <p:ph type="body" idx="1"/>
           </p:nvPr>
         </p:nvSpPr>
         <p:spPr>
@@ -770,12 +793,12 @@
           </a:prstGeom>
         </p:spPr>
         <p:txBody>
-          <a:bodyPr anchorCtr="0" anchor="t" bIns="91425" lIns="91425" spcFirstLastPara="1" rIns="91425" wrap="square" tIns="91425">
+          <a:bodyPr spcFirstLastPara="1" wrap="square" lIns="91425" tIns="91425" rIns="91425" bIns="91425" anchor="t" anchorCtr="0">
             <a:noAutofit/>
           </a:bodyPr>
           <a:lstStyle/>
           <a:p>
-            <a:pPr indent="0" lvl="0" marL="0" rtl="0" algn="l">
+            <a:pPr marL="0" lvl="0" indent="0" algn="l" rtl="0">
               <a:spcBef>
                 <a:spcPts val="0"/>
               </a:spcBef>
@@ -784,9 +807,6 @@
               </a:spcAft>
               <a:buNone/>
             </a:pPr>
-            <a:r>
-              <a:t/>
-            </a:r>
             <a:endParaRPr/>
           </a:p>
         </p:txBody>
@@ -800,11 +820,11 @@
 </file>
 
 <file path=ppt/notesSlides/notesSlide10.xml><?xml version="1.0" encoding="utf-8"?>
-<p:notes xmlns:a="http://schemas.openxmlformats.org/drawingml/2006/main" xmlns:r="http://schemas.openxmlformats.org/officeDocument/2006/relationships" xmlns:mc="http://schemas.openxmlformats.org/markup-compatibility/2006" xmlns:mv="urn:schemas-microsoft-com:mac:vml" xmlns:p="http://schemas.openxmlformats.org/presentationml/2006/main" xmlns:c="http://schemas.openxmlformats.org/drawingml/2006/chart" xmlns:dgm="http://schemas.openxmlformats.org/drawingml/2006/diagram" xmlns:o="urn:schemas-microsoft-com:office:office" xmlns:v="urn:schemas-microsoft-com:vml" xmlns:pvml="urn:schemas-microsoft-com:office:powerpoint" xmlns:com="http://schemas.openxmlformats.org/drawingml/2006/compatibility" xmlns:p14="http://schemas.microsoft.com/office/powerpoint/2010/main" xmlns:p15="http://schemas.microsoft.com/office/powerpoint/2012/main" showMasterPhAnim="0" showMasterSp="0">
+<p:notes xmlns:a="http://schemas.openxmlformats.org/drawingml/2006/main" xmlns:r="http://schemas.openxmlformats.org/officeDocument/2006/relationships" xmlns:p="http://schemas.openxmlformats.org/presentationml/2006/main" showMasterSp="0" showMasterPhAnim="0">
   <p:cSld>
     <p:spTree>
       <p:nvGrpSpPr>
-        <p:cNvPr id="104" name="Shape 104"/>
+        <p:cNvPr id="1" name="Shape 104"/>
         <p:cNvGrpSpPr/>
         <p:nvPr/>
       </p:nvGrpSpPr>
@@ -819,9 +839,11 @@
       <p:sp>
         <p:nvSpPr>
           <p:cNvPr id="105" name="Google Shape;105;g3231e36602fd62b1_47:notes"/>
-          <p:cNvSpPr/>
+          <p:cNvSpPr>
+            <a:spLocks noGrp="1" noRot="1" noChangeAspect="1"/>
+          </p:cNvSpPr>
           <p:nvPr>
-            <p:ph idx="2" type="sldImg"/>
+            <p:ph type="sldImg" idx="2"/>
           </p:nvPr>
         </p:nvSpPr>
         <p:spPr>
@@ -830,9 +852,13 @@
             <a:ext cx="6096000" cy="3429000"/>
           </a:xfrm>
           <a:custGeom>
-            <a:rect b="b" l="l" r="r" t="t"/>
+            <a:avLst/>
+            <a:gdLst/>
+            <a:ahLst/>
+            <a:cxnLst/>
+            <a:rect l="l" t="t" r="r" b="b"/>
             <a:pathLst>
-              <a:path extrusionOk="0" h="120000" w="120000">
+              <a:path w="120000" h="120000" extrusionOk="0">
                 <a:moveTo>
                   <a:pt x="0" y="0"/>
                 </a:moveTo>
@@ -854,9 +880,11 @@
       <p:sp>
         <p:nvSpPr>
           <p:cNvPr id="106" name="Google Shape;106;g3231e36602fd62b1_47:notes"/>
-          <p:cNvSpPr txBox="1"/>
+          <p:cNvSpPr txBox="1">
+            <a:spLocks noGrp="1"/>
+          </p:cNvSpPr>
           <p:nvPr>
-            <p:ph idx="1" type="body"/>
+            <p:ph type="body" idx="1"/>
           </p:nvPr>
         </p:nvSpPr>
         <p:spPr>
@@ -869,12 +897,12 @@
           </a:prstGeom>
         </p:spPr>
         <p:txBody>
-          <a:bodyPr anchorCtr="0" anchor="t" bIns="91425" lIns="91425" spcFirstLastPara="1" rIns="91425" wrap="square" tIns="91425">
+          <a:bodyPr spcFirstLastPara="1" wrap="square" lIns="91425" tIns="91425" rIns="91425" bIns="91425" anchor="t" anchorCtr="0">
             <a:noAutofit/>
           </a:bodyPr>
           <a:lstStyle/>
           <a:p>
-            <a:pPr indent="0" lvl="0" marL="0" rtl="0" algn="l">
+            <a:pPr marL="0" lvl="0" indent="0" algn="l" rtl="0">
               <a:spcBef>
                 <a:spcPts val="0"/>
               </a:spcBef>
@@ -883,9 +911,6 @@
               </a:spcAft>
               <a:buNone/>
             </a:pPr>
-            <a:r>
-              <a:t/>
-            </a:r>
             <a:endParaRPr/>
           </a:p>
         </p:txBody>
@@ -899,11 +924,11 @@
 </file>
 
 <file path=ppt/notesSlides/notesSlide11.xml><?xml version="1.0" encoding="utf-8"?>
-<p:notes xmlns:a="http://schemas.openxmlformats.org/drawingml/2006/main" xmlns:r="http://schemas.openxmlformats.org/officeDocument/2006/relationships" xmlns:mc="http://schemas.openxmlformats.org/markup-compatibility/2006" xmlns:mv="urn:schemas-microsoft-com:mac:vml" xmlns:p="http://schemas.openxmlformats.org/presentationml/2006/main" xmlns:c="http://schemas.openxmlformats.org/drawingml/2006/chart" xmlns:dgm="http://schemas.openxmlformats.org/drawingml/2006/diagram" xmlns:o="urn:schemas-microsoft-com:office:office" xmlns:v="urn:schemas-microsoft-com:vml" xmlns:pvml="urn:schemas-microsoft-com:office:powerpoint" xmlns:com="http://schemas.openxmlformats.org/drawingml/2006/compatibility" xmlns:p14="http://schemas.microsoft.com/office/powerpoint/2010/main" xmlns:p15="http://schemas.microsoft.com/office/powerpoint/2012/main" showMasterPhAnim="0" showMasterSp="0">
+<p:notes xmlns:a="http://schemas.openxmlformats.org/drawingml/2006/main" xmlns:r="http://schemas.openxmlformats.org/officeDocument/2006/relationships" xmlns:p="http://schemas.openxmlformats.org/presentationml/2006/main" showMasterSp="0" showMasterPhAnim="0">
   <p:cSld>
     <p:spTree>
       <p:nvGrpSpPr>
-        <p:cNvPr id="110" name="Shape 110"/>
+        <p:cNvPr id="1" name="Shape 110"/>
         <p:cNvGrpSpPr/>
         <p:nvPr/>
       </p:nvGrpSpPr>
@@ -918,9 +943,11 @@
       <p:sp>
         <p:nvSpPr>
           <p:cNvPr id="111" name="Google Shape;111;g3231e36602fd62b1_52:notes"/>
-          <p:cNvSpPr/>
+          <p:cNvSpPr>
+            <a:spLocks noGrp="1" noRot="1" noChangeAspect="1"/>
+          </p:cNvSpPr>
           <p:nvPr>
-            <p:ph idx="2" type="sldImg"/>
+            <p:ph type="sldImg" idx="2"/>
           </p:nvPr>
         </p:nvSpPr>
         <p:spPr>
@@ -929,9 +956,13 @@
             <a:ext cx="6096000" cy="3429000"/>
           </a:xfrm>
           <a:custGeom>
-            <a:rect b="b" l="l" r="r" t="t"/>
+            <a:avLst/>
+            <a:gdLst/>
+            <a:ahLst/>
+            <a:cxnLst/>
+            <a:rect l="l" t="t" r="r" b="b"/>
             <a:pathLst>
-              <a:path extrusionOk="0" h="120000" w="120000">
+              <a:path w="120000" h="120000" extrusionOk="0">
                 <a:moveTo>
                   <a:pt x="0" y="0"/>
                 </a:moveTo>
@@ -953,9 +984,11 @@
       <p:sp>
         <p:nvSpPr>
           <p:cNvPr id="112" name="Google Shape;112;g3231e36602fd62b1_52:notes"/>
-          <p:cNvSpPr txBox="1"/>
+          <p:cNvSpPr txBox="1">
+            <a:spLocks noGrp="1"/>
+          </p:cNvSpPr>
           <p:nvPr>
-            <p:ph idx="1" type="body"/>
+            <p:ph type="body" idx="1"/>
           </p:nvPr>
         </p:nvSpPr>
         <p:spPr>
@@ -968,12 +1001,12 @@
           </a:prstGeom>
         </p:spPr>
         <p:txBody>
-          <a:bodyPr anchorCtr="0" anchor="t" bIns="91425" lIns="91425" spcFirstLastPara="1" rIns="91425" wrap="square" tIns="91425">
+          <a:bodyPr spcFirstLastPara="1" wrap="square" lIns="91425" tIns="91425" rIns="91425" bIns="91425" anchor="t" anchorCtr="0">
             <a:noAutofit/>
           </a:bodyPr>
           <a:lstStyle/>
           <a:p>
-            <a:pPr indent="0" lvl="0" marL="0" rtl="0" algn="l">
+            <a:pPr marL="0" lvl="0" indent="0" algn="l" rtl="0">
               <a:spcBef>
                 <a:spcPts val="0"/>
               </a:spcBef>
@@ -982,9 +1015,6 @@
               </a:spcAft>
               <a:buNone/>
             </a:pPr>
-            <a:r>
-              <a:t/>
-            </a:r>
             <a:endParaRPr/>
           </a:p>
         </p:txBody>
@@ -998,11 +1028,11 @@
 </file>
 
 <file path=ppt/notesSlides/notesSlide12.xml><?xml version="1.0" encoding="utf-8"?>
-<p:notes xmlns:a="http://schemas.openxmlformats.org/drawingml/2006/main" xmlns:r="http://schemas.openxmlformats.org/officeDocument/2006/relationships" xmlns:mc="http://schemas.openxmlformats.org/markup-compatibility/2006" xmlns:mv="urn:schemas-microsoft-com:mac:vml" xmlns:p="http://schemas.openxmlformats.org/presentationml/2006/main" xmlns:c="http://schemas.openxmlformats.org/drawingml/2006/chart" xmlns:dgm="http://schemas.openxmlformats.org/drawingml/2006/diagram" xmlns:o="urn:schemas-microsoft-com:office:office" xmlns:v="urn:schemas-microsoft-com:vml" xmlns:pvml="urn:schemas-microsoft-com:office:powerpoint" xmlns:com="http://schemas.openxmlformats.org/drawingml/2006/compatibility" xmlns:p14="http://schemas.microsoft.com/office/powerpoint/2010/main" xmlns:p15="http://schemas.microsoft.com/office/powerpoint/2012/main" showMasterPhAnim="0" showMasterSp="0">
+<p:notes xmlns:a="http://schemas.openxmlformats.org/drawingml/2006/main" xmlns:r="http://schemas.openxmlformats.org/officeDocument/2006/relationships" xmlns:p="http://schemas.openxmlformats.org/presentationml/2006/main" showMasterSp="0" showMasterPhAnim="0">
   <p:cSld>
     <p:spTree>
       <p:nvGrpSpPr>
-        <p:cNvPr id="116" name="Shape 116"/>
+        <p:cNvPr id="1" name="Shape 116"/>
         <p:cNvGrpSpPr/>
         <p:nvPr/>
       </p:nvGrpSpPr>
@@ -1017,9 +1047,11 @@
       <p:sp>
         <p:nvSpPr>
           <p:cNvPr id="117" name="Google Shape;117;g3231e36602fd62b1_63:notes"/>
-          <p:cNvSpPr/>
+          <p:cNvSpPr>
+            <a:spLocks noGrp="1" noRot="1" noChangeAspect="1"/>
+          </p:cNvSpPr>
           <p:nvPr>
-            <p:ph idx="2" type="sldImg"/>
+            <p:ph type="sldImg" idx="2"/>
           </p:nvPr>
         </p:nvSpPr>
         <p:spPr>
@@ -1028,9 +1060,13 @@
             <a:ext cx="6096000" cy="3429000"/>
           </a:xfrm>
           <a:custGeom>
-            <a:rect b="b" l="l" r="r" t="t"/>
+            <a:avLst/>
+            <a:gdLst/>
+            <a:ahLst/>
+            <a:cxnLst/>
+            <a:rect l="l" t="t" r="r" b="b"/>
             <a:pathLst>
-              <a:path extrusionOk="0" h="120000" w="120000">
+              <a:path w="120000" h="120000" extrusionOk="0">
                 <a:moveTo>
                   <a:pt x="0" y="0"/>
                 </a:moveTo>
@@ -1052,9 +1088,11 @@
       <p:sp>
         <p:nvSpPr>
           <p:cNvPr id="118" name="Google Shape;118;g3231e36602fd62b1_63:notes"/>
-          <p:cNvSpPr txBox="1"/>
+          <p:cNvSpPr txBox="1">
+            <a:spLocks noGrp="1"/>
+          </p:cNvSpPr>
           <p:nvPr>
-            <p:ph idx="1" type="body"/>
+            <p:ph type="body" idx="1"/>
           </p:nvPr>
         </p:nvSpPr>
         <p:spPr>
@@ -1067,12 +1105,12 @@
           </a:prstGeom>
         </p:spPr>
         <p:txBody>
-          <a:bodyPr anchorCtr="0" anchor="t" bIns="91425" lIns="91425" spcFirstLastPara="1" rIns="91425" wrap="square" tIns="91425">
+          <a:bodyPr spcFirstLastPara="1" wrap="square" lIns="91425" tIns="91425" rIns="91425" bIns="91425" anchor="t" anchorCtr="0">
             <a:noAutofit/>
           </a:bodyPr>
           <a:lstStyle/>
           <a:p>
-            <a:pPr indent="0" lvl="0" marL="0" rtl="0" algn="l">
+            <a:pPr marL="0" lvl="0" indent="0" algn="l" rtl="0">
               <a:spcBef>
                 <a:spcPts val="0"/>
               </a:spcBef>
@@ -1081,9 +1119,6 @@
               </a:spcAft>
               <a:buNone/>
             </a:pPr>
-            <a:r>
-              <a:t/>
-            </a:r>
             <a:endParaRPr/>
           </a:p>
         </p:txBody>
@@ -1097,11 +1132,11 @@
 </file>
 
 <file path=ppt/notesSlides/notesSlide13.xml><?xml version="1.0" encoding="utf-8"?>
-<p:notes xmlns:a="http://schemas.openxmlformats.org/drawingml/2006/main" xmlns:r="http://schemas.openxmlformats.org/officeDocument/2006/relationships" xmlns:mc="http://schemas.openxmlformats.org/markup-compatibility/2006" xmlns:mv="urn:schemas-microsoft-com:mac:vml" xmlns:p="http://schemas.openxmlformats.org/presentationml/2006/main" xmlns:c="http://schemas.openxmlformats.org/drawingml/2006/chart" xmlns:dgm="http://schemas.openxmlformats.org/drawingml/2006/diagram" xmlns:o="urn:schemas-microsoft-com:office:office" xmlns:v="urn:schemas-microsoft-com:vml" xmlns:pvml="urn:schemas-microsoft-com:office:powerpoint" xmlns:com="http://schemas.openxmlformats.org/drawingml/2006/compatibility" xmlns:p14="http://schemas.microsoft.com/office/powerpoint/2010/main" xmlns:p15="http://schemas.microsoft.com/office/powerpoint/2012/main" showMasterPhAnim="0" showMasterSp="0">
+<p:notes xmlns:a="http://schemas.openxmlformats.org/drawingml/2006/main" xmlns:r="http://schemas.openxmlformats.org/officeDocument/2006/relationships" xmlns:p="http://schemas.openxmlformats.org/presentationml/2006/main" showMasterSp="0" showMasterPhAnim="0">
   <p:cSld>
     <p:spTree>
       <p:nvGrpSpPr>
-        <p:cNvPr id="122" name="Shape 122"/>
+        <p:cNvPr id="1" name="Shape 122"/>
         <p:cNvGrpSpPr/>
         <p:nvPr/>
       </p:nvGrpSpPr>
@@ -1116,9 +1151,11 @@
       <p:sp>
         <p:nvSpPr>
           <p:cNvPr id="123" name="Google Shape;123;g631124c3a3_0_0:notes"/>
-          <p:cNvSpPr/>
+          <p:cNvSpPr>
+            <a:spLocks noGrp="1" noRot="1" noChangeAspect="1"/>
+          </p:cNvSpPr>
           <p:nvPr>
-            <p:ph idx="2" type="sldImg"/>
+            <p:ph type="sldImg" idx="2"/>
           </p:nvPr>
         </p:nvSpPr>
         <p:spPr>
@@ -1127,9 +1164,13 @@
             <a:ext cx="6096000" cy="3429000"/>
           </a:xfrm>
           <a:custGeom>
-            <a:rect b="b" l="l" r="r" t="t"/>
+            <a:avLst/>
+            <a:gdLst/>
+            <a:ahLst/>
+            <a:cxnLst/>
+            <a:rect l="l" t="t" r="r" b="b"/>
             <a:pathLst>
-              <a:path extrusionOk="0" h="120000" w="120000">
+              <a:path w="120000" h="120000" extrusionOk="0">
                 <a:moveTo>
                   <a:pt x="0" y="0"/>
                 </a:moveTo>
@@ -1151,9 +1192,11 @@
       <p:sp>
         <p:nvSpPr>
           <p:cNvPr id="124" name="Google Shape;124;g631124c3a3_0_0:notes"/>
-          <p:cNvSpPr txBox="1"/>
+          <p:cNvSpPr txBox="1">
+            <a:spLocks noGrp="1"/>
+          </p:cNvSpPr>
           <p:nvPr>
-            <p:ph idx="1" type="body"/>
+            <p:ph type="body" idx="1"/>
           </p:nvPr>
         </p:nvSpPr>
         <p:spPr>
@@ -1166,12 +1209,12 @@
           </a:prstGeom>
         </p:spPr>
         <p:txBody>
-          <a:bodyPr anchorCtr="0" anchor="t" bIns="91425" lIns="91425" spcFirstLastPara="1" rIns="91425" wrap="square" tIns="91425">
+          <a:bodyPr spcFirstLastPara="1" wrap="square" lIns="91425" tIns="91425" rIns="91425" bIns="91425" anchor="t" anchorCtr="0">
             <a:noAutofit/>
           </a:bodyPr>
           <a:lstStyle/>
           <a:p>
-            <a:pPr indent="0" lvl="0" marL="0" rtl="0" algn="l">
+            <a:pPr marL="0" lvl="0" indent="0" algn="l" rtl="0">
               <a:spcBef>
                 <a:spcPts val="0"/>
               </a:spcBef>
@@ -1180,9 +1223,6 @@
               </a:spcAft>
               <a:buNone/>
             </a:pPr>
-            <a:r>
-              <a:t/>
-            </a:r>
             <a:endParaRPr/>
           </a:p>
         </p:txBody>
@@ -1196,11 +1236,11 @@
 </file>
 
 <file path=ppt/notesSlides/notesSlide14.xml><?xml version="1.0" encoding="utf-8"?>
-<p:notes xmlns:a="http://schemas.openxmlformats.org/drawingml/2006/main" xmlns:r="http://schemas.openxmlformats.org/officeDocument/2006/relationships" xmlns:mc="http://schemas.openxmlformats.org/markup-compatibility/2006" xmlns:mv="urn:schemas-microsoft-com:mac:vml" xmlns:p="http://schemas.openxmlformats.org/presentationml/2006/main" xmlns:c="http://schemas.openxmlformats.org/drawingml/2006/chart" xmlns:dgm="http://schemas.openxmlformats.org/drawingml/2006/diagram" xmlns:o="urn:schemas-microsoft-com:office:office" xmlns:v="urn:schemas-microsoft-com:vml" xmlns:pvml="urn:schemas-microsoft-com:office:powerpoint" xmlns:com="http://schemas.openxmlformats.org/drawingml/2006/compatibility" xmlns:p14="http://schemas.microsoft.com/office/powerpoint/2010/main" xmlns:p15="http://schemas.microsoft.com/office/powerpoint/2012/main" showMasterPhAnim="0" showMasterSp="0">
+<p:notes xmlns:a="http://schemas.openxmlformats.org/drawingml/2006/main" xmlns:r="http://schemas.openxmlformats.org/officeDocument/2006/relationships" xmlns:p="http://schemas.openxmlformats.org/presentationml/2006/main" showMasterSp="0" showMasterPhAnim="0">
   <p:cSld>
     <p:spTree>
       <p:nvGrpSpPr>
-        <p:cNvPr id="128" name="Shape 128"/>
+        <p:cNvPr id="1" name="Shape 128"/>
         <p:cNvGrpSpPr/>
         <p:nvPr/>
       </p:nvGrpSpPr>
@@ -1215,9 +1255,11 @@
       <p:sp>
         <p:nvSpPr>
           <p:cNvPr id="129" name="Google Shape;129;g631124c3a3_0_15:notes"/>
-          <p:cNvSpPr/>
+          <p:cNvSpPr>
+            <a:spLocks noGrp="1" noRot="1" noChangeAspect="1"/>
+          </p:cNvSpPr>
           <p:nvPr>
-            <p:ph idx="2" type="sldImg"/>
+            <p:ph type="sldImg" idx="2"/>
           </p:nvPr>
         </p:nvSpPr>
         <p:spPr>
@@ -1226,9 +1268,13 @@
             <a:ext cx="6096000" cy="3429000"/>
           </a:xfrm>
           <a:custGeom>
-            <a:rect b="b" l="l" r="r" t="t"/>
+            <a:avLst/>
+            <a:gdLst/>
+            <a:ahLst/>
+            <a:cxnLst/>
+            <a:rect l="l" t="t" r="r" b="b"/>
             <a:pathLst>
-              <a:path extrusionOk="0" h="120000" w="120000">
+              <a:path w="120000" h="120000" extrusionOk="0">
                 <a:moveTo>
                   <a:pt x="0" y="0"/>
                 </a:moveTo>
@@ -1250,9 +1296,11 @@
       <p:sp>
         <p:nvSpPr>
           <p:cNvPr id="130" name="Google Shape;130;g631124c3a3_0_15:notes"/>
-          <p:cNvSpPr txBox="1"/>
+          <p:cNvSpPr txBox="1">
+            <a:spLocks noGrp="1"/>
+          </p:cNvSpPr>
           <p:nvPr>
-            <p:ph idx="1" type="body"/>
+            <p:ph type="body" idx="1"/>
           </p:nvPr>
         </p:nvSpPr>
         <p:spPr>
@@ -1265,12 +1313,12 @@
           </a:prstGeom>
         </p:spPr>
         <p:txBody>
-          <a:bodyPr anchorCtr="0" anchor="t" bIns="91425" lIns="91425" spcFirstLastPara="1" rIns="91425" wrap="square" tIns="91425">
+          <a:bodyPr spcFirstLastPara="1" wrap="square" lIns="91425" tIns="91425" rIns="91425" bIns="91425" anchor="t" anchorCtr="0">
             <a:noAutofit/>
           </a:bodyPr>
           <a:lstStyle/>
           <a:p>
-            <a:pPr indent="0" lvl="0" marL="0" rtl="0" algn="l">
+            <a:pPr marL="0" lvl="0" indent="0" algn="l" rtl="0">
               <a:spcBef>
                 <a:spcPts val="0"/>
               </a:spcBef>
@@ -1279,9 +1327,6 @@
               </a:spcAft>
               <a:buNone/>
             </a:pPr>
-            <a:r>
-              <a:t/>
-            </a:r>
             <a:endParaRPr/>
           </a:p>
         </p:txBody>
@@ -1295,11 +1340,11 @@
 </file>
 
 <file path=ppt/notesSlides/notesSlide15.xml><?xml version="1.0" encoding="utf-8"?>
-<p:notes xmlns:a="http://schemas.openxmlformats.org/drawingml/2006/main" xmlns:r="http://schemas.openxmlformats.org/officeDocument/2006/relationships" xmlns:mc="http://schemas.openxmlformats.org/markup-compatibility/2006" xmlns:mv="urn:schemas-microsoft-com:mac:vml" xmlns:p="http://schemas.openxmlformats.org/presentationml/2006/main" xmlns:c="http://schemas.openxmlformats.org/drawingml/2006/chart" xmlns:dgm="http://schemas.openxmlformats.org/drawingml/2006/diagram" xmlns:o="urn:schemas-microsoft-com:office:office" xmlns:v="urn:schemas-microsoft-com:vml" xmlns:pvml="urn:schemas-microsoft-com:office:powerpoint" xmlns:com="http://schemas.openxmlformats.org/drawingml/2006/compatibility" xmlns:p14="http://schemas.microsoft.com/office/powerpoint/2010/main" xmlns:p15="http://schemas.microsoft.com/office/powerpoint/2012/main" showMasterPhAnim="0" showMasterSp="0">
+<p:notes xmlns:a="http://schemas.openxmlformats.org/drawingml/2006/main" xmlns:r="http://schemas.openxmlformats.org/officeDocument/2006/relationships" xmlns:p="http://schemas.openxmlformats.org/presentationml/2006/main" showMasterSp="0" showMasterPhAnim="0">
   <p:cSld>
     <p:spTree>
       <p:nvGrpSpPr>
-        <p:cNvPr id="134" name="Shape 134"/>
+        <p:cNvPr id="1" name="Shape 134"/>
         <p:cNvGrpSpPr/>
         <p:nvPr/>
       </p:nvGrpSpPr>
@@ -1314,9 +1359,11 @@
       <p:sp>
         <p:nvSpPr>
           <p:cNvPr id="135" name="Google Shape;135;g3231e36602fd62b1_72:notes"/>
-          <p:cNvSpPr/>
+          <p:cNvSpPr>
+            <a:spLocks noGrp="1" noRot="1" noChangeAspect="1"/>
+          </p:cNvSpPr>
           <p:nvPr>
-            <p:ph idx="2" type="sldImg"/>
+            <p:ph type="sldImg" idx="2"/>
           </p:nvPr>
         </p:nvSpPr>
         <p:spPr>
@@ -1325,9 +1372,13 @@
             <a:ext cx="6096000" cy="3429000"/>
           </a:xfrm>
           <a:custGeom>
-            <a:rect b="b" l="l" r="r" t="t"/>
+            <a:avLst/>
+            <a:gdLst/>
+            <a:ahLst/>
+            <a:cxnLst/>
+            <a:rect l="l" t="t" r="r" b="b"/>
             <a:pathLst>
-              <a:path extrusionOk="0" h="120000" w="120000">
+              <a:path w="120000" h="120000" extrusionOk="0">
                 <a:moveTo>
                   <a:pt x="0" y="0"/>
                 </a:moveTo>
@@ -1349,9 +1400,11 @@
       <p:sp>
         <p:nvSpPr>
           <p:cNvPr id="136" name="Google Shape;136;g3231e36602fd62b1_72:notes"/>
-          <p:cNvSpPr txBox="1"/>
+          <p:cNvSpPr txBox="1">
+            <a:spLocks noGrp="1"/>
+          </p:cNvSpPr>
           <p:nvPr>
-            <p:ph idx="1" type="body"/>
+            <p:ph type="body" idx="1"/>
           </p:nvPr>
         </p:nvSpPr>
         <p:spPr>
@@ -1364,12 +1417,12 @@
           </a:prstGeom>
         </p:spPr>
         <p:txBody>
-          <a:bodyPr anchorCtr="0" anchor="t" bIns="91425" lIns="91425" spcFirstLastPara="1" rIns="91425" wrap="square" tIns="91425">
+          <a:bodyPr spcFirstLastPara="1" wrap="square" lIns="91425" tIns="91425" rIns="91425" bIns="91425" anchor="t" anchorCtr="0">
             <a:noAutofit/>
           </a:bodyPr>
           <a:lstStyle/>
           <a:p>
-            <a:pPr indent="0" lvl="0" marL="0" rtl="0" algn="l">
+            <a:pPr marL="0" lvl="0" indent="0" algn="l" rtl="0">
               <a:spcBef>
                 <a:spcPts val="0"/>
               </a:spcBef>
@@ -1378,9 +1431,6 @@
               </a:spcAft>
               <a:buNone/>
             </a:pPr>
-            <a:r>
-              <a:t/>
-            </a:r>
             <a:endParaRPr/>
           </a:p>
         </p:txBody>
@@ -1394,11 +1444,11 @@
 </file>
 
 <file path=ppt/notesSlides/notesSlide2.xml><?xml version="1.0" encoding="utf-8"?>
-<p:notes xmlns:a="http://schemas.openxmlformats.org/drawingml/2006/main" xmlns:r="http://schemas.openxmlformats.org/officeDocument/2006/relationships" xmlns:mc="http://schemas.openxmlformats.org/markup-compatibility/2006" xmlns:mv="urn:schemas-microsoft-com:mac:vml" xmlns:p="http://schemas.openxmlformats.org/presentationml/2006/main" xmlns:c="http://schemas.openxmlformats.org/drawingml/2006/chart" xmlns:dgm="http://schemas.openxmlformats.org/drawingml/2006/diagram" xmlns:o="urn:schemas-microsoft-com:office:office" xmlns:v="urn:schemas-microsoft-com:vml" xmlns:pvml="urn:schemas-microsoft-com:office:powerpoint" xmlns:com="http://schemas.openxmlformats.org/drawingml/2006/compatibility" xmlns:p14="http://schemas.microsoft.com/office/powerpoint/2010/main" xmlns:p15="http://schemas.microsoft.com/office/powerpoint/2012/main" showMasterPhAnim="0" showMasterSp="0">
+<p:notes xmlns:a="http://schemas.openxmlformats.org/drawingml/2006/main" xmlns:r="http://schemas.openxmlformats.org/officeDocument/2006/relationships" xmlns:p="http://schemas.openxmlformats.org/presentationml/2006/main" showMasterSp="0" showMasterPhAnim="0">
   <p:cSld>
     <p:spTree>
       <p:nvGrpSpPr>
-        <p:cNvPr id="56" name="Shape 56"/>
+        <p:cNvPr id="1" name="Shape 56"/>
         <p:cNvGrpSpPr/>
         <p:nvPr/>
       </p:nvGrpSpPr>
@@ -1413,9 +1463,11 @@
       <p:sp>
         <p:nvSpPr>
           <p:cNvPr id="57" name="Google Shape;57;g3231e36602fd62b1_9:notes"/>
-          <p:cNvSpPr/>
+          <p:cNvSpPr>
+            <a:spLocks noGrp="1" noRot="1" noChangeAspect="1"/>
+          </p:cNvSpPr>
           <p:nvPr>
-            <p:ph idx="2" type="sldImg"/>
+            <p:ph type="sldImg" idx="2"/>
           </p:nvPr>
         </p:nvSpPr>
         <p:spPr>
@@ -1424,9 +1476,13 @@
             <a:ext cx="6096000" cy="3429000"/>
           </a:xfrm>
           <a:custGeom>
-            <a:rect b="b" l="l" r="r" t="t"/>
+            <a:avLst/>
+            <a:gdLst/>
+            <a:ahLst/>
+            <a:cxnLst/>
+            <a:rect l="l" t="t" r="r" b="b"/>
             <a:pathLst>
-              <a:path extrusionOk="0" h="120000" w="120000">
+              <a:path w="120000" h="120000" extrusionOk="0">
                 <a:moveTo>
                   <a:pt x="0" y="0"/>
                 </a:moveTo>
@@ -1448,9 +1504,11 @@
       <p:sp>
         <p:nvSpPr>
           <p:cNvPr id="58" name="Google Shape;58;g3231e36602fd62b1_9:notes"/>
-          <p:cNvSpPr txBox="1"/>
+          <p:cNvSpPr txBox="1">
+            <a:spLocks noGrp="1"/>
+          </p:cNvSpPr>
           <p:nvPr>
-            <p:ph idx="1" type="body"/>
+            <p:ph type="body" idx="1"/>
           </p:nvPr>
         </p:nvSpPr>
         <p:spPr>
@@ -1463,12 +1521,12 @@
           </a:prstGeom>
         </p:spPr>
         <p:txBody>
-          <a:bodyPr anchorCtr="0" anchor="t" bIns="91425" lIns="91425" spcFirstLastPara="1" rIns="91425" wrap="square" tIns="91425">
+          <a:bodyPr spcFirstLastPara="1" wrap="square" lIns="91425" tIns="91425" rIns="91425" bIns="91425" anchor="t" anchorCtr="0">
             <a:noAutofit/>
           </a:bodyPr>
           <a:lstStyle/>
           <a:p>
-            <a:pPr indent="0" lvl="0" marL="0" rtl="0" algn="l">
+            <a:pPr marL="0" lvl="0" indent="0" algn="l" rtl="0">
               <a:spcBef>
                 <a:spcPts val="0"/>
               </a:spcBef>
@@ -1477,9 +1535,6 @@
               </a:spcAft>
               <a:buNone/>
             </a:pPr>
-            <a:r>
-              <a:t/>
-            </a:r>
             <a:endParaRPr/>
           </a:p>
         </p:txBody>
@@ -1493,11 +1548,11 @@
 </file>
 
 <file path=ppt/notesSlides/notesSlide3.xml><?xml version="1.0" encoding="utf-8"?>
-<p:notes xmlns:a="http://schemas.openxmlformats.org/drawingml/2006/main" xmlns:r="http://schemas.openxmlformats.org/officeDocument/2006/relationships" xmlns:mc="http://schemas.openxmlformats.org/markup-compatibility/2006" xmlns:mv="urn:schemas-microsoft-com:mac:vml" xmlns:p="http://schemas.openxmlformats.org/presentationml/2006/main" xmlns:c="http://schemas.openxmlformats.org/drawingml/2006/chart" xmlns:dgm="http://schemas.openxmlformats.org/drawingml/2006/diagram" xmlns:o="urn:schemas-microsoft-com:office:office" xmlns:v="urn:schemas-microsoft-com:vml" xmlns:pvml="urn:schemas-microsoft-com:office:powerpoint" xmlns:com="http://schemas.openxmlformats.org/drawingml/2006/compatibility" xmlns:p14="http://schemas.microsoft.com/office/powerpoint/2010/main" xmlns:p15="http://schemas.microsoft.com/office/powerpoint/2012/main" showMasterPhAnim="0" showMasterSp="0">
+<p:notes xmlns:a="http://schemas.openxmlformats.org/drawingml/2006/main" xmlns:r="http://schemas.openxmlformats.org/officeDocument/2006/relationships" xmlns:p="http://schemas.openxmlformats.org/presentationml/2006/main" showMasterSp="0" showMasterPhAnim="0">
   <p:cSld>
     <p:spTree>
       <p:nvGrpSpPr>
-        <p:cNvPr id="62" name="Shape 62"/>
+        <p:cNvPr id="1" name="Shape 62"/>
         <p:cNvGrpSpPr/>
         <p:nvPr/>
       </p:nvGrpSpPr>
@@ -1512,9 +1567,11 @@
       <p:sp>
         <p:nvSpPr>
           <p:cNvPr id="63" name="Google Shape;63;g3231e36602fd62b1_84:notes"/>
-          <p:cNvSpPr/>
+          <p:cNvSpPr>
+            <a:spLocks noGrp="1" noRot="1" noChangeAspect="1"/>
+          </p:cNvSpPr>
           <p:nvPr>
-            <p:ph idx="2" type="sldImg"/>
+            <p:ph type="sldImg" idx="2"/>
           </p:nvPr>
         </p:nvSpPr>
         <p:spPr>
@@ -1523,9 +1580,13 @@
             <a:ext cx="6096000" cy="3429000"/>
           </a:xfrm>
           <a:custGeom>
-            <a:rect b="b" l="l" r="r" t="t"/>
+            <a:avLst/>
+            <a:gdLst/>
+            <a:ahLst/>
+            <a:cxnLst/>
+            <a:rect l="l" t="t" r="r" b="b"/>
             <a:pathLst>
-              <a:path extrusionOk="0" h="120000" w="120000">
+              <a:path w="120000" h="120000" extrusionOk="0">
                 <a:moveTo>
                   <a:pt x="0" y="0"/>
                 </a:moveTo>
@@ -1547,9 +1608,11 @@
       <p:sp>
         <p:nvSpPr>
           <p:cNvPr id="64" name="Google Shape;64;g3231e36602fd62b1_84:notes"/>
-          <p:cNvSpPr txBox="1"/>
+          <p:cNvSpPr txBox="1">
+            <a:spLocks noGrp="1"/>
+          </p:cNvSpPr>
           <p:nvPr>
-            <p:ph idx="1" type="body"/>
+            <p:ph type="body" idx="1"/>
           </p:nvPr>
         </p:nvSpPr>
         <p:spPr>
@@ -1562,12 +1625,12 @@
           </a:prstGeom>
         </p:spPr>
         <p:txBody>
-          <a:bodyPr anchorCtr="0" anchor="t" bIns="91425" lIns="91425" spcFirstLastPara="1" rIns="91425" wrap="square" tIns="91425">
+          <a:bodyPr spcFirstLastPara="1" wrap="square" lIns="91425" tIns="91425" rIns="91425" bIns="91425" anchor="t" anchorCtr="0">
             <a:noAutofit/>
           </a:bodyPr>
           <a:lstStyle/>
           <a:p>
-            <a:pPr indent="0" lvl="0" marL="0" rtl="0" algn="l">
+            <a:pPr marL="0" lvl="0" indent="0" algn="l" rtl="0">
               <a:spcBef>
                 <a:spcPts val="0"/>
               </a:spcBef>
@@ -1576,9 +1639,6 @@
               </a:spcAft>
               <a:buNone/>
             </a:pPr>
-            <a:r>
-              <a:t/>
-            </a:r>
             <a:endParaRPr/>
           </a:p>
         </p:txBody>
@@ -1592,11 +1652,11 @@
 </file>
 
 <file path=ppt/notesSlides/notesSlide4.xml><?xml version="1.0" encoding="utf-8"?>
-<p:notes xmlns:a="http://schemas.openxmlformats.org/drawingml/2006/main" xmlns:r="http://schemas.openxmlformats.org/officeDocument/2006/relationships" xmlns:mc="http://schemas.openxmlformats.org/markup-compatibility/2006" xmlns:mv="urn:schemas-microsoft-com:mac:vml" xmlns:p="http://schemas.openxmlformats.org/presentationml/2006/main" xmlns:c="http://schemas.openxmlformats.org/drawingml/2006/chart" xmlns:dgm="http://schemas.openxmlformats.org/drawingml/2006/diagram" xmlns:o="urn:schemas-microsoft-com:office:office" xmlns:v="urn:schemas-microsoft-com:vml" xmlns:pvml="urn:schemas-microsoft-com:office:powerpoint" xmlns:com="http://schemas.openxmlformats.org/drawingml/2006/compatibility" xmlns:p14="http://schemas.microsoft.com/office/powerpoint/2010/main" xmlns:p15="http://schemas.microsoft.com/office/powerpoint/2012/main" showMasterPhAnim="0" showMasterSp="0">
+<p:notes xmlns:a="http://schemas.openxmlformats.org/drawingml/2006/main" xmlns:r="http://schemas.openxmlformats.org/officeDocument/2006/relationships" xmlns:p="http://schemas.openxmlformats.org/presentationml/2006/main" showMasterSp="0" showMasterPhAnim="0">
   <p:cSld>
     <p:spTree>
       <p:nvGrpSpPr>
-        <p:cNvPr id="68" name="Shape 68"/>
+        <p:cNvPr id="1" name="Shape 68"/>
         <p:cNvGrpSpPr/>
         <p:nvPr/>
       </p:nvGrpSpPr>
@@ -1611,20 +1671,26 @@
       <p:sp>
         <p:nvSpPr>
           <p:cNvPr id="69" name="Google Shape;69;g3231e36602fd62b1_29:notes"/>
-          <p:cNvSpPr/>
+          <p:cNvSpPr>
+            <a:spLocks noGrp="1" noRot="1" noChangeAspect="1"/>
+          </p:cNvSpPr>
           <p:nvPr>
-            <p:ph idx="2" type="sldImg"/>
+            <p:ph type="sldImg" idx="2"/>
           </p:nvPr>
         </p:nvSpPr>
         <p:spPr>
           <a:xfrm>
-            <a:off x="381300" y="685800"/>
+            <a:off x="381000" y="685800"/>
             <a:ext cx="6096000" cy="3429000"/>
           </a:xfrm>
           <a:custGeom>
-            <a:rect b="b" l="l" r="r" t="t"/>
+            <a:avLst/>
+            <a:gdLst/>
+            <a:ahLst/>
+            <a:cxnLst/>
+            <a:rect l="l" t="t" r="r" b="b"/>
             <a:pathLst>
-              <a:path extrusionOk="0" h="120000" w="120000">
+              <a:path w="120000" h="120000" extrusionOk="0">
                 <a:moveTo>
                   <a:pt x="0" y="0"/>
                 </a:moveTo>
@@ -1646,9 +1712,11 @@
       <p:sp>
         <p:nvSpPr>
           <p:cNvPr id="70" name="Google Shape;70;g3231e36602fd62b1_29:notes"/>
-          <p:cNvSpPr txBox="1"/>
+          <p:cNvSpPr txBox="1">
+            <a:spLocks noGrp="1"/>
+          </p:cNvSpPr>
           <p:nvPr>
-            <p:ph idx="1" type="body"/>
+            <p:ph type="body" idx="1"/>
           </p:nvPr>
         </p:nvSpPr>
         <p:spPr>
@@ -1661,12 +1729,12 @@
           </a:prstGeom>
         </p:spPr>
         <p:txBody>
-          <a:bodyPr anchorCtr="0" anchor="t" bIns="91425" lIns="91425" spcFirstLastPara="1" rIns="91425" wrap="square" tIns="91425">
+          <a:bodyPr spcFirstLastPara="1" wrap="square" lIns="91425" tIns="91425" rIns="91425" bIns="91425" anchor="t" anchorCtr="0">
             <a:noAutofit/>
           </a:bodyPr>
           <a:lstStyle/>
           <a:p>
-            <a:pPr indent="0" lvl="0" marL="0" rtl="0" algn="l">
+            <a:pPr marL="0" lvl="0" indent="0" algn="l" rtl="0">
               <a:spcBef>
                 <a:spcPts val="0"/>
               </a:spcBef>
@@ -1675,9 +1743,6 @@
               </a:spcAft>
               <a:buNone/>
             </a:pPr>
-            <a:r>
-              <a:t/>
-            </a:r>
             <a:endParaRPr/>
           </a:p>
         </p:txBody>
@@ -1691,11 +1756,11 @@
 </file>
 
 <file path=ppt/notesSlides/notesSlide5.xml><?xml version="1.0" encoding="utf-8"?>
-<p:notes xmlns:a="http://schemas.openxmlformats.org/drawingml/2006/main" xmlns:r="http://schemas.openxmlformats.org/officeDocument/2006/relationships" xmlns:mc="http://schemas.openxmlformats.org/markup-compatibility/2006" xmlns:mv="urn:schemas-microsoft-com:mac:vml" xmlns:p="http://schemas.openxmlformats.org/presentationml/2006/main" xmlns:c="http://schemas.openxmlformats.org/drawingml/2006/chart" xmlns:dgm="http://schemas.openxmlformats.org/drawingml/2006/diagram" xmlns:o="urn:schemas-microsoft-com:office:office" xmlns:v="urn:schemas-microsoft-com:vml" xmlns:pvml="urn:schemas-microsoft-com:office:powerpoint" xmlns:com="http://schemas.openxmlformats.org/drawingml/2006/compatibility" xmlns:p14="http://schemas.microsoft.com/office/powerpoint/2010/main" xmlns:p15="http://schemas.microsoft.com/office/powerpoint/2012/main" showMasterPhAnim="0" showMasterSp="0">
+<p:notes xmlns:a="http://schemas.openxmlformats.org/drawingml/2006/main" xmlns:r="http://schemas.openxmlformats.org/officeDocument/2006/relationships" xmlns:p="http://schemas.openxmlformats.org/presentationml/2006/main" showMasterSp="0" showMasterPhAnim="0">
   <p:cSld>
     <p:spTree>
       <p:nvGrpSpPr>
-        <p:cNvPr id="74" name="Shape 74"/>
+        <p:cNvPr id="1" name="Shape 74"/>
         <p:cNvGrpSpPr/>
         <p:nvPr/>
       </p:nvGrpSpPr>
@@ -1710,9 +1775,11 @@
       <p:sp>
         <p:nvSpPr>
           <p:cNvPr id="75" name="Google Shape;75;g3231e36602fd62b1_23:notes"/>
-          <p:cNvSpPr/>
+          <p:cNvSpPr>
+            <a:spLocks noGrp="1" noRot="1" noChangeAspect="1"/>
+          </p:cNvSpPr>
           <p:nvPr>
-            <p:ph idx="2" type="sldImg"/>
+            <p:ph type="sldImg" idx="2"/>
           </p:nvPr>
         </p:nvSpPr>
         <p:spPr>
@@ -1721,9 +1788,13 @@
             <a:ext cx="6096000" cy="3429000"/>
           </a:xfrm>
           <a:custGeom>
-            <a:rect b="b" l="l" r="r" t="t"/>
+            <a:avLst/>
+            <a:gdLst/>
+            <a:ahLst/>
+            <a:cxnLst/>
+            <a:rect l="l" t="t" r="r" b="b"/>
             <a:pathLst>
-              <a:path extrusionOk="0" h="120000" w="120000">
+              <a:path w="120000" h="120000" extrusionOk="0">
                 <a:moveTo>
                   <a:pt x="0" y="0"/>
                 </a:moveTo>
@@ -1745,9 +1816,11 @@
       <p:sp>
         <p:nvSpPr>
           <p:cNvPr id="76" name="Google Shape;76;g3231e36602fd62b1_23:notes"/>
-          <p:cNvSpPr txBox="1"/>
+          <p:cNvSpPr txBox="1">
+            <a:spLocks noGrp="1"/>
+          </p:cNvSpPr>
           <p:nvPr>
-            <p:ph idx="1" type="body"/>
+            <p:ph type="body" idx="1"/>
           </p:nvPr>
         </p:nvSpPr>
         <p:spPr>
@@ -1760,12 +1833,12 @@
           </a:prstGeom>
         </p:spPr>
         <p:txBody>
-          <a:bodyPr anchorCtr="0" anchor="t" bIns="91425" lIns="91425" spcFirstLastPara="1" rIns="91425" wrap="square" tIns="91425">
+          <a:bodyPr spcFirstLastPara="1" wrap="square" lIns="91425" tIns="91425" rIns="91425" bIns="91425" anchor="t" anchorCtr="0">
             <a:noAutofit/>
           </a:bodyPr>
           <a:lstStyle/>
           <a:p>
-            <a:pPr indent="0" lvl="0" marL="0" rtl="0" algn="l">
+            <a:pPr marL="0" lvl="0" indent="0" algn="l" rtl="0">
               <a:spcBef>
                 <a:spcPts val="0"/>
               </a:spcBef>
@@ -1774,9 +1847,6 @@
               </a:spcAft>
               <a:buNone/>
             </a:pPr>
-            <a:r>
-              <a:t/>
-            </a:r>
             <a:endParaRPr/>
           </a:p>
         </p:txBody>
@@ -1790,11 +1860,11 @@
 </file>
 
 <file path=ppt/notesSlides/notesSlide6.xml><?xml version="1.0" encoding="utf-8"?>
-<p:notes xmlns:a="http://schemas.openxmlformats.org/drawingml/2006/main" xmlns:r="http://schemas.openxmlformats.org/officeDocument/2006/relationships" xmlns:mc="http://schemas.openxmlformats.org/markup-compatibility/2006" xmlns:mv="urn:schemas-microsoft-com:mac:vml" xmlns:p="http://schemas.openxmlformats.org/presentationml/2006/main" xmlns:c="http://schemas.openxmlformats.org/drawingml/2006/chart" xmlns:dgm="http://schemas.openxmlformats.org/drawingml/2006/diagram" xmlns:o="urn:schemas-microsoft-com:office:office" xmlns:v="urn:schemas-microsoft-com:vml" xmlns:pvml="urn:schemas-microsoft-com:office:powerpoint" xmlns:com="http://schemas.openxmlformats.org/drawingml/2006/compatibility" xmlns:p14="http://schemas.microsoft.com/office/powerpoint/2010/main" xmlns:p15="http://schemas.microsoft.com/office/powerpoint/2012/main" showMasterPhAnim="0" showMasterSp="0">
+<p:notes xmlns:a="http://schemas.openxmlformats.org/drawingml/2006/main" xmlns:r="http://schemas.openxmlformats.org/officeDocument/2006/relationships" xmlns:p="http://schemas.openxmlformats.org/presentationml/2006/main" showMasterSp="0" showMasterPhAnim="0">
   <p:cSld>
     <p:spTree>
       <p:nvGrpSpPr>
-        <p:cNvPr id="80" name="Shape 80"/>
+        <p:cNvPr id="1" name="Shape 80"/>
         <p:cNvGrpSpPr/>
         <p:nvPr/>
       </p:nvGrpSpPr>
@@ -1809,9 +1879,11 @@
       <p:sp>
         <p:nvSpPr>
           <p:cNvPr id="81" name="Google Shape;81;g5dd555f49a_0_393:notes"/>
-          <p:cNvSpPr/>
+          <p:cNvSpPr>
+            <a:spLocks noGrp="1" noRot="1" noChangeAspect="1"/>
+          </p:cNvSpPr>
           <p:nvPr>
-            <p:ph idx="2" type="sldImg"/>
+            <p:ph type="sldImg" idx="2"/>
           </p:nvPr>
         </p:nvSpPr>
         <p:spPr>
@@ -1820,9 +1892,13 @@
             <a:ext cx="6096000" cy="3429000"/>
           </a:xfrm>
           <a:custGeom>
-            <a:rect b="b" l="l" r="r" t="t"/>
+            <a:avLst/>
+            <a:gdLst/>
+            <a:ahLst/>
+            <a:cxnLst/>
+            <a:rect l="l" t="t" r="r" b="b"/>
             <a:pathLst>
-              <a:path extrusionOk="0" h="120000" w="120000">
+              <a:path w="120000" h="120000" extrusionOk="0">
                 <a:moveTo>
                   <a:pt x="0" y="0"/>
                 </a:moveTo>
@@ -1844,9 +1920,11 @@
       <p:sp>
         <p:nvSpPr>
           <p:cNvPr id="82" name="Google Shape;82;g5dd555f49a_0_393:notes"/>
-          <p:cNvSpPr txBox="1"/>
+          <p:cNvSpPr txBox="1">
+            <a:spLocks noGrp="1"/>
+          </p:cNvSpPr>
           <p:nvPr>
-            <p:ph idx="1" type="body"/>
+            <p:ph type="body" idx="1"/>
           </p:nvPr>
         </p:nvSpPr>
         <p:spPr>
@@ -1859,12 +1937,12 @@
           </a:prstGeom>
         </p:spPr>
         <p:txBody>
-          <a:bodyPr anchorCtr="0" anchor="t" bIns="91425" lIns="91425" spcFirstLastPara="1" rIns="91425" wrap="square" tIns="91425">
+          <a:bodyPr spcFirstLastPara="1" wrap="square" lIns="91425" tIns="91425" rIns="91425" bIns="91425" anchor="t" anchorCtr="0">
             <a:noAutofit/>
           </a:bodyPr>
           <a:lstStyle/>
           <a:p>
-            <a:pPr indent="0" lvl="0" marL="0" rtl="0" algn="l">
+            <a:pPr marL="0" lvl="0" indent="0" algn="l" rtl="0">
               <a:spcBef>
                 <a:spcPts val="0"/>
               </a:spcBef>
@@ -1873,9 +1951,6 @@
               </a:spcAft>
               <a:buNone/>
             </a:pPr>
-            <a:r>
-              <a:t/>
-            </a:r>
             <a:endParaRPr/>
           </a:p>
         </p:txBody>
@@ -1889,11 +1964,11 @@
 </file>
 
 <file path=ppt/notesSlides/notesSlide7.xml><?xml version="1.0" encoding="utf-8"?>
-<p:notes xmlns:a="http://schemas.openxmlformats.org/drawingml/2006/main" xmlns:r="http://schemas.openxmlformats.org/officeDocument/2006/relationships" xmlns:mc="http://schemas.openxmlformats.org/markup-compatibility/2006" xmlns:mv="urn:schemas-microsoft-com:mac:vml" xmlns:p="http://schemas.openxmlformats.org/presentationml/2006/main" xmlns:c="http://schemas.openxmlformats.org/drawingml/2006/chart" xmlns:dgm="http://schemas.openxmlformats.org/drawingml/2006/diagram" xmlns:o="urn:schemas-microsoft-com:office:office" xmlns:v="urn:schemas-microsoft-com:vml" xmlns:pvml="urn:schemas-microsoft-com:office:powerpoint" xmlns:com="http://schemas.openxmlformats.org/drawingml/2006/compatibility" xmlns:p14="http://schemas.microsoft.com/office/powerpoint/2010/main" xmlns:p15="http://schemas.microsoft.com/office/powerpoint/2012/main" showMasterPhAnim="0" showMasterSp="0">
+<p:notes xmlns:a="http://schemas.openxmlformats.org/drawingml/2006/main" xmlns:r="http://schemas.openxmlformats.org/officeDocument/2006/relationships" xmlns:p="http://schemas.openxmlformats.org/presentationml/2006/main" showMasterSp="0" showMasterPhAnim="0">
   <p:cSld>
     <p:spTree>
       <p:nvGrpSpPr>
-        <p:cNvPr id="87" name="Shape 87"/>
+        <p:cNvPr id="1" name="Shape 87"/>
         <p:cNvGrpSpPr/>
         <p:nvPr/>
       </p:nvGrpSpPr>
@@ -1908,9 +1983,11 @@
       <p:sp>
         <p:nvSpPr>
           <p:cNvPr id="88" name="Google Shape;88;g5de8265f1f_0_0:notes"/>
-          <p:cNvSpPr/>
+          <p:cNvSpPr>
+            <a:spLocks noGrp="1" noRot="1" noChangeAspect="1"/>
+          </p:cNvSpPr>
           <p:nvPr>
-            <p:ph idx="2" type="sldImg"/>
+            <p:ph type="sldImg" idx="2"/>
           </p:nvPr>
         </p:nvSpPr>
         <p:spPr>
@@ -1919,9 +1996,13 @@
             <a:ext cx="6096000" cy="3429000"/>
           </a:xfrm>
           <a:custGeom>
-            <a:rect b="b" l="l" r="r" t="t"/>
+            <a:avLst/>
+            <a:gdLst/>
+            <a:ahLst/>
+            <a:cxnLst/>
+            <a:rect l="l" t="t" r="r" b="b"/>
             <a:pathLst>
-              <a:path extrusionOk="0" h="120000" w="120000">
+              <a:path w="120000" h="120000" extrusionOk="0">
                 <a:moveTo>
                   <a:pt x="0" y="0"/>
                 </a:moveTo>
@@ -1943,9 +2024,11 @@
       <p:sp>
         <p:nvSpPr>
           <p:cNvPr id="89" name="Google Shape;89;g5de8265f1f_0_0:notes"/>
-          <p:cNvSpPr txBox="1"/>
+          <p:cNvSpPr txBox="1">
+            <a:spLocks noGrp="1"/>
+          </p:cNvSpPr>
           <p:nvPr>
-            <p:ph idx="1" type="body"/>
+            <p:ph type="body" idx="1"/>
           </p:nvPr>
         </p:nvSpPr>
         <p:spPr>
@@ -1958,12 +2041,12 @@
           </a:prstGeom>
         </p:spPr>
         <p:txBody>
-          <a:bodyPr anchorCtr="0" anchor="t" bIns="91425" lIns="91425" spcFirstLastPara="1" rIns="91425" wrap="square" tIns="91425">
+          <a:bodyPr spcFirstLastPara="1" wrap="square" lIns="91425" tIns="91425" rIns="91425" bIns="91425" anchor="t" anchorCtr="0">
             <a:noAutofit/>
           </a:bodyPr>
           <a:lstStyle/>
           <a:p>
-            <a:pPr indent="0" lvl="0" marL="0" rtl="0" algn="l">
+            <a:pPr marL="0" lvl="0" indent="0" algn="l" rtl="0">
               <a:spcBef>
                 <a:spcPts val="0"/>
               </a:spcBef>
@@ -1972,9 +2055,6 @@
               </a:spcAft>
               <a:buNone/>
             </a:pPr>
-            <a:r>
-              <a:t/>
-            </a:r>
             <a:endParaRPr/>
           </a:p>
         </p:txBody>
@@ -1988,11 +2068,11 @@
 </file>
 
 <file path=ppt/notesSlides/notesSlide8.xml><?xml version="1.0" encoding="utf-8"?>
-<p:notes xmlns:a="http://schemas.openxmlformats.org/drawingml/2006/main" xmlns:r="http://schemas.openxmlformats.org/officeDocument/2006/relationships" xmlns:mc="http://schemas.openxmlformats.org/markup-compatibility/2006" xmlns:mv="urn:schemas-microsoft-com:mac:vml" xmlns:p="http://schemas.openxmlformats.org/presentationml/2006/main" xmlns:c="http://schemas.openxmlformats.org/drawingml/2006/chart" xmlns:dgm="http://schemas.openxmlformats.org/drawingml/2006/diagram" xmlns:o="urn:schemas-microsoft-com:office:office" xmlns:v="urn:schemas-microsoft-com:vml" xmlns:pvml="urn:schemas-microsoft-com:office:powerpoint" xmlns:com="http://schemas.openxmlformats.org/drawingml/2006/compatibility" xmlns:p14="http://schemas.microsoft.com/office/powerpoint/2010/main" xmlns:p15="http://schemas.microsoft.com/office/powerpoint/2012/main" showMasterPhAnim="0" showMasterSp="0">
+<p:notes xmlns:a="http://schemas.openxmlformats.org/drawingml/2006/main" xmlns:r="http://schemas.openxmlformats.org/officeDocument/2006/relationships" xmlns:p="http://schemas.openxmlformats.org/presentationml/2006/main" showMasterSp="0" showMasterPhAnim="0">
   <p:cSld>
     <p:spTree>
       <p:nvGrpSpPr>
-        <p:cNvPr id="92" name="Shape 92"/>
+        <p:cNvPr id="1" name="Shape 92"/>
         <p:cNvGrpSpPr/>
         <p:nvPr/>
       </p:nvGrpSpPr>
@@ -2007,9 +2087,11 @@
       <p:sp>
         <p:nvSpPr>
           <p:cNvPr id="93" name="Google Shape;93;g3231e36602fd62b1_35:notes"/>
-          <p:cNvSpPr/>
+          <p:cNvSpPr>
+            <a:spLocks noGrp="1" noRot="1" noChangeAspect="1"/>
+          </p:cNvSpPr>
           <p:nvPr>
-            <p:ph idx="2" type="sldImg"/>
+            <p:ph type="sldImg" idx="2"/>
           </p:nvPr>
         </p:nvSpPr>
         <p:spPr>
@@ -2018,9 +2100,13 @@
             <a:ext cx="6096000" cy="3429000"/>
           </a:xfrm>
           <a:custGeom>
-            <a:rect b="b" l="l" r="r" t="t"/>
+            <a:avLst/>
+            <a:gdLst/>
+            <a:ahLst/>
+            <a:cxnLst/>
+            <a:rect l="l" t="t" r="r" b="b"/>
             <a:pathLst>
-              <a:path extrusionOk="0" h="120000" w="120000">
+              <a:path w="120000" h="120000" extrusionOk="0">
                 <a:moveTo>
                   <a:pt x="0" y="0"/>
                 </a:moveTo>
@@ -2042,9 +2128,11 @@
       <p:sp>
         <p:nvSpPr>
           <p:cNvPr id="94" name="Google Shape;94;g3231e36602fd62b1_35:notes"/>
-          <p:cNvSpPr txBox="1"/>
+          <p:cNvSpPr txBox="1">
+            <a:spLocks noGrp="1"/>
+          </p:cNvSpPr>
           <p:nvPr>
-            <p:ph idx="1" type="body"/>
+            <p:ph type="body" idx="1"/>
           </p:nvPr>
         </p:nvSpPr>
         <p:spPr>
@@ -2057,12 +2145,12 @@
           </a:prstGeom>
         </p:spPr>
         <p:txBody>
-          <a:bodyPr anchorCtr="0" anchor="t" bIns="91425" lIns="91425" spcFirstLastPara="1" rIns="91425" wrap="square" tIns="91425">
+          <a:bodyPr spcFirstLastPara="1" wrap="square" lIns="91425" tIns="91425" rIns="91425" bIns="91425" anchor="t" anchorCtr="0">
             <a:noAutofit/>
           </a:bodyPr>
           <a:lstStyle/>
           <a:p>
-            <a:pPr indent="0" lvl="0" marL="0" rtl="0" algn="l">
+            <a:pPr marL="0" lvl="0" indent="0" algn="l" rtl="0">
               <a:spcBef>
                 <a:spcPts val="0"/>
               </a:spcBef>
@@ -2071,9 +2159,6 @@
               </a:spcAft>
               <a:buNone/>
             </a:pPr>
-            <a:r>
-              <a:t/>
-            </a:r>
             <a:endParaRPr/>
           </a:p>
         </p:txBody>
@@ -2087,11 +2172,11 @@
 </file>
 
 <file path=ppt/notesSlides/notesSlide9.xml><?xml version="1.0" encoding="utf-8"?>
-<p:notes xmlns:a="http://schemas.openxmlformats.org/drawingml/2006/main" xmlns:r="http://schemas.openxmlformats.org/officeDocument/2006/relationships" xmlns:mc="http://schemas.openxmlformats.org/markup-compatibility/2006" xmlns:mv="urn:schemas-microsoft-com:mac:vml" xmlns:p="http://schemas.openxmlformats.org/presentationml/2006/main" xmlns:c="http://schemas.openxmlformats.org/drawingml/2006/chart" xmlns:dgm="http://schemas.openxmlformats.org/drawingml/2006/diagram" xmlns:o="urn:schemas-microsoft-com:office:office" xmlns:v="urn:schemas-microsoft-com:vml" xmlns:pvml="urn:schemas-microsoft-com:office:powerpoint" xmlns:com="http://schemas.openxmlformats.org/drawingml/2006/compatibility" xmlns:p14="http://schemas.microsoft.com/office/powerpoint/2010/main" xmlns:p15="http://schemas.microsoft.com/office/powerpoint/2012/main" showMasterPhAnim="0" showMasterSp="0">
+<p:notes xmlns:a="http://schemas.openxmlformats.org/drawingml/2006/main" xmlns:r="http://schemas.openxmlformats.org/officeDocument/2006/relationships" xmlns:p="http://schemas.openxmlformats.org/presentationml/2006/main" showMasterSp="0" showMasterPhAnim="0">
   <p:cSld>
     <p:spTree>
       <p:nvGrpSpPr>
-        <p:cNvPr id="98" name="Shape 98"/>
+        <p:cNvPr id="1" name="Shape 98"/>
         <p:cNvGrpSpPr/>
         <p:nvPr/>
       </p:nvGrpSpPr>
@@ -2106,9 +2191,11 @@
       <p:sp>
         <p:nvSpPr>
           <p:cNvPr id="99" name="Google Shape;99;g3231e36602fd62b1_42:notes"/>
-          <p:cNvSpPr/>
+          <p:cNvSpPr>
+            <a:spLocks noGrp="1" noRot="1" noChangeAspect="1"/>
+          </p:cNvSpPr>
           <p:nvPr>
-            <p:ph idx="2" type="sldImg"/>
+            <p:ph type="sldImg" idx="2"/>
           </p:nvPr>
         </p:nvSpPr>
         <p:spPr>
@@ -2117,9 +2204,13 @@
             <a:ext cx="6096000" cy="3429000"/>
           </a:xfrm>
           <a:custGeom>
-            <a:rect b="b" l="l" r="r" t="t"/>
+            <a:avLst/>
+            <a:gdLst/>
+            <a:ahLst/>
+            <a:cxnLst/>
+            <a:rect l="l" t="t" r="r" b="b"/>
             <a:pathLst>
-              <a:path extrusionOk="0" h="120000" w="120000">
+              <a:path w="120000" h="120000" extrusionOk="0">
                 <a:moveTo>
                   <a:pt x="0" y="0"/>
                 </a:moveTo>
@@ -2141,9 +2232,11 @@
       <p:sp>
         <p:nvSpPr>
           <p:cNvPr id="100" name="Google Shape;100;g3231e36602fd62b1_42:notes"/>
-          <p:cNvSpPr txBox="1"/>
+          <p:cNvSpPr txBox="1">
+            <a:spLocks noGrp="1"/>
+          </p:cNvSpPr>
           <p:nvPr>
-            <p:ph idx="1" type="body"/>
+            <p:ph type="body" idx="1"/>
           </p:nvPr>
         </p:nvSpPr>
         <p:spPr>
@@ -2156,12 +2249,12 @@
           </a:prstGeom>
         </p:spPr>
         <p:txBody>
-          <a:bodyPr anchorCtr="0" anchor="t" bIns="91425" lIns="91425" spcFirstLastPara="1" rIns="91425" wrap="square" tIns="91425">
+          <a:bodyPr spcFirstLastPara="1" wrap="square" lIns="91425" tIns="91425" rIns="91425" bIns="91425" anchor="t" anchorCtr="0">
             <a:noAutofit/>
           </a:bodyPr>
           <a:lstStyle/>
           <a:p>
-            <a:pPr indent="0" lvl="0" marL="0" rtl="0" algn="l">
+            <a:pPr marL="0" lvl="0" indent="0" algn="l" rtl="0">
               <a:spcBef>
                 <a:spcPts val="0"/>
               </a:spcBef>
@@ -2170,9 +2263,6 @@
               </a:spcAft>
               <a:buNone/>
             </a:pPr>
-            <a:r>
-              <a:t/>
-            </a:r>
             <a:endParaRPr/>
           </a:p>
         </p:txBody>
@@ -2186,11 +2276,11 @@
 </file>
 
 <file path=ppt/slideLayouts/slideLayout1.xml><?xml version="1.0" encoding="utf-8"?>
-<p:sldLayout xmlns:a="http://schemas.openxmlformats.org/drawingml/2006/main" xmlns:r="http://schemas.openxmlformats.org/officeDocument/2006/relationships" xmlns:mc="http://schemas.openxmlformats.org/markup-compatibility/2006" xmlns:mv="urn:schemas-microsoft-com:mac:vml" xmlns:p="http://schemas.openxmlformats.org/presentationml/2006/main" xmlns:c="http://schemas.openxmlformats.org/drawingml/2006/chart" xmlns:dgm="http://schemas.openxmlformats.org/drawingml/2006/diagram" xmlns:o="urn:schemas-microsoft-com:office:office" xmlns:v="urn:schemas-microsoft-com:vml" xmlns:pvml="urn:schemas-microsoft-com:office:powerpoint" xmlns:com="http://schemas.openxmlformats.org/drawingml/2006/compatibility" xmlns:p14="http://schemas.microsoft.com/office/powerpoint/2010/main" xmlns:p15="http://schemas.microsoft.com/office/powerpoint/2012/main" matchingName="Title slide" type="title">
+<p:sldLayout xmlns:a="http://schemas.openxmlformats.org/drawingml/2006/main" xmlns:r="http://schemas.openxmlformats.org/officeDocument/2006/relationships" xmlns:p="http://schemas.openxmlformats.org/presentationml/2006/main" matchingName="Title slide" type="title">
   <p:cSld name="TITLE">
     <p:spTree>
       <p:nvGrpSpPr>
-        <p:cNvPr id="9" name="Shape 9"/>
+        <p:cNvPr id="1" name="Shape 9"/>
         <p:cNvGrpSpPr/>
         <p:nvPr/>
       </p:nvGrpSpPr>
@@ -2205,7 +2295,9 @@
       <p:sp>
         <p:nvSpPr>
           <p:cNvPr id="10" name="Google Shape;10;p2"/>
-          <p:cNvSpPr txBox="1"/>
+          <p:cNvSpPr txBox="1">
+            <a:spLocks noGrp="1"/>
+          </p:cNvSpPr>
           <p:nvPr>
             <p:ph type="ctrTitle"/>
           </p:nvPr>
@@ -2220,7 +2312,7 @@
           </a:prstGeom>
         </p:spPr>
         <p:txBody>
-          <a:bodyPr anchorCtr="0" anchor="b" bIns="91425" lIns="91425" spcFirstLastPara="1" rIns="91425" wrap="square" tIns="91425">
+          <a:bodyPr spcFirstLastPara="1" wrap="square" lIns="91425" tIns="91425" rIns="91425" bIns="91425" anchor="b" anchorCtr="0">
             <a:noAutofit/>
           </a:bodyPr>
           <a:lstStyle>
@@ -2324,15 +2416,19 @@
               <a:defRPr sz="5200"/>
             </a:lvl9pPr>
           </a:lstStyle>
-          <a:p/>
+          <a:p>
+            <a:endParaRPr/>
+          </a:p>
         </p:txBody>
       </p:sp>
       <p:sp>
         <p:nvSpPr>
           <p:cNvPr id="11" name="Google Shape;11;p2"/>
-          <p:cNvSpPr txBox="1"/>
+          <p:cNvSpPr txBox="1">
+            <a:spLocks noGrp="1"/>
+          </p:cNvSpPr>
           <p:nvPr>
-            <p:ph idx="1" type="subTitle"/>
+            <p:ph type="subTitle" idx="1"/>
           </p:nvPr>
         </p:nvSpPr>
         <p:spPr>
@@ -2345,7 +2441,7 @@
           </a:prstGeom>
         </p:spPr>
         <p:txBody>
-          <a:bodyPr anchorCtr="0" anchor="t" bIns="91425" lIns="91425" spcFirstLastPara="1" rIns="91425" wrap="square" tIns="91425">
+          <a:bodyPr spcFirstLastPara="1" wrap="square" lIns="91425" tIns="91425" rIns="91425" bIns="91425" anchor="t" anchorCtr="0">
             <a:noAutofit/>
           </a:bodyPr>
           <a:lstStyle>
@@ -2476,15 +2572,19 @@
               <a:defRPr sz="2800"/>
             </a:lvl9pPr>
           </a:lstStyle>
-          <a:p/>
+          <a:p>
+            <a:endParaRPr/>
+          </a:p>
         </p:txBody>
       </p:sp>
       <p:sp>
         <p:nvSpPr>
           <p:cNvPr id="12" name="Google Shape;12;p2"/>
-          <p:cNvSpPr txBox="1"/>
+          <p:cNvSpPr txBox="1">
+            <a:spLocks noGrp="1"/>
+          </p:cNvSpPr>
           <p:nvPr>
-            <p:ph idx="12" type="sldNum"/>
+            <p:ph type="sldNum" idx="12"/>
           </p:nvPr>
         </p:nvSpPr>
         <p:spPr>
@@ -2497,7 +2597,7 @@
           </a:prstGeom>
         </p:spPr>
         <p:txBody>
-          <a:bodyPr anchorCtr="0" anchor="ctr" bIns="91425" lIns="91425" spcFirstLastPara="1" rIns="91425" wrap="square" tIns="91425">
+          <a:bodyPr spcFirstLastPara="1" wrap="square" lIns="91425" tIns="91425" rIns="91425" bIns="91425" anchor="ctr" anchorCtr="0">
             <a:noAutofit/>
           </a:bodyPr>
           <a:lstStyle>
@@ -2539,7 +2639,7 @@
             </a:lvl9pPr>
           </a:lstStyle>
           <a:p>
-            <a:pPr indent="0" lvl="0" marL="0" rtl="0" algn="r">
+            <a:pPr marL="0" lvl="0" indent="0" algn="r" rtl="0">
               <a:spcBef>
                 <a:spcPts val="0"/>
               </a:spcBef>
@@ -2565,11 +2665,11 @@
 </file>
 
 <file path=ppt/slideLayouts/slideLayout10.xml><?xml version="1.0" encoding="utf-8"?>
-<p:sldLayout xmlns:a="http://schemas.openxmlformats.org/drawingml/2006/main" xmlns:r="http://schemas.openxmlformats.org/officeDocument/2006/relationships" xmlns:mc="http://schemas.openxmlformats.org/markup-compatibility/2006" xmlns:mv="urn:schemas-microsoft-com:mac:vml" xmlns:p="http://schemas.openxmlformats.org/presentationml/2006/main" xmlns:c="http://schemas.openxmlformats.org/drawingml/2006/chart" xmlns:dgm="http://schemas.openxmlformats.org/drawingml/2006/diagram" xmlns:o="urn:schemas-microsoft-com:office:office" xmlns:v="urn:schemas-microsoft-com:vml" xmlns:pvml="urn:schemas-microsoft-com:office:powerpoint" xmlns:com="http://schemas.openxmlformats.org/drawingml/2006/compatibility" xmlns:p14="http://schemas.microsoft.com/office/powerpoint/2010/main" xmlns:p15="http://schemas.microsoft.com/office/powerpoint/2012/main" matchingName="Big number">
+<p:sldLayout xmlns:a="http://schemas.openxmlformats.org/drawingml/2006/main" xmlns:r="http://schemas.openxmlformats.org/officeDocument/2006/relationships" xmlns:p="http://schemas.openxmlformats.org/presentationml/2006/main" matchingName="Big number">
   <p:cSld name="BIG_NUMBER">
     <p:spTree>
       <p:nvGrpSpPr>
-        <p:cNvPr id="44" name="Shape 44"/>
+        <p:cNvPr id="1" name="Shape 44"/>
         <p:cNvGrpSpPr/>
         <p:nvPr/>
       </p:nvGrpSpPr>
@@ -2584,9 +2684,11 @@
       <p:sp>
         <p:nvSpPr>
           <p:cNvPr id="45" name="Google Shape;45;p11"/>
-          <p:cNvSpPr txBox="1"/>
+          <p:cNvSpPr txBox="1">
+            <a:spLocks noGrp="1"/>
+          </p:cNvSpPr>
           <p:nvPr>
-            <p:ph hasCustomPrompt="1" type="title"/>
+            <p:ph type="title" hasCustomPrompt="1"/>
           </p:nvPr>
         </p:nvSpPr>
         <p:spPr>
@@ -2599,7 +2701,7 @@
           </a:prstGeom>
         </p:spPr>
         <p:txBody>
-          <a:bodyPr anchorCtr="0" anchor="b" bIns="91425" lIns="91425" spcFirstLastPara="1" rIns="91425" wrap="square" tIns="91425">
+          <a:bodyPr spcFirstLastPara="1" wrap="square" lIns="91425" tIns="91425" rIns="91425" bIns="91425" anchor="b" anchorCtr="0">
             <a:noAutofit/>
           </a:bodyPr>
           <a:lstStyle>
@@ -2713,9 +2815,11 @@
       <p:sp>
         <p:nvSpPr>
           <p:cNvPr id="46" name="Google Shape;46;p11"/>
-          <p:cNvSpPr txBox="1"/>
+          <p:cNvSpPr txBox="1">
+            <a:spLocks noGrp="1"/>
+          </p:cNvSpPr>
           <p:nvPr>
-            <p:ph idx="1" type="body"/>
+            <p:ph type="body" idx="1"/>
           </p:nvPr>
         </p:nvSpPr>
         <p:spPr>
@@ -2728,11 +2832,11 @@
           </a:prstGeom>
         </p:spPr>
         <p:txBody>
-          <a:bodyPr anchorCtr="0" anchor="t" bIns="91425" lIns="91425" spcFirstLastPara="1" rIns="91425" wrap="square" tIns="91425">
+          <a:bodyPr spcFirstLastPara="1" wrap="square" lIns="91425" tIns="91425" rIns="91425" bIns="91425" anchor="t" anchorCtr="0">
             <a:noAutofit/>
           </a:bodyPr>
           <a:lstStyle>
-            <a:lvl1pPr indent="-342900" lvl="0" marL="457200" algn="ctr">
+            <a:lvl1pPr marL="457200" lvl="0" indent="-342900" algn="ctr">
               <a:spcBef>
                 <a:spcPts val="0"/>
               </a:spcBef>
@@ -2743,7 +2847,7 @@
               <a:buChar char="●"/>
               <a:defRPr/>
             </a:lvl1pPr>
-            <a:lvl2pPr indent="-317500" lvl="1" marL="914400" algn="ctr">
+            <a:lvl2pPr marL="914400" lvl="1" indent="-317500" algn="ctr">
               <a:spcBef>
                 <a:spcPts val="1600"/>
               </a:spcBef>
@@ -2754,7 +2858,7 @@
               <a:buChar char="○"/>
               <a:defRPr/>
             </a:lvl2pPr>
-            <a:lvl3pPr indent="-317500" lvl="2" marL="1371600" algn="ctr">
+            <a:lvl3pPr marL="1371600" lvl="2" indent="-317500" algn="ctr">
               <a:spcBef>
                 <a:spcPts val="1600"/>
               </a:spcBef>
@@ -2765,7 +2869,7 @@
               <a:buChar char="■"/>
               <a:defRPr/>
             </a:lvl3pPr>
-            <a:lvl4pPr indent="-317500" lvl="3" marL="1828800" algn="ctr">
+            <a:lvl4pPr marL="1828800" lvl="3" indent="-317500" algn="ctr">
               <a:spcBef>
                 <a:spcPts val="1600"/>
               </a:spcBef>
@@ -2776,7 +2880,7 @@
               <a:buChar char="●"/>
               <a:defRPr/>
             </a:lvl4pPr>
-            <a:lvl5pPr indent="-317500" lvl="4" marL="2286000" algn="ctr">
+            <a:lvl5pPr marL="2286000" lvl="4" indent="-317500" algn="ctr">
               <a:spcBef>
                 <a:spcPts val="1600"/>
               </a:spcBef>
@@ -2787,7 +2891,7 @@
               <a:buChar char="○"/>
               <a:defRPr/>
             </a:lvl5pPr>
-            <a:lvl6pPr indent="-317500" lvl="5" marL="2743200" algn="ctr">
+            <a:lvl6pPr marL="2743200" lvl="5" indent="-317500" algn="ctr">
               <a:spcBef>
                 <a:spcPts val="1600"/>
               </a:spcBef>
@@ -2798,7 +2902,7 @@
               <a:buChar char="■"/>
               <a:defRPr/>
             </a:lvl6pPr>
-            <a:lvl7pPr indent="-317500" lvl="6" marL="3200400" algn="ctr">
+            <a:lvl7pPr marL="3200400" lvl="6" indent="-317500" algn="ctr">
               <a:spcBef>
                 <a:spcPts val="1600"/>
               </a:spcBef>
@@ -2809,7 +2913,7 @@
               <a:buChar char="●"/>
               <a:defRPr/>
             </a:lvl7pPr>
-            <a:lvl8pPr indent="-317500" lvl="7" marL="3657600" algn="ctr">
+            <a:lvl8pPr marL="3657600" lvl="7" indent="-317500" algn="ctr">
               <a:spcBef>
                 <a:spcPts val="1600"/>
               </a:spcBef>
@@ -2820,7 +2924,7 @@
               <a:buChar char="○"/>
               <a:defRPr/>
             </a:lvl8pPr>
-            <a:lvl9pPr indent="-317500" lvl="8" marL="4114800" algn="ctr">
+            <a:lvl9pPr marL="4114800" lvl="8" indent="-317500" algn="ctr">
               <a:spcBef>
                 <a:spcPts val="1600"/>
               </a:spcBef>
@@ -2832,15 +2936,19 @@
               <a:defRPr/>
             </a:lvl9pPr>
           </a:lstStyle>
-          <a:p/>
+          <a:p>
+            <a:endParaRPr/>
+          </a:p>
         </p:txBody>
       </p:sp>
       <p:sp>
         <p:nvSpPr>
           <p:cNvPr id="47" name="Google Shape;47;p11"/>
-          <p:cNvSpPr txBox="1"/>
+          <p:cNvSpPr txBox="1">
+            <a:spLocks noGrp="1"/>
+          </p:cNvSpPr>
           <p:nvPr>
-            <p:ph idx="12" type="sldNum"/>
+            <p:ph type="sldNum" idx="12"/>
           </p:nvPr>
         </p:nvSpPr>
         <p:spPr>
@@ -2853,7 +2961,7 @@
           </a:prstGeom>
         </p:spPr>
         <p:txBody>
-          <a:bodyPr anchorCtr="0" anchor="ctr" bIns="91425" lIns="91425" spcFirstLastPara="1" rIns="91425" wrap="square" tIns="91425">
+          <a:bodyPr spcFirstLastPara="1" wrap="square" lIns="91425" tIns="91425" rIns="91425" bIns="91425" anchor="ctr" anchorCtr="0">
             <a:noAutofit/>
           </a:bodyPr>
           <a:lstStyle>
@@ -2895,7 +3003,7 @@
             </a:lvl9pPr>
           </a:lstStyle>
           <a:p>
-            <a:pPr indent="0" lvl="0" marL="0" rtl="0" algn="r">
+            <a:pPr marL="0" lvl="0" indent="0" algn="r" rtl="0">
               <a:spcBef>
                 <a:spcPts val="0"/>
               </a:spcBef>
@@ -2921,11 +3029,11 @@
 </file>
 
 <file path=ppt/slideLayouts/slideLayout11.xml><?xml version="1.0" encoding="utf-8"?>
-<p:sldLayout xmlns:a="http://schemas.openxmlformats.org/drawingml/2006/main" xmlns:r="http://schemas.openxmlformats.org/officeDocument/2006/relationships" xmlns:mc="http://schemas.openxmlformats.org/markup-compatibility/2006" xmlns:mv="urn:schemas-microsoft-com:mac:vml" xmlns:p="http://schemas.openxmlformats.org/presentationml/2006/main" xmlns:c="http://schemas.openxmlformats.org/drawingml/2006/chart" xmlns:dgm="http://schemas.openxmlformats.org/drawingml/2006/diagram" xmlns:o="urn:schemas-microsoft-com:office:office" xmlns:v="urn:schemas-microsoft-com:vml" xmlns:pvml="urn:schemas-microsoft-com:office:powerpoint" xmlns:com="http://schemas.openxmlformats.org/drawingml/2006/compatibility" xmlns:p14="http://schemas.microsoft.com/office/powerpoint/2010/main" xmlns:p15="http://schemas.microsoft.com/office/powerpoint/2012/main" matchingName="Blank" type="blank">
+<p:sldLayout xmlns:a="http://schemas.openxmlformats.org/drawingml/2006/main" xmlns:r="http://schemas.openxmlformats.org/officeDocument/2006/relationships" xmlns:p="http://schemas.openxmlformats.org/presentationml/2006/main" matchingName="Blank" type="blank">
   <p:cSld name="BLANK">
     <p:spTree>
       <p:nvGrpSpPr>
-        <p:cNvPr id="48" name="Shape 48"/>
+        <p:cNvPr id="1" name="Shape 48"/>
         <p:cNvGrpSpPr/>
         <p:nvPr/>
       </p:nvGrpSpPr>
@@ -2940,9 +3048,11 @@
       <p:sp>
         <p:nvSpPr>
           <p:cNvPr id="49" name="Google Shape;49;p12"/>
-          <p:cNvSpPr txBox="1"/>
+          <p:cNvSpPr txBox="1">
+            <a:spLocks noGrp="1"/>
+          </p:cNvSpPr>
           <p:nvPr>
-            <p:ph idx="12" type="sldNum"/>
+            <p:ph type="sldNum" idx="12"/>
           </p:nvPr>
         </p:nvSpPr>
         <p:spPr>
@@ -2955,7 +3065,7 @@
           </a:prstGeom>
         </p:spPr>
         <p:txBody>
-          <a:bodyPr anchorCtr="0" anchor="ctr" bIns="91425" lIns="91425" spcFirstLastPara="1" rIns="91425" wrap="square" tIns="91425">
+          <a:bodyPr spcFirstLastPara="1" wrap="square" lIns="91425" tIns="91425" rIns="91425" bIns="91425" anchor="ctr" anchorCtr="0">
             <a:noAutofit/>
           </a:bodyPr>
           <a:lstStyle>
@@ -2997,7 +3107,7 @@
             </a:lvl9pPr>
           </a:lstStyle>
           <a:p>
-            <a:pPr indent="0" lvl="0" marL="0" rtl="0" algn="r">
+            <a:pPr marL="0" lvl="0" indent="0" algn="r" rtl="0">
               <a:spcBef>
                 <a:spcPts val="0"/>
               </a:spcBef>
@@ -3023,11 +3133,11 @@
 </file>
 
 <file path=ppt/slideLayouts/slideLayout2.xml><?xml version="1.0" encoding="utf-8"?>
-<p:sldLayout xmlns:a="http://schemas.openxmlformats.org/drawingml/2006/main" xmlns:r="http://schemas.openxmlformats.org/officeDocument/2006/relationships" xmlns:mc="http://schemas.openxmlformats.org/markup-compatibility/2006" xmlns:mv="urn:schemas-microsoft-com:mac:vml" xmlns:p="http://schemas.openxmlformats.org/presentationml/2006/main" xmlns:c="http://schemas.openxmlformats.org/drawingml/2006/chart" xmlns:dgm="http://schemas.openxmlformats.org/drawingml/2006/diagram" xmlns:o="urn:schemas-microsoft-com:office:office" xmlns:v="urn:schemas-microsoft-com:vml" xmlns:pvml="urn:schemas-microsoft-com:office:powerpoint" xmlns:com="http://schemas.openxmlformats.org/drawingml/2006/compatibility" xmlns:p14="http://schemas.microsoft.com/office/powerpoint/2010/main" xmlns:p15="http://schemas.microsoft.com/office/powerpoint/2012/main" matchingName="Section header" type="secHead">
+<p:sldLayout xmlns:a="http://schemas.openxmlformats.org/drawingml/2006/main" xmlns:r="http://schemas.openxmlformats.org/officeDocument/2006/relationships" xmlns:p="http://schemas.openxmlformats.org/presentationml/2006/main" matchingName="Section header" type="secHead">
   <p:cSld name="SECTION_HEADER">
     <p:spTree>
       <p:nvGrpSpPr>
-        <p:cNvPr id="13" name="Shape 13"/>
+        <p:cNvPr id="1" name="Shape 13"/>
         <p:cNvGrpSpPr/>
         <p:nvPr/>
       </p:nvGrpSpPr>
@@ -3042,7 +3152,9 @@
       <p:sp>
         <p:nvSpPr>
           <p:cNvPr id="14" name="Google Shape;14;p3"/>
-          <p:cNvSpPr txBox="1"/>
+          <p:cNvSpPr txBox="1">
+            <a:spLocks noGrp="1"/>
+          </p:cNvSpPr>
           <p:nvPr>
             <p:ph type="title"/>
           </p:nvPr>
@@ -3057,7 +3169,7 @@
           </a:prstGeom>
         </p:spPr>
         <p:txBody>
-          <a:bodyPr anchorCtr="0" anchor="ctr" bIns="91425" lIns="91425" spcFirstLastPara="1" rIns="91425" wrap="square" tIns="91425">
+          <a:bodyPr spcFirstLastPara="1" wrap="square" lIns="91425" tIns="91425" rIns="91425" bIns="91425" anchor="ctr" anchorCtr="0">
             <a:noAutofit/>
           </a:bodyPr>
           <a:lstStyle>
@@ -3161,15 +3273,19 @@
               <a:defRPr sz="3600"/>
             </a:lvl9pPr>
           </a:lstStyle>
-          <a:p/>
+          <a:p>
+            <a:endParaRPr/>
+          </a:p>
         </p:txBody>
       </p:sp>
       <p:sp>
         <p:nvSpPr>
           <p:cNvPr id="15" name="Google Shape;15;p3"/>
-          <p:cNvSpPr txBox="1"/>
+          <p:cNvSpPr txBox="1">
+            <a:spLocks noGrp="1"/>
+          </p:cNvSpPr>
           <p:nvPr>
-            <p:ph idx="12" type="sldNum"/>
+            <p:ph type="sldNum" idx="12"/>
           </p:nvPr>
         </p:nvSpPr>
         <p:spPr>
@@ -3182,7 +3298,7 @@
           </a:prstGeom>
         </p:spPr>
         <p:txBody>
-          <a:bodyPr anchorCtr="0" anchor="ctr" bIns="91425" lIns="91425" spcFirstLastPara="1" rIns="91425" wrap="square" tIns="91425">
+          <a:bodyPr spcFirstLastPara="1" wrap="square" lIns="91425" tIns="91425" rIns="91425" bIns="91425" anchor="ctr" anchorCtr="0">
             <a:noAutofit/>
           </a:bodyPr>
           <a:lstStyle>
@@ -3224,7 +3340,7 @@
             </a:lvl9pPr>
           </a:lstStyle>
           <a:p>
-            <a:pPr indent="0" lvl="0" marL="0" rtl="0" algn="r">
+            <a:pPr marL="0" lvl="0" indent="0" algn="r" rtl="0">
               <a:spcBef>
                 <a:spcPts val="0"/>
               </a:spcBef>
@@ -3250,11 +3366,11 @@
 </file>
 
 <file path=ppt/slideLayouts/slideLayout3.xml><?xml version="1.0" encoding="utf-8"?>
-<p:sldLayout xmlns:a="http://schemas.openxmlformats.org/drawingml/2006/main" xmlns:r="http://schemas.openxmlformats.org/officeDocument/2006/relationships" xmlns:mc="http://schemas.openxmlformats.org/markup-compatibility/2006" xmlns:mv="urn:schemas-microsoft-com:mac:vml" xmlns:p="http://schemas.openxmlformats.org/presentationml/2006/main" xmlns:c="http://schemas.openxmlformats.org/drawingml/2006/chart" xmlns:dgm="http://schemas.openxmlformats.org/drawingml/2006/diagram" xmlns:o="urn:schemas-microsoft-com:office:office" xmlns:v="urn:schemas-microsoft-com:vml" xmlns:pvml="urn:schemas-microsoft-com:office:powerpoint" xmlns:com="http://schemas.openxmlformats.org/drawingml/2006/compatibility" xmlns:p14="http://schemas.microsoft.com/office/powerpoint/2010/main" xmlns:p15="http://schemas.microsoft.com/office/powerpoint/2012/main" matchingName="Title and body" type="tx">
+<p:sldLayout xmlns:a="http://schemas.openxmlformats.org/drawingml/2006/main" xmlns:r="http://schemas.openxmlformats.org/officeDocument/2006/relationships" xmlns:p="http://schemas.openxmlformats.org/presentationml/2006/main" matchingName="Title and body" type="tx">
   <p:cSld name="TITLE_AND_BODY">
     <p:spTree>
       <p:nvGrpSpPr>
-        <p:cNvPr id="16" name="Shape 16"/>
+        <p:cNvPr id="1" name="Shape 16"/>
         <p:cNvGrpSpPr/>
         <p:nvPr/>
       </p:nvGrpSpPr>
@@ -3269,7 +3385,9 @@
       <p:sp>
         <p:nvSpPr>
           <p:cNvPr id="17" name="Google Shape;17;p4"/>
-          <p:cNvSpPr txBox="1"/>
+          <p:cNvSpPr txBox="1">
+            <a:spLocks noGrp="1"/>
+          </p:cNvSpPr>
           <p:nvPr>
             <p:ph type="title"/>
           </p:nvPr>
@@ -3284,7 +3402,7 @@
           </a:prstGeom>
         </p:spPr>
         <p:txBody>
-          <a:bodyPr anchorCtr="0" anchor="t" bIns="91425" lIns="91425" spcFirstLastPara="1" rIns="91425" wrap="square" tIns="91425">
+          <a:bodyPr spcFirstLastPara="1" wrap="square" lIns="91425" tIns="91425" rIns="91425" bIns="91425" anchor="t" anchorCtr="0">
             <a:noAutofit/>
           </a:bodyPr>
           <a:lstStyle>
@@ -3388,15 +3506,19 @@
               <a:defRPr/>
             </a:lvl9pPr>
           </a:lstStyle>
-          <a:p/>
+          <a:p>
+            <a:endParaRPr/>
+          </a:p>
         </p:txBody>
       </p:sp>
       <p:sp>
         <p:nvSpPr>
           <p:cNvPr id="18" name="Google Shape;18;p4"/>
-          <p:cNvSpPr txBox="1"/>
+          <p:cNvSpPr txBox="1">
+            <a:spLocks noGrp="1"/>
+          </p:cNvSpPr>
           <p:nvPr>
-            <p:ph idx="1" type="body"/>
+            <p:ph type="body" idx="1"/>
           </p:nvPr>
         </p:nvSpPr>
         <p:spPr>
@@ -3409,11 +3531,11 @@
           </a:prstGeom>
         </p:spPr>
         <p:txBody>
-          <a:bodyPr anchorCtr="0" anchor="t" bIns="91425" lIns="91425" spcFirstLastPara="1" rIns="91425" wrap="square" tIns="91425">
+          <a:bodyPr spcFirstLastPara="1" wrap="square" lIns="91425" tIns="91425" rIns="91425" bIns="91425" anchor="t" anchorCtr="0">
             <a:noAutofit/>
           </a:bodyPr>
           <a:lstStyle>
-            <a:lvl1pPr indent="-342900" lvl="0" marL="457200">
+            <a:lvl1pPr marL="457200" lvl="0" indent="-342900">
               <a:spcBef>
                 <a:spcPts val="0"/>
               </a:spcBef>
@@ -3424,7 +3546,7 @@
               <a:buChar char="●"/>
               <a:defRPr/>
             </a:lvl1pPr>
-            <a:lvl2pPr indent="-317500" lvl="1" marL="914400">
+            <a:lvl2pPr marL="914400" lvl="1" indent="-317500">
               <a:spcBef>
                 <a:spcPts val="1600"/>
               </a:spcBef>
@@ -3435,7 +3557,7 @@
               <a:buChar char="○"/>
               <a:defRPr/>
             </a:lvl2pPr>
-            <a:lvl3pPr indent="-317500" lvl="2" marL="1371600">
+            <a:lvl3pPr marL="1371600" lvl="2" indent="-317500">
               <a:spcBef>
                 <a:spcPts val="1600"/>
               </a:spcBef>
@@ -3446,7 +3568,7 @@
               <a:buChar char="■"/>
               <a:defRPr/>
             </a:lvl3pPr>
-            <a:lvl4pPr indent="-317500" lvl="3" marL="1828800">
+            <a:lvl4pPr marL="1828800" lvl="3" indent="-317500">
               <a:spcBef>
                 <a:spcPts val="1600"/>
               </a:spcBef>
@@ -3457,7 +3579,7 @@
               <a:buChar char="●"/>
               <a:defRPr/>
             </a:lvl4pPr>
-            <a:lvl5pPr indent="-317500" lvl="4" marL="2286000">
+            <a:lvl5pPr marL="2286000" lvl="4" indent="-317500">
               <a:spcBef>
                 <a:spcPts val="1600"/>
               </a:spcBef>
@@ -3468,7 +3590,7 @@
               <a:buChar char="○"/>
               <a:defRPr/>
             </a:lvl5pPr>
-            <a:lvl6pPr indent="-317500" lvl="5" marL="2743200">
+            <a:lvl6pPr marL="2743200" lvl="5" indent="-317500">
               <a:spcBef>
                 <a:spcPts val="1600"/>
               </a:spcBef>
@@ -3479,7 +3601,7 @@
               <a:buChar char="■"/>
               <a:defRPr/>
             </a:lvl6pPr>
-            <a:lvl7pPr indent="-317500" lvl="6" marL="3200400">
+            <a:lvl7pPr marL="3200400" lvl="6" indent="-317500">
               <a:spcBef>
                 <a:spcPts val="1600"/>
               </a:spcBef>
@@ -3490,7 +3612,7 @@
               <a:buChar char="●"/>
               <a:defRPr/>
             </a:lvl7pPr>
-            <a:lvl8pPr indent="-317500" lvl="7" marL="3657600">
+            <a:lvl8pPr marL="3657600" lvl="7" indent="-317500">
               <a:spcBef>
                 <a:spcPts val="1600"/>
               </a:spcBef>
@@ -3501,7 +3623,7 @@
               <a:buChar char="○"/>
               <a:defRPr/>
             </a:lvl8pPr>
-            <a:lvl9pPr indent="-317500" lvl="8" marL="4114800">
+            <a:lvl9pPr marL="4114800" lvl="8" indent="-317500">
               <a:spcBef>
                 <a:spcPts val="1600"/>
               </a:spcBef>
@@ -3513,15 +3635,19 @@
               <a:defRPr/>
             </a:lvl9pPr>
           </a:lstStyle>
-          <a:p/>
+          <a:p>
+            <a:endParaRPr/>
+          </a:p>
         </p:txBody>
       </p:sp>
       <p:sp>
         <p:nvSpPr>
           <p:cNvPr id="19" name="Google Shape;19;p4"/>
-          <p:cNvSpPr txBox="1"/>
+          <p:cNvSpPr txBox="1">
+            <a:spLocks noGrp="1"/>
+          </p:cNvSpPr>
           <p:nvPr>
-            <p:ph idx="12" type="sldNum"/>
+            <p:ph type="sldNum" idx="12"/>
           </p:nvPr>
         </p:nvSpPr>
         <p:spPr>
@@ -3534,7 +3660,7 @@
           </a:prstGeom>
         </p:spPr>
         <p:txBody>
-          <a:bodyPr anchorCtr="0" anchor="ctr" bIns="91425" lIns="91425" spcFirstLastPara="1" rIns="91425" wrap="square" tIns="91425">
+          <a:bodyPr spcFirstLastPara="1" wrap="square" lIns="91425" tIns="91425" rIns="91425" bIns="91425" anchor="ctr" anchorCtr="0">
             <a:noAutofit/>
           </a:bodyPr>
           <a:lstStyle>
@@ -3576,7 +3702,7 @@
             </a:lvl9pPr>
           </a:lstStyle>
           <a:p>
-            <a:pPr indent="0" lvl="0" marL="0" rtl="0" algn="r">
+            <a:pPr marL="0" lvl="0" indent="0" algn="r" rtl="0">
               <a:spcBef>
                 <a:spcPts val="0"/>
               </a:spcBef>
@@ -3602,11 +3728,11 @@
 </file>
 
 <file path=ppt/slideLayouts/slideLayout4.xml><?xml version="1.0" encoding="utf-8"?>
-<p:sldLayout xmlns:a="http://schemas.openxmlformats.org/drawingml/2006/main" xmlns:r="http://schemas.openxmlformats.org/officeDocument/2006/relationships" xmlns:mc="http://schemas.openxmlformats.org/markup-compatibility/2006" xmlns:mv="urn:schemas-microsoft-com:mac:vml" xmlns:p="http://schemas.openxmlformats.org/presentationml/2006/main" xmlns:c="http://schemas.openxmlformats.org/drawingml/2006/chart" xmlns:dgm="http://schemas.openxmlformats.org/drawingml/2006/diagram" xmlns:o="urn:schemas-microsoft-com:office:office" xmlns:v="urn:schemas-microsoft-com:vml" xmlns:pvml="urn:schemas-microsoft-com:office:powerpoint" xmlns:com="http://schemas.openxmlformats.org/drawingml/2006/compatibility" xmlns:p14="http://schemas.microsoft.com/office/powerpoint/2010/main" xmlns:p15="http://schemas.microsoft.com/office/powerpoint/2012/main" matchingName="Title and two columns" type="twoColTx">
+<p:sldLayout xmlns:a="http://schemas.openxmlformats.org/drawingml/2006/main" xmlns:r="http://schemas.openxmlformats.org/officeDocument/2006/relationships" xmlns:p="http://schemas.openxmlformats.org/presentationml/2006/main" matchingName="Title and two columns" type="twoColTx">
   <p:cSld name="TITLE_AND_TWO_COLUMNS">
     <p:spTree>
       <p:nvGrpSpPr>
-        <p:cNvPr id="20" name="Shape 20"/>
+        <p:cNvPr id="1" name="Shape 20"/>
         <p:cNvGrpSpPr/>
         <p:nvPr/>
       </p:nvGrpSpPr>
@@ -3621,7 +3747,9 @@
       <p:sp>
         <p:nvSpPr>
           <p:cNvPr id="21" name="Google Shape;21;p5"/>
-          <p:cNvSpPr txBox="1"/>
+          <p:cNvSpPr txBox="1">
+            <a:spLocks noGrp="1"/>
+          </p:cNvSpPr>
           <p:nvPr>
             <p:ph type="title"/>
           </p:nvPr>
@@ -3636,7 +3764,7 @@
           </a:prstGeom>
         </p:spPr>
         <p:txBody>
-          <a:bodyPr anchorCtr="0" anchor="t" bIns="91425" lIns="91425" spcFirstLastPara="1" rIns="91425" wrap="square" tIns="91425">
+          <a:bodyPr spcFirstLastPara="1" wrap="square" lIns="91425" tIns="91425" rIns="91425" bIns="91425" anchor="t" anchorCtr="0">
             <a:noAutofit/>
           </a:bodyPr>
           <a:lstStyle>
@@ -3740,15 +3868,19 @@
               <a:defRPr/>
             </a:lvl9pPr>
           </a:lstStyle>
-          <a:p/>
+          <a:p>
+            <a:endParaRPr/>
+          </a:p>
         </p:txBody>
       </p:sp>
       <p:sp>
         <p:nvSpPr>
           <p:cNvPr id="22" name="Google Shape;22;p5"/>
-          <p:cNvSpPr txBox="1"/>
+          <p:cNvSpPr txBox="1">
+            <a:spLocks noGrp="1"/>
+          </p:cNvSpPr>
           <p:nvPr>
-            <p:ph idx="1" type="body"/>
+            <p:ph type="body" idx="1"/>
           </p:nvPr>
         </p:nvSpPr>
         <p:spPr>
@@ -3761,11 +3893,11 @@
           </a:prstGeom>
         </p:spPr>
         <p:txBody>
-          <a:bodyPr anchorCtr="0" anchor="t" bIns="91425" lIns="91425" spcFirstLastPara="1" rIns="91425" wrap="square" tIns="91425">
+          <a:bodyPr spcFirstLastPara="1" wrap="square" lIns="91425" tIns="91425" rIns="91425" bIns="91425" anchor="t" anchorCtr="0">
             <a:noAutofit/>
           </a:bodyPr>
           <a:lstStyle>
-            <a:lvl1pPr indent="-317500" lvl="0" marL="457200">
+            <a:lvl1pPr marL="457200" lvl="0" indent="-317500">
               <a:spcBef>
                 <a:spcPts val="0"/>
               </a:spcBef>
@@ -3776,7 +3908,7 @@
               <a:buChar char="●"/>
               <a:defRPr sz="1400"/>
             </a:lvl1pPr>
-            <a:lvl2pPr indent="-304800" lvl="1" marL="914400">
+            <a:lvl2pPr marL="914400" lvl="1" indent="-304800">
               <a:spcBef>
                 <a:spcPts val="1600"/>
               </a:spcBef>
@@ -3787,7 +3919,7 @@
               <a:buChar char="○"/>
               <a:defRPr sz="1200"/>
             </a:lvl2pPr>
-            <a:lvl3pPr indent="-304800" lvl="2" marL="1371600">
+            <a:lvl3pPr marL="1371600" lvl="2" indent="-304800">
               <a:spcBef>
                 <a:spcPts val="1600"/>
               </a:spcBef>
@@ -3798,7 +3930,7 @@
               <a:buChar char="■"/>
               <a:defRPr sz="1200"/>
             </a:lvl3pPr>
-            <a:lvl4pPr indent="-304800" lvl="3" marL="1828800">
+            <a:lvl4pPr marL="1828800" lvl="3" indent="-304800">
               <a:spcBef>
                 <a:spcPts val="1600"/>
               </a:spcBef>
@@ -3809,7 +3941,7 @@
               <a:buChar char="●"/>
               <a:defRPr sz="1200"/>
             </a:lvl4pPr>
-            <a:lvl5pPr indent="-304800" lvl="4" marL="2286000">
+            <a:lvl5pPr marL="2286000" lvl="4" indent="-304800">
               <a:spcBef>
                 <a:spcPts val="1600"/>
               </a:spcBef>
@@ -3820,7 +3952,7 @@
               <a:buChar char="○"/>
               <a:defRPr sz="1200"/>
             </a:lvl5pPr>
-            <a:lvl6pPr indent="-304800" lvl="5" marL="2743200">
+            <a:lvl6pPr marL="2743200" lvl="5" indent="-304800">
               <a:spcBef>
                 <a:spcPts val="1600"/>
               </a:spcBef>
@@ -3831,7 +3963,7 @@
               <a:buChar char="■"/>
               <a:defRPr sz="1200"/>
             </a:lvl6pPr>
-            <a:lvl7pPr indent="-304800" lvl="6" marL="3200400">
+            <a:lvl7pPr marL="3200400" lvl="6" indent="-304800">
               <a:spcBef>
                 <a:spcPts val="1600"/>
               </a:spcBef>
@@ -3842,7 +3974,7 @@
               <a:buChar char="●"/>
               <a:defRPr sz="1200"/>
             </a:lvl7pPr>
-            <a:lvl8pPr indent="-304800" lvl="7" marL="3657600">
+            <a:lvl8pPr marL="3657600" lvl="7" indent="-304800">
               <a:spcBef>
                 <a:spcPts val="1600"/>
               </a:spcBef>
@@ -3853,7 +3985,7 @@
               <a:buChar char="○"/>
               <a:defRPr sz="1200"/>
             </a:lvl8pPr>
-            <a:lvl9pPr indent="-304800" lvl="8" marL="4114800">
+            <a:lvl9pPr marL="4114800" lvl="8" indent="-304800">
               <a:spcBef>
                 <a:spcPts val="1600"/>
               </a:spcBef>
@@ -3865,15 +3997,19 @@
               <a:defRPr sz="1200"/>
             </a:lvl9pPr>
           </a:lstStyle>
-          <a:p/>
+          <a:p>
+            <a:endParaRPr/>
+          </a:p>
         </p:txBody>
       </p:sp>
       <p:sp>
         <p:nvSpPr>
           <p:cNvPr id="23" name="Google Shape;23;p5"/>
-          <p:cNvSpPr txBox="1"/>
+          <p:cNvSpPr txBox="1">
+            <a:spLocks noGrp="1"/>
+          </p:cNvSpPr>
           <p:nvPr>
-            <p:ph idx="2" type="body"/>
+            <p:ph type="body" idx="2"/>
           </p:nvPr>
         </p:nvSpPr>
         <p:spPr>
@@ -3886,11 +4022,11 @@
           </a:prstGeom>
         </p:spPr>
         <p:txBody>
-          <a:bodyPr anchorCtr="0" anchor="t" bIns="91425" lIns="91425" spcFirstLastPara="1" rIns="91425" wrap="square" tIns="91425">
+          <a:bodyPr spcFirstLastPara="1" wrap="square" lIns="91425" tIns="91425" rIns="91425" bIns="91425" anchor="t" anchorCtr="0">
             <a:noAutofit/>
           </a:bodyPr>
           <a:lstStyle>
-            <a:lvl1pPr indent="-317500" lvl="0" marL="457200">
+            <a:lvl1pPr marL="457200" lvl="0" indent="-317500">
               <a:spcBef>
                 <a:spcPts val="0"/>
               </a:spcBef>
@@ -3901,7 +4037,7 @@
               <a:buChar char="●"/>
               <a:defRPr sz="1400"/>
             </a:lvl1pPr>
-            <a:lvl2pPr indent="-304800" lvl="1" marL="914400">
+            <a:lvl2pPr marL="914400" lvl="1" indent="-304800">
               <a:spcBef>
                 <a:spcPts val="1600"/>
               </a:spcBef>
@@ -3912,7 +4048,7 @@
               <a:buChar char="○"/>
               <a:defRPr sz="1200"/>
             </a:lvl2pPr>
-            <a:lvl3pPr indent="-304800" lvl="2" marL="1371600">
+            <a:lvl3pPr marL="1371600" lvl="2" indent="-304800">
               <a:spcBef>
                 <a:spcPts val="1600"/>
               </a:spcBef>
@@ -3923,7 +4059,7 @@
               <a:buChar char="■"/>
               <a:defRPr sz="1200"/>
             </a:lvl3pPr>
-            <a:lvl4pPr indent="-304800" lvl="3" marL="1828800">
+            <a:lvl4pPr marL="1828800" lvl="3" indent="-304800">
               <a:spcBef>
                 <a:spcPts val="1600"/>
               </a:spcBef>
@@ -3934,7 +4070,7 @@
               <a:buChar char="●"/>
               <a:defRPr sz="1200"/>
             </a:lvl4pPr>
-            <a:lvl5pPr indent="-304800" lvl="4" marL="2286000">
+            <a:lvl5pPr marL="2286000" lvl="4" indent="-304800">
               <a:spcBef>
                 <a:spcPts val="1600"/>
               </a:spcBef>
@@ -3945,7 +4081,7 @@
               <a:buChar char="○"/>
               <a:defRPr sz="1200"/>
             </a:lvl5pPr>
-            <a:lvl6pPr indent="-304800" lvl="5" marL="2743200">
+            <a:lvl6pPr marL="2743200" lvl="5" indent="-304800">
               <a:spcBef>
                 <a:spcPts val="1600"/>
               </a:spcBef>
@@ -3956,7 +4092,7 @@
               <a:buChar char="■"/>
               <a:defRPr sz="1200"/>
             </a:lvl6pPr>
-            <a:lvl7pPr indent="-304800" lvl="6" marL="3200400">
+            <a:lvl7pPr marL="3200400" lvl="6" indent="-304800">
               <a:spcBef>
                 <a:spcPts val="1600"/>
               </a:spcBef>
@@ -3967,7 +4103,7 @@
               <a:buChar char="●"/>
               <a:defRPr sz="1200"/>
             </a:lvl7pPr>
-            <a:lvl8pPr indent="-304800" lvl="7" marL="3657600">
+            <a:lvl8pPr marL="3657600" lvl="7" indent="-304800">
               <a:spcBef>
                 <a:spcPts val="1600"/>
               </a:spcBef>
@@ -3978,7 +4114,7 @@
               <a:buChar char="○"/>
               <a:defRPr sz="1200"/>
             </a:lvl8pPr>
-            <a:lvl9pPr indent="-304800" lvl="8" marL="4114800">
+            <a:lvl9pPr marL="4114800" lvl="8" indent="-304800">
               <a:spcBef>
                 <a:spcPts val="1600"/>
               </a:spcBef>
@@ -3990,15 +4126,19 @@
               <a:defRPr sz="1200"/>
             </a:lvl9pPr>
           </a:lstStyle>
-          <a:p/>
+          <a:p>
+            <a:endParaRPr/>
+          </a:p>
         </p:txBody>
       </p:sp>
       <p:sp>
         <p:nvSpPr>
           <p:cNvPr id="24" name="Google Shape;24;p5"/>
-          <p:cNvSpPr txBox="1"/>
+          <p:cNvSpPr txBox="1">
+            <a:spLocks noGrp="1"/>
+          </p:cNvSpPr>
           <p:nvPr>
-            <p:ph idx="12" type="sldNum"/>
+            <p:ph type="sldNum" idx="12"/>
           </p:nvPr>
         </p:nvSpPr>
         <p:spPr>
@@ -4011,7 +4151,7 @@
           </a:prstGeom>
         </p:spPr>
         <p:txBody>
-          <a:bodyPr anchorCtr="0" anchor="ctr" bIns="91425" lIns="91425" spcFirstLastPara="1" rIns="91425" wrap="square" tIns="91425">
+          <a:bodyPr spcFirstLastPara="1" wrap="square" lIns="91425" tIns="91425" rIns="91425" bIns="91425" anchor="ctr" anchorCtr="0">
             <a:noAutofit/>
           </a:bodyPr>
           <a:lstStyle>
@@ -4053,7 +4193,7 @@
             </a:lvl9pPr>
           </a:lstStyle>
           <a:p>
-            <a:pPr indent="0" lvl="0" marL="0" rtl="0" algn="r">
+            <a:pPr marL="0" lvl="0" indent="0" algn="r" rtl="0">
               <a:spcBef>
                 <a:spcPts val="0"/>
               </a:spcBef>
@@ -4079,11 +4219,11 @@
 </file>
 
 <file path=ppt/slideLayouts/slideLayout5.xml><?xml version="1.0" encoding="utf-8"?>
-<p:sldLayout xmlns:a="http://schemas.openxmlformats.org/drawingml/2006/main" xmlns:r="http://schemas.openxmlformats.org/officeDocument/2006/relationships" xmlns:mc="http://schemas.openxmlformats.org/markup-compatibility/2006" xmlns:mv="urn:schemas-microsoft-com:mac:vml" xmlns:p="http://schemas.openxmlformats.org/presentationml/2006/main" xmlns:c="http://schemas.openxmlformats.org/drawingml/2006/chart" xmlns:dgm="http://schemas.openxmlformats.org/drawingml/2006/diagram" xmlns:o="urn:schemas-microsoft-com:office:office" xmlns:v="urn:schemas-microsoft-com:vml" xmlns:pvml="urn:schemas-microsoft-com:office:powerpoint" xmlns:com="http://schemas.openxmlformats.org/drawingml/2006/compatibility" xmlns:p14="http://schemas.microsoft.com/office/powerpoint/2010/main" xmlns:p15="http://schemas.microsoft.com/office/powerpoint/2012/main" matchingName="Title only" type="titleOnly">
+<p:sldLayout xmlns:a="http://schemas.openxmlformats.org/drawingml/2006/main" xmlns:r="http://schemas.openxmlformats.org/officeDocument/2006/relationships" xmlns:p="http://schemas.openxmlformats.org/presentationml/2006/main" matchingName="Title only" type="titleOnly">
   <p:cSld name="TITLE_ONLY">
     <p:spTree>
       <p:nvGrpSpPr>
-        <p:cNvPr id="25" name="Shape 25"/>
+        <p:cNvPr id="1" name="Shape 25"/>
         <p:cNvGrpSpPr/>
         <p:nvPr/>
       </p:nvGrpSpPr>
@@ -4098,7 +4238,9 @@
       <p:sp>
         <p:nvSpPr>
           <p:cNvPr id="26" name="Google Shape;26;p6"/>
-          <p:cNvSpPr txBox="1"/>
+          <p:cNvSpPr txBox="1">
+            <a:spLocks noGrp="1"/>
+          </p:cNvSpPr>
           <p:nvPr>
             <p:ph type="title"/>
           </p:nvPr>
@@ -4113,7 +4255,7 @@
           </a:prstGeom>
         </p:spPr>
         <p:txBody>
-          <a:bodyPr anchorCtr="0" anchor="t" bIns="91425" lIns="91425" spcFirstLastPara="1" rIns="91425" wrap="square" tIns="91425">
+          <a:bodyPr spcFirstLastPara="1" wrap="square" lIns="91425" tIns="91425" rIns="91425" bIns="91425" anchor="t" anchorCtr="0">
             <a:noAutofit/>
           </a:bodyPr>
           <a:lstStyle>
@@ -4217,15 +4359,19 @@
               <a:defRPr/>
             </a:lvl9pPr>
           </a:lstStyle>
-          <a:p/>
+          <a:p>
+            <a:endParaRPr/>
+          </a:p>
         </p:txBody>
       </p:sp>
       <p:sp>
         <p:nvSpPr>
           <p:cNvPr id="27" name="Google Shape;27;p6"/>
-          <p:cNvSpPr txBox="1"/>
+          <p:cNvSpPr txBox="1">
+            <a:spLocks noGrp="1"/>
+          </p:cNvSpPr>
           <p:nvPr>
-            <p:ph idx="12" type="sldNum"/>
+            <p:ph type="sldNum" idx="12"/>
           </p:nvPr>
         </p:nvSpPr>
         <p:spPr>
@@ -4238,7 +4384,7 @@
           </a:prstGeom>
         </p:spPr>
         <p:txBody>
-          <a:bodyPr anchorCtr="0" anchor="ctr" bIns="91425" lIns="91425" spcFirstLastPara="1" rIns="91425" wrap="square" tIns="91425">
+          <a:bodyPr spcFirstLastPara="1" wrap="square" lIns="91425" tIns="91425" rIns="91425" bIns="91425" anchor="ctr" anchorCtr="0">
             <a:noAutofit/>
           </a:bodyPr>
           <a:lstStyle>
@@ -4280,7 +4426,7 @@
             </a:lvl9pPr>
           </a:lstStyle>
           <a:p>
-            <a:pPr indent="0" lvl="0" marL="0" rtl="0" algn="r">
+            <a:pPr marL="0" lvl="0" indent="0" algn="r" rtl="0">
               <a:spcBef>
                 <a:spcPts val="0"/>
               </a:spcBef>
@@ -4306,11 +4452,11 @@
 </file>
 
 <file path=ppt/slideLayouts/slideLayout6.xml><?xml version="1.0" encoding="utf-8"?>
-<p:sldLayout xmlns:a="http://schemas.openxmlformats.org/drawingml/2006/main" xmlns:r="http://schemas.openxmlformats.org/officeDocument/2006/relationships" xmlns:mc="http://schemas.openxmlformats.org/markup-compatibility/2006" xmlns:mv="urn:schemas-microsoft-com:mac:vml" xmlns:p="http://schemas.openxmlformats.org/presentationml/2006/main" xmlns:c="http://schemas.openxmlformats.org/drawingml/2006/chart" xmlns:dgm="http://schemas.openxmlformats.org/drawingml/2006/diagram" xmlns:o="urn:schemas-microsoft-com:office:office" xmlns:v="urn:schemas-microsoft-com:vml" xmlns:pvml="urn:schemas-microsoft-com:office:powerpoint" xmlns:com="http://schemas.openxmlformats.org/drawingml/2006/compatibility" xmlns:p14="http://schemas.microsoft.com/office/powerpoint/2010/main" xmlns:p15="http://schemas.microsoft.com/office/powerpoint/2012/main" matchingName="One column text">
+<p:sldLayout xmlns:a="http://schemas.openxmlformats.org/drawingml/2006/main" xmlns:r="http://schemas.openxmlformats.org/officeDocument/2006/relationships" xmlns:p="http://schemas.openxmlformats.org/presentationml/2006/main" matchingName="One column text">
   <p:cSld name="ONE_COLUMN_TEXT">
     <p:spTree>
       <p:nvGrpSpPr>
-        <p:cNvPr id="28" name="Shape 28"/>
+        <p:cNvPr id="1" name="Shape 28"/>
         <p:cNvGrpSpPr/>
         <p:nvPr/>
       </p:nvGrpSpPr>
@@ -4325,7 +4471,9 @@
       <p:sp>
         <p:nvSpPr>
           <p:cNvPr id="29" name="Google Shape;29;p7"/>
-          <p:cNvSpPr txBox="1"/>
+          <p:cNvSpPr txBox="1">
+            <a:spLocks noGrp="1"/>
+          </p:cNvSpPr>
           <p:nvPr>
             <p:ph type="title"/>
           </p:nvPr>
@@ -4340,7 +4488,7 @@
           </a:prstGeom>
         </p:spPr>
         <p:txBody>
-          <a:bodyPr anchorCtr="0" anchor="b" bIns="91425" lIns="91425" spcFirstLastPara="1" rIns="91425" wrap="square" tIns="91425">
+          <a:bodyPr spcFirstLastPara="1" wrap="square" lIns="91425" tIns="91425" rIns="91425" bIns="91425" anchor="b" anchorCtr="0">
             <a:noAutofit/>
           </a:bodyPr>
           <a:lstStyle>
@@ -4444,15 +4592,19 @@
               <a:defRPr sz="2400"/>
             </a:lvl9pPr>
           </a:lstStyle>
-          <a:p/>
+          <a:p>
+            <a:endParaRPr/>
+          </a:p>
         </p:txBody>
       </p:sp>
       <p:sp>
         <p:nvSpPr>
           <p:cNvPr id="30" name="Google Shape;30;p7"/>
-          <p:cNvSpPr txBox="1"/>
+          <p:cNvSpPr txBox="1">
+            <a:spLocks noGrp="1"/>
+          </p:cNvSpPr>
           <p:nvPr>
-            <p:ph idx="1" type="body"/>
+            <p:ph type="body" idx="1"/>
           </p:nvPr>
         </p:nvSpPr>
         <p:spPr>
@@ -4465,11 +4617,11 @@
           </a:prstGeom>
         </p:spPr>
         <p:txBody>
-          <a:bodyPr anchorCtr="0" anchor="t" bIns="91425" lIns="91425" spcFirstLastPara="1" rIns="91425" wrap="square" tIns="91425">
+          <a:bodyPr spcFirstLastPara="1" wrap="square" lIns="91425" tIns="91425" rIns="91425" bIns="91425" anchor="t" anchorCtr="0">
             <a:noAutofit/>
           </a:bodyPr>
           <a:lstStyle>
-            <a:lvl1pPr indent="-304800" lvl="0" marL="457200">
+            <a:lvl1pPr marL="457200" lvl="0" indent="-304800">
               <a:spcBef>
                 <a:spcPts val="0"/>
               </a:spcBef>
@@ -4480,7 +4632,7 @@
               <a:buChar char="●"/>
               <a:defRPr sz="1200"/>
             </a:lvl1pPr>
-            <a:lvl2pPr indent="-304800" lvl="1" marL="914400">
+            <a:lvl2pPr marL="914400" lvl="1" indent="-304800">
               <a:spcBef>
                 <a:spcPts val="1600"/>
               </a:spcBef>
@@ -4491,7 +4643,7 @@
               <a:buChar char="○"/>
               <a:defRPr sz="1200"/>
             </a:lvl2pPr>
-            <a:lvl3pPr indent="-304800" lvl="2" marL="1371600">
+            <a:lvl3pPr marL="1371600" lvl="2" indent="-304800">
               <a:spcBef>
                 <a:spcPts val="1600"/>
               </a:spcBef>
@@ -4502,7 +4654,7 @@
               <a:buChar char="■"/>
               <a:defRPr sz="1200"/>
             </a:lvl3pPr>
-            <a:lvl4pPr indent="-304800" lvl="3" marL="1828800">
+            <a:lvl4pPr marL="1828800" lvl="3" indent="-304800">
               <a:spcBef>
                 <a:spcPts val="1600"/>
               </a:spcBef>
@@ -4513,7 +4665,7 @@
               <a:buChar char="●"/>
               <a:defRPr sz="1200"/>
             </a:lvl4pPr>
-            <a:lvl5pPr indent="-304800" lvl="4" marL="2286000">
+            <a:lvl5pPr marL="2286000" lvl="4" indent="-304800">
               <a:spcBef>
                 <a:spcPts val="1600"/>
               </a:spcBef>
@@ -4524,7 +4676,7 @@
               <a:buChar char="○"/>
               <a:defRPr sz="1200"/>
             </a:lvl5pPr>
-            <a:lvl6pPr indent="-304800" lvl="5" marL="2743200">
+            <a:lvl6pPr marL="2743200" lvl="5" indent="-304800">
               <a:spcBef>
                 <a:spcPts val="1600"/>
               </a:spcBef>
@@ -4535,7 +4687,7 @@
               <a:buChar char="■"/>
               <a:defRPr sz="1200"/>
             </a:lvl6pPr>
-            <a:lvl7pPr indent="-304800" lvl="6" marL="3200400">
+            <a:lvl7pPr marL="3200400" lvl="6" indent="-304800">
               <a:spcBef>
                 <a:spcPts val="1600"/>
               </a:spcBef>
@@ -4546,7 +4698,7 @@
               <a:buChar char="●"/>
               <a:defRPr sz="1200"/>
             </a:lvl7pPr>
-            <a:lvl8pPr indent="-304800" lvl="7" marL="3657600">
+            <a:lvl8pPr marL="3657600" lvl="7" indent="-304800">
               <a:spcBef>
                 <a:spcPts val="1600"/>
               </a:spcBef>
@@ -4557,7 +4709,7 @@
               <a:buChar char="○"/>
               <a:defRPr sz="1200"/>
             </a:lvl8pPr>
-            <a:lvl9pPr indent="-304800" lvl="8" marL="4114800">
+            <a:lvl9pPr marL="4114800" lvl="8" indent="-304800">
               <a:spcBef>
                 <a:spcPts val="1600"/>
               </a:spcBef>
@@ -4569,15 +4721,19 @@
               <a:defRPr sz="1200"/>
             </a:lvl9pPr>
           </a:lstStyle>
-          <a:p/>
+          <a:p>
+            <a:endParaRPr/>
+          </a:p>
         </p:txBody>
       </p:sp>
       <p:sp>
         <p:nvSpPr>
           <p:cNvPr id="31" name="Google Shape;31;p7"/>
-          <p:cNvSpPr txBox="1"/>
+          <p:cNvSpPr txBox="1">
+            <a:spLocks noGrp="1"/>
+          </p:cNvSpPr>
           <p:nvPr>
-            <p:ph idx="12" type="sldNum"/>
+            <p:ph type="sldNum" idx="12"/>
           </p:nvPr>
         </p:nvSpPr>
         <p:spPr>
@@ -4590,7 +4746,7 @@
           </a:prstGeom>
         </p:spPr>
         <p:txBody>
-          <a:bodyPr anchorCtr="0" anchor="ctr" bIns="91425" lIns="91425" spcFirstLastPara="1" rIns="91425" wrap="square" tIns="91425">
+          <a:bodyPr spcFirstLastPara="1" wrap="square" lIns="91425" tIns="91425" rIns="91425" bIns="91425" anchor="ctr" anchorCtr="0">
             <a:noAutofit/>
           </a:bodyPr>
           <a:lstStyle>
@@ -4632,7 +4788,7 @@
             </a:lvl9pPr>
           </a:lstStyle>
           <a:p>
-            <a:pPr indent="0" lvl="0" marL="0" rtl="0" algn="r">
+            <a:pPr marL="0" lvl="0" indent="0" algn="r" rtl="0">
               <a:spcBef>
                 <a:spcPts val="0"/>
               </a:spcBef>
@@ -4658,11 +4814,11 @@
 </file>
 
 <file path=ppt/slideLayouts/slideLayout7.xml><?xml version="1.0" encoding="utf-8"?>
-<p:sldLayout xmlns:a="http://schemas.openxmlformats.org/drawingml/2006/main" xmlns:r="http://schemas.openxmlformats.org/officeDocument/2006/relationships" xmlns:mc="http://schemas.openxmlformats.org/markup-compatibility/2006" xmlns:mv="urn:schemas-microsoft-com:mac:vml" xmlns:p="http://schemas.openxmlformats.org/presentationml/2006/main" xmlns:c="http://schemas.openxmlformats.org/drawingml/2006/chart" xmlns:dgm="http://schemas.openxmlformats.org/drawingml/2006/diagram" xmlns:o="urn:schemas-microsoft-com:office:office" xmlns:v="urn:schemas-microsoft-com:vml" xmlns:pvml="urn:schemas-microsoft-com:office:powerpoint" xmlns:com="http://schemas.openxmlformats.org/drawingml/2006/compatibility" xmlns:p14="http://schemas.microsoft.com/office/powerpoint/2010/main" xmlns:p15="http://schemas.microsoft.com/office/powerpoint/2012/main" matchingName="Main point">
+<p:sldLayout xmlns:a="http://schemas.openxmlformats.org/drawingml/2006/main" xmlns:r="http://schemas.openxmlformats.org/officeDocument/2006/relationships" xmlns:p="http://schemas.openxmlformats.org/presentationml/2006/main" matchingName="Main point">
   <p:cSld name="MAIN_POINT">
     <p:spTree>
       <p:nvGrpSpPr>
-        <p:cNvPr id="32" name="Shape 32"/>
+        <p:cNvPr id="1" name="Shape 32"/>
         <p:cNvGrpSpPr/>
         <p:nvPr/>
       </p:nvGrpSpPr>
@@ -4677,7 +4833,9 @@
       <p:sp>
         <p:nvSpPr>
           <p:cNvPr id="33" name="Google Shape;33;p8"/>
-          <p:cNvSpPr txBox="1"/>
+          <p:cNvSpPr txBox="1">
+            <a:spLocks noGrp="1"/>
+          </p:cNvSpPr>
           <p:nvPr>
             <p:ph type="title"/>
           </p:nvPr>
@@ -4692,7 +4850,7 @@
           </a:prstGeom>
         </p:spPr>
         <p:txBody>
-          <a:bodyPr anchorCtr="0" anchor="ctr" bIns="91425" lIns="91425" spcFirstLastPara="1" rIns="91425" wrap="square" tIns="91425">
+          <a:bodyPr spcFirstLastPara="1" wrap="square" lIns="91425" tIns="91425" rIns="91425" bIns="91425" anchor="ctr" anchorCtr="0">
             <a:noAutofit/>
           </a:bodyPr>
           <a:lstStyle>
@@ -4796,15 +4954,19 @@
               <a:defRPr sz="4800"/>
             </a:lvl9pPr>
           </a:lstStyle>
-          <a:p/>
+          <a:p>
+            <a:endParaRPr/>
+          </a:p>
         </p:txBody>
       </p:sp>
       <p:sp>
         <p:nvSpPr>
           <p:cNvPr id="34" name="Google Shape;34;p8"/>
-          <p:cNvSpPr txBox="1"/>
+          <p:cNvSpPr txBox="1">
+            <a:spLocks noGrp="1"/>
+          </p:cNvSpPr>
           <p:nvPr>
-            <p:ph idx="12" type="sldNum"/>
+            <p:ph type="sldNum" idx="12"/>
           </p:nvPr>
         </p:nvSpPr>
         <p:spPr>
@@ -4817,7 +4979,7 @@
           </a:prstGeom>
         </p:spPr>
         <p:txBody>
-          <a:bodyPr anchorCtr="0" anchor="ctr" bIns="91425" lIns="91425" spcFirstLastPara="1" rIns="91425" wrap="square" tIns="91425">
+          <a:bodyPr spcFirstLastPara="1" wrap="square" lIns="91425" tIns="91425" rIns="91425" bIns="91425" anchor="ctr" anchorCtr="0">
             <a:noAutofit/>
           </a:bodyPr>
           <a:lstStyle>
@@ -4859,7 +5021,7 @@
             </a:lvl9pPr>
           </a:lstStyle>
           <a:p>
-            <a:pPr indent="0" lvl="0" marL="0" rtl="0" algn="r">
+            <a:pPr marL="0" lvl="0" indent="0" algn="r" rtl="0">
               <a:spcBef>
                 <a:spcPts val="0"/>
               </a:spcBef>
@@ -4885,11 +5047,11 @@
 </file>
 
 <file path=ppt/slideLayouts/slideLayout8.xml><?xml version="1.0" encoding="utf-8"?>
-<p:sldLayout xmlns:a="http://schemas.openxmlformats.org/drawingml/2006/main" xmlns:r="http://schemas.openxmlformats.org/officeDocument/2006/relationships" xmlns:mc="http://schemas.openxmlformats.org/markup-compatibility/2006" xmlns:mv="urn:schemas-microsoft-com:mac:vml" xmlns:p="http://schemas.openxmlformats.org/presentationml/2006/main" xmlns:c="http://schemas.openxmlformats.org/drawingml/2006/chart" xmlns:dgm="http://schemas.openxmlformats.org/drawingml/2006/diagram" xmlns:o="urn:schemas-microsoft-com:office:office" xmlns:v="urn:schemas-microsoft-com:vml" xmlns:pvml="urn:schemas-microsoft-com:office:powerpoint" xmlns:com="http://schemas.openxmlformats.org/drawingml/2006/compatibility" xmlns:p14="http://schemas.microsoft.com/office/powerpoint/2010/main" xmlns:p15="http://schemas.microsoft.com/office/powerpoint/2012/main" matchingName="Section title and description">
+<p:sldLayout xmlns:a="http://schemas.openxmlformats.org/drawingml/2006/main" xmlns:r="http://schemas.openxmlformats.org/officeDocument/2006/relationships" xmlns:p="http://schemas.openxmlformats.org/presentationml/2006/main" matchingName="Section title and description">
   <p:cSld name="SECTION_TITLE_AND_DESCRIPTION">
     <p:spTree>
       <p:nvGrpSpPr>
-        <p:cNvPr id="35" name="Shape 35"/>
+        <p:cNvPr id="1" name="Shape 35"/>
         <p:cNvGrpSpPr/>
         <p:nvPr/>
       </p:nvGrpSpPr>
@@ -4923,12 +5085,12 @@
           </a:ln>
         </p:spPr>
         <p:txBody>
-          <a:bodyPr anchorCtr="0" anchor="ctr" bIns="91425" lIns="91425" spcFirstLastPara="1" rIns="91425" wrap="square" tIns="91425">
+          <a:bodyPr spcFirstLastPara="1" wrap="square" lIns="91425" tIns="91425" rIns="91425" bIns="91425" anchor="ctr" anchorCtr="0">
             <a:noAutofit/>
           </a:bodyPr>
           <a:lstStyle/>
           <a:p>
-            <a:pPr indent="0" lvl="0" marL="0" rtl="0" algn="l">
+            <a:pPr marL="0" lvl="0" indent="0" algn="l" rtl="0">
               <a:spcBef>
                 <a:spcPts val="0"/>
               </a:spcBef>
@@ -4937,9 +5099,6 @@
               </a:spcAft>
               <a:buNone/>
             </a:pPr>
-            <a:r>
-              <a:t/>
-            </a:r>
             <a:endParaRPr/>
           </a:p>
         </p:txBody>
@@ -4947,7 +5106,9 @@
       <p:sp>
         <p:nvSpPr>
           <p:cNvPr id="37" name="Google Shape;37;p9"/>
-          <p:cNvSpPr txBox="1"/>
+          <p:cNvSpPr txBox="1">
+            <a:spLocks noGrp="1"/>
+          </p:cNvSpPr>
           <p:nvPr>
             <p:ph type="title"/>
           </p:nvPr>
@@ -4962,7 +5123,7 @@
           </a:prstGeom>
         </p:spPr>
         <p:txBody>
-          <a:bodyPr anchorCtr="0" anchor="b" bIns="91425" lIns="91425" spcFirstLastPara="1" rIns="91425" wrap="square" tIns="91425">
+          <a:bodyPr spcFirstLastPara="1" wrap="square" lIns="91425" tIns="91425" rIns="91425" bIns="91425" anchor="b" anchorCtr="0">
             <a:noAutofit/>
           </a:bodyPr>
           <a:lstStyle>
@@ -5066,15 +5227,19 @@
               <a:defRPr sz="4200"/>
             </a:lvl9pPr>
           </a:lstStyle>
-          <a:p/>
+          <a:p>
+            <a:endParaRPr/>
+          </a:p>
         </p:txBody>
       </p:sp>
       <p:sp>
         <p:nvSpPr>
           <p:cNvPr id="38" name="Google Shape;38;p9"/>
-          <p:cNvSpPr txBox="1"/>
+          <p:cNvSpPr txBox="1">
+            <a:spLocks noGrp="1"/>
+          </p:cNvSpPr>
           <p:nvPr>
-            <p:ph idx="1" type="subTitle"/>
+            <p:ph type="subTitle" idx="1"/>
           </p:nvPr>
         </p:nvSpPr>
         <p:spPr>
@@ -5087,7 +5252,7 @@
           </a:prstGeom>
         </p:spPr>
         <p:txBody>
-          <a:bodyPr anchorCtr="0" anchor="t" bIns="91425" lIns="91425" spcFirstLastPara="1" rIns="91425" wrap="square" tIns="91425">
+          <a:bodyPr spcFirstLastPara="1" wrap="square" lIns="91425" tIns="91425" rIns="91425" bIns="91425" anchor="t" anchorCtr="0">
             <a:noAutofit/>
           </a:bodyPr>
           <a:lstStyle>
@@ -5218,15 +5383,19 @@
               <a:defRPr sz="2100"/>
             </a:lvl9pPr>
           </a:lstStyle>
-          <a:p/>
+          <a:p>
+            <a:endParaRPr/>
+          </a:p>
         </p:txBody>
       </p:sp>
       <p:sp>
         <p:nvSpPr>
           <p:cNvPr id="39" name="Google Shape;39;p9"/>
-          <p:cNvSpPr txBox="1"/>
+          <p:cNvSpPr txBox="1">
+            <a:spLocks noGrp="1"/>
+          </p:cNvSpPr>
           <p:nvPr>
-            <p:ph idx="2" type="body"/>
+            <p:ph type="body" idx="2"/>
           </p:nvPr>
         </p:nvSpPr>
         <p:spPr>
@@ -5239,11 +5408,11 @@
           </a:prstGeom>
         </p:spPr>
         <p:txBody>
-          <a:bodyPr anchorCtr="0" anchor="ctr" bIns="91425" lIns="91425" spcFirstLastPara="1" rIns="91425" wrap="square" tIns="91425">
+          <a:bodyPr spcFirstLastPara="1" wrap="square" lIns="91425" tIns="91425" rIns="91425" bIns="91425" anchor="ctr" anchorCtr="0">
             <a:noAutofit/>
           </a:bodyPr>
           <a:lstStyle>
-            <a:lvl1pPr indent="-342900" lvl="0" marL="457200">
+            <a:lvl1pPr marL="457200" lvl="0" indent="-342900">
               <a:spcBef>
                 <a:spcPts val="0"/>
               </a:spcBef>
@@ -5261,7 +5430,7 @@
                 </a:solidFill>
               </a:defRPr>
             </a:lvl1pPr>
-            <a:lvl2pPr indent="-317500" lvl="1" marL="914400">
+            <a:lvl2pPr marL="914400" lvl="1" indent="-317500">
               <a:spcBef>
                 <a:spcPts val="1600"/>
               </a:spcBef>
@@ -5279,7 +5448,7 @@
                 </a:solidFill>
               </a:defRPr>
             </a:lvl2pPr>
-            <a:lvl3pPr indent="-317500" lvl="2" marL="1371600">
+            <a:lvl3pPr marL="1371600" lvl="2" indent="-317500">
               <a:spcBef>
                 <a:spcPts val="1600"/>
               </a:spcBef>
@@ -5297,7 +5466,7 @@
                 </a:solidFill>
               </a:defRPr>
             </a:lvl3pPr>
-            <a:lvl4pPr indent="-317500" lvl="3" marL="1828800">
+            <a:lvl4pPr marL="1828800" lvl="3" indent="-317500">
               <a:spcBef>
                 <a:spcPts val="1600"/>
               </a:spcBef>
@@ -5315,7 +5484,7 @@
                 </a:solidFill>
               </a:defRPr>
             </a:lvl4pPr>
-            <a:lvl5pPr indent="-317500" lvl="4" marL="2286000">
+            <a:lvl5pPr marL="2286000" lvl="4" indent="-317500">
               <a:spcBef>
                 <a:spcPts val="1600"/>
               </a:spcBef>
@@ -5333,7 +5502,7 @@
                 </a:solidFill>
               </a:defRPr>
             </a:lvl5pPr>
-            <a:lvl6pPr indent="-317500" lvl="5" marL="2743200">
+            <a:lvl6pPr marL="2743200" lvl="5" indent="-317500">
               <a:spcBef>
                 <a:spcPts val="1600"/>
               </a:spcBef>
@@ -5351,7 +5520,7 @@
                 </a:solidFill>
               </a:defRPr>
             </a:lvl6pPr>
-            <a:lvl7pPr indent="-317500" lvl="6" marL="3200400">
+            <a:lvl7pPr marL="3200400" lvl="6" indent="-317500">
               <a:spcBef>
                 <a:spcPts val="1600"/>
               </a:spcBef>
@@ -5369,7 +5538,7 @@
                 </a:solidFill>
               </a:defRPr>
             </a:lvl7pPr>
-            <a:lvl8pPr indent="-317500" lvl="7" marL="3657600">
+            <a:lvl8pPr marL="3657600" lvl="7" indent="-317500">
               <a:spcBef>
                 <a:spcPts val="1600"/>
               </a:spcBef>
@@ -5387,7 +5556,7 @@
                 </a:solidFill>
               </a:defRPr>
             </a:lvl8pPr>
-            <a:lvl9pPr indent="-317500" lvl="8" marL="4114800">
+            <a:lvl9pPr marL="4114800" lvl="8" indent="-317500">
               <a:spcBef>
                 <a:spcPts val="1600"/>
               </a:spcBef>
@@ -5406,15 +5575,19 @@
               </a:defRPr>
             </a:lvl9pPr>
           </a:lstStyle>
-          <a:p/>
+          <a:p>
+            <a:endParaRPr/>
+          </a:p>
         </p:txBody>
       </p:sp>
       <p:sp>
         <p:nvSpPr>
           <p:cNvPr id="40" name="Google Shape;40;p9"/>
-          <p:cNvSpPr txBox="1"/>
+          <p:cNvSpPr txBox="1">
+            <a:spLocks noGrp="1"/>
+          </p:cNvSpPr>
           <p:nvPr>
-            <p:ph idx="12" type="sldNum"/>
+            <p:ph type="sldNum" idx="12"/>
           </p:nvPr>
         </p:nvSpPr>
         <p:spPr>
@@ -5427,7 +5600,7 @@
           </a:prstGeom>
         </p:spPr>
         <p:txBody>
-          <a:bodyPr anchorCtr="0" anchor="ctr" bIns="91425" lIns="91425" spcFirstLastPara="1" rIns="91425" wrap="square" tIns="91425">
+          <a:bodyPr spcFirstLastPara="1" wrap="square" lIns="91425" tIns="91425" rIns="91425" bIns="91425" anchor="ctr" anchorCtr="0">
             <a:noAutofit/>
           </a:bodyPr>
           <a:lstStyle>
@@ -5469,7 +5642,7 @@
             </a:lvl9pPr>
           </a:lstStyle>
           <a:p>
-            <a:pPr indent="0" lvl="0" marL="0" rtl="0" algn="r">
+            <a:pPr marL="0" lvl="0" indent="0" algn="r" rtl="0">
               <a:spcBef>
                 <a:spcPts val="0"/>
               </a:spcBef>
@@ -5495,11 +5668,11 @@
 </file>
 
 <file path=ppt/slideLayouts/slideLayout9.xml><?xml version="1.0" encoding="utf-8"?>
-<p:sldLayout xmlns:a="http://schemas.openxmlformats.org/drawingml/2006/main" xmlns:r="http://schemas.openxmlformats.org/officeDocument/2006/relationships" xmlns:mc="http://schemas.openxmlformats.org/markup-compatibility/2006" xmlns:mv="urn:schemas-microsoft-com:mac:vml" xmlns:p="http://schemas.openxmlformats.org/presentationml/2006/main" xmlns:c="http://schemas.openxmlformats.org/drawingml/2006/chart" xmlns:dgm="http://schemas.openxmlformats.org/drawingml/2006/diagram" xmlns:o="urn:schemas-microsoft-com:office:office" xmlns:v="urn:schemas-microsoft-com:vml" xmlns:pvml="urn:schemas-microsoft-com:office:powerpoint" xmlns:com="http://schemas.openxmlformats.org/drawingml/2006/compatibility" xmlns:p14="http://schemas.microsoft.com/office/powerpoint/2010/main" xmlns:p15="http://schemas.microsoft.com/office/powerpoint/2012/main" matchingName="Caption">
+<p:sldLayout xmlns:a="http://schemas.openxmlformats.org/drawingml/2006/main" xmlns:r="http://schemas.openxmlformats.org/officeDocument/2006/relationships" xmlns:p="http://schemas.openxmlformats.org/presentationml/2006/main" matchingName="Caption">
   <p:cSld name="CAPTION_ONLY">
     <p:spTree>
       <p:nvGrpSpPr>
-        <p:cNvPr id="41" name="Shape 41"/>
+        <p:cNvPr id="1" name="Shape 41"/>
         <p:cNvGrpSpPr/>
         <p:nvPr/>
       </p:nvGrpSpPr>
@@ -5514,9 +5687,11 @@
       <p:sp>
         <p:nvSpPr>
           <p:cNvPr id="42" name="Google Shape;42;p10"/>
-          <p:cNvSpPr txBox="1"/>
+          <p:cNvSpPr txBox="1">
+            <a:spLocks noGrp="1"/>
+          </p:cNvSpPr>
           <p:nvPr>
-            <p:ph idx="1" type="body"/>
+            <p:ph type="body" idx="1"/>
           </p:nvPr>
         </p:nvSpPr>
         <p:spPr>
@@ -5529,11 +5704,11 @@
           </a:prstGeom>
         </p:spPr>
         <p:txBody>
-          <a:bodyPr anchorCtr="0" anchor="ctr" bIns="91425" lIns="91425" spcFirstLastPara="1" rIns="91425" wrap="square" tIns="91425">
+          <a:bodyPr spcFirstLastPara="1" wrap="square" lIns="91425" tIns="91425" rIns="91425" bIns="91425" anchor="ctr" anchorCtr="0">
             <a:noAutofit/>
           </a:bodyPr>
           <a:lstStyle>
-            <a:lvl1pPr indent="-228600" lvl="0" marL="457200">
+            <a:lvl1pPr marL="457200" lvl="0" indent="-228600">
               <a:lnSpc>
                 <a:spcPct val="100000"/>
               </a:lnSpc>
@@ -5548,15 +5723,19 @@
               <a:defRPr/>
             </a:lvl1pPr>
           </a:lstStyle>
-          <a:p/>
+          <a:p>
+            <a:endParaRPr/>
+          </a:p>
         </p:txBody>
       </p:sp>
       <p:sp>
         <p:nvSpPr>
           <p:cNvPr id="43" name="Google Shape;43;p10"/>
-          <p:cNvSpPr txBox="1"/>
+          <p:cNvSpPr txBox="1">
+            <a:spLocks noGrp="1"/>
+          </p:cNvSpPr>
           <p:nvPr>
-            <p:ph idx="12" type="sldNum"/>
+            <p:ph type="sldNum" idx="12"/>
           </p:nvPr>
         </p:nvSpPr>
         <p:spPr>
@@ -5569,7 +5748,7 @@
           </a:prstGeom>
         </p:spPr>
         <p:txBody>
-          <a:bodyPr anchorCtr="0" anchor="ctr" bIns="91425" lIns="91425" spcFirstLastPara="1" rIns="91425" wrap="square" tIns="91425">
+          <a:bodyPr spcFirstLastPara="1" wrap="square" lIns="91425" tIns="91425" rIns="91425" bIns="91425" anchor="ctr" anchorCtr="0">
             <a:noAutofit/>
           </a:bodyPr>
           <a:lstStyle>
@@ -5611,7 +5790,7 @@
             </a:lvl9pPr>
           </a:lstStyle>
           <a:p>
-            <a:pPr indent="0" lvl="0" marL="0" rtl="0" algn="r">
+            <a:pPr marL="0" lvl="0" indent="0" algn="r" rtl="0">
               <a:spcBef>
                 <a:spcPts val="0"/>
               </a:spcBef>
@@ -5637,18 +5816,19 @@
 </file>
 
 <file path=ppt/slideMasters/slideMaster1.xml><?xml version="1.0" encoding="utf-8"?>
-<p:sldMaster xmlns:a="http://schemas.openxmlformats.org/drawingml/2006/main" xmlns:r="http://schemas.openxmlformats.org/officeDocument/2006/relationships" xmlns:mc="http://schemas.openxmlformats.org/markup-compatibility/2006" xmlns:mv="urn:schemas-microsoft-com:mac:vml" xmlns:p="http://schemas.openxmlformats.org/presentationml/2006/main" xmlns:c="http://schemas.openxmlformats.org/drawingml/2006/chart" xmlns:dgm="http://schemas.openxmlformats.org/drawingml/2006/diagram" xmlns:o="urn:schemas-microsoft-com:office:office" xmlns:v="urn:schemas-microsoft-com:vml" xmlns:pvml="urn:schemas-microsoft-com:office:powerpoint" xmlns:com="http://schemas.openxmlformats.org/drawingml/2006/compatibility" xmlns:p14="http://schemas.microsoft.com/office/powerpoint/2010/main" xmlns:p15="http://schemas.microsoft.com/office/powerpoint/2012/main">
+<p:sldMaster xmlns:a="http://schemas.openxmlformats.org/drawingml/2006/main" xmlns:r="http://schemas.openxmlformats.org/officeDocument/2006/relationships" xmlns:p="http://schemas.openxmlformats.org/presentationml/2006/main">
   <p:cSld name="simple-dark-2">
     <p:bg>
       <p:bgPr>
         <a:solidFill>
           <a:schemeClr val="lt1"/>
         </a:solidFill>
+        <a:effectLst/>
       </p:bgPr>
     </p:bg>
     <p:spTree>
       <p:nvGrpSpPr>
-        <p:cNvPr id="5" name="Shape 5"/>
+        <p:cNvPr id="1" name="Shape 5"/>
         <p:cNvGrpSpPr/>
         <p:nvPr/>
       </p:nvGrpSpPr>
@@ -5663,7 +5843,9 @@
       <p:sp>
         <p:nvSpPr>
           <p:cNvPr id="6" name="Google Shape;6;p1"/>
-          <p:cNvSpPr txBox="1"/>
+          <p:cNvSpPr txBox="1">
+            <a:spLocks noGrp="1"/>
+          </p:cNvSpPr>
           <p:nvPr>
             <p:ph type="title"/>
           </p:nvPr>
@@ -5682,7 +5864,7 @@
           </a:ln>
         </p:spPr>
         <p:txBody>
-          <a:bodyPr anchorCtr="0" anchor="t" bIns="91425" lIns="91425" spcFirstLastPara="1" rIns="91425" wrap="square" tIns="91425">
+          <a:bodyPr spcFirstLastPara="1" wrap="square" lIns="91425" tIns="91425" rIns="91425" bIns="91425" anchor="t" anchorCtr="0">
             <a:noAutofit/>
           </a:bodyPr>
           <a:lstStyle>
@@ -5849,15 +6031,19 @@
               </a:defRPr>
             </a:lvl9pPr>
           </a:lstStyle>
-          <a:p/>
+          <a:p>
+            <a:endParaRPr/>
+          </a:p>
         </p:txBody>
       </p:sp>
       <p:sp>
         <p:nvSpPr>
           <p:cNvPr id="7" name="Google Shape;7;p1"/>
-          <p:cNvSpPr txBox="1"/>
+          <p:cNvSpPr txBox="1">
+            <a:spLocks noGrp="1"/>
+          </p:cNvSpPr>
           <p:nvPr>
-            <p:ph idx="1" type="body"/>
+            <p:ph type="body" idx="1"/>
           </p:nvPr>
         </p:nvSpPr>
         <p:spPr>
@@ -5874,11 +6060,11 @@
           </a:ln>
         </p:spPr>
         <p:txBody>
-          <a:bodyPr anchorCtr="0" anchor="t" bIns="91425" lIns="91425" spcFirstLastPara="1" rIns="91425" wrap="square" tIns="91425">
+          <a:bodyPr spcFirstLastPara="1" wrap="square" lIns="91425" tIns="91425" rIns="91425" bIns="91425" anchor="t" anchorCtr="0">
             <a:noAutofit/>
           </a:bodyPr>
           <a:lstStyle>
-            <a:lvl1pPr indent="-342900" lvl="0" marL="457200">
+            <a:lvl1pPr marL="457200" lvl="0" indent="-342900">
               <a:lnSpc>
                 <a:spcPct val="115000"/>
               </a:lnSpc>
@@ -5899,7 +6085,7 @@
                 </a:solidFill>
               </a:defRPr>
             </a:lvl1pPr>
-            <a:lvl2pPr indent="-317500" lvl="1" marL="914400">
+            <a:lvl2pPr marL="914400" lvl="1" indent="-317500">
               <a:lnSpc>
                 <a:spcPct val="115000"/>
               </a:lnSpc>
@@ -5920,7 +6106,7 @@
                 </a:solidFill>
               </a:defRPr>
             </a:lvl2pPr>
-            <a:lvl3pPr indent="-317500" lvl="2" marL="1371600">
+            <a:lvl3pPr marL="1371600" lvl="2" indent="-317500">
               <a:lnSpc>
                 <a:spcPct val="115000"/>
               </a:lnSpc>
@@ -5941,7 +6127,7 @@
                 </a:solidFill>
               </a:defRPr>
             </a:lvl3pPr>
-            <a:lvl4pPr indent="-317500" lvl="3" marL="1828800">
+            <a:lvl4pPr marL="1828800" lvl="3" indent="-317500">
               <a:lnSpc>
                 <a:spcPct val="115000"/>
               </a:lnSpc>
@@ -5962,7 +6148,7 @@
                 </a:solidFill>
               </a:defRPr>
             </a:lvl4pPr>
-            <a:lvl5pPr indent="-317500" lvl="4" marL="2286000">
+            <a:lvl5pPr marL="2286000" lvl="4" indent="-317500">
               <a:lnSpc>
                 <a:spcPct val="115000"/>
               </a:lnSpc>
@@ -5983,7 +6169,7 @@
                 </a:solidFill>
               </a:defRPr>
             </a:lvl5pPr>
-            <a:lvl6pPr indent="-317500" lvl="5" marL="2743200">
+            <a:lvl6pPr marL="2743200" lvl="5" indent="-317500">
               <a:lnSpc>
                 <a:spcPct val="115000"/>
               </a:lnSpc>
@@ -6004,7 +6190,7 @@
                 </a:solidFill>
               </a:defRPr>
             </a:lvl6pPr>
-            <a:lvl7pPr indent="-317500" lvl="6" marL="3200400">
+            <a:lvl7pPr marL="3200400" lvl="6" indent="-317500">
               <a:lnSpc>
                 <a:spcPct val="115000"/>
               </a:lnSpc>
@@ -6025,7 +6211,7 @@
                 </a:solidFill>
               </a:defRPr>
             </a:lvl7pPr>
-            <a:lvl8pPr indent="-317500" lvl="7" marL="3657600">
+            <a:lvl8pPr marL="3657600" lvl="7" indent="-317500">
               <a:lnSpc>
                 <a:spcPct val="115000"/>
               </a:lnSpc>
@@ -6046,7 +6232,7 @@
                 </a:solidFill>
               </a:defRPr>
             </a:lvl8pPr>
-            <a:lvl9pPr indent="-317500" lvl="8" marL="4114800">
+            <a:lvl9pPr marL="4114800" lvl="8" indent="-317500">
               <a:lnSpc>
                 <a:spcPct val="115000"/>
               </a:lnSpc>
@@ -6068,15 +6254,19 @@
               </a:defRPr>
             </a:lvl9pPr>
           </a:lstStyle>
-          <a:p/>
+          <a:p>
+            <a:endParaRPr/>
+          </a:p>
         </p:txBody>
       </p:sp>
       <p:sp>
         <p:nvSpPr>
           <p:cNvPr id="8" name="Google Shape;8;p1"/>
-          <p:cNvSpPr txBox="1"/>
+          <p:cNvSpPr txBox="1">
+            <a:spLocks noGrp="1"/>
+          </p:cNvSpPr>
           <p:nvPr>
-            <p:ph idx="12" type="sldNum"/>
+            <p:ph type="sldNum" idx="12"/>
           </p:nvPr>
         </p:nvSpPr>
         <p:spPr>
@@ -6093,7 +6283,7 @@
           </a:ln>
         </p:spPr>
         <p:txBody>
-          <a:bodyPr anchorCtr="0" anchor="ctr" bIns="91425" lIns="91425" spcFirstLastPara="1" rIns="91425" wrap="square" tIns="91425">
+          <a:bodyPr spcFirstLastPara="1" wrap="square" lIns="91425" tIns="91425" rIns="91425" bIns="91425" anchor="ctr" anchorCtr="0">
             <a:noAutofit/>
           </a:bodyPr>
           <a:lstStyle>
@@ -6171,7 +6361,7 @@
             </a:lvl9pPr>
           </a:lstStyle>
           <a:p>
-            <a:pPr indent="0" lvl="0" marL="0" rtl="0" algn="r">
+            <a:pPr marL="0" lvl="0" indent="0" algn="r" rtl="0">
               <a:spcBef>
                 <a:spcPts val="0"/>
               </a:spcBef>
@@ -6190,7 +6380,7 @@
       </p:sp>
     </p:spTree>
   </p:cSld>
-  <p:clrMap accent1="accent1" accent2="accent2" accent3="accent3" accent4="accent4" accent5="accent5" accent6="accent6" bg1="lt1" bg2="dk2" tx1="dk1" tx2="lt2" folHlink="folHlink" hlink="hlink"/>
+  <p:clrMap bg1="lt1" tx1="dk1" bg2="dk2" tx2="lt2" accent1="accent1" accent2="accent2" accent3="accent3" accent4="accent4" accent5="accent5" accent6="accent6" hlink="hlink" folHlink="folHlink"/>
   <p:sldLayoutIdLst>
     <p:sldLayoutId id="2147483648" r:id="rId1"/>
     <p:sldLayoutId id="2147483649" r:id="rId2"/>
@@ -6204,10 +6394,10 @@
     <p:sldLayoutId id="2147483657" r:id="rId10"/>
     <p:sldLayoutId id="2147483658" r:id="rId11"/>
   </p:sldLayoutIdLst>
-  <p:hf dt="0" ftr="0" hdr="0" sldNum="0"/>
+  <p:hf sldNum="0" hdr="0" ftr="0" dt="0"/>
   <p:txStyles>
     <p:titleStyle>
-      <a:defPPr lvl="0" marR="0" rtl="0" algn="l">
+      <a:defPPr marR="0" lvl="0" algn="l" rtl="0">
         <a:lnSpc>
           <a:spcPct val="100000"/>
         </a:lnSpc>
@@ -6218,7 +6408,7 @@
           <a:spcPts val="0"/>
         </a:spcAft>
       </a:defPPr>
-      <a:lvl1pPr lvl="0" marR="0" rtl="0" algn="l">
+      <a:lvl1pPr marR="0" lvl="0" algn="l" rtl="0">
         <a:lnSpc>
           <a:spcPct val="100000"/>
         </a:lnSpc>
@@ -6232,7 +6422,7 @@
           <a:srgbClr val="000000"/>
         </a:buClr>
         <a:buFont typeface="Arial"/>
-        <a:defRPr b="0" i="0" sz="1400" u="none" cap="none" strike="noStrike">
+        <a:defRPr sz="1400" b="0" i="0" u="none" strike="noStrike" cap="none">
           <a:solidFill>
             <a:srgbClr val="000000"/>
           </a:solidFill>
@@ -6242,7 +6432,7 @@
           <a:sym typeface="Arial"/>
         </a:defRPr>
       </a:lvl1pPr>
-      <a:lvl2pPr lvl="1" marR="0" rtl="0" algn="l">
+      <a:lvl2pPr marR="0" lvl="1" algn="l" rtl="0">
         <a:lnSpc>
           <a:spcPct val="100000"/>
         </a:lnSpc>
@@ -6256,7 +6446,7 @@
           <a:srgbClr val="000000"/>
         </a:buClr>
         <a:buFont typeface="Arial"/>
-        <a:defRPr b="0" i="0" sz="1400" u="none" cap="none" strike="noStrike">
+        <a:defRPr sz="1400" b="0" i="0" u="none" strike="noStrike" cap="none">
           <a:solidFill>
             <a:srgbClr val="000000"/>
           </a:solidFill>
@@ -6266,7 +6456,7 @@
           <a:sym typeface="Arial"/>
         </a:defRPr>
       </a:lvl2pPr>
-      <a:lvl3pPr lvl="2" marR="0" rtl="0" algn="l">
+      <a:lvl3pPr marR="0" lvl="2" algn="l" rtl="0">
         <a:lnSpc>
           <a:spcPct val="100000"/>
         </a:lnSpc>
@@ -6280,7 +6470,7 @@
           <a:srgbClr val="000000"/>
         </a:buClr>
         <a:buFont typeface="Arial"/>
-        <a:defRPr b="0" i="0" sz="1400" u="none" cap="none" strike="noStrike">
+        <a:defRPr sz="1400" b="0" i="0" u="none" strike="noStrike" cap="none">
           <a:solidFill>
             <a:srgbClr val="000000"/>
           </a:solidFill>
@@ -6290,7 +6480,7 @@
           <a:sym typeface="Arial"/>
         </a:defRPr>
       </a:lvl3pPr>
-      <a:lvl4pPr lvl="3" marR="0" rtl="0" algn="l">
+      <a:lvl4pPr marR="0" lvl="3" algn="l" rtl="0">
         <a:lnSpc>
           <a:spcPct val="100000"/>
         </a:lnSpc>
@@ -6304,7 +6494,7 @@
           <a:srgbClr val="000000"/>
         </a:buClr>
         <a:buFont typeface="Arial"/>
-        <a:defRPr b="0" i="0" sz="1400" u="none" cap="none" strike="noStrike">
+        <a:defRPr sz="1400" b="0" i="0" u="none" strike="noStrike" cap="none">
           <a:solidFill>
             <a:srgbClr val="000000"/>
           </a:solidFill>
@@ -6314,7 +6504,7 @@
           <a:sym typeface="Arial"/>
         </a:defRPr>
       </a:lvl4pPr>
-      <a:lvl5pPr lvl="4" marR="0" rtl="0" algn="l">
+      <a:lvl5pPr marR="0" lvl="4" algn="l" rtl="0">
         <a:lnSpc>
           <a:spcPct val="100000"/>
         </a:lnSpc>
@@ -6328,7 +6518,7 @@
           <a:srgbClr val="000000"/>
         </a:buClr>
         <a:buFont typeface="Arial"/>
-        <a:defRPr b="0" i="0" sz="1400" u="none" cap="none" strike="noStrike">
+        <a:defRPr sz="1400" b="0" i="0" u="none" strike="noStrike" cap="none">
           <a:solidFill>
             <a:srgbClr val="000000"/>
           </a:solidFill>
@@ -6338,7 +6528,7 @@
           <a:sym typeface="Arial"/>
         </a:defRPr>
       </a:lvl5pPr>
-      <a:lvl6pPr lvl="5" marR="0" rtl="0" algn="l">
+      <a:lvl6pPr marR="0" lvl="5" algn="l" rtl="0">
         <a:lnSpc>
           <a:spcPct val="100000"/>
         </a:lnSpc>
@@ -6352,7 +6542,7 @@
           <a:srgbClr val="000000"/>
         </a:buClr>
         <a:buFont typeface="Arial"/>
-        <a:defRPr b="0" i="0" sz="1400" u="none" cap="none" strike="noStrike">
+        <a:defRPr sz="1400" b="0" i="0" u="none" strike="noStrike" cap="none">
           <a:solidFill>
             <a:srgbClr val="000000"/>
           </a:solidFill>
@@ -6362,7 +6552,7 @@
           <a:sym typeface="Arial"/>
         </a:defRPr>
       </a:lvl6pPr>
-      <a:lvl7pPr lvl="6" marR="0" rtl="0" algn="l">
+      <a:lvl7pPr marR="0" lvl="6" algn="l" rtl="0">
         <a:lnSpc>
           <a:spcPct val="100000"/>
         </a:lnSpc>
@@ -6376,7 +6566,7 @@
           <a:srgbClr val="000000"/>
         </a:buClr>
         <a:buFont typeface="Arial"/>
-        <a:defRPr b="0" i="0" sz="1400" u="none" cap="none" strike="noStrike">
+        <a:defRPr sz="1400" b="0" i="0" u="none" strike="noStrike" cap="none">
           <a:solidFill>
             <a:srgbClr val="000000"/>
           </a:solidFill>
@@ -6386,7 +6576,7 @@
           <a:sym typeface="Arial"/>
         </a:defRPr>
       </a:lvl7pPr>
-      <a:lvl8pPr lvl="7" marR="0" rtl="0" algn="l">
+      <a:lvl8pPr marR="0" lvl="7" algn="l" rtl="0">
         <a:lnSpc>
           <a:spcPct val="100000"/>
         </a:lnSpc>
@@ -6400,7 +6590,7 @@
           <a:srgbClr val="000000"/>
         </a:buClr>
         <a:buFont typeface="Arial"/>
-        <a:defRPr b="0" i="0" sz="1400" u="none" cap="none" strike="noStrike">
+        <a:defRPr sz="1400" b="0" i="0" u="none" strike="noStrike" cap="none">
           <a:solidFill>
             <a:srgbClr val="000000"/>
           </a:solidFill>
@@ -6410,7 +6600,7 @@
           <a:sym typeface="Arial"/>
         </a:defRPr>
       </a:lvl8pPr>
-      <a:lvl9pPr lvl="8" marR="0" rtl="0" algn="l">
+      <a:lvl9pPr marR="0" lvl="8" algn="l" rtl="0">
         <a:lnSpc>
           <a:spcPct val="100000"/>
         </a:lnSpc>
@@ -6424,7 +6614,7 @@
           <a:srgbClr val="000000"/>
         </a:buClr>
         <a:buFont typeface="Arial"/>
-        <a:defRPr b="0" i="0" sz="1400" u="none" cap="none" strike="noStrike">
+        <a:defRPr sz="1400" b="0" i="0" u="none" strike="noStrike" cap="none">
           <a:solidFill>
             <a:srgbClr val="000000"/>
           </a:solidFill>
@@ -6436,7 +6626,7 @@
       </a:lvl9pPr>
     </p:titleStyle>
     <p:bodyStyle>
-      <a:defPPr lvl="0" marR="0" rtl="0" algn="l">
+      <a:defPPr marR="0" lvl="0" algn="l" rtl="0">
         <a:lnSpc>
           <a:spcPct val="100000"/>
         </a:lnSpc>
@@ -6447,7 +6637,7 @@
           <a:spcPts val="0"/>
         </a:spcAft>
       </a:defPPr>
-      <a:lvl1pPr lvl="0" marR="0" rtl="0" algn="l">
+      <a:lvl1pPr marR="0" lvl="0" algn="l" rtl="0">
         <a:lnSpc>
           <a:spcPct val="100000"/>
         </a:lnSpc>
@@ -6461,7 +6651,7 @@
           <a:srgbClr val="000000"/>
         </a:buClr>
         <a:buFont typeface="Arial"/>
-        <a:defRPr b="0" i="0" sz="1400" u="none" cap="none" strike="noStrike">
+        <a:defRPr sz="1400" b="0" i="0" u="none" strike="noStrike" cap="none">
           <a:solidFill>
             <a:srgbClr val="000000"/>
           </a:solidFill>
@@ -6471,7 +6661,7 @@
           <a:sym typeface="Arial"/>
         </a:defRPr>
       </a:lvl1pPr>
-      <a:lvl2pPr lvl="1" marR="0" rtl="0" algn="l">
+      <a:lvl2pPr marR="0" lvl="1" algn="l" rtl="0">
         <a:lnSpc>
           <a:spcPct val="100000"/>
         </a:lnSpc>
@@ -6485,7 +6675,7 @@
           <a:srgbClr val="000000"/>
         </a:buClr>
         <a:buFont typeface="Arial"/>
-        <a:defRPr b="0" i="0" sz="1400" u="none" cap="none" strike="noStrike">
+        <a:defRPr sz="1400" b="0" i="0" u="none" strike="noStrike" cap="none">
           <a:solidFill>
             <a:srgbClr val="000000"/>
           </a:solidFill>
@@ -6495,7 +6685,7 @@
           <a:sym typeface="Arial"/>
         </a:defRPr>
       </a:lvl2pPr>
-      <a:lvl3pPr lvl="2" marR="0" rtl="0" algn="l">
+      <a:lvl3pPr marR="0" lvl="2" algn="l" rtl="0">
         <a:lnSpc>
           <a:spcPct val="100000"/>
         </a:lnSpc>
@@ -6509,7 +6699,7 @@
           <a:srgbClr val="000000"/>
         </a:buClr>
         <a:buFont typeface="Arial"/>
-        <a:defRPr b="0" i="0" sz="1400" u="none" cap="none" strike="noStrike">
+        <a:defRPr sz="1400" b="0" i="0" u="none" strike="noStrike" cap="none">
           <a:solidFill>
             <a:srgbClr val="000000"/>
           </a:solidFill>
@@ -6519,7 +6709,7 @@
           <a:sym typeface="Arial"/>
         </a:defRPr>
       </a:lvl3pPr>
-      <a:lvl4pPr lvl="3" marR="0" rtl="0" algn="l">
+      <a:lvl4pPr marR="0" lvl="3" algn="l" rtl="0">
         <a:lnSpc>
           <a:spcPct val="100000"/>
         </a:lnSpc>
@@ -6533,7 +6723,7 @@
           <a:srgbClr val="000000"/>
         </a:buClr>
         <a:buFont typeface="Arial"/>
-        <a:defRPr b="0" i="0" sz="1400" u="none" cap="none" strike="noStrike">
+        <a:defRPr sz="1400" b="0" i="0" u="none" strike="noStrike" cap="none">
           <a:solidFill>
             <a:srgbClr val="000000"/>
           </a:solidFill>
@@ -6543,7 +6733,7 @@
           <a:sym typeface="Arial"/>
         </a:defRPr>
       </a:lvl4pPr>
-      <a:lvl5pPr lvl="4" marR="0" rtl="0" algn="l">
+      <a:lvl5pPr marR="0" lvl="4" algn="l" rtl="0">
         <a:lnSpc>
           <a:spcPct val="100000"/>
         </a:lnSpc>
@@ -6557,7 +6747,7 @@
           <a:srgbClr val="000000"/>
         </a:buClr>
         <a:buFont typeface="Arial"/>
-        <a:defRPr b="0" i="0" sz="1400" u="none" cap="none" strike="noStrike">
+        <a:defRPr sz="1400" b="0" i="0" u="none" strike="noStrike" cap="none">
           <a:solidFill>
             <a:srgbClr val="000000"/>
           </a:solidFill>
@@ -6567,7 +6757,7 @@
           <a:sym typeface="Arial"/>
         </a:defRPr>
       </a:lvl5pPr>
-      <a:lvl6pPr lvl="5" marR="0" rtl="0" algn="l">
+      <a:lvl6pPr marR="0" lvl="5" algn="l" rtl="0">
         <a:lnSpc>
           <a:spcPct val="100000"/>
         </a:lnSpc>
@@ -6581,7 +6771,7 @@
           <a:srgbClr val="000000"/>
         </a:buClr>
         <a:buFont typeface="Arial"/>
-        <a:defRPr b="0" i="0" sz="1400" u="none" cap="none" strike="noStrike">
+        <a:defRPr sz="1400" b="0" i="0" u="none" strike="noStrike" cap="none">
           <a:solidFill>
             <a:srgbClr val="000000"/>
           </a:solidFill>
@@ -6591,7 +6781,7 @@
           <a:sym typeface="Arial"/>
         </a:defRPr>
       </a:lvl6pPr>
-      <a:lvl7pPr lvl="6" marR="0" rtl="0" algn="l">
+      <a:lvl7pPr marR="0" lvl="6" algn="l" rtl="0">
         <a:lnSpc>
           <a:spcPct val="100000"/>
         </a:lnSpc>
@@ -6605,7 +6795,7 @@
           <a:srgbClr val="000000"/>
         </a:buClr>
         <a:buFont typeface="Arial"/>
-        <a:defRPr b="0" i="0" sz="1400" u="none" cap="none" strike="noStrike">
+        <a:defRPr sz="1400" b="0" i="0" u="none" strike="noStrike" cap="none">
           <a:solidFill>
             <a:srgbClr val="000000"/>
           </a:solidFill>
@@ -6615,7 +6805,7 @@
           <a:sym typeface="Arial"/>
         </a:defRPr>
       </a:lvl7pPr>
-      <a:lvl8pPr lvl="7" marR="0" rtl="0" algn="l">
+      <a:lvl8pPr marR="0" lvl="7" algn="l" rtl="0">
         <a:lnSpc>
           <a:spcPct val="100000"/>
         </a:lnSpc>
@@ -6629,7 +6819,7 @@
           <a:srgbClr val="000000"/>
         </a:buClr>
         <a:buFont typeface="Arial"/>
-        <a:defRPr b="0" i="0" sz="1400" u="none" cap="none" strike="noStrike">
+        <a:defRPr sz="1400" b="0" i="0" u="none" strike="noStrike" cap="none">
           <a:solidFill>
             <a:srgbClr val="000000"/>
           </a:solidFill>
@@ -6639,7 +6829,7 @@
           <a:sym typeface="Arial"/>
         </a:defRPr>
       </a:lvl8pPr>
-      <a:lvl9pPr lvl="8" marR="0" rtl="0" algn="l">
+      <a:lvl9pPr marR="0" lvl="8" algn="l" rtl="0">
         <a:lnSpc>
           <a:spcPct val="100000"/>
         </a:lnSpc>
@@ -6653,7 +6843,7 @@
           <a:srgbClr val="000000"/>
         </a:buClr>
         <a:buFont typeface="Arial"/>
-        <a:defRPr b="0" i="0" sz="1400" u="none" cap="none" strike="noStrike">
+        <a:defRPr sz="1400" b="0" i="0" u="none" strike="noStrike" cap="none">
           <a:solidFill>
             <a:srgbClr val="000000"/>
           </a:solidFill>
@@ -6665,7 +6855,7 @@
       </a:lvl9pPr>
     </p:bodyStyle>
     <p:otherStyle>
-      <a:defPPr lvl="0" marR="0" rtl="0" algn="l">
+      <a:defPPr marR="0" lvl="0" algn="l" rtl="0">
         <a:lnSpc>
           <a:spcPct val="100000"/>
         </a:lnSpc>
@@ -6676,7 +6866,7 @@
           <a:spcPts val="0"/>
         </a:spcAft>
       </a:defPPr>
-      <a:lvl1pPr lvl="0" marR="0" rtl="0" algn="l">
+      <a:lvl1pPr marR="0" lvl="0" algn="l" rtl="0">
         <a:lnSpc>
           <a:spcPct val="100000"/>
         </a:lnSpc>
@@ -6690,7 +6880,7 @@
           <a:srgbClr val="000000"/>
         </a:buClr>
         <a:buFont typeface="Arial"/>
-        <a:defRPr b="0" i="0" sz="1400" u="none" cap="none" strike="noStrike">
+        <a:defRPr sz="1400" b="0" i="0" u="none" strike="noStrike" cap="none">
           <a:solidFill>
             <a:srgbClr val="000000"/>
           </a:solidFill>
@@ -6700,7 +6890,7 @@
           <a:sym typeface="Arial"/>
         </a:defRPr>
       </a:lvl1pPr>
-      <a:lvl2pPr lvl="1" marR="0" rtl="0" algn="l">
+      <a:lvl2pPr marR="0" lvl="1" algn="l" rtl="0">
         <a:lnSpc>
           <a:spcPct val="100000"/>
         </a:lnSpc>
@@ -6714,7 +6904,7 @@
           <a:srgbClr val="000000"/>
         </a:buClr>
         <a:buFont typeface="Arial"/>
-        <a:defRPr b="0" i="0" sz="1400" u="none" cap="none" strike="noStrike">
+        <a:defRPr sz="1400" b="0" i="0" u="none" strike="noStrike" cap="none">
           <a:solidFill>
             <a:srgbClr val="000000"/>
           </a:solidFill>
@@ -6724,7 +6914,7 @@
           <a:sym typeface="Arial"/>
         </a:defRPr>
       </a:lvl2pPr>
-      <a:lvl3pPr lvl="2" marR="0" rtl="0" algn="l">
+      <a:lvl3pPr marR="0" lvl="2" algn="l" rtl="0">
         <a:lnSpc>
           <a:spcPct val="100000"/>
         </a:lnSpc>
@@ -6738,7 +6928,7 @@
           <a:srgbClr val="000000"/>
         </a:buClr>
         <a:buFont typeface="Arial"/>
-        <a:defRPr b="0" i="0" sz="1400" u="none" cap="none" strike="noStrike">
+        <a:defRPr sz="1400" b="0" i="0" u="none" strike="noStrike" cap="none">
           <a:solidFill>
             <a:srgbClr val="000000"/>
           </a:solidFill>
@@ -6748,7 +6938,7 @@
           <a:sym typeface="Arial"/>
         </a:defRPr>
       </a:lvl3pPr>
-      <a:lvl4pPr lvl="3" marR="0" rtl="0" algn="l">
+      <a:lvl4pPr marR="0" lvl="3" algn="l" rtl="0">
         <a:lnSpc>
           <a:spcPct val="100000"/>
         </a:lnSpc>
@@ -6762,7 +6952,7 @@
           <a:srgbClr val="000000"/>
         </a:buClr>
         <a:buFont typeface="Arial"/>
-        <a:defRPr b="0" i="0" sz="1400" u="none" cap="none" strike="noStrike">
+        <a:defRPr sz="1400" b="0" i="0" u="none" strike="noStrike" cap="none">
           <a:solidFill>
             <a:srgbClr val="000000"/>
           </a:solidFill>
@@ -6772,7 +6962,7 @@
           <a:sym typeface="Arial"/>
         </a:defRPr>
       </a:lvl4pPr>
-      <a:lvl5pPr lvl="4" marR="0" rtl="0" algn="l">
+      <a:lvl5pPr marR="0" lvl="4" algn="l" rtl="0">
         <a:lnSpc>
           <a:spcPct val="100000"/>
         </a:lnSpc>
@@ -6786,7 +6976,7 @@
           <a:srgbClr val="000000"/>
         </a:buClr>
         <a:buFont typeface="Arial"/>
-        <a:defRPr b="0" i="0" sz="1400" u="none" cap="none" strike="noStrike">
+        <a:defRPr sz="1400" b="0" i="0" u="none" strike="noStrike" cap="none">
           <a:solidFill>
             <a:srgbClr val="000000"/>
           </a:solidFill>
@@ -6796,7 +6986,7 @@
           <a:sym typeface="Arial"/>
         </a:defRPr>
       </a:lvl5pPr>
-      <a:lvl6pPr lvl="5" marR="0" rtl="0" algn="l">
+      <a:lvl6pPr marR="0" lvl="5" algn="l" rtl="0">
         <a:lnSpc>
           <a:spcPct val="100000"/>
         </a:lnSpc>
@@ -6810,7 +7000,7 @@
           <a:srgbClr val="000000"/>
         </a:buClr>
         <a:buFont typeface="Arial"/>
-        <a:defRPr b="0" i="0" sz="1400" u="none" cap="none" strike="noStrike">
+        <a:defRPr sz="1400" b="0" i="0" u="none" strike="noStrike" cap="none">
           <a:solidFill>
             <a:srgbClr val="000000"/>
           </a:solidFill>
@@ -6820,7 +7010,7 @@
           <a:sym typeface="Arial"/>
         </a:defRPr>
       </a:lvl6pPr>
-      <a:lvl7pPr lvl="6" marR="0" rtl="0" algn="l">
+      <a:lvl7pPr marR="0" lvl="6" algn="l" rtl="0">
         <a:lnSpc>
           <a:spcPct val="100000"/>
         </a:lnSpc>
@@ -6834,7 +7024,7 @@
           <a:srgbClr val="000000"/>
         </a:buClr>
         <a:buFont typeface="Arial"/>
-        <a:defRPr b="0" i="0" sz="1400" u="none" cap="none" strike="noStrike">
+        <a:defRPr sz="1400" b="0" i="0" u="none" strike="noStrike" cap="none">
           <a:solidFill>
             <a:srgbClr val="000000"/>
           </a:solidFill>
@@ -6844,7 +7034,7 @@
           <a:sym typeface="Arial"/>
         </a:defRPr>
       </a:lvl7pPr>
-      <a:lvl8pPr lvl="7" marR="0" rtl="0" algn="l">
+      <a:lvl8pPr marR="0" lvl="7" algn="l" rtl="0">
         <a:lnSpc>
           <a:spcPct val="100000"/>
         </a:lnSpc>
@@ -6858,7 +7048,7 @@
           <a:srgbClr val="000000"/>
         </a:buClr>
         <a:buFont typeface="Arial"/>
-        <a:defRPr b="0" i="0" sz="1400" u="none" cap="none" strike="noStrike">
+        <a:defRPr sz="1400" b="0" i="0" u="none" strike="noStrike" cap="none">
           <a:solidFill>
             <a:srgbClr val="000000"/>
           </a:solidFill>
@@ -6868,7 +7058,7 @@
           <a:sym typeface="Arial"/>
         </a:defRPr>
       </a:lvl8pPr>
-      <a:lvl9pPr lvl="8" marR="0" rtl="0" algn="l">
+      <a:lvl9pPr marR="0" lvl="8" algn="l" rtl="0">
         <a:lnSpc>
           <a:spcPct val="100000"/>
         </a:lnSpc>
@@ -6882,7 +7072,7 @@
           <a:srgbClr val="000000"/>
         </a:buClr>
         <a:buFont typeface="Arial"/>
-        <a:defRPr b="0" i="0" sz="1400" u="none" cap="none" strike="noStrike">
+        <a:defRPr sz="1400" b="0" i="0" u="none" strike="noStrike" cap="none">
           <a:solidFill>
             <a:srgbClr val="000000"/>
           </a:solidFill>
@@ -6898,11 +7088,11 @@
 </file>
 
 <file path=ppt/slides/slide1.xml><?xml version="1.0" encoding="utf-8"?>
-<p:sld xmlns:a="http://schemas.openxmlformats.org/drawingml/2006/main" xmlns:r="http://schemas.openxmlformats.org/officeDocument/2006/relationships" xmlns:mc="http://schemas.openxmlformats.org/markup-compatibility/2006" xmlns:mv="urn:schemas-microsoft-com:mac:vml" xmlns:p="http://schemas.openxmlformats.org/presentationml/2006/main" xmlns:c="http://schemas.openxmlformats.org/drawingml/2006/chart" xmlns:dgm="http://schemas.openxmlformats.org/drawingml/2006/diagram" xmlns:o="urn:schemas-microsoft-com:office:office" xmlns:v="urn:schemas-microsoft-com:vml" xmlns:pvml="urn:schemas-microsoft-com:office:powerpoint" xmlns:com="http://schemas.openxmlformats.org/drawingml/2006/compatibility" xmlns:p14="http://schemas.microsoft.com/office/powerpoint/2010/main" xmlns:p15="http://schemas.microsoft.com/office/powerpoint/2012/main">
+<p:sld xmlns:a="http://schemas.openxmlformats.org/drawingml/2006/main" xmlns:r="http://schemas.openxmlformats.org/officeDocument/2006/relationships" xmlns:p="http://schemas.openxmlformats.org/presentationml/2006/main">
   <p:cSld>
     <p:spTree>
       <p:nvGrpSpPr>
-        <p:cNvPr id="53" name="Shape 53"/>
+        <p:cNvPr id="1" name="Shape 53"/>
         <p:cNvGrpSpPr/>
         <p:nvPr/>
       </p:nvGrpSpPr>
@@ -6917,7 +7107,9 @@
       <p:sp>
         <p:nvSpPr>
           <p:cNvPr id="54" name="Google Shape;54;p13"/>
-          <p:cNvSpPr txBox="1"/>
+          <p:cNvSpPr txBox="1">
+            <a:spLocks noGrp="1"/>
+          </p:cNvSpPr>
           <p:nvPr>
             <p:ph type="ctrTitle"/>
           </p:nvPr>
@@ -6932,12 +7124,12 @@
           </a:prstGeom>
         </p:spPr>
         <p:txBody>
-          <a:bodyPr anchorCtr="0" anchor="b" bIns="91425" lIns="91425" spcFirstLastPara="1" rIns="91425" wrap="square" tIns="91425">
+          <a:bodyPr spcFirstLastPara="1" wrap="square" lIns="91425" tIns="91425" rIns="91425" bIns="91425" anchor="b" anchorCtr="0">
             <a:noAutofit/>
           </a:bodyPr>
           <a:lstStyle/>
           <a:p>
-            <a:pPr indent="0" lvl="0" marL="0" rtl="0" algn="ctr">
+            <a:pPr marL="0" lvl="0" indent="0" algn="ctr" rtl="0">
               <a:lnSpc>
                 <a:spcPct val="115000"/>
               </a:lnSpc>
@@ -6950,21 +7142,21 @@
               <a:buNone/>
             </a:pPr>
             <a:r>
-              <a:rPr b="1" lang="en" sz="2600">
+              <a:rPr lang="en" sz="2600" b="1">
                 <a:solidFill>
                   <a:srgbClr val="FFFFFF"/>
                 </a:solidFill>
               </a:rPr>
               <a:t>A User-Centric Machine Learning Framework for Cyber Security Operations Center</a:t>
             </a:r>
-            <a:endParaRPr b="1" sz="2600">
+            <a:endParaRPr sz="2600" b="1">
               <a:solidFill>
                 <a:srgbClr val="FFFFFF"/>
               </a:solidFill>
             </a:endParaRPr>
           </a:p>
           <a:p>
-            <a:pPr indent="0" lvl="0" marL="0" rtl="0" algn="l">
+            <a:pPr marL="0" lvl="0" indent="0" algn="l" rtl="0">
               <a:lnSpc>
                 <a:spcPct val="115000"/>
               </a:lnSpc>
@@ -6976,17 +7168,14 @@
               </a:spcAft>
               <a:buNone/>
             </a:pPr>
-            <a:r>
-              <a:t/>
-            </a:r>
-            <a:endParaRPr b="1" sz="3000">
+            <a:endParaRPr sz="3000" b="1">
               <a:solidFill>
                 <a:srgbClr val="FFFFFF"/>
               </a:solidFill>
             </a:endParaRPr>
           </a:p>
           <a:p>
-            <a:pPr indent="0" lvl="0" marL="0" rtl="0" algn="ctr">
+            <a:pPr marL="0" lvl="0" indent="0" algn="ctr" rtl="0">
               <a:lnSpc>
                 <a:spcPct val="115000"/>
               </a:lnSpc>
@@ -6999,7 +7188,7 @@
               <a:buNone/>
             </a:pPr>
             <a:r>
-              <a:rPr b="1" lang="en" sz="1800">
+              <a:rPr lang="en" sz="1800" b="1">
                 <a:solidFill>
                   <a:srgbClr val="FFFFFF"/>
                 </a:solidFill>
@@ -7017,9 +7206,11 @@
       <p:sp>
         <p:nvSpPr>
           <p:cNvPr id="55" name="Google Shape;55;p13"/>
-          <p:cNvSpPr txBox="1"/>
+          <p:cNvSpPr txBox="1">
+            <a:spLocks noGrp="1"/>
+          </p:cNvSpPr>
           <p:nvPr>
-            <p:ph idx="1" type="subTitle"/>
+            <p:ph type="subTitle" idx="1"/>
           </p:nvPr>
         </p:nvSpPr>
         <p:spPr>
@@ -7032,12 +7223,12 @@
           </a:prstGeom>
         </p:spPr>
         <p:txBody>
-          <a:bodyPr anchorCtr="0" anchor="t" bIns="91425" lIns="91425" spcFirstLastPara="1" rIns="91425" wrap="square" tIns="91425">
+          <a:bodyPr spcFirstLastPara="1" wrap="square" lIns="91425" tIns="91425" rIns="91425" bIns="91425" anchor="t" anchorCtr="0">
             <a:noAutofit/>
           </a:bodyPr>
           <a:lstStyle/>
           <a:p>
-            <a:pPr indent="457200" lvl="0" marL="3200400" rtl="0" algn="just">
+            <a:pPr marL="3200400" lvl="0" indent="457200" algn="just" rtl="0">
               <a:lnSpc>
                 <a:spcPct val="115000"/>
               </a:lnSpc>
@@ -7049,10 +7240,7 @@
               </a:spcAft>
               <a:buNone/>
             </a:pPr>
-            <a:r>
-              <a:t/>
-            </a:r>
-            <a:endParaRPr sz="1100">
+            <a:endParaRPr sz="1100" dirty="0">
               <a:solidFill>
                 <a:srgbClr val="000000"/>
               </a:solidFill>
@@ -7063,7 +7251,7 @@
             </a:endParaRPr>
           </a:p>
           <a:p>
-            <a:pPr indent="0" lvl="0" marL="3657600" rtl="0" algn="just">
+            <a:pPr marL="3657600" lvl="0" indent="0" algn="just" rtl="0">
               <a:lnSpc>
                 <a:spcPct val="115000"/>
               </a:lnSpc>
@@ -7075,17 +7263,14 @@
               </a:spcAft>
               <a:buNone/>
             </a:pPr>
-            <a:r>
-              <a:t/>
-            </a:r>
-            <a:endParaRPr sz="1800">
+            <a:endParaRPr sz="1800" dirty="0">
               <a:solidFill>
                 <a:srgbClr val="FFFFFF"/>
               </a:solidFill>
             </a:endParaRPr>
           </a:p>
           <a:p>
-            <a:pPr indent="0" lvl="0" marL="3657600" rtl="0" algn="just">
+            <a:pPr marL="3657600" lvl="0" indent="0" algn="just" rtl="0">
               <a:lnSpc>
                 <a:spcPct val="115000"/>
               </a:lnSpc>
@@ -7098,21 +7283,21 @@
               <a:buNone/>
             </a:pPr>
             <a:r>
-              <a:rPr b="1" lang="en" sz="1800">
+              <a:rPr lang="en" sz="1800" b="1" dirty="0">
                 <a:solidFill>
                   <a:srgbClr val="FFFFFF"/>
                 </a:solidFill>
               </a:rPr>
               <a:t>Submitted by</a:t>
             </a:r>
-            <a:endParaRPr b="1" sz="1800">
+            <a:endParaRPr sz="1800" b="1" dirty="0">
               <a:solidFill>
                 <a:srgbClr val="FFFFFF"/>
               </a:solidFill>
             </a:endParaRPr>
           </a:p>
           <a:p>
-            <a:pPr indent="0" lvl="0" marL="3657600" rtl="0" algn="just">
+            <a:pPr marL="3657600" lvl="0" indent="0" algn="just" rtl="0">
               <a:lnSpc>
                 <a:spcPct val="115000"/>
               </a:lnSpc>
@@ -7125,7 +7310,7 @@
               <a:buNone/>
             </a:pPr>
             <a:r>
-              <a:rPr lang="en" sz="1800">
+              <a:rPr lang="en" sz="1800" dirty="0">
                 <a:solidFill>
                   <a:srgbClr val="FFFFFF"/>
                 </a:solidFill>
@@ -7134,9 +7319,9 @@
                 <a:cs typeface="Arial"/>
                 <a:sym typeface="Arial"/>
               </a:rPr>
-              <a:t>G. Santhosh		2016103057</a:t>
+              <a:t>G. Santhosh	2016103057</a:t>
             </a:r>
-            <a:endParaRPr sz="1800">
+            <a:endParaRPr sz="1800" dirty="0">
               <a:solidFill>
                 <a:srgbClr val="FFFFFF"/>
               </a:solidFill>
@@ -7147,7 +7332,7 @@
             </a:endParaRPr>
           </a:p>
           <a:p>
-            <a:pPr indent="0" lvl="0" marL="3657600" rtl="0" algn="just">
+            <a:pPr marL="3657600" lvl="0" indent="0" algn="just" rtl="0">
               <a:lnSpc>
                 <a:spcPct val="115000"/>
               </a:lnSpc>
@@ -7160,7 +7345,7 @@
               <a:buNone/>
             </a:pPr>
             <a:r>
-              <a:rPr lang="en" sz="1800">
+              <a:rPr lang="en" sz="1800" dirty="0">
                 <a:solidFill>
                   <a:srgbClr val="FFFFFF"/>
                 </a:solidFill>
@@ -7171,7 +7356,7 @@
               </a:rPr>
               <a:t>S. Ben Stewart	2016103513</a:t>
             </a:r>
-            <a:endParaRPr sz="1800">
+            <a:endParaRPr sz="1800" dirty="0">
               <a:solidFill>
                 <a:srgbClr val="FFFFFF"/>
               </a:solidFill>
@@ -7182,7 +7367,7 @@
             </a:endParaRPr>
           </a:p>
           <a:p>
-            <a:pPr indent="0" lvl="0" marL="3657600" rtl="0" algn="just">
+            <a:pPr marL="3657600" lvl="0" indent="0" algn="just" rtl="0">
               <a:lnSpc>
                 <a:spcPct val="115000"/>
               </a:lnSpc>
@@ -7195,21 +7380,37 @@
               <a:buNone/>
             </a:pPr>
             <a:r>
-              <a:rPr lang="en" sz="1800">
+              <a:rPr lang="en" sz="1800" dirty="0">
                 <a:solidFill>
                   <a:srgbClr val="FFFFFF"/>
                 </a:solidFill>
               </a:rPr>
-              <a:t>P. Udaykumar	2016103622</a:t>
+              <a:t>P. </a:t>
             </a:r>
-            <a:endParaRPr sz="1800">
+            <a:r>
+              <a:rPr lang="en" sz="1800" dirty="0" err="1">
+                <a:solidFill>
+                  <a:srgbClr val="FFFFFF"/>
+                </a:solidFill>
+              </a:rPr>
+              <a:t>Udaykumar</a:t>
+            </a:r>
+            <a:r>
+              <a:rPr lang="en" sz="1800" dirty="0">
+                <a:solidFill>
+                  <a:srgbClr val="FFFFFF"/>
+                </a:solidFill>
+              </a:rPr>
+              <a:t>	2016103622</a:t>
+            </a:r>
+            <a:endParaRPr sz="1800" dirty="0">
               <a:solidFill>
                 <a:srgbClr val="FFFFFF"/>
               </a:solidFill>
             </a:endParaRPr>
           </a:p>
           <a:p>
-            <a:pPr indent="0" lvl="0" marL="0" rtl="0" algn="ctr">
+            <a:pPr marL="0" lvl="0" indent="0" algn="ctr" rtl="0">
               <a:spcBef>
                 <a:spcPts val="0"/>
               </a:spcBef>
@@ -7218,10 +7419,7 @@
               </a:spcAft>
               <a:buNone/>
             </a:pPr>
-            <a:r>
-              <a:t/>
-            </a:r>
-            <a:endParaRPr/>
+            <a:endParaRPr dirty="0"/>
           </a:p>
         </p:txBody>
       </p:sp>
@@ -7234,11 +7432,11 @@
 </file>
 
 <file path=ppt/slides/slide10.xml><?xml version="1.0" encoding="utf-8"?>
-<p:sld xmlns:a="http://schemas.openxmlformats.org/drawingml/2006/main" xmlns:r="http://schemas.openxmlformats.org/officeDocument/2006/relationships" xmlns:mc="http://schemas.openxmlformats.org/markup-compatibility/2006" xmlns:mv="urn:schemas-microsoft-com:mac:vml" xmlns:p="http://schemas.openxmlformats.org/presentationml/2006/main" xmlns:c="http://schemas.openxmlformats.org/drawingml/2006/chart" xmlns:dgm="http://schemas.openxmlformats.org/drawingml/2006/diagram" xmlns:o="urn:schemas-microsoft-com:office:office" xmlns:v="urn:schemas-microsoft-com:vml" xmlns:pvml="urn:schemas-microsoft-com:office:powerpoint" xmlns:com="http://schemas.openxmlformats.org/drawingml/2006/compatibility" xmlns:p14="http://schemas.microsoft.com/office/powerpoint/2010/main" xmlns:p15="http://schemas.microsoft.com/office/powerpoint/2012/main">
+<p:sld xmlns:a="http://schemas.openxmlformats.org/drawingml/2006/main" xmlns:r="http://schemas.openxmlformats.org/officeDocument/2006/relationships" xmlns:p="http://schemas.openxmlformats.org/presentationml/2006/main">
   <p:cSld>
     <p:spTree>
       <p:nvGrpSpPr>
-        <p:cNvPr id="107" name="Shape 107"/>
+        <p:cNvPr id="1" name="Shape 107"/>
         <p:cNvGrpSpPr/>
         <p:nvPr/>
       </p:nvGrpSpPr>
@@ -7253,7 +7451,9 @@
       <p:sp>
         <p:nvSpPr>
           <p:cNvPr id="108" name="Google Shape;108;p22"/>
-          <p:cNvSpPr txBox="1"/>
+          <p:cNvSpPr txBox="1">
+            <a:spLocks noGrp="1"/>
+          </p:cNvSpPr>
           <p:nvPr>
             <p:ph type="ctrTitle"/>
           </p:nvPr>
@@ -7268,12 +7468,12 @@
           </a:prstGeom>
         </p:spPr>
         <p:txBody>
-          <a:bodyPr anchorCtr="0" anchor="b" bIns="91425" lIns="91425" spcFirstLastPara="1" rIns="91425" wrap="square" tIns="91425">
+          <a:bodyPr spcFirstLastPara="1" wrap="square" lIns="91425" tIns="91425" rIns="91425" bIns="91425" anchor="b" anchorCtr="0">
             <a:noAutofit/>
           </a:bodyPr>
           <a:lstStyle/>
           <a:p>
-            <a:pPr indent="0" lvl="0" marL="0" rtl="0" algn="l">
+            <a:pPr marL="0" lvl="0" indent="0" algn="l" rtl="0">
               <a:lnSpc>
                 <a:spcPct val="115000"/>
               </a:lnSpc>
@@ -7286,14 +7486,14 @@
               <a:buNone/>
             </a:pPr>
             <a:r>
-              <a:rPr b="1" lang="en" sz="3000">
+              <a:rPr lang="en" sz="3000" b="1">
                 <a:solidFill>
                   <a:srgbClr val="FFFFFF"/>
                 </a:solidFill>
               </a:rPr>
               <a:t>FEATURE ENGINEERING</a:t>
             </a:r>
-            <a:endParaRPr b="1" sz="3000">
+            <a:endParaRPr sz="3000" b="1">
               <a:solidFill>
                 <a:srgbClr val="FFFFFF"/>
               </a:solidFill>
@@ -7304,9 +7504,11 @@
       <p:sp>
         <p:nvSpPr>
           <p:cNvPr id="109" name="Google Shape;109;p22"/>
-          <p:cNvSpPr txBox="1"/>
+          <p:cNvSpPr txBox="1">
+            <a:spLocks noGrp="1"/>
+          </p:cNvSpPr>
           <p:nvPr>
-            <p:ph idx="1" type="subTitle"/>
+            <p:ph type="subTitle" idx="1"/>
           </p:nvPr>
         </p:nvSpPr>
         <p:spPr>
@@ -7319,12 +7521,12 @@
           </a:prstGeom>
         </p:spPr>
         <p:txBody>
-          <a:bodyPr anchorCtr="0" anchor="t" bIns="91425" lIns="91425" spcFirstLastPara="1" rIns="91425" wrap="square" tIns="91425">
+          <a:bodyPr spcFirstLastPara="1" wrap="square" lIns="91425" tIns="91425" rIns="91425" bIns="91425" anchor="t" anchorCtr="0">
             <a:noAutofit/>
           </a:bodyPr>
           <a:lstStyle/>
           <a:p>
-            <a:pPr indent="-342900" lvl="0" marL="457200" rtl="0" algn="just">
+            <a:pPr marL="457200" lvl="0" indent="-342900" algn="just" rtl="0">
               <a:lnSpc>
                 <a:spcPct val="115000"/>
               </a:lnSpc>
@@ -7355,7 +7557,7 @@
             </a:endParaRPr>
           </a:p>
           <a:p>
-            <a:pPr indent="-342900" lvl="0" marL="457200" rtl="0" algn="just">
+            <a:pPr marL="457200" lvl="0" indent="-342900" algn="just" rtl="0">
               <a:lnSpc>
                 <a:spcPct val="115000"/>
               </a:lnSpc>
@@ -7386,7 +7588,7 @@
             </a:endParaRPr>
           </a:p>
           <a:p>
-            <a:pPr indent="0" lvl="0" marL="457200" rtl="0" algn="just">
+            <a:pPr marL="457200" lvl="0" indent="0" algn="just" rtl="0">
               <a:lnSpc>
                 <a:spcPct val="115000"/>
               </a:lnSpc>
@@ -7398,9 +7600,6 @@
               </a:spcAft>
               <a:buNone/>
             </a:pPr>
-            <a:r>
-              <a:t/>
-            </a:r>
             <a:endParaRPr sz="1800">
               <a:solidFill>
                 <a:srgbClr val="FFFFFF"/>
@@ -7418,11 +7617,11 @@
 </file>
 
 <file path=ppt/slides/slide11.xml><?xml version="1.0" encoding="utf-8"?>
-<p:sld xmlns:a="http://schemas.openxmlformats.org/drawingml/2006/main" xmlns:r="http://schemas.openxmlformats.org/officeDocument/2006/relationships" xmlns:mc="http://schemas.openxmlformats.org/markup-compatibility/2006" xmlns:mv="urn:schemas-microsoft-com:mac:vml" xmlns:p="http://schemas.openxmlformats.org/presentationml/2006/main" xmlns:c="http://schemas.openxmlformats.org/drawingml/2006/chart" xmlns:dgm="http://schemas.openxmlformats.org/drawingml/2006/diagram" xmlns:o="urn:schemas-microsoft-com:office:office" xmlns:v="urn:schemas-microsoft-com:vml" xmlns:pvml="urn:schemas-microsoft-com:office:powerpoint" xmlns:com="http://schemas.openxmlformats.org/drawingml/2006/compatibility" xmlns:p14="http://schemas.microsoft.com/office/powerpoint/2010/main" xmlns:p15="http://schemas.microsoft.com/office/powerpoint/2012/main">
+<p:sld xmlns:a="http://schemas.openxmlformats.org/drawingml/2006/main" xmlns:r="http://schemas.openxmlformats.org/officeDocument/2006/relationships" xmlns:p="http://schemas.openxmlformats.org/presentationml/2006/main">
   <p:cSld>
     <p:spTree>
       <p:nvGrpSpPr>
-        <p:cNvPr id="113" name="Shape 113"/>
+        <p:cNvPr id="1" name="Shape 113"/>
         <p:cNvGrpSpPr/>
         <p:nvPr/>
       </p:nvGrpSpPr>
@@ -7437,7 +7636,9 @@
       <p:sp>
         <p:nvSpPr>
           <p:cNvPr id="114" name="Google Shape;114;p23"/>
-          <p:cNvSpPr txBox="1"/>
+          <p:cNvSpPr txBox="1">
+            <a:spLocks noGrp="1"/>
+          </p:cNvSpPr>
           <p:nvPr>
             <p:ph type="ctrTitle"/>
           </p:nvPr>
@@ -7452,12 +7653,12 @@
           </a:prstGeom>
         </p:spPr>
         <p:txBody>
-          <a:bodyPr anchorCtr="0" anchor="b" bIns="91425" lIns="91425" spcFirstLastPara="1" rIns="91425" wrap="square" tIns="91425">
+          <a:bodyPr spcFirstLastPara="1" wrap="square" lIns="91425" tIns="91425" rIns="91425" bIns="91425" anchor="b" anchorCtr="0">
             <a:noAutofit/>
           </a:bodyPr>
           <a:lstStyle/>
           <a:p>
-            <a:pPr indent="0" lvl="0" marL="0" rtl="0" algn="l">
+            <a:pPr marL="0" lvl="0" indent="0" algn="l" rtl="0">
               <a:lnSpc>
                 <a:spcPct val="115000"/>
               </a:lnSpc>
@@ -7470,14 +7671,14 @@
               <a:buNone/>
             </a:pPr>
             <a:r>
-              <a:rPr b="1" lang="en" sz="3000">
+              <a:rPr lang="en" sz="3000" b="1">
                 <a:solidFill>
                   <a:srgbClr val="FFFFFF"/>
                 </a:solidFill>
               </a:rPr>
               <a:t>ALGORITHM SELECTION</a:t>
             </a:r>
-            <a:endParaRPr b="1" sz="3000">
+            <a:endParaRPr sz="3000" b="1">
               <a:solidFill>
                 <a:srgbClr val="FFFFFF"/>
               </a:solidFill>
@@ -7488,9 +7689,11 @@
       <p:sp>
         <p:nvSpPr>
           <p:cNvPr id="115" name="Google Shape;115;p23"/>
-          <p:cNvSpPr txBox="1"/>
+          <p:cNvSpPr txBox="1">
+            <a:spLocks noGrp="1"/>
+          </p:cNvSpPr>
           <p:nvPr>
-            <p:ph idx="1" type="subTitle"/>
+            <p:ph type="subTitle" idx="1"/>
           </p:nvPr>
         </p:nvSpPr>
         <p:spPr>
@@ -7503,12 +7706,12 @@
           </a:prstGeom>
         </p:spPr>
         <p:txBody>
-          <a:bodyPr anchorCtr="0" anchor="t" bIns="91425" lIns="91425" spcFirstLastPara="1" rIns="91425" wrap="square" tIns="91425">
+          <a:bodyPr spcFirstLastPara="1" wrap="square" lIns="91425" tIns="91425" rIns="91425" bIns="91425" anchor="t" anchorCtr="0">
             <a:noAutofit/>
           </a:bodyPr>
           <a:lstStyle/>
           <a:p>
-            <a:pPr indent="-342900" lvl="0" marL="457200" rtl="0" algn="just">
+            <a:pPr marL="457200" lvl="0" indent="-342900" algn="just" rtl="0">
               <a:lnSpc>
                 <a:spcPct val="115000"/>
               </a:lnSpc>
@@ -7539,7 +7742,7 @@
             </a:endParaRPr>
           </a:p>
           <a:p>
-            <a:pPr indent="-342900" lvl="0" marL="457200" rtl="0" algn="just">
+            <a:pPr marL="457200" lvl="0" indent="-342900" algn="just" rtl="0">
               <a:lnSpc>
                 <a:spcPct val="115000"/>
               </a:lnSpc>
@@ -7570,7 +7773,7 @@
             </a:endParaRPr>
           </a:p>
           <a:p>
-            <a:pPr indent="-342900" lvl="0" marL="457200" rtl="0" algn="just">
+            <a:pPr marL="457200" lvl="0" indent="-342900" algn="just" rtl="0">
               <a:lnSpc>
                 <a:spcPct val="115000"/>
               </a:lnSpc>
@@ -7611,11 +7814,11 @@
 </file>
 
 <file path=ppt/slides/slide12.xml><?xml version="1.0" encoding="utf-8"?>
-<p:sld xmlns:a="http://schemas.openxmlformats.org/drawingml/2006/main" xmlns:r="http://schemas.openxmlformats.org/officeDocument/2006/relationships" xmlns:mc="http://schemas.openxmlformats.org/markup-compatibility/2006" xmlns:mv="urn:schemas-microsoft-com:mac:vml" xmlns:p="http://schemas.openxmlformats.org/presentationml/2006/main" xmlns:c="http://schemas.openxmlformats.org/drawingml/2006/chart" xmlns:dgm="http://schemas.openxmlformats.org/drawingml/2006/diagram" xmlns:o="urn:schemas-microsoft-com:office:office" xmlns:v="urn:schemas-microsoft-com:vml" xmlns:pvml="urn:schemas-microsoft-com:office:powerpoint" xmlns:com="http://schemas.openxmlformats.org/drawingml/2006/compatibility" xmlns:p14="http://schemas.microsoft.com/office/powerpoint/2010/main" xmlns:p15="http://schemas.microsoft.com/office/powerpoint/2012/main">
+<p:sld xmlns:a="http://schemas.openxmlformats.org/drawingml/2006/main" xmlns:r="http://schemas.openxmlformats.org/officeDocument/2006/relationships" xmlns:p="http://schemas.openxmlformats.org/presentationml/2006/main">
   <p:cSld>
     <p:spTree>
       <p:nvGrpSpPr>
-        <p:cNvPr id="119" name="Shape 119"/>
+        <p:cNvPr id="1" name="Shape 119"/>
         <p:cNvGrpSpPr/>
         <p:nvPr/>
       </p:nvGrpSpPr>
@@ -7630,7 +7833,9 @@
       <p:sp>
         <p:nvSpPr>
           <p:cNvPr id="120" name="Google Shape;120;p24"/>
-          <p:cNvSpPr txBox="1"/>
+          <p:cNvSpPr txBox="1">
+            <a:spLocks noGrp="1"/>
+          </p:cNvSpPr>
           <p:nvPr>
             <p:ph type="ctrTitle"/>
           </p:nvPr>
@@ -7645,12 +7850,12 @@
           </a:prstGeom>
         </p:spPr>
         <p:txBody>
-          <a:bodyPr anchorCtr="0" anchor="b" bIns="91425" lIns="91425" spcFirstLastPara="1" rIns="91425" wrap="square" tIns="91425">
+          <a:bodyPr spcFirstLastPara="1" wrap="square" lIns="91425" tIns="91425" rIns="91425" bIns="91425" anchor="b" anchorCtr="0">
             <a:noAutofit/>
           </a:bodyPr>
           <a:lstStyle/>
           <a:p>
-            <a:pPr indent="0" lvl="0" marL="0" rtl="0" algn="l">
+            <a:pPr marL="0" lvl="0" indent="0" algn="l" rtl="0">
               <a:lnSpc>
                 <a:spcPct val="115000"/>
               </a:lnSpc>
@@ -7663,14 +7868,14 @@
               <a:buNone/>
             </a:pPr>
             <a:r>
-              <a:rPr b="1" lang="en" sz="3000">
+              <a:rPr lang="en" sz="3000" b="1">
                 <a:solidFill>
                   <a:srgbClr val="FFFFFF"/>
                 </a:solidFill>
               </a:rPr>
               <a:t>PERFORMANCE EVALUATION</a:t>
             </a:r>
-            <a:endParaRPr b="1" sz="3000">
+            <a:endParaRPr sz="3000" b="1">
               <a:solidFill>
                 <a:srgbClr val="FFFFFF"/>
               </a:solidFill>
@@ -7681,9 +7886,11 @@
       <p:sp>
         <p:nvSpPr>
           <p:cNvPr id="121" name="Google Shape;121;p24"/>
-          <p:cNvSpPr txBox="1"/>
+          <p:cNvSpPr txBox="1">
+            <a:spLocks noGrp="1"/>
+          </p:cNvSpPr>
           <p:nvPr>
-            <p:ph idx="1" type="subTitle"/>
+            <p:ph type="subTitle" idx="1"/>
           </p:nvPr>
         </p:nvSpPr>
         <p:spPr>
@@ -7696,12 +7903,12 @@
           </a:prstGeom>
         </p:spPr>
         <p:txBody>
-          <a:bodyPr anchorCtr="0" anchor="t" bIns="91425" lIns="91425" spcFirstLastPara="1" rIns="91425" wrap="square" tIns="91425">
+          <a:bodyPr spcFirstLastPara="1" wrap="square" lIns="91425" tIns="91425" rIns="91425" bIns="91425" anchor="t" anchorCtr="0">
             <a:noAutofit/>
           </a:bodyPr>
           <a:lstStyle/>
           <a:p>
-            <a:pPr indent="-342900" lvl="0" marL="457200" rtl="0" algn="just">
+            <a:pPr marL="457200" lvl="0" indent="-342900" algn="just" rtl="0">
               <a:lnSpc>
                 <a:spcPct val="115000"/>
               </a:lnSpc>
@@ -7732,7 +7939,7 @@
             </a:endParaRPr>
           </a:p>
           <a:p>
-            <a:pPr indent="-342900" lvl="0" marL="457200" rtl="0" algn="just">
+            <a:pPr marL="457200" lvl="0" indent="-342900" algn="just" rtl="0">
               <a:lnSpc>
                 <a:spcPct val="115000"/>
               </a:lnSpc>
@@ -7763,7 +7970,7 @@
             </a:endParaRPr>
           </a:p>
           <a:p>
-            <a:pPr indent="-342900" lvl="0" marL="457200" rtl="0" algn="just">
+            <a:pPr marL="457200" lvl="0" indent="-342900" algn="just" rtl="0">
               <a:lnSpc>
                 <a:spcPct val="115000"/>
               </a:lnSpc>
@@ -7794,7 +8001,7 @@
             </a:endParaRPr>
           </a:p>
           <a:p>
-            <a:pPr indent="-342900" lvl="0" marL="457200" rtl="0" algn="just">
+            <a:pPr marL="457200" lvl="0" indent="-342900" algn="just" rtl="0">
               <a:lnSpc>
                 <a:spcPct val="115000"/>
               </a:lnSpc>
@@ -7835,11 +8042,11 @@
 </file>
 
 <file path=ppt/slides/slide13.xml><?xml version="1.0" encoding="utf-8"?>
-<p:sld xmlns:a="http://schemas.openxmlformats.org/drawingml/2006/main" xmlns:r="http://schemas.openxmlformats.org/officeDocument/2006/relationships" xmlns:mc="http://schemas.openxmlformats.org/markup-compatibility/2006" xmlns:mv="urn:schemas-microsoft-com:mac:vml" xmlns:p="http://schemas.openxmlformats.org/presentationml/2006/main" xmlns:c="http://schemas.openxmlformats.org/drawingml/2006/chart" xmlns:dgm="http://schemas.openxmlformats.org/drawingml/2006/diagram" xmlns:o="urn:schemas-microsoft-com:office:office" xmlns:v="urn:schemas-microsoft-com:vml" xmlns:pvml="urn:schemas-microsoft-com:office:powerpoint" xmlns:com="http://schemas.openxmlformats.org/drawingml/2006/compatibility" xmlns:p14="http://schemas.microsoft.com/office/powerpoint/2010/main" xmlns:p15="http://schemas.microsoft.com/office/powerpoint/2012/main">
+<p:sld xmlns:a="http://schemas.openxmlformats.org/drawingml/2006/main" xmlns:r="http://schemas.openxmlformats.org/officeDocument/2006/relationships" xmlns:p="http://schemas.openxmlformats.org/presentationml/2006/main">
   <p:cSld>
     <p:spTree>
       <p:nvGrpSpPr>
-        <p:cNvPr id="125" name="Shape 125"/>
+        <p:cNvPr id="1" name="Shape 125"/>
         <p:cNvGrpSpPr/>
         <p:nvPr/>
       </p:nvGrpSpPr>
@@ -7854,7 +8061,9 @@
       <p:sp>
         <p:nvSpPr>
           <p:cNvPr id="126" name="Google Shape;126;p25"/>
-          <p:cNvSpPr txBox="1"/>
+          <p:cNvSpPr txBox="1">
+            <a:spLocks noGrp="1"/>
+          </p:cNvSpPr>
           <p:nvPr>
             <p:ph type="ctrTitle"/>
           </p:nvPr>
@@ -7869,12 +8078,12 @@
           </a:prstGeom>
         </p:spPr>
         <p:txBody>
-          <a:bodyPr anchorCtr="0" anchor="b" bIns="91425" lIns="91425" spcFirstLastPara="1" rIns="91425" wrap="square" tIns="91425">
+          <a:bodyPr spcFirstLastPara="1" wrap="square" lIns="91425" tIns="91425" rIns="91425" bIns="91425" anchor="b" anchorCtr="0">
             <a:noAutofit/>
           </a:bodyPr>
           <a:lstStyle/>
           <a:p>
-            <a:pPr indent="0" lvl="0" marL="0" rtl="0" algn="ctr">
+            <a:pPr marL="0" lvl="0" indent="0" algn="ctr" rtl="0">
               <a:lnSpc>
                 <a:spcPct val="115000"/>
               </a:lnSpc>
@@ -7887,14 +8096,14 @@
               <a:buNone/>
             </a:pPr>
             <a:r>
-              <a:rPr b="1" lang="en" sz="3000">
+              <a:rPr lang="en" sz="3000" b="1">
                 <a:solidFill>
                   <a:srgbClr val="FFFFFF"/>
                 </a:solidFill>
               </a:rPr>
               <a:t>IMPLEMENTATION</a:t>
             </a:r>
-            <a:endParaRPr b="1" sz="3000">
+            <a:endParaRPr sz="3000" b="1">
               <a:solidFill>
                 <a:srgbClr val="FFFFFF"/>
               </a:solidFill>
@@ -7905,9 +8114,11 @@
       <p:sp>
         <p:nvSpPr>
           <p:cNvPr id="127" name="Google Shape;127;p25"/>
-          <p:cNvSpPr txBox="1"/>
+          <p:cNvSpPr txBox="1">
+            <a:spLocks noGrp="1"/>
+          </p:cNvSpPr>
           <p:nvPr>
-            <p:ph idx="1" type="subTitle"/>
+            <p:ph type="subTitle" idx="1"/>
           </p:nvPr>
         </p:nvSpPr>
         <p:spPr>
@@ -7920,12 +8131,12 @@
           </a:prstGeom>
         </p:spPr>
         <p:txBody>
-          <a:bodyPr anchorCtr="0" anchor="t" bIns="91425" lIns="91425" spcFirstLastPara="1" rIns="91425" wrap="square" tIns="91425">
+          <a:bodyPr spcFirstLastPara="1" wrap="square" lIns="91425" tIns="91425" rIns="91425" bIns="91425" anchor="t" anchorCtr="0">
             <a:noAutofit/>
           </a:bodyPr>
           <a:lstStyle/>
           <a:p>
-            <a:pPr indent="-342900" lvl="0" marL="457200" rtl="0" algn="just">
+            <a:pPr marL="457200" lvl="0" indent="-342900" algn="just" rtl="0">
               <a:lnSpc>
                 <a:spcPct val="115000"/>
               </a:lnSpc>
@@ -7956,7 +8167,7 @@
             </a:endParaRPr>
           </a:p>
           <a:p>
-            <a:pPr indent="-342900" lvl="0" marL="457200" rtl="0" algn="just">
+            <a:pPr marL="457200" lvl="0" indent="-342900" algn="just" rtl="0">
               <a:lnSpc>
                 <a:spcPct val="115000"/>
               </a:lnSpc>
@@ -7987,7 +8198,7 @@
             </a:endParaRPr>
           </a:p>
           <a:p>
-            <a:pPr indent="-342900" lvl="0" marL="457200" rtl="0" algn="just">
+            <a:pPr marL="457200" lvl="0" indent="-342900" algn="just" rtl="0">
               <a:lnSpc>
                 <a:spcPct val="115000"/>
               </a:lnSpc>
@@ -8018,7 +8229,7 @@
             </a:endParaRPr>
           </a:p>
           <a:p>
-            <a:pPr indent="-342900" lvl="0" marL="457200" rtl="0" algn="just">
+            <a:pPr marL="457200" lvl="0" indent="-342900" algn="just" rtl="0">
               <a:lnSpc>
                 <a:spcPct val="115000"/>
               </a:lnSpc>
@@ -8049,7 +8260,7 @@
             </a:endParaRPr>
           </a:p>
           <a:p>
-            <a:pPr indent="-342900" lvl="0" marL="457200" rtl="0" algn="just">
+            <a:pPr marL="457200" lvl="0" indent="-342900" algn="just" rtl="0">
               <a:lnSpc>
                 <a:spcPct val="115000"/>
               </a:lnSpc>
@@ -8071,23 +8282,7 @@
                   <a:srgbClr val="FFFFFF"/>
                 </a:solidFill>
               </a:rPr>
-              <a:t>Plot </a:t>
-            </a:r>
-            <a:r>
-              <a:rPr lang="en" sz="1800">
-                <a:solidFill>
-                  <a:srgbClr val="FFFFFF"/>
-                </a:solidFill>
-              </a:rPr>
-              <a:t>exploitability</a:t>
-            </a:r>
-            <a:r>
-              <a:rPr lang="en" sz="1800">
-                <a:solidFill>
-                  <a:srgbClr val="FFFFFF"/>
-                </a:solidFill>
-              </a:rPr>
-              <a:t> with impact score for a basic idea</a:t>
+              <a:t>Plot exploitability with impact score for a basic idea</a:t>
             </a:r>
             <a:endParaRPr sz="1800">
               <a:solidFill>
@@ -8096,7 +8291,7 @@
             </a:endParaRPr>
           </a:p>
           <a:p>
-            <a:pPr indent="-342900" lvl="0" marL="457200" rtl="0" algn="just">
+            <a:pPr marL="457200" lvl="0" indent="-342900" algn="just" rtl="0">
               <a:lnSpc>
                 <a:spcPct val="115000"/>
               </a:lnSpc>
@@ -8137,11 +8332,11 @@
 </file>
 
 <file path=ppt/slides/slide14.xml><?xml version="1.0" encoding="utf-8"?>
-<p:sld xmlns:a="http://schemas.openxmlformats.org/drawingml/2006/main" xmlns:r="http://schemas.openxmlformats.org/officeDocument/2006/relationships" xmlns:mc="http://schemas.openxmlformats.org/markup-compatibility/2006" xmlns:mv="urn:schemas-microsoft-com:mac:vml" xmlns:p="http://schemas.openxmlformats.org/presentationml/2006/main" xmlns:c="http://schemas.openxmlformats.org/drawingml/2006/chart" xmlns:dgm="http://schemas.openxmlformats.org/drawingml/2006/diagram" xmlns:o="urn:schemas-microsoft-com:office:office" xmlns:v="urn:schemas-microsoft-com:vml" xmlns:pvml="urn:schemas-microsoft-com:office:powerpoint" xmlns:com="http://schemas.openxmlformats.org/drawingml/2006/compatibility" xmlns:p14="http://schemas.microsoft.com/office/powerpoint/2010/main" xmlns:p15="http://schemas.microsoft.com/office/powerpoint/2012/main">
+<p:sld xmlns:a="http://schemas.openxmlformats.org/drawingml/2006/main" xmlns:r="http://schemas.openxmlformats.org/officeDocument/2006/relationships" xmlns:p="http://schemas.openxmlformats.org/presentationml/2006/main">
   <p:cSld>
     <p:spTree>
       <p:nvGrpSpPr>
-        <p:cNvPr id="131" name="Shape 131"/>
+        <p:cNvPr id="1" name="Shape 131"/>
         <p:cNvGrpSpPr/>
         <p:nvPr/>
       </p:nvGrpSpPr>
@@ -8156,7 +8351,9 @@
       <p:sp>
         <p:nvSpPr>
           <p:cNvPr id="132" name="Google Shape;132;p26"/>
-          <p:cNvSpPr txBox="1"/>
+          <p:cNvSpPr txBox="1">
+            <a:spLocks noGrp="1"/>
+          </p:cNvSpPr>
           <p:nvPr>
             <p:ph type="ctrTitle"/>
           </p:nvPr>
@@ -8171,12 +8368,12 @@
           </a:prstGeom>
         </p:spPr>
         <p:txBody>
-          <a:bodyPr anchorCtr="0" anchor="b" bIns="91425" lIns="91425" spcFirstLastPara="1" rIns="91425" wrap="square" tIns="91425">
+          <a:bodyPr spcFirstLastPara="1" wrap="square" lIns="91425" tIns="91425" rIns="91425" bIns="91425" anchor="b" anchorCtr="0">
             <a:noAutofit/>
           </a:bodyPr>
           <a:lstStyle/>
           <a:p>
-            <a:pPr indent="0" lvl="0" marL="0" rtl="0" algn="ctr">
+            <a:pPr marL="0" lvl="0" indent="0" algn="ctr" rtl="0">
               <a:lnSpc>
                 <a:spcPct val="115000"/>
               </a:lnSpc>
@@ -8189,14 +8386,14 @@
               <a:buNone/>
             </a:pPr>
             <a:r>
-              <a:rPr b="1" lang="en" sz="3000">
+              <a:rPr lang="en" sz="3000" b="1">
                 <a:solidFill>
                   <a:srgbClr val="FFFFFF"/>
                 </a:solidFill>
               </a:rPr>
               <a:t>CONCLUSIONS</a:t>
             </a:r>
-            <a:endParaRPr b="1" sz="3000">
+            <a:endParaRPr sz="3000" b="1">
               <a:solidFill>
                 <a:srgbClr val="FFFFFF"/>
               </a:solidFill>
@@ -8207,9 +8404,11 @@
       <p:sp>
         <p:nvSpPr>
           <p:cNvPr id="133" name="Google Shape;133;p26"/>
-          <p:cNvSpPr txBox="1"/>
+          <p:cNvSpPr txBox="1">
+            <a:spLocks noGrp="1"/>
+          </p:cNvSpPr>
           <p:nvPr>
-            <p:ph idx="1" type="subTitle"/>
+            <p:ph type="subTitle" idx="1"/>
           </p:nvPr>
         </p:nvSpPr>
         <p:spPr>
@@ -8222,12 +8421,12 @@
           </a:prstGeom>
         </p:spPr>
         <p:txBody>
-          <a:bodyPr anchorCtr="0" anchor="t" bIns="91425" lIns="91425" spcFirstLastPara="1" rIns="91425" wrap="square" tIns="91425">
+          <a:bodyPr spcFirstLastPara="1" wrap="square" lIns="91425" tIns="91425" rIns="91425" bIns="91425" anchor="t" anchorCtr="0">
             <a:noAutofit/>
           </a:bodyPr>
           <a:lstStyle/>
           <a:p>
-            <a:pPr indent="-342900" lvl="0" marL="457200" rtl="0" algn="just">
+            <a:pPr marL="457200" lvl="0" indent="-342900" algn="just" rtl="0">
               <a:lnSpc>
                 <a:spcPct val="115000"/>
               </a:lnSpc>
@@ -8249,15 +8448,7 @@
                   <a:srgbClr val="FFFFFF"/>
                 </a:solidFill>
               </a:rPr>
-              <a:t>Known </a:t>
-            </a:r>
-            <a:r>
-              <a:rPr lang="en" sz="1800">
-                <a:solidFill>
-                  <a:srgbClr val="FFFFFF"/>
-                </a:solidFill>
-              </a:rPr>
-              <a:t>vulnerabilities</a:t>
+              <a:t>Known vulnerabilities</a:t>
             </a:r>
             <a:endParaRPr sz="1800">
               <a:solidFill>
@@ -8266,7 +8457,7 @@
             </a:endParaRPr>
           </a:p>
           <a:p>
-            <a:pPr indent="-342900" lvl="0" marL="457200" rtl="0" algn="just">
+            <a:pPr marL="457200" lvl="0" indent="-342900" algn="just" rtl="0">
               <a:lnSpc>
                 <a:spcPct val="115000"/>
               </a:lnSpc>
@@ -8297,7 +8488,7 @@
             </a:endParaRPr>
           </a:p>
           <a:p>
-            <a:pPr indent="-342900" lvl="0" marL="457200" rtl="0" algn="just">
+            <a:pPr marL="457200" lvl="0" indent="-342900" algn="just" rtl="0">
               <a:lnSpc>
                 <a:spcPct val="115000"/>
               </a:lnSpc>
@@ -8328,7 +8519,7 @@
             </a:endParaRPr>
           </a:p>
           <a:p>
-            <a:pPr indent="-342900" lvl="0" marL="457200" rtl="0" algn="just">
+            <a:pPr marL="457200" lvl="0" indent="-342900" algn="just" rtl="0">
               <a:lnSpc>
                 <a:spcPct val="115000"/>
               </a:lnSpc>
@@ -8359,7 +8550,7 @@
             </a:endParaRPr>
           </a:p>
           <a:p>
-            <a:pPr indent="-342900" lvl="0" marL="457200" rtl="0" algn="just">
+            <a:pPr marL="457200" lvl="0" indent="-342900" algn="just" rtl="0">
               <a:lnSpc>
                 <a:spcPct val="115000"/>
               </a:lnSpc>
@@ -8390,7 +8581,7 @@
             </a:endParaRPr>
           </a:p>
           <a:p>
-            <a:pPr indent="-342900" lvl="0" marL="457200" rtl="0" algn="just">
+            <a:pPr marL="457200" lvl="0" indent="-342900" algn="just" rtl="0">
               <a:lnSpc>
                 <a:spcPct val="115000"/>
               </a:lnSpc>
@@ -8431,11 +8622,11 @@
 </file>
 
 <file path=ppt/slides/slide15.xml><?xml version="1.0" encoding="utf-8"?>
-<p:sld xmlns:a="http://schemas.openxmlformats.org/drawingml/2006/main" xmlns:r="http://schemas.openxmlformats.org/officeDocument/2006/relationships" xmlns:mc="http://schemas.openxmlformats.org/markup-compatibility/2006" xmlns:mv="urn:schemas-microsoft-com:mac:vml" xmlns:p="http://schemas.openxmlformats.org/presentationml/2006/main" xmlns:c="http://schemas.openxmlformats.org/drawingml/2006/chart" xmlns:dgm="http://schemas.openxmlformats.org/drawingml/2006/diagram" xmlns:o="urn:schemas-microsoft-com:office:office" xmlns:v="urn:schemas-microsoft-com:vml" xmlns:pvml="urn:schemas-microsoft-com:office:powerpoint" xmlns:com="http://schemas.openxmlformats.org/drawingml/2006/compatibility" xmlns:p14="http://schemas.microsoft.com/office/powerpoint/2010/main" xmlns:p15="http://schemas.microsoft.com/office/powerpoint/2012/main">
+<p:sld xmlns:a="http://schemas.openxmlformats.org/drawingml/2006/main" xmlns:r="http://schemas.openxmlformats.org/officeDocument/2006/relationships" xmlns:p="http://schemas.openxmlformats.org/presentationml/2006/main">
   <p:cSld>
     <p:spTree>
       <p:nvGrpSpPr>
-        <p:cNvPr id="137" name="Shape 137"/>
+        <p:cNvPr id="1" name="Shape 137"/>
         <p:cNvGrpSpPr/>
         <p:nvPr/>
       </p:nvGrpSpPr>
@@ -8450,7 +8641,9 @@
       <p:sp>
         <p:nvSpPr>
           <p:cNvPr id="138" name="Google Shape;138;p27"/>
-          <p:cNvSpPr txBox="1"/>
+          <p:cNvSpPr txBox="1">
+            <a:spLocks noGrp="1"/>
+          </p:cNvSpPr>
           <p:nvPr>
             <p:ph type="ctrTitle"/>
           </p:nvPr>
@@ -8465,12 +8658,12 @@
           </a:prstGeom>
         </p:spPr>
         <p:txBody>
-          <a:bodyPr anchorCtr="0" anchor="b" bIns="91425" lIns="91425" spcFirstLastPara="1" rIns="91425" wrap="square" tIns="91425">
+          <a:bodyPr spcFirstLastPara="1" wrap="square" lIns="91425" tIns="91425" rIns="91425" bIns="91425" anchor="b" anchorCtr="0">
             <a:noAutofit/>
           </a:bodyPr>
           <a:lstStyle/>
           <a:p>
-            <a:pPr indent="0" lvl="0" marL="0" rtl="0" algn="l">
+            <a:pPr marL="0" lvl="0" indent="0" algn="l" rtl="0">
               <a:lnSpc>
                 <a:spcPct val="115000"/>
               </a:lnSpc>
@@ -8483,14 +8676,14 @@
               <a:buNone/>
             </a:pPr>
             <a:r>
-              <a:rPr b="1" lang="en" sz="3000">
+              <a:rPr lang="en" sz="3000" b="1">
                 <a:solidFill>
                   <a:srgbClr val="FFFFFF"/>
                 </a:solidFill>
               </a:rPr>
               <a:t>REFERENCES</a:t>
             </a:r>
-            <a:endParaRPr b="1" sz="3000">
+            <a:endParaRPr sz="3000" b="1">
               <a:solidFill>
                 <a:srgbClr val="FFFFFF"/>
               </a:solidFill>
@@ -8501,9 +8694,11 @@
       <p:sp>
         <p:nvSpPr>
           <p:cNvPr id="139" name="Google Shape;139;p27"/>
-          <p:cNvSpPr txBox="1"/>
+          <p:cNvSpPr txBox="1">
+            <a:spLocks noGrp="1"/>
+          </p:cNvSpPr>
           <p:nvPr>
-            <p:ph idx="1" type="subTitle"/>
+            <p:ph type="subTitle" idx="1"/>
           </p:nvPr>
         </p:nvSpPr>
         <p:spPr>
@@ -8516,12 +8711,12 @@
           </a:prstGeom>
         </p:spPr>
         <p:txBody>
-          <a:bodyPr anchorCtr="0" anchor="t" bIns="91425" lIns="91425" spcFirstLastPara="1" rIns="91425" wrap="square" tIns="91425">
+          <a:bodyPr spcFirstLastPara="1" wrap="square" lIns="91425" tIns="91425" rIns="91425" bIns="91425" anchor="t" anchorCtr="0">
             <a:noAutofit/>
           </a:bodyPr>
           <a:lstStyle/>
           <a:p>
-            <a:pPr indent="-342900" lvl="0" marL="457200" rtl="0" algn="just">
+            <a:pPr marL="457200" lvl="0" indent="-342900" algn="just" rtl="0">
               <a:lnSpc>
                 <a:spcPct val="115000"/>
               </a:lnSpc>
@@ -8561,7 +8756,7 @@
             </a:endParaRPr>
           </a:p>
           <a:p>
-            <a:pPr indent="-342900" lvl="0" marL="457200" rtl="0" algn="just">
+            <a:pPr marL="457200" lvl="0" indent="-342900" algn="just" rtl="0">
               <a:lnSpc>
                 <a:spcPct val="115000"/>
               </a:lnSpc>
@@ -8601,7 +8796,7 @@
             </a:endParaRPr>
           </a:p>
           <a:p>
-            <a:pPr indent="-342900" lvl="0" marL="457200" rtl="0" algn="just">
+            <a:pPr marL="457200" lvl="0" indent="-342900" algn="just" rtl="0">
               <a:lnSpc>
                 <a:spcPct val="115000"/>
               </a:lnSpc>
@@ -8651,11 +8846,11 @@
 </file>
 
 <file path=ppt/slides/slide2.xml><?xml version="1.0" encoding="utf-8"?>
-<p:sld xmlns:a="http://schemas.openxmlformats.org/drawingml/2006/main" xmlns:r="http://schemas.openxmlformats.org/officeDocument/2006/relationships" xmlns:mc="http://schemas.openxmlformats.org/markup-compatibility/2006" xmlns:mv="urn:schemas-microsoft-com:mac:vml" xmlns:p="http://schemas.openxmlformats.org/presentationml/2006/main" xmlns:c="http://schemas.openxmlformats.org/drawingml/2006/chart" xmlns:dgm="http://schemas.openxmlformats.org/drawingml/2006/diagram" xmlns:o="urn:schemas-microsoft-com:office:office" xmlns:v="urn:schemas-microsoft-com:vml" xmlns:pvml="urn:schemas-microsoft-com:office:powerpoint" xmlns:com="http://schemas.openxmlformats.org/drawingml/2006/compatibility" xmlns:p14="http://schemas.microsoft.com/office/powerpoint/2010/main" xmlns:p15="http://schemas.microsoft.com/office/powerpoint/2012/main">
+<p:sld xmlns:a="http://schemas.openxmlformats.org/drawingml/2006/main" xmlns:r="http://schemas.openxmlformats.org/officeDocument/2006/relationships" xmlns:p="http://schemas.openxmlformats.org/presentationml/2006/main">
   <p:cSld>
     <p:spTree>
       <p:nvGrpSpPr>
-        <p:cNvPr id="59" name="Shape 59"/>
+        <p:cNvPr id="1" name="Shape 59"/>
         <p:cNvGrpSpPr/>
         <p:nvPr/>
       </p:nvGrpSpPr>
@@ -8670,7 +8865,9 @@
       <p:sp>
         <p:nvSpPr>
           <p:cNvPr id="60" name="Google Shape;60;p14"/>
-          <p:cNvSpPr txBox="1"/>
+          <p:cNvSpPr txBox="1">
+            <a:spLocks noGrp="1"/>
+          </p:cNvSpPr>
           <p:nvPr>
             <p:ph type="ctrTitle"/>
           </p:nvPr>
@@ -8685,12 +8882,12 @@
           </a:prstGeom>
         </p:spPr>
         <p:txBody>
-          <a:bodyPr anchorCtr="0" anchor="b" bIns="91425" lIns="91425" spcFirstLastPara="1" rIns="91425" wrap="square" tIns="91425">
+          <a:bodyPr spcFirstLastPara="1" wrap="square" lIns="91425" tIns="91425" rIns="91425" bIns="91425" anchor="b" anchorCtr="0">
             <a:noAutofit/>
           </a:bodyPr>
           <a:lstStyle/>
           <a:p>
-            <a:pPr indent="0" lvl="0" marL="0" rtl="0" algn="l">
+            <a:pPr marL="0" lvl="0" indent="0" algn="l" rtl="0">
               <a:lnSpc>
                 <a:spcPct val="115000"/>
               </a:lnSpc>
@@ -8703,7 +8900,7 @@
               <a:buNone/>
             </a:pPr>
             <a:r>
-              <a:rPr b="1" lang="en" sz="3000">
+              <a:rPr lang="en" sz="3000" b="1">
                 <a:solidFill>
                   <a:srgbClr val="FFFFFF"/>
                 </a:solidFill>
@@ -8721,9 +8918,11 @@
       <p:sp>
         <p:nvSpPr>
           <p:cNvPr id="61" name="Google Shape;61;p14"/>
-          <p:cNvSpPr txBox="1"/>
+          <p:cNvSpPr txBox="1">
+            <a:spLocks noGrp="1"/>
+          </p:cNvSpPr>
           <p:nvPr>
-            <p:ph idx="1" type="subTitle"/>
+            <p:ph type="subTitle" idx="1"/>
           </p:nvPr>
         </p:nvSpPr>
         <p:spPr>
@@ -8736,12 +8935,12 @@
           </a:prstGeom>
         </p:spPr>
         <p:txBody>
-          <a:bodyPr anchorCtr="0" anchor="t" bIns="91425" lIns="91425" spcFirstLastPara="1" rIns="91425" wrap="square" tIns="91425">
+          <a:bodyPr spcFirstLastPara="1" wrap="square" lIns="91425" tIns="91425" rIns="91425" bIns="91425" anchor="t" anchorCtr="0">
             <a:noAutofit/>
           </a:bodyPr>
           <a:lstStyle/>
           <a:p>
-            <a:pPr indent="0" lvl="0" marL="457200" rtl="0" algn="just">
+            <a:pPr marL="457200" lvl="0" indent="0" algn="just" rtl="0">
               <a:lnSpc>
                 <a:spcPct val="115000"/>
               </a:lnSpc>
@@ -8778,11 +8977,11 @@
 </file>
 
 <file path=ppt/slides/slide3.xml><?xml version="1.0" encoding="utf-8"?>
-<p:sld xmlns:a="http://schemas.openxmlformats.org/drawingml/2006/main" xmlns:r="http://schemas.openxmlformats.org/officeDocument/2006/relationships" xmlns:mc="http://schemas.openxmlformats.org/markup-compatibility/2006" xmlns:mv="urn:schemas-microsoft-com:mac:vml" xmlns:p="http://schemas.openxmlformats.org/presentationml/2006/main" xmlns:c="http://schemas.openxmlformats.org/drawingml/2006/chart" xmlns:dgm="http://schemas.openxmlformats.org/drawingml/2006/diagram" xmlns:o="urn:schemas-microsoft-com:office:office" xmlns:v="urn:schemas-microsoft-com:vml" xmlns:pvml="urn:schemas-microsoft-com:office:powerpoint" xmlns:com="http://schemas.openxmlformats.org/drawingml/2006/compatibility" xmlns:p14="http://schemas.microsoft.com/office/powerpoint/2010/main" xmlns:p15="http://schemas.microsoft.com/office/powerpoint/2012/main">
+<p:sld xmlns:a="http://schemas.openxmlformats.org/drawingml/2006/main" xmlns:r="http://schemas.openxmlformats.org/officeDocument/2006/relationships" xmlns:p="http://schemas.openxmlformats.org/presentationml/2006/main">
   <p:cSld>
     <p:spTree>
       <p:nvGrpSpPr>
-        <p:cNvPr id="65" name="Shape 65"/>
+        <p:cNvPr id="1" name="Shape 65"/>
         <p:cNvGrpSpPr/>
         <p:nvPr/>
       </p:nvGrpSpPr>
@@ -8797,7 +8996,9 @@
       <p:sp>
         <p:nvSpPr>
           <p:cNvPr id="66" name="Google Shape;66;p15"/>
-          <p:cNvSpPr txBox="1"/>
+          <p:cNvSpPr txBox="1">
+            <a:spLocks noGrp="1"/>
+          </p:cNvSpPr>
           <p:nvPr>
             <p:ph type="ctrTitle"/>
           </p:nvPr>
@@ -8812,12 +9013,12 @@
           </a:prstGeom>
         </p:spPr>
         <p:txBody>
-          <a:bodyPr anchorCtr="0" anchor="b" bIns="91425" lIns="91425" spcFirstLastPara="1" rIns="91425" wrap="square" tIns="91425">
+          <a:bodyPr spcFirstLastPara="1" wrap="square" lIns="91425" tIns="91425" rIns="91425" bIns="91425" anchor="b" anchorCtr="0">
             <a:noAutofit/>
           </a:bodyPr>
           <a:lstStyle/>
           <a:p>
-            <a:pPr indent="0" lvl="0" marL="0" rtl="0" algn="l">
+            <a:pPr marL="0" lvl="0" indent="0" algn="l" rtl="0">
               <a:lnSpc>
                 <a:spcPct val="115000"/>
               </a:lnSpc>
@@ -8830,14 +9031,14 @@
               <a:buNone/>
             </a:pPr>
             <a:r>
-              <a:rPr b="1" lang="en" sz="3000">
+              <a:rPr lang="en" sz="3000" b="1">
                 <a:solidFill>
                   <a:srgbClr val="FFFFFF"/>
                 </a:solidFill>
               </a:rPr>
               <a:t>OUTLINE</a:t>
             </a:r>
-            <a:endParaRPr b="1" sz="3000">
+            <a:endParaRPr sz="3000" b="1">
               <a:solidFill>
                 <a:srgbClr val="FFFFFF"/>
               </a:solidFill>
@@ -8848,9 +9049,11 @@
       <p:sp>
         <p:nvSpPr>
           <p:cNvPr id="67" name="Google Shape;67;p15"/>
-          <p:cNvSpPr txBox="1"/>
+          <p:cNvSpPr txBox="1">
+            <a:spLocks noGrp="1"/>
+          </p:cNvSpPr>
           <p:nvPr>
-            <p:ph idx="1" type="subTitle"/>
+            <p:ph type="subTitle" idx="1"/>
           </p:nvPr>
         </p:nvSpPr>
         <p:spPr>
@@ -8863,12 +9066,12 @@
           </a:prstGeom>
         </p:spPr>
         <p:txBody>
-          <a:bodyPr anchorCtr="0" anchor="t" bIns="91425" lIns="91425" spcFirstLastPara="1" rIns="91425" wrap="square" tIns="91425">
+          <a:bodyPr spcFirstLastPara="1" wrap="square" lIns="91425" tIns="91425" rIns="91425" bIns="91425" anchor="t" anchorCtr="0">
             <a:noAutofit/>
           </a:bodyPr>
           <a:lstStyle/>
           <a:p>
-            <a:pPr indent="-342900" lvl="0" marL="457200" rtl="0" algn="just">
+            <a:pPr marL="457200" lvl="0" indent="-342900" algn="just" rtl="0">
               <a:lnSpc>
                 <a:spcPct val="115000"/>
               </a:lnSpc>
@@ -8899,7 +9102,7 @@
             </a:endParaRPr>
           </a:p>
           <a:p>
-            <a:pPr indent="-342900" lvl="0" marL="457200" rtl="0" algn="just">
+            <a:pPr marL="457200" lvl="0" indent="-342900" algn="just" rtl="0">
               <a:lnSpc>
                 <a:spcPct val="115000"/>
               </a:lnSpc>
@@ -8930,7 +9133,7 @@
             </a:endParaRPr>
           </a:p>
           <a:p>
-            <a:pPr indent="-342900" lvl="0" marL="457200" rtl="0" algn="just">
+            <a:pPr marL="457200" lvl="0" indent="-342900" algn="just" rtl="0">
               <a:lnSpc>
                 <a:spcPct val="115000"/>
               </a:lnSpc>
@@ -8961,7 +9164,7 @@
             </a:endParaRPr>
           </a:p>
           <a:p>
-            <a:pPr indent="-342900" lvl="0" marL="457200" rtl="0" algn="just">
+            <a:pPr marL="457200" lvl="0" indent="-342900" algn="just" rtl="0">
               <a:lnSpc>
                 <a:spcPct val="115000"/>
               </a:lnSpc>
@@ -8992,7 +9195,7 @@
             </a:endParaRPr>
           </a:p>
           <a:p>
-            <a:pPr indent="-342900" lvl="0" marL="457200" rtl="0" algn="just">
+            <a:pPr marL="457200" lvl="0" indent="-342900" algn="just" rtl="0">
               <a:lnSpc>
                 <a:spcPct val="115000"/>
               </a:lnSpc>
@@ -9033,11 +9236,11 @@
 </file>
 
 <file path=ppt/slides/slide4.xml><?xml version="1.0" encoding="utf-8"?>
-<p:sld xmlns:a="http://schemas.openxmlformats.org/drawingml/2006/main" xmlns:r="http://schemas.openxmlformats.org/officeDocument/2006/relationships" xmlns:mc="http://schemas.openxmlformats.org/markup-compatibility/2006" xmlns:mv="urn:schemas-microsoft-com:mac:vml" xmlns:p="http://schemas.openxmlformats.org/presentationml/2006/main" xmlns:c="http://schemas.openxmlformats.org/drawingml/2006/chart" xmlns:dgm="http://schemas.openxmlformats.org/drawingml/2006/diagram" xmlns:o="urn:schemas-microsoft-com:office:office" xmlns:v="urn:schemas-microsoft-com:vml" xmlns:pvml="urn:schemas-microsoft-com:office:powerpoint" xmlns:com="http://schemas.openxmlformats.org/drawingml/2006/compatibility" xmlns:p14="http://schemas.microsoft.com/office/powerpoint/2010/main" xmlns:p15="http://schemas.microsoft.com/office/powerpoint/2012/main">
+<p:sld xmlns:a="http://schemas.openxmlformats.org/drawingml/2006/main" xmlns:r="http://schemas.openxmlformats.org/officeDocument/2006/relationships" xmlns:p="http://schemas.openxmlformats.org/presentationml/2006/main">
   <p:cSld>
     <p:spTree>
       <p:nvGrpSpPr>
-        <p:cNvPr id="71" name="Shape 71"/>
+        <p:cNvPr id="1" name="Shape 71"/>
         <p:cNvGrpSpPr/>
         <p:nvPr/>
       </p:nvGrpSpPr>
@@ -9052,27 +9255,29 @@
       <p:sp>
         <p:nvSpPr>
           <p:cNvPr id="72" name="Google Shape;72;p16"/>
-          <p:cNvSpPr txBox="1"/>
+          <p:cNvSpPr txBox="1">
+            <a:spLocks noGrp="1"/>
+          </p:cNvSpPr>
           <p:nvPr>
             <p:ph type="ctrTitle"/>
           </p:nvPr>
         </p:nvSpPr>
         <p:spPr>
           <a:xfrm>
-            <a:off x="2236225" y="685800"/>
-            <a:ext cx="4517100" cy="860700"/>
+            <a:off x="2236224" y="685800"/>
+            <a:ext cx="4592087" cy="860700"/>
           </a:xfrm>
           <a:prstGeom prst="rect">
             <a:avLst/>
           </a:prstGeom>
         </p:spPr>
         <p:txBody>
-          <a:bodyPr anchorCtr="0" anchor="b" bIns="91425" lIns="91425" spcFirstLastPara="1" rIns="91425" wrap="square" tIns="91425">
+          <a:bodyPr spcFirstLastPara="1" wrap="square" lIns="91425" tIns="91425" rIns="91425" bIns="91425" anchor="b" anchorCtr="0">
             <a:noAutofit/>
           </a:bodyPr>
           <a:lstStyle/>
           <a:p>
-            <a:pPr indent="0" lvl="0" marL="0" rtl="0" algn="l">
+            <a:pPr marL="0" lvl="0" indent="0" algn="l" rtl="0">
               <a:lnSpc>
                 <a:spcPct val="115000"/>
               </a:lnSpc>
@@ -9085,14 +9290,14 @@
               <a:buNone/>
             </a:pPr>
             <a:r>
-              <a:rPr b="1" lang="en" sz="3000">
+              <a:rPr lang="en" sz="3000" b="1" dirty="0">
                 <a:solidFill>
                   <a:srgbClr val="FFFFFF"/>
                 </a:solidFill>
               </a:rPr>
               <a:t>PROBLEM STATEMENT</a:t>
             </a:r>
-            <a:endParaRPr sz="3000">
+            <a:endParaRPr sz="3000" dirty="0">
               <a:solidFill>
                 <a:srgbClr val="FFFFFF"/>
               </a:solidFill>
@@ -9103,9 +9308,11 @@
       <p:sp>
         <p:nvSpPr>
           <p:cNvPr id="73" name="Google Shape;73;p16"/>
-          <p:cNvSpPr txBox="1"/>
+          <p:cNvSpPr txBox="1">
+            <a:spLocks noGrp="1"/>
+          </p:cNvSpPr>
           <p:nvPr>
-            <p:ph idx="1" type="subTitle"/>
+            <p:ph type="subTitle" idx="1"/>
           </p:nvPr>
         </p:nvSpPr>
         <p:spPr>
@@ -9118,12 +9325,12 @@
           </a:prstGeom>
         </p:spPr>
         <p:txBody>
-          <a:bodyPr anchorCtr="0" anchor="t" bIns="91425" lIns="91425" spcFirstLastPara="1" rIns="91425" wrap="square" tIns="91425">
+          <a:bodyPr spcFirstLastPara="1" wrap="square" lIns="91425" tIns="91425" rIns="91425" bIns="91425" anchor="t" anchorCtr="0">
             <a:noAutofit/>
           </a:bodyPr>
           <a:lstStyle/>
           <a:p>
-            <a:pPr indent="0" lvl="0" marL="457200" rtl="0" algn="just">
+            <a:pPr marL="457200" lvl="0" indent="0" algn="just" rtl="0">
               <a:lnSpc>
                 <a:spcPct val="115000"/>
               </a:lnSpc>
@@ -9160,11 +9367,11 @@
 </file>
 
 <file path=ppt/slides/slide5.xml><?xml version="1.0" encoding="utf-8"?>
-<p:sld xmlns:a="http://schemas.openxmlformats.org/drawingml/2006/main" xmlns:r="http://schemas.openxmlformats.org/officeDocument/2006/relationships" xmlns:mc="http://schemas.openxmlformats.org/markup-compatibility/2006" xmlns:mv="urn:schemas-microsoft-com:mac:vml" xmlns:p="http://schemas.openxmlformats.org/presentationml/2006/main" xmlns:c="http://schemas.openxmlformats.org/drawingml/2006/chart" xmlns:dgm="http://schemas.openxmlformats.org/drawingml/2006/diagram" xmlns:o="urn:schemas-microsoft-com:office:office" xmlns:v="urn:schemas-microsoft-com:vml" xmlns:pvml="urn:schemas-microsoft-com:office:powerpoint" xmlns:com="http://schemas.openxmlformats.org/drawingml/2006/compatibility" xmlns:p14="http://schemas.microsoft.com/office/powerpoint/2010/main" xmlns:p15="http://schemas.microsoft.com/office/powerpoint/2012/main">
+<p:sld xmlns:a="http://schemas.openxmlformats.org/drawingml/2006/main" xmlns:r="http://schemas.openxmlformats.org/officeDocument/2006/relationships" xmlns:p="http://schemas.openxmlformats.org/presentationml/2006/main">
   <p:cSld>
     <p:spTree>
       <p:nvGrpSpPr>
-        <p:cNvPr id="77" name="Shape 77"/>
+        <p:cNvPr id="1" name="Shape 77"/>
         <p:cNvGrpSpPr/>
         <p:nvPr/>
       </p:nvGrpSpPr>
@@ -9179,7 +9386,9 @@
       <p:sp>
         <p:nvSpPr>
           <p:cNvPr id="78" name="Google Shape;78;p17"/>
-          <p:cNvSpPr txBox="1"/>
+          <p:cNvSpPr txBox="1">
+            <a:spLocks noGrp="1"/>
+          </p:cNvSpPr>
           <p:nvPr>
             <p:ph type="ctrTitle"/>
           </p:nvPr>
@@ -9194,12 +9403,12 @@
           </a:prstGeom>
         </p:spPr>
         <p:txBody>
-          <a:bodyPr anchorCtr="0" anchor="b" bIns="91425" lIns="91425" spcFirstLastPara="1" rIns="91425" wrap="square" tIns="91425">
+          <a:bodyPr spcFirstLastPara="1" wrap="square" lIns="91425" tIns="91425" rIns="91425" bIns="91425" anchor="b" anchorCtr="0">
             <a:noAutofit/>
           </a:bodyPr>
           <a:lstStyle/>
           <a:p>
-            <a:pPr indent="0" lvl="0" marL="0" rtl="0" algn="l">
+            <a:pPr marL="0" lvl="0" indent="0" algn="l" rtl="0">
               <a:lnSpc>
                 <a:spcPct val="115000"/>
               </a:lnSpc>
@@ -9212,7 +9421,7 @@
               <a:buNone/>
             </a:pPr>
             <a:r>
-              <a:rPr b="1" lang="en" sz="3000">
+              <a:rPr lang="en" sz="3000" b="1">
                 <a:solidFill>
                   <a:srgbClr val="FFFFFF"/>
                 </a:solidFill>
@@ -9230,9 +9439,11 @@
       <p:sp>
         <p:nvSpPr>
           <p:cNvPr id="79" name="Google Shape;79;p17"/>
-          <p:cNvSpPr txBox="1"/>
+          <p:cNvSpPr txBox="1">
+            <a:spLocks noGrp="1"/>
+          </p:cNvSpPr>
           <p:nvPr>
-            <p:ph idx="1" type="subTitle"/>
+            <p:ph type="subTitle" idx="1"/>
           </p:nvPr>
         </p:nvSpPr>
         <p:spPr>
@@ -9245,12 +9456,12 @@
           </a:prstGeom>
         </p:spPr>
         <p:txBody>
-          <a:bodyPr anchorCtr="0" anchor="t" bIns="91425" lIns="91425" spcFirstLastPara="1" rIns="91425" wrap="square" tIns="91425">
+          <a:bodyPr spcFirstLastPara="1" wrap="square" lIns="91425" tIns="91425" rIns="91425" bIns="91425" anchor="t" anchorCtr="0">
             <a:noAutofit/>
           </a:bodyPr>
           <a:lstStyle/>
           <a:p>
-            <a:pPr indent="0" lvl="0" marL="457200" rtl="0" algn="just">
+            <a:pPr marL="457200" lvl="0" indent="0" algn="just" rtl="0">
               <a:lnSpc>
                 <a:spcPct val="115000"/>
               </a:lnSpc>
@@ -9277,7 +9488,7 @@
             </a:endParaRPr>
           </a:p>
           <a:p>
-            <a:pPr indent="0" lvl="0" marL="457200" rtl="0" algn="just">
+            <a:pPr marL="457200" lvl="0" indent="0" algn="just" rtl="0">
               <a:lnSpc>
                 <a:spcPct val="115000"/>
               </a:lnSpc>
@@ -9289,9 +9500,6 @@
               </a:spcAft>
               <a:buNone/>
             </a:pPr>
-            <a:r>
-              <a:t/>
-            </a:r>
             <a:endParaRPr sz="1800">
               <a:solidFill>
                 <a:srgbClr val="FFFFFF"/>
@@ -9299,7 +9507,7 @@
             </a:endParaRPr>
           </a:p>
           <a:p>
-            <a:pPr indent="0" lvl="0" marL="457200" rtl="0" algn="just">
+            <a:pPr marL="457200" lvl="0" indent="0" algn="just" rtl="0">
               <a:lnSpc>
                 <a:spcPct val="115000"/>
               </a:lnSpc>
@@ -9311,9 +9519,6 @@
               </a:spcAft>
               <a:buNone/>
             </a:pPr>
-            <a:r>
-              <a:t/>
-            </a:r>
             <a:endParaRPr sz="1800">
               <a:solidFill>
                 <a:srgbClr val="FFFFFF"/>
@@ -9331,11 +9536,11 @@
 </file>
 
 <file path=ppt/slides/slide6.xml><?xml version="1.0" encoding="utf-8"?>
-<p:sld xmlns:a="http://schemas.openxmlformats.org/drawingml/2006/main" xmlns:r="http://schemas.openxmlformats.org/officeDocument/2006/relationships" xmlns:mc="http://schemas.openxmlformats.org/markup-compatibility/2006" xmlns:mv="urn:schemas-microsoft-com:mac:vml" xmlns:p="http://schemas.openxmlformats.org/presentationml/2006/main" xmlns:c="http://schemas.openxmlformats.org/drawingml/2006/chart" xmlns:dgm="http://schemas.openxmlformats.org/drawingml/2006/diagram" xmlns:o="urn:schemas-microsoft-com:office:office" xmlns:v="urn:schemas-microsoft-com:vml" xmlns:pvml="urn:schemas-microsoft-com:office:powerpoint" xmlns:com="http://schemas.openxmlformats.org/drawingml/2006/compatibility" xmlns:p14="http://schemas.microsoft.com/office/powerpoint/2010/main" xmlns:p15="http://schemas.microsoft.com/office/powerpoint/2012/main">
+<p:sld xmlns:a="http://schemas.openxmlformats.org/drawingml/2006/main" xmlns:r="http://schemas.openxmlformats.org/officeDocument/2006/relationships" xmlns:p="http://schemas.openxmlformats.org/presentationml/2006/main">
   <p:cSld>
     <p:spTree>
       <p:nvGrpSpPr>
-        <p:cNvPr id="83" name="Shape 83"/>
+        <p:cNvPr id="1" name="Shape 83"/>
         <p:cNvGrpSpPr/>
         <p:nvPr/>
       </p:nvGrpSpPr>
@@ -9350,7 +9555,9 @@
       <p:sp>
         <p:nvSpPr>
           <p:cNvPr id="84" name="Google Shape;84;p18"/>
-          <p:cNvSpPr txBox="1"/>
+          <p:cNvSpPr txBox="1">
+            <a:spLocks noGrp="1"/>
+          </p:cNvSpPr>
           <p:nvPr>
             <p:ph type="ctrTitle"/>
           </p:nvPr>
@@ -9365,12 +9572,12 @@
           </a:prstGeom>
         </p:spPr>
         <p:txBody>
-          <a:bodyPr anchorCtr="0" anchor="b" bIns="91425" lIns="91425" spcFirstLastPara="1" rIns="91425" wrap="square" tIns="91425">
+          <a:bodyPr spcFirstLastPara="1" wrap="square" lIns="91425" tIns="91425" rIns="91425" bIns="91425" anchor="b" anchorCtr="0">
             <a:noAutofit/>
           </a:bodyPr>
           <a:lstStyle/>
           <a:p>
-            <a:pPr indent="0" lvl="0" marL="0" rtl="0" algn="l">
+            <a:pPr marL="0" lvl="0" indent="0" algn="l" rtl="0">
               <a:lnSpc>
                 <a:spcPct val="115000"/>
               </a:lnSpc>
@@ -9383,7 +9590,7 @@
               <a:buNone/>
             </a:pPr>
             <a:r>
-              <a:rPr b="1" lang="en" sz="3000">
+              <a:rPr lang="en" sz="3000" b="1">
                 <a:solidFill>
                   <a:srgbClr val="FFFFFF"/>
                 </a:solidFill>
@@ -9401,9 +9608,11 @@
       <p:sp>
         <p:nvSpPr>
           <p:cNvPr id="85" name="Google Shape;85;p18"/>
-          <p:cNvSpPr txBox="1"/>
+          <p:cNvSpPr txBox="1">
+            <a:spLocks noGrp="1"/>
+          </p:cNvSpPr>
           <p:nvPr>
-            <p:ph idx="1" type="subTitle"/>
+            <p:ph type="subTitle" idx="1"/>
           </p:nvPr>
         </p:nvSpPr>
         <p:spPr>
@@ -9416,12 +9625,12 @@
           </a:prstGeom>
         </p:spPr>
         <p:txBody>
-          <a:bodyPr anchorCtr="0" anchor="t" bIns="91425" lIns="91425" spcFirstLastPara="1" rIns="91425" wrap="square" tIns="91425">
+          <a:bodyPr spcFirstLastPara="1" wrap="square" lIns="91425" tIns="91425" rIns="91425" bIns="91425" anchor="t" anchorCtr="0">
             <a:noAutofit/>
           </a:bodyPr>
           <a:lstStyle/>
           <a:p>
-            <a:pPr indent="457200" lvl="0" marL="3200400" rtl="0" algn="just">
+            <a:pPr marL="3200400" lvl="0" indent="457200" algn="just" rtl="0">
               <a:lnSpc>
                 <a:spcPct val="115000"/>
               </a:lnSpc>
@@ -9433,9 +9642,6 @@
               </a:spcAft>
               <a:buNone/>
             </a:pPr>
-            <a:r>
-              <a:t/>
-            </a:r>
             <a:endParaRPr sz="1100">
               <a:solidFill>
                 <a:srgbClr val="000000"/>
@@ -9447,7 +9653,7 @@
             </a:endParaRPr>
           </a:p>
           <a:p>
-            <a:pPr indent="-342900" lvl="0" marL="457200" rtl="0" algn="just">
+            <a:pPr marL="457200" lvl="0" indent="-342900" algn="just" rtl="0">
               <a:lnSpc>
                 <a:spcPct val="115000"/>
               </a:lnSpc>
@@ -9478,7 +9684,7 @@
             </a:endParaRPr>
           </a:p>
           <a:p>
-            <a:pPr indent="-342900" lvl="0" marL="457200" rtl="0" algn="just">
+            <a:pPr marL="457200" lvl="0" indent="-342900" algn="just" rtl="0">
               <a:lnSpc>
                 <a:spcPct val="115000"/>
               </a:lnSpc>
@@ -9509,7 +9715,7 @@
             </a:endParaRPr>
           </a:p>
           <a:p>
-            <a:pPr indent="-342900" lvl="0" marL="457200" rtl="0" algn="just">
+            <a:pPr marL="457200" lvl="0" indent="-342900" algn="just" rtl="0">
               <a:lnSpc>
                 <a:spcPct val="115000"/>
               </a:lnSpc>
@@ -9540,7 +9746,7 @@
             </a:endParaRPr>
           </a:p>
           <a:p>
-            <a:pPr indent="-342900" lvl="0" marL="457200" rtl="0" algn="just">
+            <a:pPr marL="457200" lvl="0" indent="-342900" algn="just" rtl="0">
               <a:lnSpc>
                 <a:spcPct val="115000"/>
               </a:lnSpc>
@@ -9609,11 +9815,11 @@
 </file>
 
 <file path=ppt/slides/slide7.xml><?xml version="1.0" encoding="utf-8"?>
-<p:sld xmlns:a="http://schemas.openxmlformats.org/drawingml/2006/main" xmlns:r="http://schemas.openxmlformats.org/officeDocument/2006/relationships" xmlns:mc="http://schemas.openxmlformats.org/markup-compatibility/2006" xmlns:mv="urn:schemas-microsoft-com:mac:vml" xmlns:p="http://schemas.openxmlformats.org/presentationml/2006/main" xmlns:c="http://schemas.openxmlformats.org/drawingml/2006/chart" xmlns:dgm="http://schemas.openxmlformats.org/drawingml/2006/diagram" xmlns:o="urn:schemas-microsoft-com:office:office" xmlns:v="urn:schemas-microsoft-com:vml" xmlns:pvml="urn:schemas-microsoft-com:office:powerpoint" xmlns:com="http://schemas.openxmlformats.org/drawingml/2006/compatibility" xmlns:p14="http://schemas.microsoft.com/office/powerpoint/2010/main" xmlns:p15="http://schemas.microsoft.com/office/powerpoint/2012/main">
+<p:sld xmlns:a="http://schemas.openxmlformats.org/drawingml/2006/main" xmlns:r="http://schemas.openxmlformats.org/officeDocument/2006/relationships" xmlns:p="http://schemas.openxmlformats.org/presentationml/2006/main">
   <p:cSld>
     <p:spTree>
       <p:nvGrpSpPr>
-        <p:cNvPr id="90" name="Shape 90"/>
+        <p:cNvPr id="1" name="Shape 90"/>
         <p:cNvGrpSpPr/>
         <p:nvPr/>
       </p:nvGrpSpPr>
@@ -9662,11 +9868,11 @@
 </file>
 
 <file path=ppt/slides/slide8.xml><?xml version="1.0" encoding="utf-8"?>
-<p:sld xmlns:a="http://schemas.openxmlformats.org/drawingml/2006/main" xmlns:r="http://schemas.openxmlformats.org/officeDocument/2006/relationships" xmlns:mc="http://schemas.openxmlformats.org/markup-compatibility/2006" xmlns:mv="urn:schemas-microsoft-com:mac:vml" xmlns:p="http://schemas.openxmlformats.org/presentationml/2006/main" xmlns:c="http://schemas.openxmlformats.org/drawingml/2006/chart" xmlns:dgm="http://schemas.openxmlformats.org/drawingml/2006/diagram" xmlns:o="urn:schemas-microsoft-com:office:office" xmlns:v="urn:schemas-microsoft-com:vml" xmlns:pvml="urn:schemas-microsoft-com:office:powerpoint" xmlns:com="http://schemas.openxmlformats.org/drawingml/2006/compatibility" xmlns:p14="http://schemas.microsoft.com/office/powerpoint/2010/main" xmlns:p15="http://schemas.microsoft.com/office/powerpoint/2012/main">
+<p:sld xmlns:a="http://schemas.openxmlformats.org/drawingml/2006/main" xmlns:r="http://schemas.openxmlformats.org/officeDocument/2006/relationships" xmlns:p="http://schemas.openxmlformats.org/presentationml/2006/main">
   <p:cSld>
     <p:spTree>
       <p:nvGrpSpPr>
-        <p:cNvPr id="95" name="Shape 95"/>
+        <p:cNvPr id="1" name="Shape 95"/>
         <p:cNvGrpSpPr/>
         <p:nvPr/>
       </p:nvGrpSpPr>
@@ -9681,7 +9887,9 @@
       <p:sp>
         <p:nvSpPr>
           <p:cNvPr id="96" name="Google Shape;96;p20"/>
-          <p:cNvSpPr txBox="1"/>
+          <p:cNvSpPr txBox="1">
+            <a:spLocks noGrp="1"/>
+          </p:cNvSpPr>
           <p:nvPr>
             <p:ph type="ctrTitle"/>
           </p:nvPr>
@@ -9696,12 +9904,12 @@
           </a:prstGeom>
         </p:spPr>
         <p:txBody>
-          <a:bodyPr anchorCtr="0" anchor="b" bIns="91425" lIns="91425" spcFirstLastPara="1" rIns="91425" wrap="square" tIns="91425">
+          <a:bodyPr spcFirstLastPara="1" wrap="square" lIns="91425" tIns="91425" rIns="91425" bIns="91425" anchor="b" anchorCtr="0">
             <a:noAutofit/>
           </a:bodyPr>
           <a:lstStyle/>
           <a:p>
-            <a:pPr indent="0" lvl="0" marL="0" rtl="0" algn="l">
+            <a:pPr marL="0" lvl="0" indent="0" algn="l" rtl="0">
               <a:lnSpc>
                 <a:spcPct val="115000"/>
               </a:lnSpc>
@@ -9714,14 +9922,14 @@
               <a:buNone/>
             </a:pPr>
             <a:r>
-              <a:rPr b="1" lang="en" sz="3000">
+              <a:rPr lang="en" sz="3000" b="1">
                 <a:solidFill>
                   <a:srgbClr val="FFFFFF"/>
                 </a:solidFill>
               </a:rPr>
               <a:t>DATA COLLECTION</a:t>
             </a:r>
-            <a:endParaRPr b="1" sz="3000">
+            <a:endParaRPr sz="3000" b="1">
               <a:solidFill>
                 <a:srgbClr val="FFFFFF"/>
               </a:solidFill>
@@ -9732,9 +9940,11 @@
       <p:sp>
         <p:nvSpPr>
           <p:cNvPr id="97" name="Google Shape;97;p20"/>
-          <p:cNvSpPr txBox="1"/>
+          <p:cNvSpPr txBox="1">
+            <a:spLocks noGrp="1"/>
+          </p:cNvSpPr>
           <p:nvPr>
-            <p:ph idx="1" type="subTitle"/>
+            <p:ph type="subTitle" idx="1"/>
           </p:nvPr>
         </p:nvSpPr>
         <p:spPr>
@@ -9747,12 +9957,12 @@
           </a:prstGeom>
         </p:spPr>
         <p:txBody>
-          <a:bodyPr anchorCtr="0" anchor="t" bIns="91425" lIns="91425" spcFirstLastPara="1" rIns="91425" wrap="square" tIns="91425">
+          <a:bodyPr spcFirstLastPara="1" wrap="square" lIns="91425" tIns="91425" rIns="91425" bIns="91425" anchor="t" anchorCtr="0">
             <a:noAutofit/>
           </a:bodyPr>
           <a:lstStyle/>
           <a:p>
-            <a:pPr indent="-342900" lvl="0" marL="457200" rtl="0" algn="just">
+            <a:pPr marL="457200" lvl="0" indent="-342900" algn="just" rtl="0">
               <a:lnSpc>
                 <a:spcPct val="115000"/>
               </a:lnSpc>
@@ -9783,7 +9993,7 @@
             </a:endParaRPr>
           </a:p>
           <a:p>
-            <a:pPr indent="-342900" lvl="0" marL="457200" rtl="0" algn="just">
+            <a:pPr marL="457200" lvl="0" indent="-342900" algn="just" rtl="0">
               <a:lnSpc>
                 <a:spcPct val="115000"/>
               </a:lnSpc>
@@ -9814,7 +10024,7 @@
             </a:endParaRPr>
           </a:p>
           <a:p>
-            <a:pPr indent="0" lvl="0" marL="457200" rtl="0" algn="just">
+            <a:pPr marL="457200" lvl="0" indent="0" algn="just" rtl="0">
               <a:lnSpc>
                 <a:spcPct val="115000"/>
               </a:lnSpc>
@@ -9826,9 +10036,6 @@
               </a:spcAft>
               <a:buNone/>
             </a:pPr>
-            <a:r>
-              <a:t/>
-            </a:r>
             <a:endParaRPr sz="1800">
               <a:solidFill>
                 <a:srgbClr val="FFFFFF"/>
@@ -9836,7 +10043,7 @@
             </a:endParaRPr>
           </a:p>
           <a:p>
-            <a:pPr indent="0" lvl="0" marL="457200" rtl="0" algn="just">
+            <a:pPr marL="457200" lvl="0" indent="0" algn="just" rtl="0">
               <a:lnSpc>
                 <a:spcPct val="115000"/>
               </a:lnSpc>
@@ -9848,9 +10055,6 @@
               </a:spcAft>
               <a:buNone/>
             </a:pPr>
-            <a:r>
-              <a:t/>
-            </a:r>
             <a:endParaRPr sz="1800">
               <a:solidFill>
                 <a:srgbClr val="FFFFFF"/>
@@ -9868,11 +10072,11 @@
 </file>
 
 <file path=ppt/slides/slide9.xml><?xml version="1.0" encoding="utf-8"?>
-<p:sld xmlns:a="http://schemas.openxmlformats.org/drawingml/2006/main" xmlns:r="http://schemas.openxmlformats.org/officeDocument/2006/relationships" xmlns:mc="http://schemas.openxmlformats.org/markup-compatibility/2006" xmlns:mv="urn:schemas-microsoft-com:mac:vml" xmlns:p="http://schemas.openxmlformats.org/presentationml/2006/main" xmlns:c="http://schemas.openxmlformats.org/drawingml/2006/chart" xmlns:dgm="http://schemas.openxmlformats.org/drawingml/2006/diagram" xmlns:o="urn:schemas-microsoft-com:office:office" xmlns:v="urn:schemas-microsoft-com:vml" xmlns:pvml="urn:schemas-microsoft-com:office:powerpoint" xmlns:com="http://schemas.openxmlformats.org/drawingml/2006/compatibility" xmlns:p14="http://schemas.microsoft.com/office/powerpoint/2010/main" xmlns:p15="http://schemas.microsoft.com/office/powerpoint/2012/main">
+<p:sld xmlns:a="http://schemas.openxmlformats.org/drawingml/2006/main" xmlns:r="http://schemas.openxmlformats.org/officeDocument/2006/relationships" xmlns:p="http://schemas.openxmlformats.org/presentationml/2006/main">
   <p:cSld>
     <p:spTree>
       <p:nvGrpSpPr>
-        <p:cNvPr id="101" name="Shape 101"/>
+        <p:cNvPr id="1" name="Shape 101"/>
         <p:cNvGrpSpPr/>
         <p:nvPr/>
       </p:nvGrpSpPr>
@@ -9887,7 +10091,9 @@
       <p:sp>
         <p:nvSpPr>
           <p:cNvPr id="102" name="Google Shape;102;p21"/>
-          <p:cNvSpPr txBox="1"/>
+          <p:cNvSpPr txBox="1">
+            <a:spLocks noGrp="1"/>
+          </p:cNvSpPr>
           <p:nvPr>
             <p:ph type="ctrTitle"/>
           </p:nvPr>
@@ -9902,12 +10108,12 @@
           </a:prstGeom>
         </p:spPr>
         <p:txBody>
-          <a:bodyPr anchorCtr="0" anchor="b" bIns="91425" lIns="91425" spcFirstLastPara="1" rIns="91425" wrap="square" tIns="91425">
+          <a:bodyPr spcFirstLastPara="1" wrap="square" lIns="91425" tIns="91425" rIns="91425" bIns="91425" anchor="b" anchorCtr="0">
             <a:noAutofit/>
           </a:bodyPr>
           <a:lstStyle/>
           <a:p>
-            <a:pPr indent="0" lvl="0" marL="0" rtl="0" algn="l">
+            <a:pPr marL="0" lvl="0" indent="0" algn="l" rtl="0">
               <a:lnSpc>
                 <a:spcPct val="115000"/>
               </a:lnSpc>
@@ -9920,14 +10126,14 @@
               <a:buNone/>
             </a:pPr>
             <a:r>
-              <a:rPr b="1" lang="en" sz="3000">
+              <a:rPr lang="en" sz="3000" b="1">
                 <a:solidFill>
                   <a:srgbClr val="FFFFFF"/>
                 </a:solidFill>
               </a:rPr>
               <a:t>LABEL CREATION</a:t>
             </a:r>
-            <a:endParaRPr b="1" sz="3000">
+            <a:endParaRPr sz="3000" b="1">
               <a:solidFill>
                 <a:srgbClr val="FFFFFF"/>
               </a:solidFill>
@@ -9938,9 +10144,11 @@
       <p:sp>
         <p:nvSpPr>
           <p:cNvPr id="103" name="Google Shape;103;p21"/>
-          <p:cNvSpPr txBox="1"/>
+          <p:cNvSpPr txBox="1">
+            <a:spLocks noGrp="1"/>
+          </p:cNvSpPr>
           <p:nvPr>
-            <p:ph idx="1" type="subTitle"/>
+            <p:ph type="subTitle" idx="1"/>
           </p:nvPr>
         </p:nvSpPr>
         <p:spPr>
@@ -9953,12 +10161,12 @@
           </a:prstGeom>
         </p:spPr>
         <p:txBody>
-          <a:bodyPr anchorCtr="0" anchor="t" bIns="91425" lIns="91425" spcFirstLastPara="1" rIns="91425" wrap="square" tIns="91425">
+          <a:bodyPr spcFirstLastPara="1" wrap="square" lIns="91425" tIns="91425" rIns="91425" bIns="91425" anchor="t" anchorCtr="0">
             <a:noAutofit/>
           </a:bodyPr>
           <a:lstStyle/>
           <a:p>
-            <a:pPr indent="-342900" lvl="0" marL="457200" rtl="0" algn="just">
+            <a:pPr marL="457200" lvl="0" indent="-342900" algn="just" rtl="0">
               <a:lnSpc>
                 <a:spcPct val="115000"/>
               </a:lnSpc>
@@ -9989,7 +10197,7 @@
             </a:endParaRPr>
           </a:p>
           <a:p>
-            <a:pPr indent="-342900" lvl="0" marL="457200" rtl="0" algn="just">
+            <a:pPr marL="457200" lvl="0" indent="-342900" algn="just" rtl="0">
               <a:lnSpc>
                 <a:spcPct val="115000"/>
               </a:lnSpc>
@@ -10020,7 +10228,7 @@
             </a:endParaRPr>
           </a:p>
           <a:p>
-            <a:pPr indent="-342900" lvl="0" marL="457200" rtl="0" algn="just">
+            <a:pPr marL="457200" lvl="0" indent="-342900" algn="just" rtl="0">
               <a:lnSpc>
                 <a:spcPct val="115000"/>
               </a:lnSpc>
@@ -10042,23 +10250,7 @@
                   <a:srgbClr val="FFFFFF"/>
                 </a:solidFill>
               </a:rPr>
-              <a:t>The caching and </a:t>
-            </a:r>
-            <a:r>
-              <a:rPr lang="en" sz="1800">
-                <a:solidFill>
-                  <a:srgbClr val="FFFFFF"/>
-                </a:solidFill>
-              </a:rPr>
-              <a:t>retrieval</a:t>
-            </a:r>
-            <a:r>
-              <a:rPr lang="en" sz="1800">
-                <a:solidFill>
-                  <a:srgbClr val="FFFFFF"/>
-                </a:solidFill>
-              </a:rPr>
-              <a:t> components were provided by Pandas and so we stuck to using the same for developing our machine learning models as well.</a:t>
+              <a:t>The caching and retrieval components were provided by Pandas and so we stuck to using the same for developing our machine learning models as well.</a:t>
             </a:r>
             <a:endParaRPr sz="1800">
               <a:solidFill>
@@ -10067,7 +10259,7 @@
             </a:endParaRPr>
           </a:p>
           <a:p>
-            <a:pPr indent="0" lvl="0" marL="457200" rtl="0" algn="just">
+            <a:pPr marL="457200" lvl="0" indent="0" algn="just" rtl="0">
               <a:lnSpc>
                 <a:spcPct val="115000"/>
               </a:lnSpc>
@@ -10079,9 +10271,6 @@
               </a:spcAft>
               <a:buNone/>
             </a:pPr>
-            <a:r>
-              <a:t/>
-            </a:r>
             <a:endParaRPr sz="1800">
               <a:solidFill>
                 <a:srgbClr val="FFFFFF"/>
@@ -10089,7 +10278,7 @@
             </a:endParaRPr>
           </a:p>
           <a:p>
-            <a:pPr indent="0" lvl="0" marL="457200" rtl="0" algn="just">
+            <a:pPr marL="457200" lvl="0" indent="0" algn="just" rtl="0">
               <a:lnSpc>
                 <a:spcPct val="115000"/>
               </a:lnSpc>
@@ -10101,9 +10290,6 @@
               </a:spcAft>
               <a:buNone/>
             </a:pPr>
-            <a:r>
-              <a:t/>
-            </a:r>
             <a:endParaRPr sz="1800">
               <a:solidFill>
                 <a:srgbClr val="FFFFFF"/>
@@ -10121,7 +10307,288 @@
 </file>
 
 <file path=ppt/theme/theme1.xml><?xml version="1.0" encoding="utf-8"?>
-<a:theme xmlns:a="http://schemas.openxmlformats.org/drawingml/2006/main" xmlns:r="http://schemas.openxmlformats.org/officeDocument/2006/relationships">
+<a:theme xmlns:a="http://schemas.openxmlformats.org/drawingml/2006/main" name="Simple Dark">
+  <a:themeElements>
+    <a:clrScheme name="Simple Dark">
+      <a:dk1>
+        <a:srgbClr val="FFFFFF"/>
+      </a:dk1>
+      <a:lt1>
+        <a:srgbClr val="212121"/>
+      </a:lt1>
+      <a:dk2>
+        <a:srgbClr val="303030"/>
+      </a:dk2>
+      <a:lt2>
+        <a:srgbClr val="ADADAD"/>
+      </a:lt2>
+      <a:accent1>
+        <a:srgbClr val="009688"/>
+      </a:accent1>
+      <a:accent2>
+        <a:srgbClr val="EEEEEE"/>
+      </a:accent2>
+      <a:accent3>
+        <a:srgbClr val="78909C"/>
+      </a:accent3>
+      <a:accent4>
+        <a:srgbClr val="FFAB40"/>
+      </a:accent4>
+      <a:accent5>
+        <a:srgbClr val="4DD0E1"/>
+      </a:accent5>
+      <a:accent6>
+        <a:srgbClr val="EEFF41"/>
+      </a:accent6>
+      <a:hlink>
+        <a:srgbClr val="4DD0E1"/>
+      </a:hlink>
+      <a:folHlink>
+        <a:srgbClr val="4DD0E1"/>
+      </a:folHlink>
+    </a:clrScheme>
+    <a:fontScheme name="Office">
+      <a:majorFont>
+        <a:latin typeface="Arial"/>
+        <a:ea typeface=""/>
+        <a:cs typeface=""/>
+        <a:font script="Jpan" typeface="ＭＳ Ｐゴシック"/>
+        <a:font script="Hang" typeface="맑은 고딕"/>
+        <a:font script="Hans" typeface="宋体"/>
+        <a:font script="Hant" typeface="新細明體"/>
+        <a:font script="Arab" typeface="Times New Roman"/>
+        <a:font script="Hebr" typeface="Times New Roman"/>
+        <a:font script="Thai" typeface="Angsana New"/>
+        <a:font script="Ethi" typeface="Nyala"/>
+        <a:font script="Beng" typeface="Vrinda"/>
+        <a:font script="Gujr" typeface="Shruti"/>
+        <a:font script="Khmr" typeface="MoolBoran"/>
+        <a:font script="Knda" typeface="Tunga"/>
+        <a:font script="Guru" typeface="Raavi"/>
+        <a:font script="Cans" typeface="Euphemia"/>
+        <a:font script="Cher" typeface="Plantagenet Cherokee"/>
+        <a:font script="Yiii" typeface="Microsoft Yi Baiti"/>
+        <a:font script="Tibt" typeface="Microsoft Himalaya"/>
+        <a:font script="Thaa" typeface="MV Boli"/>
+        <a:font script="Deva" typeface="Mangal"/>
+        <a:font script="Telu" typeface="Gautami"/>
+        <a:font script="Taml" typeface="Latha"/>
+        <a:font script="Syrc" typeface="Estrangelo Edessa"/>
+        <a:font script="Orya" typeface="Kalinga"/>
+        <a:font script="Mlym" typeface="Kartika"/>
+        <a:font script="Laoo" typeface="DokChampa"/>
+        <a:font script="Sinh" typeface="Iskoola Pota"/>
+        <a:font script="Mong" typeface="Mongolian Baiti"/>
+        <a:font script="Viet" typeface="Times New Roman"/>
+        <a:font script="Uigh" typeface="Microsoft Uighur"/>
+        <a:font script="Geor" typeface="Sylfaen"/>
+      </a:majorFont>
+      <a:minorFont>
+        <a:latin typeface="Arial"/>
+        <a:ea typeface=""/>
+        <a:cs typeface=""/>
+        <a:font script="Jpan" typeface="ＭＳ Ｐゴシック"/>
+        <a:font script="Hang" typeface="맑은 고딕"/>
+        <a:font script="Hans" typeface="宋体"/>
+        <a:font script="Hant" typeface="新細明體"/>
+        <a:font script="Arab" typeface="Arial"/>
+        <a:font script="Hebr" typeface="Arial"/>
+        <a:font script="Thai" typeface="Cordia New"/>
+        <a:font script="Ethi" typeface="Nyala"/>
+        <a:font script="Beng" typeface="Vrinda"/>
+        <a:font script="Gujr" typeface="Shruti"/>
+        <a:font script="Khmr" typeface="DaunPenh"/>
+        <a:font script="Knda" typeface="Tunga"/>
+        <a:font script="Guru" typeface="Raavi"/>
+        <a:font script="Cans" typeface="Euphemia"/>
+        <a:font script="Cher" typeface="Plantagenet Cherokee"/>
+        <a:font script="Yiii" typeface="Microsoft Yi Baiti"/>
+        <a:font script="Tibt" typeface="Microsoft Himalaya"/>
+        <a:font script="Thaa" typeface="MV Boli"/>
+        <a:font script="Deva" typeface="Mangal"/>
+        <a:font script="Telu" typeface="Gautami"/>
+        <a:font script="Taml" typeface="Latha"/>
+        <a:font script="Syrc" typeface="Estrangelo Edessa"/>
+        <a:font script="Orya" typeface="Kalinga"/>
+        <a:font script="Mlym" typeface="Kartika"/>
+        <a:font script="Laoo" typeface="DokChampa"/>
+        <a:font script="Sinh" typeface="Iskoola Pota"/>
+        <a:font script="Mong" typeface="Mongolian Baiti"/>
+        <a:font script="Viet" typeface="Arial"/>
+        <a:font script="Uigh" typeface="Microsoft Uighur"/>
+        <a:font script="Geor" typeface="Sylfaen"/>
+      </a:minorFont>
+    </a:fontScheme>
+    <a:fmtScheme name="Office">
+      <a:fillStyleLst>
+        <a:solidFill>
+          <a:schemeClr val="phClr"/>
+        </a:solidFill>
+        <a:gradFill rotWithShape="1">
+          <a:gsLst>
+            <a:gs pos="0">
+              <a:schemeClr val="phClr">
+                <a:tint val="50000"/>
+                <a:satMod val="300000"/>
+              </a:schemeClr>
+            </a:gs>
+            <a:gs pos="35000">
+              <a:schemeClr val="phClr">
+                <a:tint val="37000"/>
+                <a:satMod val="300000"/>
+              </a:schemeClr>
+            </a:gs>
+            <a:gs pos="100000">
+              <a:schemeClr val="phClr">
+                <a:tint val="15000"/>
+                <a:satMod val="350000"/>
+              </a:schemeClr>
+            </a:gs>
+          </a:gsLst>
+          <a:lin ang="16200000" scaled="1"/>
+        </a:gradFill>
+        <a:gradFill rotWithShape="1">
+          <a:gsLst>
+            <a:gs pos="0">
+              <a:schemeClr val="phClr">
+                <a:tint val="100000"/>
+                <a:shade val="100000"/>
+                <a:satMod val="130000"/>
+              </a:schemeClr>
+            </a:gs>
+            <a:gs pos="100000">
+              <a:schemeClr val="phClr">
+                <a:tint val="50000"/>
+                <a:shade val="100000"/>
+                <a:satMod val="350000"/>
+              </a:schemeClr>
+            </a:gs>
+          </a:gsLst>
+          <a:lin ang="16200000" scaled="0"/>
+        </a:gradFill>
+      </a:fillStyleLst>
+      <a:lnStyleLst>
+        <a:ln w="9525" cap="flat" cmpd="sng" algn="ctr">
+          <a:solidFill>
+            <a:schemeClr val="phClr">
+              <a:shade val="95000"/>
+              <a:satMod val="105000"/>
+            </a:schemeClr>
+          </a:solidFill>
+          <a:prstDash val="solid"/>
+        </a:ln>
+        <a:ln w="25400" cap="flat" cmpd="sng" algn="ctr">
+          <a:solidFill>
+            <a:schemeClr val="phClr"/>
+          </a:solidFill>
+          <a:prstDash val="solid"/>
+        </a:ln>
+        <a:ln w="38100" cap="flat" cmpd="sng" algn="ctr">
+          <a:solidFill>
+            <a:schemeClr val="phClr"/>
+          </a:solidFill>
+          <a:prstDash val="solid"/>
+        </a:ln>
+      </a:lnStyleLst>
+      <a:effectStyleLst>
+        <a:effectStyle>
+          <a:effectLst>
+            <a:outerShdw blurRad="40000" dist="20000" dir="5400000" rotWithShape="0">
+              <a:srgbClr val="000000">
+                <a:alpha val="38000"/>
+              </a:srgbClr>
+            </a:outerShdw>
+          </a:effectLst>
+        </a:effectStyle>
+        <a:effectStyle>
+          <a:effectLst>
+            <a:outerShdw blurRad="40000" dist="23000" dir="5400000" rotWithShape="0">
+              <a:srgbClr val="000000">
+                <a:alpha val="35000"/>
+              </a:srgbClr>
+            </a:outerShdw>
+          </a:effectLst>
+        </a:effectStyle>
+        <a:effectStyle>
+          <a:effectLst>
+            <a:outerShdw blurRad="40000" dist="23000" dir="5400000" rotWithShape="0">
+              <a:srgbClr val="000000">
+                <a:alpha val="35000"/>
+              </a:srgbClr>
+            </a:outerShdw>
+          </a:effectLst>
+          <a:scene3d>
+            <a:camera prst="orthographicFront">
+              <a:rot lat="0" lon="0" rev="0"/>
+            </a:camera>
+            <a:lightRig rig="threePt" dir="t">
+              <a:rot lat="0" lon="0" rev="1200000"/>
+            </a:lightRig>
+          </a:scene3d>
+          <a:sp3d>
+            <a:bevelT w="63500" h="25400"/>
+          </a:sp3d>
+        </a:effectStyle>
+      </a:effectStyleLst>
+      <a:bgFillStyleLst>
+        <a:solidFill>
+          <a:schemeClr val="phClr"/>
+        </a:solidFill>
+        <a:gradFill rotWithShape="1">
+          <a:gsLst>
+            <a:gs pos="0">
+              <a:schemeClr val="phClr">
+                <a:tint val="40000"/>
+                <a:satMod val="350000"/>
+              </a:schemeClr>
+            </a:gs>
+            <a:gs pos="40000">
+              <a:schemeClr val="phClr">
+                <a:tint val="45000"/>
+                <a:shade val="99000"/>
+                <a:satMod val="350000"/>
+              </a:schemeClr>
+            </a:gs>
+            <a:gs pos="100000">
+              <a:schemeClr val="phClr">
+                <a:shade val="20000"/>
+                <a:satMod val="255000"/>
+              </a:schemeClr>
+            </a:gs>
+          </a:gsLst>
+          <a:path path="circle">
+            <a:fillToRect l="50000" t="-80000" r="50000" b="180000"/>
+          </a:path>
+        </a:gradFill>
+        <a:gradFill rotWithShape="1">
+          <a:gsLst>
+            <a:gs pos="0">
+              <a:schemeClr val="phClr">
+                <a:tint val="80000"/>
+                <a:satMod val="300000"/>
+              </a:schemeClr>
+            </a:gs>
+            <a:gs pos="100000">
+              <a:schemeClr val="phClr">
+                <a:shade val="30000"/>
+                <a:satMod val="200000"/>
+              </a:schemeClr>
+            </a:gs>
+          </a:gsLst>
+          <a:path path="circle">
+            <a:fillToRect l="50000" t="50000" r="50000" b="50000"/>
+          </a:path>
+        </a:gradFill>
+      </a:bgFillStyleLst>
+    </a:fmtScheme>
+  </a:themeElements>
+  <a:objectDefaults/>
+  <a:extraClrSchemeLst/>
+</a:theme>
+</file>
+
+<file path=ppt/theme/theme2.xml><?xml version="1.0" encoding="utf-8"?>
+<a:theme xmlns:a="http://schemas.openxmlformats.org/drawingml/2006/main">
   <a:themeElements>
     <a:clrScheme name="Default">
       <a:dk1>
@@ -10396,284 +10863,7 @@
       </a:bgFillStyleLst>
     </a:fmtScheme>
   </a:themeElements>
-</a:theme>
-</file>
-
-<file path=ppt/theme/theme2.xml><?xml version="1.0" encoding="utf-8"?>
-<a:theme xmlns:a="http://schemas.openxmlformats.org/drawingml/2006/main" xmlns:r="http://schemas.openxmlformats.org/officeDocument/2006/relationships" name="Simple Dark">
-  <a:themeElements>
-    <a:clrScheme name="Simple Dark">
-      <a:dk1>
-        <a:srgbClr val="FFFFFF"/>
-      </a:dk1>
-      <a:lt1>
-        <a:srgbClr val="212121"/>
-      </a:lt1>
-      <a:dk2>
-        <a:srgbClr val="303030"/>
-      </a:dk2>
-      <a:lt2>
-        <a:srgbClr val="ADADAD"/>
-      </a:lt2>
-      <a:accent1>
-        <a:srgbClr val="009688"/>
-      </a:accent1>
-      <a:accent2>
-        <a:srgbClr val="EEEEEE"/>
-      </a:accent2>
-      <a:accent3>
-        <a:srgbClr val="78909C"/>
-      </a:accent3>
-      <a:accent4>
-        <a:srgbClr val="FFAB40"/>
-      </a:accent4>
-      <a:accent5>
-        <a:srgbClr val="4DD0E1"/>
-      </a:accent5>
-      <a:accent6>
-        <a:srgbClr val="EEFF41"/>
-      </a:accent6>
-      <a:hlink>
-        <a:srgbClr val="4DD0E1"/>
-      </a:hlink>
-      <a:folHlink>
-        <a:srgbClr val="4DD0E1"/>
-      </a:folHlink>
-    </a:clrScheme>
-    <a:fontScheme name="Office">
-      <a:majorFont>
-        <a:latin typeface="Arial"/>
-        <a:ea typeface=""/>
-        <a:cs typeface=""/>
-        <a:font script="Jpan" typeface="ＭＳ Ｐゴシック"/>
-        <a:font script="Hang" typeface="맑은 고딕"/>
-        <a:font script="Hans" typeface="宋体"/>
-        <a:font script="Hant" typeface="新細明體"/>
-        <a:font script="Arab" typeface="Times New Roman"/>
-        <a:font script="Hebr" typeface="Times New Roman"/>
-        <a:font script="Thai" typeface="Angsana New"/>
-        <a:font script="Ethi" typeface="Nyala"/>
-        <a:font script="Beng" typeface="Vrinda"/>
-        <a:font script="Gujr" typeface="Shruti"/>
-        <a:font script="Khmr" typeface="MoolBoran"/>
-        <a:font script="Knda" typeface="Tunga"/>
-        <a:font script="Guru" typeface="Raavi"/>
-        <a:font script="Cans" typeface="Euphemia"/>
-        <a:font script="Cher" typeface="Plantagenet Cherokee"/>
-        <a:font script="Yiii" typeface="Microsoft Yi Baiti"/>
-        <a:font script="Tibt" typeface="Microsoft Himalaya"/>
-        <a:font script="Thaa" typeface="MV Boli"/>
-        <a:font script="Deva" typeface="Mangal"/>
-        <a:font script="Telu" typeface="Gautami"/>
-        <a:font script="Taml" typeface="Latha"/>
-        <a:font script="Syrc" typeface="Estrangelo Edessa"/>
-        <a:font script="Orya" typeface="Kalinga"/>
-        <a:font script="Mlym" typeface="Kartika"/>
-        <a:font script="Laoo" typeface="DokChampa"/>
-        <a:font script="Sinh" typeface="Iskoola Pota"/>
-        <a:font script="Mong" typeface="Mongolian Baiti"/>
-        <a:font script="Viet" typeface="Times New Roman"/>
-        <a:font script="Uigh" typeface="Microsoft Uighur"/>
-        <a:font script="Geor" typeface="Sylfaen"/>
-      </a:majorFont>
-      <a:minorFont>
-        <a:latin typeface="Arial"/>
-        <a:ea typeface=""/>
-        <a:cs typeface=""/>
-        <a:font script="Jpan" typeface="ＭＳ Ｐゴシック"/>
-        <a:font script="Hang" typeface="맑은 고딕"/>
-        <a:font script="Hans" typeface="宋体"/>
-        <a:font script="Hant" typeface="新細明體"/>
-        <a:font script="Arab" typeface="Arial"/>
-        <a:font script="Hebr" typeface="Arial"/>
-        <a:font script="Thai" typeface="Cordia New"/>
-        <a:font script="Ethi" typeface="Nyala"/>
-        <a:font script="Beng" typeface="Vrinda"/>
-        <a:font script="Gujr" typeface="Shruti"/>
-        <a:font script="Khmr" typeface="DaunPenh"/>
-        <a:font script="Knda" typeface="Tunga"/>
-        <a:font script="Guru" typeface="Raavi"/>
-        <a:font script="Cans" typeface="Euphemia"/>
-        <a:font script="Cher" typeface="Plantagenet Cherokee"/>
-        <a:font script="Yiii" typeface="Microsoft Yi Baiti"/>
-        <a:font script="Tibt" typeface="Microsoft Himalaya"/>
-        <a:font script="Thaa" typeface="MV Boli"/>
-        <a:font script="Deva" typeface="Mangal"/>
-        <a:font script="Telu" typeface="Gautami"/>
-        <a:font script="Taml" typeface="Latha"/>
-        <a:font script="Syrc" typeface="Estrangelo Edessa"/>
-        <a:font script="Orya" typeface="Kalinga"/>
-        <a:font script="Mlym" typeface="Kartika"/>
-        <a:font script="Laoo" typeface="DokChampa"/>
-        <a:font script="Sinh" typeface="Iskoola Pota"/>
-        <a:font script="Mong" typeface="Mongolian Baiti"/>
-        <a:font script="Viet" typeface="Arial"/>
-        <a:font script="Uigh" typeface="Microsoft Uighur"/>
-        <a:font script="Geor" typeface="Sylfaen"/>
-      </a:minorFont>
-    </a:fontScheme>
-    <a:fmtScheme name="Office">
-      <a:fillStyleLst>
-        <a:solidFill>
-          <a:schemeClr val="phClr"/>
-        </a:solidFill>
-        <a:gradFill rotWithShape="1">
-          <a:gsLst>
-            <a:gs pos="0">
-              <a:schemeClr val="phClr">
-                <a:tint val="50000"/>
-                <a:satMod val="300000"/>
-              </a:schemeClr>
-            </a:gs>
-            <a:gs pos="35000">
-              <a:schemeClr val="phClr">
-                <a:tint val="37000"/>
-                <a:satMod val="300000"/>
-              </a:schemeClr>
-            </a:gs>
-            <a:gs pos="100000">
-              <a:schemeClr val="phClr">
-                <a:tint val="15000"/>
-                <a:satMod val="350000"/>
-              </a:schemeClr>
-            </a:gs>
-          </a:gsLst>
-          <a:lin ang="16200000" scaled="1"/>
-        </a:gradFill>
-        <a:gradFill rotWithShape="1">
-          <a:gsLst>
-            <a:gs pos="0">
-              <a:schemeClr val="phClr">
-                <a:tint val="100000"/>
-                <a:shade val="100000"/>
-                <a:satMod val="130000"/>
-              </a:schemeClr>
-            </a:gs>
-            <a:gs pos="100000">
-              <a:schemeClr val="phClr">
-                <a:tint val="50000"/>
-                <a:shade val="100000"/>
-                <a:satMod val="350000"/>
-              </a:schemeClr>
-            </a:gs>
-          </a:gsLst>
-          <a:lin ang="16200000" scaled="0"/>
-        </a:gradFill>
-      </a:fillStyleLst>
-      <a:lnStyleLst>
-        <a:ln w="9525" cap="flat" cmpd="sng" algn="ctr">
-          <a:solidFill>
-            <a:schemeClr val="phClr">
-              <a:shade val="95000"/>
-              <a:satMod val="105000"/>
-            </a:schemeClr>
-          </a:solidFill>
-          <a:prstDash val="solid"/>
-        </a:ln>
-        <a:ln w="25400" cap="flat" cmpd="sng" algn="ctr">
-          <a:solidFill>
-            <a:schemeClr val="phClr"/>
-          </a:solidFill>
-          <a:prstDash val="solid"/>
-        </a:ln>
-        <a:ln w="38100" cap="flat" cmpd="sng" algn="ctr">
-          <a:solidFill>
-            <a:schemeClr val="phClr"/>
-          </a:solidFill>
-          <a:prstDash val="solid"/>
-        </a:ln>
-      </a:lnStyleLst>
-      <a:effectStyleLst>
-        <a:effectStyle>
-          <a:effectLst>
-            <a:outerShdw blurRad="40000" dist="20000" dir="5400000" rotWithShape="0">
-              <a:srgbClr val="000000">
-                <a:alpha val="38000"/>
-              </a:srgbClr>
-            </a:outerShdw>
-          </a:effectLst>
-        </a:effectStyle>
-        <a:effectStyle>
-          <a:effectLst>
-            <a:outerShdw blurRad="40000" dist="23000" dir="5400000" rotWithShape="0">
-              <a:srgbClr val="000000">
-                <a:alpha val="35000"/>
-              </a:srgbClr>
-            </a:outerShdw>
-          </a:effectLst>
-        </a:effectStyle>
-        <a:effectStyle>
-          <a:effectLst>
-            <a:outerShdw blurRad="40000" dist="23000" dir="5400000" rotWithShape="0">
-              <a:srgbClr val="000000">
-                <a:alpha val="35000"/>
-              </a:srgbClr>
-            </a:outerShdw>
-          </a:effectLst>
-          <a:scene3d>
-            <a:camera prst="orthographicFront">
-              <a:rot lat="0" lon="0" rev="0"/>
-            </a:camera>
-            <a:lightRig rig="threePt" dir="t">
-              <a:rot lat="0" lon="0" rev="1200000"/>
-            </a:lightRig>
-          </a:scene3d>
-          <a:sp3d>
-            <a:bevelT w="63500" h="25400"/>
-          </a:sp3d>
-        </a:effectStyle>
-      </a:effectStyleLst>
-      <a:bgFillStyleLst>
-        <a:solidFill>
-          <a:schemeClr val="phClr"/>
-        </a:solidFill>
-        <a:gradFill rotWithShape="1">
-          <a:gsLst>
-            <a:gs pos="0">
-              <a:schemeClr val="phClr">
-                <a:tint val="40000"/>
-                <a:satMod val="350000"/>
-              </a:schemeClr>
-            </a:gs>
-            <a:gs pos="40000">
-              <a:schemeClr val="phClr">
-                <a:tint val="45000"/>
-                <a:shade val="99000"/>
-                <a:satMod val="350000"/>
-              </a:schemeClr>
-            </a:gs>
-            <a:gs pos="100000">
-              <a:schemeClr val="phClr">
-                <a:shade val="20000"/>
-                <a:satMod val="255000"/>
-              </a:schemeClr>
-            </a:gs>
-          </a:gsLst>
-          <a:path path="circle">
-            <a:fillToRect l="50000" t="-80000" r="50000" b="180000"/>
-          </a:path>
-        </a:gradFill>
-        <a:gradFill rotWithShape="1">
-          <a:gsLst>
-            <a:gs pos="0">
-              <a:schemeClr val="phClr">
-                <a:tint val="80000"/>
-                <a:satMod val="300000"/>
-              </a:schemeClr>
-            </a:gs>
-            <a:gs pos="100000">
-              <a:schemeClr val="phClr">
-                <a:shade val="30000"/>
-                <a:satMod val="200000"/>
-              </a:schemeClr>
-            </a:gs>
-          </a:gsLst>
-          <a:path path="circle">
-            <a:fillToRect l="50000" t="50000" r="50000" b="50000"/>
-          </a:path>
-        </a:gradFill>
-      </a:bgFillStyleLst>
-    </a:fmtScheme>
-  </a:themeElements>
+  <a:objectDefaults/>
+  <a:extraClrSchemeLst/>
 </a:theme>
 </file>
--- a/mail these/presentation.pptx
+++ b/mail these/presentation.pptx
@@ -5,7 +5,7 @@
     <p:sldMasterId id="2147483659" r:id="rId1"/>
   </p:sldMasterIdLst>
   <p:notesMasterIdLst>
-    <p:notesMasterId r:id="rId17"/>
+    <p:notesMasterId r:id="rId21"/>
   </p:notesMasterIdLst>
   <p:sldIdLst>
     <p:sldId id="256" r:id="rId2"/>
@@ -23,6 +23,10 @@
     <p:sldId id="268" r:id="rId14"/>
     <p:sldId id="269" r:id="rId15"/>
     <p:sldId id="270" r:id="rId16"/>
+    <p:sldId id="271" r:id="rId17"/>
+    <p:sldId id="272" r:id="rId18"/>
+    <p:sldId id="273" r:id="rId19"/>
+    <p:sldId id="274" r:id="rId20"/>
   </p:sldIdLst>
   <p:sldSz cx="9144000" cy="5143500" type="screen16x9"/>
   <p:notesSz cx="6858000" cy="9144000"/>
@@ -824,7 +828,7 @@
   <p:cSld>
     <p:spTree>
       <p:nvGrpSpPr>
-        <p:cNvPr id="1" name="Shape 104"/>
+        <p:cNvPr id="1" name="Shape 105"/>
         <p:cNvGrpSpPr/>
         <p:nvPr/>
       </p:nvGrpSpPr>
@@ -838,7 +842,7 @@
       </p:grpSpPr>
       <p:sp>
         <p:nvSpPr>
-          <p:cNvPr id="105" name="Google Shape;105;g3231e36602fd62b1_47:notes"/>
+          <p:cNvPr id="106" name="Google Shape;106;g3231e36602fd62b1_42:notes"/>
           <p:cNvSpPr>
             <a:spLocks noGrp="1" noRot="1" noChangeAspect="1"/>
           </p:cNvSpPr>
@@ -879,7 +883,7 @@
       </p:sp>
       <p:sp>
         <p:nvSpPr>
-          <p:cNvPr id="106" name="Google Shape;106;g3231e36602fd62b1_47:notes"/>
+          <p:cNvPr id="107" name="Google Shape;107;g3231e36602fd62b1_42:notes"/>
           <p:cNvSpPr txBox="1">
             <a:spLocks noGrp="1"/>
           </p:cNvSpPr>
@@ -928,7 +932,7 @@
   <p:cSld>
     <p:spTree>
       <p:nvGrpSpPr>
-        <p:cNvPr id="1" name="Shape 110"/>
+        <p:cNvPr id="1" name="Shape 111"/>
         <p:cNvGrpSpPr/>
         <p:nvPr/>
       </p:nvGrpSpPr>
@@ -942,7 +946,7 @@
       </p:grpSpPr>
       <p:sp>
         <p:nvSpPr>
-          <p:cNvPr id="111" name="Google Shape;111;g3231e36602fd62b1_52:notes"/>
+          <p:cNvPr id="112" name="Google Shape;112;g3231e36602fd62b1_47:notes"/>
           <p:cNvSpPr>
             <a:spLocks noGrp="1" noRot="1" noChangeAspect="1"/>
           </p:cNvSpPr>
@@ -983,7 +987,7 @@
       </p:sp>
       <p:sp>
         <p:nvSpPr>
-          <p:cNvPr id="112" name="Google Shape;112;g3231e36602fd62b1_52:notes"/>
+          <p:cNvPr id="113" name="Google Shape;113;g3231e36602fd62b1_47:notes"/>
           <p:cNvSpPr txBox="1">
             <a:spLocks noGrp="1"/>
           </p:cNvSpPr>
@@ -1032,7 +1036,7 @@
   <p:cSld>
     <p:spTree>
       <p:nvGrpSpPr>
-        <p:cNvPr id="1" name="Shape 116"/>
+        <p:cNvPr id="1" name="Shape 117"/>
         <p:cNvGrpSpPr/>
         <p:nvPr/>
       </p:nvGrpSpPr>
@@ -1046,7 +1050,7 @@
       </p:grpSpPr>
       <p:sp>
         <p:nvSpPr>
-          <p:cNvPr id="117" name="Google Shape;117;g3231e36602fd62b1_63:notes"/>
+          <p:cNvPr id="118" name="Google Shape;118;g3231e36602fd62b1_52:notes"/>
           <p:cNvSpPr>
             <a:spLocks noGrp="1" noRot="1" noChangeAspect="1"/>
           </p:cNvSpPr>
@@ -1087,7 +1091,7 @@
       </p:sp>
       <p:sp>
         <p:nvSpPr>
-          <p:cNvPr id="118" name="Google Shape;118;g3231e36602fd62b1_63:notes"/>
+          <p:cNvPr id="119" name="Google Shape;119;g3231e36602fd62b1_52:notes"/>
           <p:cNvSpPr txBox="1">
             <a:spLocks noGrp="1"/>
           </p:cNvSpPr>
@@ -1136,7 +1140,7 @@
   <p:cSld>
     <p:spTree>
       <p:nvGrpSpPr>
-        <p:cNvPr id="1" name="Shape 122"/>
+        <p:cNvPr id="1" name="Shape 123"/>
         <p:cNvGrpSpPr/>
         <p:nvPr/>
       </p:nvGrpSpPr>
@@ -1150,7 +1154,7 @@
       </p:grpSpPr>
       <p:sp>
         <p:nvSpPr>
-          <p:cNvPr id="123" name="Google Shape;123;g631124c3a3_0_0:notes"/>
+          <p:cNvPr id="124" name="Google Shape;124;g3231e36602fd62b1_63:notes"/>
           <p:cNvSpPr>
             <a:spLocks noGrp="1" noRot="1" noChangeAspect="1"/>
           </p:cNvSpPr>
@@ -1191,7 +1195,7 @@
       </p:sp>
       <p:sp>
         <p:nvSpPr>
-          <p:cNvPr id="124" name="Google Shape;124;g631124c3a3_0_0:notes"/>
+          <p:cNvPr id="125" name="Google Shape;125;g3231e36602fd62b1_63:notes"/>
           <p:cNvSpPr txBox="1">
             <a:spLocks noGrp="1"/>
           </p:cNvSpPr>
@@ -1240,7 +1244,7 @@
   <p:cSld>
     <p:spTree>
       <p:nvGrpSpPr>
-        <p:cNvPr id="1" name="Shape 128"/>
+        <p:cNvPr id="1" name="Shape 129"/>
         <p:cNvGrpSpPr/>
         <p:nvPr/>
       </p:nvGrpSpPr>
@@ -1254,7 +1258,7 @@
       </p:grpSpPr>
       <p:sp>
         <p:nvSpPr>
-          <p:cNvPr id="129" name="Google Shape;129;g631124c3a3_0_15:notes"/>
+          <p:cNvPr id="130" name="Google Shape;130;g631124c3a3_0_0:notes"/>
           <p:cNvSpPr>
             <a:spLocks noGrp="1" noRot="1" noChangeAspect="1"/>
           </p:cNvSpPr>
@@ -1295,7 +1299,7 @@
       </p:sp>
       <p:sp>
         <p:nvSpPr>
-          <p:cNvPr id="130" name="Google Shape;130;g631124c3a3_0_15:notes"/>
+          <p:cNvPr id="131" name="Google Shape;131;g631124c3a3_0_0:notes"/>
           <p:cNvSpPr txBox="1">
             <a:spLocks noGrp="1"/>
           </p:cNvSpPr>
@@ -1344,7 +1348,7 @@
   <p:cSld>
     <p:spTree>
       <p:nvGrpSpPr>
-        <p:cNvPr id="1" name="Shape 134"/>
+        <p:cNvPr id="1" name="Shape 135"/>
         <p:cNvGrpSpPr/>
         <p:nvPr/>
       </p:nvGrpSpPr>
@@ -1358,7 +1362,7 @@
       </p:grpSpPr>
       <p:sp>
         <p:nvSpPr>
-          <p:cNvPr id="135" name="Google Shape;135;g3231e36602fd62b1_72:notes"/>
+          <p:cNvPr id="136" name="Google Shape;136;g63d2e6b62b_0_0:notes"/>
           <p:cNvSpPr>
             <a:spLocks noGrp="1" noRot="1" noChangeAspect="1"/>
           </p:cNvSpPr>
@@ -1399,7 +1403,7 @@
       </p:sp>
       <p:sp>
         <p:nvSpPr>
-          <p:cNvPr id="136" name="Google Shape;136;g3231e36602fd62b1_72:notes"/>
+          <p:cNvPr id="137" name="Google Shape;137;g63d2e6b62b_0_0:notes"/>
           <p:cNvSpPr txBox="1">
             <a:spLocks noGrp="1"/>
           </p:cNvSpPr>
@@ -1443,12 +1447,12 @@
 </p:notes>
 </file>
 
-<file path=ppt/notesSlides/notesSlide2.xml><?xml version="1.0" encoding="utf-8"?>
+<file path=ppt/notesSlides/notesSlide16.xml><?xml version="1.0" encoding="utf-8"?>
 <p:notes xmlns:a="http://schemas.openxmlformats.org/drawingml/2006/main" xmlns:r="http://schemas.openxmlformats.org/officeDocument/2006/relationships" xmlns:p="http://schemas.openxmlformats.org/presentationml/2006/main" showMasterSp="0" showMasterPhAnim="0">
   <p:cSld>
     <p:spTree>
       <p:nvGrpSpPr>
-        <p:cNvPr id="1" name="Shape 56"/>
+        <p:cNvPr id="1" name="Shape 141"/>
         <p:cNvGrpSpPr/>
         <p:nvPr/>
       </p:nvGrpSpPr>
@@ -1462,7 +1466,7 @@
       </p:grpSpPr>
       <p:sp>
         <p:nvSpPr>
-          <p:cNvPr id="57" name="Google Shape;57;g3231e36602fd62b1_9:notes"/>
+          <p:cNvPr id="142" name="Google Shape;142;g63d2e6b62b_0_6:notes"/>
           <p:cNvSpPr>
             <a:spLocks noGrp="1" noRot="1" noChangeAspect="1"/>
           </p:cNvSpPr>
@@ -1503,7 +1507,7 @@
       </p:sp>
       <p:sp>
         <p:nvSpPr>
-          <p:cNvPr id="58" name="Google Shape;58;g3231e36602fd62b1_9:notes"/>
+          <p:cNvPr id="143" name="Google Shape;143;g63d2e6b62b_0_6:notes"/>
           <p:cNvSpPr txBox="1">
             <a:spLocks noGrp="1"/>
           </p:cNvSpPr>
@@ -1547,12 +1551,12 @@
 </p:notes>
 </file>
 
-<file path=ppt/notesSlides/notesSlide3.xml><?xml version="1.0" encoding="utf-8"?>
+<file path=ppt/notesSlides/notesSlide17.xml><?xml version="1.0" encoding="utf-8"?>
 <p:notes xmlns:a="http://schemas.openxmlformats.org/drawingml/2006/main" xmlns:r="http://schemas.openxmlformats.org/officeDocument/2006/relationships" xmlns:p="http://schemas.openxmlformats.org/presentationml/2006/main" showMasterSp="0" showMasterPhAnim="0">
   <p:cSld>
     <p:spTree>
       <p:nvGrpSpPr>
-        <p:cNvPr id="1" name="Shape 62"/>
+        <p:cNvPr id="1" name="Shape 147"/>
         <p:cNvGrpSpPr/>
         <p:nvPr/>
       </p:nvGrpSpPr>
@@ -1566,7 +1570,7 @@
       </p:grpSpPr>
       <p:sp>
         <p:nvSpPr>
-          <p:cNvPr id="63" name="Google Shape;63;g3231e36602fd62b1_84:notes"/>
+          <p:cNvPr id="148" name="Google Shape;148;g64e32a35e3_0_0:notes"/>
           <p:cNvSpPr>
             <a:spLocks noGrp="1" noRot="1" noChangeAspect="1"/>
           </p:cNvSpPr>
@@ -1607,7 +1611,7 @@
       </p:sp>
       <p:sp>
         <p:nvSpPr>
-          <p:cNvPr id="64" name="Google Shape;64;g3231e36602fd62b1_84:notes"/>
+          <p:cNvPr id="149" name="Google Shape;149;g64e32a35e3_0_0:notes"/>
           <p:cNvSpPr txBox="1">
             <a:spLocks noGrp="1"/>
           </p:cNvSpPr>
@@ -1651,12 +1655,12 @@
 </p:notes>
 </file>
 
-<file path=ppt/notesSlides/notesSlide4.xml><?xml version="1.0" encoding="utf-8"?>
+<file path=ppt/notesSlides/notesSlide18.xml><?xml version="1.0" encoding="utf-8"?>
 <p:notes xmlns:a="http://schemas.openxmlformats.org/drawingml/2006/main" xmlns:r="http://schemas.openxmlformats.org/officeDocument/2006/relationships" xmlns:p="http://schemas.openxmlformats.org/presentationml/2006/main" showMasterSp="0" showMasterPhAnim="0">
   <p:cSld>
     <p:spTree>
       <p:nvGrpSpPr>
-        <p:cNvPr id="1" name="Shape 68"/>
+        <p:cNvPr id="1" name="Shape 153"/>
         <p:cNvGrpSpPr/>
         <p:nvPr/>
       </p:nvGrpSpPr>
@@ -1670,7 +1674,423 @@
       </p:grpSpPr>
       <p:sp>
         <p:nvSpPr>
-          <p:cNvPr id="69" name="Google Shape;69;g3231e36602fd62b1_29:notes"/>
+          <p:cNvPr id="154" name="Google Shape;154;g631124c3a3_0_15:notes"/>
+          <p:cNvSpPr>
+            <a:spLocks noGrp="1" noRot="1" noChangeAspect="1"/>
+          </p:cNvSpPr>
+          <p:nvPr>
+            <p:ph type="sldImg" idx="2"/>
+          </p:nvPr>
+        </p:nvSpPr>
+        <p:spPr>
+          <a:xfrm>
+            <a:off x="381300" y="685800"/>
+            <a:ext cx="6096000" cy="3429000"/>
+          </a:xfrm>
+          <a:custGeom>
+            <a:avLst/>
+            <a:gdLst/>
+            <a:ahLst/>
+            <a:cxnLst/>
+            <a:rect l="l" t="t" r="r" b="b"/>
+            <a:pathLst>
+              <a:path w="120000" h="120000" extrusionOk="0">
+                <a:moveTo>
+                  <a:pt x="0" y="0"/>
+                </a:moveTo>
+                <a:lnTo>
+                  <a:pt x="120000" y="0"/>
+                </a:lnTo>
+                <a:lnTo>
+                  <a:pt x="120000" y="120000"/>
+                </a:lnTo>
+                <a:lnTo>
+                  <a:pt x="0" y="120000"/>
+                </a:lnTo>
+                <a:close/>
+              </a:path>
+            </a:pathLst>
+          </a:custGeom>
+        </p:spPr>
+      </p:sp>
+      <p:sp>
+        <p:nvSpPr>
+          <p:cNvPr id="155" name="Google Shape;155;g631124c3a3_0_15:notes"/>
+          <p:cNvSpPr txBox="1">
+            <a:spLocks noGrp="1"/>
+          </p:cNvSpPr>
+          <p:nvPr>
+            <p:ph type="body" idx="1"/>
+          </p:nvPr>
+        </p:nvSpPr>
+        <p:spPr>
+          <a:xfrm>
+            <a:off x="685800" y="4343400"/>
+            <a:ext cx="5486400" cy="4114800"/>
+          </a:xfrm>
+          <a:prstGeom prst="rect">
+            <a:avLst/>
+          </a:prstGeom>
+        </p:spPr>
+        <p:txBody>
+          <a:bodyPr spcFirstLastPara="1" wrap="square" lIns="91425" tIns="91425" rIns="91425" bIns="91425" anchor="t" anchorCtr="0">
+            <a:noAutofit/>
+          </a:bodyPr>
+          <a:lstStyle/>
+          <a:p>
+            <a:pPr marL="0" lvl="0" indent="0" algn="l" rtl="0">
+              <a:spcBef>
+                <a:spcPts val="0"/>
+              </a:spcBef>
+              <a:spcAft>
+                <a:spcPts val="0"/>
+              </a:spcAft>
+              <a:buNone/>
+            </a:pPr>
+            <a:endParaRPr/>
+          </a:p>
+        </p:txBody>
+      </p:sp>
+    </p:spTree>
+  </p:cSld>
+  <p:clrMapOvr>
+    <a:masterClrMapping/>
+  </p:clrMapOvr>
+</p:notes>
+</file>
+
+<file path=ppt/notesSlides/notesSlide19.xml><?xml version="1.0" encoding="utf-8"?>
+<p:notes xmlns:a="http://schemas.openxmlformats.org/drawingml/2006/main" xmlns:r="http://schemas.openxmlformats.org/officeDocument/2006/relationships" xmlns:p="http://schemas.openxmlformats.org/presentationml/2006/main" showMasterSp="0" showMasterPhAnim="0">
+  <p:cSld>
+    <p:spTree>
+      <p:nvGrpSpPr>
+        <p:cNvPr id="1" name="Shape 159"/>
+        <p:cNvGrpSpPr/>
+        <p:nvPr/>
+      </p:nvGrpSpPr>
+      <p:grpSpPr>
+        <a:xfrm>
+          <a:off x="0" y="0"/>
+          <a:ext cx="0" cy="0"/>
+          <a:chOff x="0" y="0"/>
+          <a:chExt cx="0" cy="0"/>
+        </a:xfrm>
+      </p:grpSpPr>
+      <p:sp>
+        <p:nvSpPr>
+          <p:cNvPr id="160" name="Google Shape;160;g478d1c2273_0_0:notes"/>
+          <p:cNvSpPr>
+            <a:spLocks noGrp="1" noRot="1" noChangeAspect="1"/>
+          </p:cNvSpPr>
+          <p:nvPr>
+            <p:ph type="sldImg" idx="2"/>
+          </p:nvPr>
+        </p:nvSpPr>
+        <p:spPr>
+          <a:xfrm>
+            <a:off x="381300" y="685800"/>
+            <a:ext cx="6096000" cy="3429000"/>
+          </a:xfrm>
+          <a:custGeom>
+            <a:avLst/>
+            <a:gdLst/>
+            <a:ahLst/>
+            <a:cxnLst/>
+            <a:rect l="l" t="t" r="r" b="b"/>
+            <a:pathLst>
+              <a:path w="120000" h="120000" extrusionOk="0">
+                <a:moveTo>
+                  <a:pt x="0" y="0"/>
+                </a:moveTo>
+                <a:lnTo>
+                  <a:pt x="120000" y="0"/>
+                </a:lnTo>
+                <a:lnTo>
+                  <a:pt x="120000" y="120000"/>
+                </a:lnTo>
+                <a:lnTo>
+                  <a:pt x="0" y="120000"/>
+                </a:lnTo>
+                <a:close/>
+              </a:path>
+            </a:pathLst>
+          </a:custGeom>
+        </p:spPr>
+      </p:sp>
+      <p:sp>
+        <p:nvSpPr>
+          <p:cNvPr id="161" name="Google Shape;161;g478d1c2273_0_0:notes"/>
+          <p:cNvSpPr txBox="1">
+            <a:spLocks noGrp="1"/>
+          </p:cNvSpPr>
+          <p:nvPr>
+            <p:ph type="body" idx="1"/>
+          </p:nvPr>
+        </p:nvSpPr>
+        <p:spPr>
+          <a:xfrm>
+            <a:off x="685800" y="4343400"/>
+            <a:ext cx="5486400" cy="4114800"/>
+          </a:xfrm>
+          <a:prstGeom prst="rect">
+            <a:avLst/>
+          </a:prstGeom>
+        </p:spPr>
+        <p:txBody>
+          <a:bodyPr spcFirstLastPara="1" wrap="square" lIns="91425" tIns="91425" rIns="91425" bIns="91425" anchor="t" anchorCtr="0">
+            <a:noAutofit/>
+          </a:bodyPr>
+          <a:lstStyle/>
+          <a:p>
+            <a:pPr marL="0" lvl="0" indent="0" algn="l" rtl="0">
+              <a:spcBef>
+                <a:spcPts val="0"/>
+              </a:spcBef>
+              <a:spcAft>
+                <a:spcPts val="0"/>
+              </a:spcAft>
+              <a:buNone/>
+            </a:pPr>
+            <a:endParaRPr/>
+          </a:p>
+        </p:txBody>
+      </p:sp>
+    </p:spTree>
+  </p:cSld>
+  <p:clrMapOvr>
+    <a:masterClrMapping/>
+  </p:clrMapOvr>
+</p:notes>
+</file>
+
+<file path=ppt/notesSlides/notesSlide2.xml><?xml version="1.0" encoding="utf-8"?>
+<p:notes xmlns:a="http://schemas.openxmlformats.org/drawingml/2006/main" xmlns:r="http://schemas.openxmlformats.org/officeDocument/2006/relationships" xmlns:p="http://schemas.openxmlformats.org/presentationml/2006/main" showMasterSp="0" showMasterPhAnim="0">
+  <p:cSld>
+    <p:spTree>
+      <p:nvGrpSpPr>
+        <p:cNvPr id="1" name="Shape 57"/>
+        <p:cNvGrpSpPr/>
+        <p:nvPr/>
+      </p:nvGrpSpPr>
+      <p:grpSpPr>
+        <a:xfrm>
+          <a:off x="0" y="0"/>
+          <a:ext cx="0" cy="0"/>
+          <a:chOff x="0" y="0"/>
+          <a:chExt cx="0" cy="0"/>
+        </a:xfrm>
+      </p:grpSpPr>
+      <p:sp>
+        <p:nvSpPr>
+          <p:cNvPr id="58" name="Google Shape;58;g3231e36602fd62b1_9:notes"/>
+          <p:cNvSpPr>
+            <a:spLocks noGrp="1" noRot="1" noChangeAspect="1"/>
+          </p:cNvSpPr>
+          <p:nvPr>
+            <p:ph type="sldImg" idx="2"/>
+          </p:nvPr>
+        </p:nvSpPr>
+        <p:spPr>
+          <a:xfrm>
+            <a:off x="381300" y="685800"/>
+            <a:ext cx="6096000" cy="3429000"/>
+          </a:xfrm>
+          <a:custGeom>
+            <a:avLst/>
+            <a:gdLst/>
+            <a:ahLst/>
+            <a:cxnLst/>
+            <a:rect l="l" t="t" r="r" b="b"/>
+            <a:pathLst>
+              <a:path w="120000" h="120000" extrusionOk="0">
+                <a:moveTo>
+                  <a:pt x="0" y="0"/>
+                </a:moveTo>
+                <a:lnTo>
+                  <a:pt x="120000" y="0"/>
+                </a:lnTo>
+                <a:lnTo>
+                  <a:pt x="120000" y="120000"/>
+                </a:lnTo>
+                <a:lnTo>
+                  <a:pt x="0" y="120000"/>
+                </a:lnTo>
+                <a:close/>
+              </a:path>
+            </a:pathLst>
+          </a:custGeom>
+        </p:spPr>
+      </p:sp>
+      <p:sp>
+        <p:nvSpPr>
+          <p:cNvPr id="59" name="Google Shape;59;g3231e36602fd62b1_9:notes"/>
+          <p:cNvSpPr txBox="1">
+            <a:spLocks noGrp="1"/>
+          </p:cNvSpPr>
+          <p:nvPr>
+            <p:ph type="body" idx="1"/>
+          </p:nvPr>
+        </p:nvSpPr>
+        <p:spPr>
+          <a:xfrm>
+            <a:off x="685800" y="4343400"/>
+            <a:ext cx="5486400" cy="4114800"/>
+          </a:xfrm>
+          <a:prstGeom prst="rect">
+            <a:avLst/>
+          </a:prstGeom>
+        </p:spPr>
+        <p:txBody>
+          <a:bodyPr spcFirstLastPara="1" wrap="square" lIns="91425" tIns="91425" rIns="91425" bIns="91425" anchor="t" anchorCtr="0">
+            <a:noAutofit/>
+          </a:bodyPr>
+          <a:lstStyle/>
+          <a:p>
+            <a:pPr marL="0" lvl="0" indent="0" algn="l" rtl="0">
+              <a:spcBef>
+                <a:spcPts val="0"/>
+              </a:spcBef>
+              <a:spcAft>
+                <a:spcPts val="0"/>
+              </a:spcAft>
+              <a:buNone/>
+            </a:pPr>
+            <a:endParaRPr/>
+          </a:p>
+        </p:txBody>
+      </p:sp>
+    </p:spTree>
+  </p:cSld>
+  <p:clrMapOvr>
+    <a:masterClrMapping/>
+  </p:clrMapOvr>
+</p:notes>
+</file>
+
+<file path=ppt/notesSlides/notesSlide3.xml><?xml version="1.0" encoding="utf-8"?>
+<p:notes xmlns:a="http://schemas.openxmlformats.org/drawingml/2006/main" xmlns:r="http://schemas.openxmlformats.org/officeDocument/2006/relationships" xmlns:p="http://schemas.openxmlformats.org/presentationml/2006/main" showMasterSp="0" showMasterPhAnim="0">
+  <p:cSld>
+    <p:spTree>
+      <p:nvGrpSpPr>
+        <p:cNvPr id="1" name="Shape 63"/>
+        <p:cNvGrpSpPr/>
+        <p:nvPr/>
+      </p:nvGrpSpPr>
+      <p:grpSpPr>
+        <a:xfrm>
+          <a:off x="0" y="0"/>
+          <a:ext cx="0" cy="0"/>
+          <a:chOff x="0" y="0"/>
+          <a:chExt cx="0" cy="0"/>
+        </a:xfrm>
+      </p:grpSpPr>
+      <p:sp>
+        <p:nvSpPr>
+          <p:cNvPr id="64" name="Google Shape;64;g3231e36602fd62b1_84:notes"/>
+          <p:cNvSpPr>
+            <a:spLocks noGrp="1" noRot="1" noChangeAspect="1"/>
+          </p:cNvSpPr>
+          <p:nvPr>
+            <p:ph type="sldImg" idx="2"/>
+          </p:nvPr>
+        </p:nvSpPr>
+        <p:spPr>
+          <a:xfrm>
+            <a:off x="381300" y="685800"/>
+            <a:ext cx="6096000" cy="3429000"/>
+          </a:xfrm>
+          <a:custGeom>
+            <a:avLst/>
+            <a:gdLst/>
+            <a:ahLst/>
+            <a:cxnLst/>
+            <a:rect l="l" t="t" r="r" b="b"/>
+            <a:pathLst>
+              <a:path w="120000" h="120000" extrusionOk="0">
+                <a:moveTo>
+                  <a:pt x="0" y="0"/>
+                </a:moveTo>
+                <a:lnTo>
+                  <a:pt x="120000" y="0"/>
+                </a:lnTo>
+                <a:lnTo>
+                  <a:pt x="120000" y="120000"/>
+                </a:lnTo>
+                <a:lnTo>
+                  <a:pt x="0" y="120000"/>
+                </a:lnTo>
+                <a:close/>
+              </a:path>
+            </a:pathLst>
+          </a:custGeom>
+        </p:spPr>
+      </p:sp>
+      <p:sp>
+        <p:nvSpPr>
+          <p:cNvPr id="65" name="Google Shape;65;g3231e36602fd62b1_84:notes"/>
+          <p:cNvSpPr txBox="1">
+            <a:spLocks noGrp="1"/>
+          </p:cNvSpPr>
+          <p:nvPr>
+            <p:ph type="body" idx="1"/>
+          </p:nvPr>
+        </p:nvSpPr>
+        <p:spPr>
+          <a:xfrm>
+            <a:off x="685800" y="4343400"/>
+            <a:ext cx="5486400" cy="4114800"/>
+          </a:xfrm>
+          <a:prstGeom prst="rect">
+            <a:avLst/>
+          </a:prstGeom>
+        </p:spPr>
+        <p:txBody>
+          <a:bodyPr spcFirstLastPara="1" wrap="square" lIns="91425" tIns="91425" rIns="91425" bIns="91425" anchor="t" anchorCtr="0">
+            <a:noAutofit/>
+          </a:bodyPr>
+          <a:lstStyle/>
+          <a:p>
+            <a:pPr marL="0" lvl="0" indent="0" algn="l" rtl="0">
+              <a:spcBef>
+                <a:spcPts val="0"/>
+              </a:spcBef>
+              <a:spcAft>
+                <a:spcPts val="0"/>
+              </a:spcAft>
+              <a:buNone/>
+            </a:pPr>
+            <a:endParaRPr/>
+          </a:p>
+        </p:txBody>
+      </p:sp>
+    </p:spTree>
+  </p:cSld>
+  <p:clrMapOvr>
+    <a:masterClrMapping/>
+  </p:clrMapOvr>
+</p:notes>
+</file>
+
+<file path=ppt/notesSlides/notesSlide4.xml><?xml version="1.0" encoding="utf-8"?>
+<p:notes xmlns:a="http://schemas.openxmlformats.org/drawingml/2006/main" xmlns:r="http://schemas.openxmlformats.org/officeDocument/2006/relationships" xmlns:p="http://schemas.openxmlformats.org/presentationml/2006/main" showMasterSp="0" showMasterPhAnim="0">
+  <p:cSld>
+    <p:spTree>
+      <p:nvGrpSpPr>
+        <p:cNvPr id="1" name="Shape 69"/>
+        <p:cNvGrpSpPr/>
+        <p:nvPr/>
+      </p:nvGrpSpPr>
+      <p:grpSpPr>
+        <a:xfrm>
+          <a:off x="0" y="0"/>
+          <a:ext cx="0" cy="0"/>
+          <a:chOff x="0" y="0"/>
+          <a:chExt cx="0" cy="0"/>
+        </a:xfrm>
+      </p:grpSpPr>
+      <p:sp>
+        <p:nvSpPr>
+          <p:cNvPr id="70" name="Google Shape;70;g3231e36602fd62b1_29:notes"/>
           <p:cNvSpPr>
             <a:spLocks noGrp="1" noRot="1" noChangeAspect="1"/>
           </p:cNvSpPr>
@@ -1711,7 +2131,7 @@
       </p:sp>
       <p:sp>
         <p:nvSpPr>
-          <p:cNvPr id="70" name="Google Shape;70;g3231e36602fd62b1_29:notes"/>
+          <p:cNvPr id="71" name="Google Shape;71;g3231e36602fd62b1_29:notes"/>
           <p:cNvSpPr txBox="1">
             <a:spLocks noGrp="1"/>
           </p:cNvSpPr>
@@ -1760,7 +2180,7 @@
   <p:cSld>
     <p:spTree>
       <p:nvGrpSpPr>
-        <p:cNvPr id="1" name="Shape 74"/>
+        <p:cNvPr id="1" name="Shape 75"/>
         <p:cNvGrpSpPr/>
         <p:nvPr/>
       </p:nvGrpSpPr>
@@ -1774,7 +2194,7 @@
       </p:grpSpPr>
       <p:sp>
         <p:nvSpPr>
-          <p:cNvPr id="75" name="Google Shape;75;g3231e36602fd62b1_23:notes"/>
+          <p:cNvPr id="76" name="Google Shape;76;g3231e36602fd62b1_23:notes"/>
           <p:cNvSpPr>
             <a:spLocks noGrp="1" noRot="1" noChangeAspect="1"/>
           </p:cNvSpPr>
@@ -1815,7 +2235,7 @@
       </p:sp>
       <p:sp>
         <p:nvSpPr>
-          <p:cNvPr id="76" name="Google Shape;76;g3231e36602fd62b1_23:notes"/>
+          <p:cNvPr id="77" name="Google Shape;77;g3231e36602fd62b1_23:notes"/>
           <p:cNvSpPr txBox="1">
             <a:spLocks noGrp="1"/>
           </p:cNvSpPr>
@@ -1864,7 +2284,7 @@
   <p:cSld>
     <p:spTree>
       <p:nvGrpSpPr>
-        <p:cNvPr id="1" name="Shape 80"/>
+        <p:cNvPr id="1" name="Shape 81"/>
         <p:cNvGrpSpPr/>
         <p:nvPr/>
       </p:nvGrpSpPr>
@@ -1878,7 +2298,7 @@
       </p:grpSpPr>
       <p:sp>
         <p:nvSpPr>
-          <p:cNvPr id="81" name="Google Shape;81;g5dd555f49a_0_393:notes"/>
+          <p:cNvPr id="82" name="Google Shape;82;g5dd555f49a_0_393:notes"/>
           <p:cNvSpPr>
             <a:spLocks noGrp="1" noRot="1" noChangeAspect="1"/>
           </p:cNvSpPr>
@@ -1919,7 +2339,7 @@
       </p:sp>
       <p:sp>
         <p:nvSpPr>
-          <p:cNvPr id="82" name="Google Shape;82;g5dd555f49a_0_393:notes"/>
+          <p:cNvPr id="83" name="Google Shape;83;g5dd555f49a_0_393:notes"/>
           <p:cNvSpPr txBox="1">
             <a:spLocks noGrp="1"/>
           </p:cNvSpPr>
@@ -1968,7 +2388,7 @@
   <p:cSld>
     <p:spTree>
       <p:nvGrpSpPr>
-        <p:cNvPr id="1" name="Shape 87"/>
+        <p:cNvPr id="1" name="Shape 88"/>
         <p:cNvGrpSpPr/>
         <p:nvPr/>
       </p:nvGrpSpPr>
@@ -1982,7 +2402,7 @@
       </p:grpSpPr>
       <p:sp>
         <p:nvSpPr>
-          <p:cNvPr id="88" name="Google Shape;88;g5de8265f1f_0_0:notes"/>
+          <p:cNvPr id="89" name="Google Shape;89;g5de8265f1f_0_0:notes"/>
           <p:cNvSpPr>
             <a:spLocks noGrp="1" noRot="1" noChangeAspect="1"/>
           </p:cNvSpPr>
@@ -2023,7 +2443,7 @@
       </p:sp>
       <p:sp>
         <p:nvSpPr>
-          <p:cNvPr id="89" name="Google Shape;89;g5de8265f1f_0_0:notes"/>
+          <p:cNvPr id="90" name="Google Shape;90;g5de8265f1f_0_0:notes"/>
           <p:cNvSpPr txBox="1">
             <a:spLocks noGrp="1"/>
           </p:cNvSpPr>
@@ -2072,7 +2492,7 @@
   <p:cSld>
     <p:spTree>
       <p:nvGrpSpPr>
-        <p:cNvPr id="1" name="Shape 92"/>
+        <p:cNvPr id="1" name="Shape 93"/>
         <p:cNvGrpSpPr/>
         <p:nvPr/>
       </p:nvGrpSpPr>
@@ -2086,7 +2506,7 @@
       </p:grpSpPr>
       <p:sp>
         <p:nvSpPr>
-          <p:cNvPr id="93" name="Google Shape;93;g3231e36602fd62b1_35:notes"/>
+          <p:cNvPr id="94" name="Google Shape;94;g3231e36602fd62b1_35:notes"/>
           <p:cNvSpPr>
             <a:spLocks noGrp="1" noRot="1" noChangeAspect="1"/>
           </p:cNvSpPr>
@@ -2127,7 +2547,7 @@
       </p:sp>
       <p:sp>
         <p:nvSpPr>
-          <p:cNvPr id="94" name="Google Shape;94;g3231e36602fd62b1_35:notes"/>
+          <p:cNvPr id="95" name="Google Shape;95;g3231e36602fd62b1_35:notes"/>
           <p:cNvSpPr txBox="1">
             <a:spLocks noGrp="1"/>
           </p:cNvSpPr>
@@ -2176,7 +2596,7 @@
   <p:cSld>
     <p:spTree>
       <p:nvGrpSpPr>
-        <p:cNvPr id="1" name="Shape 98"/>
+        <p:cNvPr id="1" name="Shape 99"/>
         <p:cNvGrpSpPr/>
         <p:nvPr/>
       </p:nvGrpSpPr>
@@ -2190,7 +2610,7 @@
       </p:grpSpPr>
       <p:sp>
         <p:nvSpPr>
-          <p:cNvPr id="99" name="Google Shape;99;g3231e36602fd62b1_42:notes"/>
+          <p:cNvPr id="100" name="Google Shape;100;g3a57cc8e61cf1648_0:notes"/>
           <p:cNvSpPr>
             <a:spLocks noGrp="1" noRot="1" noChangeAspect="1"/>
           </p:cNvSpPr>
@@ -2200,7 +2620,7 @@
         </p:nvSpPr>
         <p:spPr>
           <a:xfrm>
-            <a:off x="381300" y="685800"/>
+            <a:off x="381000" y="685800"/>
             <a:ext cx="6096000" cy="3429000"/>
           </a:xfrm>
           <a:custGeom>
@@ -2231,7 +2651,7 @@
       </p:sp>
       <p:sp>
         <p:nvSpPr>
-          <p:cNvPr id="100" name="Google Shape;100;g3231e36602fd62b1_42:notes"/>
+          <p:cNvPr id="101" name="Google Shape;101;g3a57cc8e61cf1648_0:notes"/>
           <p:cNvSpPr txBox="1">
             <a:spLocks noGrp="1"/>
           </p:cNvSpPr>
@@ -7215,8 +7635,8 @@
         </p:nvSpPr>
         <p:spPr>
           <a:xfrm>
-            <a:off x="871775" y="2729452"/>
-            <a:ext cx="8123100" cy="2062500"/>
+            <a:off x="5522625" y="2729450"/>
+            <a:ext cx="3472200" cy="2062500"/>
           </a:xfrm>
           <a:prstGeom prst="rect">
             <a:avLst/>
@@ -7270,7 +7690,7 @@
             </a:endParaRPr>
           </a:p>
           <a:p>
-            <a:pPr marL="3657600" lvl="0" indent="0" algn="just" rtl="0">
+            <a:pPr marL="0" lvl="0" indent="0" algn="just" rtl="0">
               <a:lnSpc>
                 <a:spcPct val="115000"/>
               </a:lnSpc>
@@ -7297,7 +7717,7 @@
             </a:endParaRPr>
           </a:p>
           <a:p>
-            <a:pPr marL="3657600" lvl="0" indent="0" algn="just" rtl="0">
+            <a:pPr marL="0" lvl="0" indent="0" algn="just" rtl="0">
               <a:lnSpc>
                 <a:spcPct val="115000"/>
               </a:lnSpc>
@@ -7332,7 +7752,7 @@
             </a:endParaRPr>
           </a:p>
           <a:p>
-            <a:pPr marL="3657600" lvl="0" indent="0" algn="just" rtl="0">
+            <a:pPr marL="0" lvl="0" indent="0" algn="just" rtl="0">
               <a:lnSpc>
                 <a:spcPct val="115000"/>
               </a:lnSpc>
@@ -7367,7 +7787,7 @@
             </a:endParaRPr>
           </a:p>
           <a:p>
-            <a:pPr marL="3657600" lvl="0" indent="0" algn="just" rtl="0">
+            <a:pPr marL="0" lvl="0" indent="0" algn="just" rtl="0">
               <a:lnSpc>
                 <a:spcPct val="115000"/>
               </a:lnSpc>
@@ -7404,6 +7824,251 @@
               <a:t>	2016103622</a:t>
             </a:r>
             <a:endParaRPr sz="1800" dirty="0">
+              <a:solidFill>
+                <a:srgbClr val="FFFFFF"/>
+              </a:solidFill>
+            </a:endParaRPr>
+          </a:p>
+          <a:p>
+            <a:pPr marL="0" lvl="0" indent="0" algn="ctr" rtl="0">
+              <a:spcBef>
+                <a:spcPts val="0"/>
+              </a:spcBef>
+              <a:spcAft>
+                <a:spcPts val="0"/>
+              </a:spcAft>
+              <a:buNone/>
+            </a:pPr>
+            <a:endParaRPr dirty="0"/>
+          </a:p>
+        </p:txBody>
+      </p:sp>
+      <p:sp>
+        <p:nvSpPr>
+          <p:cNvPr id="56" name="Google Shape;56;p13"/>
+          <p:cNvSpPr txBox="1">
+            <a:spLocks noGrp="1"/>
+          </p:cNvSpPr>
+          <p:nvPr>
+            <p:ph type="subTitle" idx="1"/>
+          </p:nvPr>
+        </p:nvSpPr>
+        <p:spPr>
+          <a:xfrm>
+            <a:off x="671250" y="2833325"/>
+            <a:ext cx="3472200" cy="2062500"/>
+          </a:xfrm>
+          <a:prstGeom prst="rect">
+            <a:avLst/>
+          </a:prstGeom>
+        </p:spPr>
+        <p:txBody>
+          <a:bodyPr spcFirstLastPara="1" wrap="square" lIns="91425" tIns="91425" rIns="91425" bIns="91425" anchor="t" anchorCtr="0">
+            <a:noAutofit/>
+          </a:bodyPr>
+          <a:lstStyle/>
+          <a:p>
+            <a:pPr marL="3200400" lvl="0" indent="457200" algn="just" rtl="0">
+              <a:lnSpc>
+                <a:spcPct val="115000"/>
+              </a:lnSpc>
+              <a:spcBef>
+                <a:spcPts val="0"/>
+              </a:spcBef>
+              <a:spcAft>
+                <a:spcPts val="0"/>
+              </a:spcAft>
+              <a:buNone/>
+            </a:pPr>
+            <a:endParaRPr sz="1100" dirty="0">
+              <a:solidFill>
+                <a:srgbClr val="000000"/>
+              </a:solidFill>
+              <a:latin typeface="Arial"/>
+              <a:ea typeface="Arial"/>
+              <a:cs typeface="Arial"/>
+              <a:sym typeface="Arial"/>
+            </a:endParaRPr>
+          </a:p>
+          <a:p>
+            <a:pPr marL="0" lvl="0" indent="0" algn="just" rtl="0">
+              <a:lnSpc>
+                <a:spcPct val="115000"/>
+              </a:lnSpc>
+              <a:spcBef>
+                <a:spcPts val="0"/>
+              </a:spcBef>
+              <a:spcAft>
+                <a:spcPts val="0"/>
+              </a:spcAft>
+              <a:buNone/>
+            </a:pPr>
+            <a:r>
+              <a:rPr lang="en" sz="1800" b="1" dirty="0">
+                <a:solidFill>
+                  <a:srgbClr val="FFFFFF"/>
+                </a:solidFill>
+              </a:rPr>
+              <a:t>Guided by</a:t>
+            </a:r>
+            <a:endParaRPr sz="1800" b="1" dirty="0">
+              <a:solidFill>
+                <a:srgbClr val="FFFFFF"/>
+              </a:solidFill>
+            </a:endParaRPr>
+          </a:p>
+          <a:p>
+            <a:pPr marL="0" lvl="0" indent="0" algn="just" rtl="0">
+              <a:lnSpc>
+                <a:spcPct val="115000"/>
+              </a:lnSpc>
+              <a:spcBef>
+                <a:spcPts val="0"/>
+              </a:spcBef>
+              <a:spcAft>
+                <a:spcPts val="0"/>
+              </a:spcAft>
+              <a:buNone/>
+            </a:pPr>
+            <a:r>
+              <a:rPr lang="en" sz="1800" dirty="0">
+                <a:solidFill>
+                  <a:srgbClr val="FFFFFF"/>
+                </a:solidFill>
+              </a:rPr>
+              <a:t>Dr. AR. </a:t>
+            </a:r>
+            <a:r>
+              <a:rPr lang="en" sz="1800" dirty="0" err="1">
+                <a:solidFill>
+                  <a:srgbClr val="FFFFFF"/>
+                </a:solidFill>
+              </a:rPr>
+              <a:t>Arunarani</a:t>
+            </a:r>
+            <a:r>
+              <a:rPr lang="en" sz="1800" dirty="0">
+                <a:solidFill>
+                  <a:srgbClr val="FFFFFF"/>
+                </a:solidFill>
+              </a:rPr>
+              <a:t>	</a:t>
+            </a:r>
+          </a:p>
+          <a:p>
+            <a:pPr marL="0" lvl="0" indent="0" algn="just" rtl="0">
+              <a:lnSpc>
+                <a:spcPct val="115000"/>
+              </a:lnSpc>
+              <a:spcBef>
+                <a:spcPts val="0"/>
+              </a:spcBef>
+              <a:spcAft>
+                <a:spcPts val="0"/>
+              </a:spcAft>
+              <a:buNone/>
+            </a:pPr>
+            <a:r>
+              <a:rPr lang="en" sz="1800" dirty="0">
+                <a:solidFill>
+                  <a:srgbClr val="FFFFFF"/>
+                </a:solidFill>
+              </a:rPr>
+              <a:t>Teaching Fellow,</a:t>
+            </a:r>
+            <a:endParaRPr sz="1800" dirty="0">
+              <a:solidFill>
+                <a:srgbClr val="FFFFFF"/>
+              </a:solidFill>
+            </a:endParaRPr>
+          </a:p>
+          <a:p>
+            <a:pPr marL="0" lvl="0" indent="0" algn="just" rtl="0">
+              <a:lnSpc>
+                <a:spcPct val="115000"/>
+              </a:lnSpc>
+              <a:spcBef>
+                <a:spcPts val="0"/>
+              </a:spcBef>
+              <a:spcAft>
+                <a:spcPts val="0"/>
+              </a:spcAft>
+              <a:buNone/>
+            </a:pPr>
+            <a:r>
+              <a:rPr lang="en" sz="1800" dirty="0">
+                <a:solidFill>
+                  <a:srgbClr val="FFFFFF"/>
+                </a:solidFill>
+              </a:rPr>
+              <a:t>DCSE, CEG </a:t>
+            </a:r>
+            <a:endParaRPr sz="1800" dirty="0">
+              <a:solidFill>
+                <a:srgbClr val="FFFFFF"/>
+              </a:solidFill>
+            </a:endParaRPr>
+          </a:p>
+          <a:p>
+            <a:pPr marL="0" lvl="0" indent="0" algn="just" rtl="0">
+              <a:lnSpc>
+                <a:spcPct val="115000"/>
+              </a:lnSpc>
+              <a:spcBef>
+                <a:spcPts val="0"/>
+              </a:spcBef>
+              <a:spcAft>
+                <a:spcPts val="0"/>
+              </a:spcAft>
+              <a:buNone/>
+            </a:pPr>
+            <a:r>
+              <a:rPr lang="en" sz="1800" dirty="0">
+                <a:solidFill>
+                  <a:srgbClr val="FFFFFF"/>
+                </a:solidFill>
+              </a:rPr>
+              <a:t>Anna University.</a:t>
+            </a:r>
+            <a:endParaRPr sz="1800" dirty="0">
+              <a:solidFill>
+                <a:srgbClr val="FFFFFF"/>
+              </a:solidFill>
+            </a:endParaRPr>
+          </a:p>
+          <a:p>
+            <a:pPr marL="0" lvl="0" indent="0" algn="just" rtl="0">
+              <a:lnSpc>
+                <a:spcPct val="115000"/>
+              </a:lnSpc>
+              <a:spcBef>
+                <a:spcPts val="0"/>
+              </a:spcBef>
+              <a:spcAft>
+                <a:spcPts val="0"/>
+              </a:spcAft>
+              <a:buNone/>
+            </a:pPr>
+            <a:endParaRPr sz="1800" b="1" dirty="0">
+              <a:solidFill>
+                <a:srgbClr val="FFFFFF"/>
+              </a:solidFill>
+            </a:endParaRPr>
+          </a:p>
+          <a:p>
+            <a:pPr marL="0" lvl="0" indent="0" algn="just" rtl="0">
+              <a:lnSpc>
+                <a:spcPct val="115000"/>
+              </a:lnSpc>
+              <a:spcBef>
+                <a:spcPts val="0"/>
+              </a:spcBef>
+              <a:spcAft>
+                <a:spcPts val="0"/>
+              </a:spcAft>
+              <a:buNone/>
+            </a:pPr>
+            <a:endParaRPr sz="1800" b="1" dirty="0">
               <a:solidFill>
                 <a:srgbClr val="FFFFFF"/>
               </a:solidFill>
@@ -7436,7 +8101,7 @@
   <p:cSld>
     <p:spTree>
       <p:nvGrpSpPr>
-        <p:cNvPr id="1" name="Shape 107"/>
+        <p:cNvPr id="1" name="Shape 108"/>
         <p:cNvGrpSpPr/>
         <p:nvPr/>
       </p:nvGrpSpPr>
@@ -7450,7 +8115,7 @@
       </p:grpSpPr>
       <p:sp>
         <p:nvSpPr>
-          <p:cNvPr id="108" name="Google Shape;108;p22"/>
+          <p:cNvPr id="109" name="Google Shape;109;p22"/>
           <p:cNvSpPr txBox="1">
             <a:spLocks noGrp="1"/>
           </p:cNvSpPr>
@@ -7460,8 +8125,8 @@
         </p:nvSpPr>
         <p:spPr>
           <a:xfrm>
-            <a:off x="2168100" y="674275"/>
-            <a:ext cx="4807800" cy="860700"/>
+            <a:off x="2391600" y="686000"/>
+            <a:ext cx="4360800" cy="860700"/>
           </a:xfrm>
           <a:prstGeom prst="rect">
             <a:avLst/>
@@ -7473,7 +8138,7 @@
           </a:bodyPr>
           <a:lstStyle/>
           <a:p>
-            <a:pPr marL="0" lvl="0" indent="0" algn="l" rtl="0">
+            <a:pPr marL="0" lvl="0" indent="0" algn="ctr" rtl="0">
               <a:lnSpc>
                 <a:spcPct val="115000"/>
               </a:lnSpc>
@@ -7491,7 +8156,7 @@
                   <a:srgbClr val="FFFFFF"/>
                 </a:solidFill>
               </a:rPr>
-              <a:t>FEATURE ENGINEERING</a:t>
+              <a:t>2. LABEL CREATION</a:t>
             </a:r>
             <a:endParaRPr sz="3000" b="1">
               <a:solidFill>
@@ -7503,7 +8168,7 @@
       </p:sp>
       <p:sp>
         <p:nvSpPr>
-          <p:cNvPr id="109" name="Google Shape;109;p22"/>
+          <p:cNvPr id="110" name="Google Shape;110;p22"/>
           <p:cNvSpPr txBox="1">
             <a:spLocks noGrp="1"/>
           </p:cNvSpPr>
@@ -7548,7 +8213,7 @@
                   <a:srgbClr val="FFFFFF"/>
                 </a:solidFill>
               </a:rPr>
-              <a:t>The models had been evaluated based on the Common Vulnerability Scoring System (CVSS) v3.0 standards which is commonly followed in the cyber security domain. </a:t>
+              <a:t>The data was accumulated as JSON files in accordance to the year of data creation. </a:t>
             </a:r>
             <a:endParaRPr sz="1800">
               <a:solidFill>
@@ -7579,8 +8244,58 @@
                   <a:srgbClr val="FFFFFF"/>
                 </a:solidFill>
               </a:rPr>
-              <a:t>But to make the model more generic we also introduced a few parameters for the social factors that would depend on the use case domain. </a:t>
+              <a:t>Due to the file size was a bit large we zipped files for later use and loaded them into our local hard disks. </a:t>
             </a:r>
+            <a:endParaRPr sz="1800">
+              <a:solidFill>
+                <a:srgbClr val="FFFFFF"/>
+              </a:solidFill>
+            </a:endParaRPr>
+          </a:p>
+          <a:p>
+            <a:pPr marL="457200" lvl="0" indent="-342900" algn="just" rtl="0">
+              <a:lnSpc>
+                <a:spcPct val="115000"/>
+              </a:lnSpc>
+              <a:spcBef>
+                <a:spcPts val="0"/>
+              </a:spcBef>
+              <a:spcAft>
+                <a:spcPts val="0"/>
+              </a:spcAft>
+              <a:buClr>
+                <a:srgbClr val="FFFFFF"/>
+              </a:buClr>
+              <a:buSzPts val="1800"/>
+              <a:buChar char="●"/>
+            </a:pPr>
+            <a:r>
+              <a:rPr lang="en" sz="1800">
+                <a:solidFill>
+                  <a:srgbClr val="FFFFFF"/>
+                </a:solidFill>
+              </a:rPr>
+              <a:t>The caching and retrieval components were provided by Pandas and so we stuck to using the same for developing our machine learning models as well.</a:t>
+            </a:r>
+            <a:endParaRPr sz="1800">
+              <a:solidFill>
+                <a:srgbClr val="FFFFFF"/>
+              </a:solidFill>
+            </a:endParaRPr>
+          </a:p>
+          <a:p>
+            <a:pPr marL="457200" lvl="0" indent="0" algn="just" rtl="0">
+              <a:lnSpc>
+                <a:spcPct val="115000"/>
+              </a:lnSpc>
+              <a:spcBef>
+                <a:spcPts val="0"/>
+              </a:spcBef>
+              <a:spcAft>
+                <a:spcPts val="0"/>
+              </a:spcAft>
+              <a:buNone/>
+            </a:pPr>
             <a:endParaRPr sz="1800">
               <a:solidFill>
                 <a:srgbClr val="FFFFFF"/>
@@ -7621,7 +8336,7 @@
   <p:cSld>
     <p:spTree>
       <p:nvGrpSpPr>
-        <p:cNvPr id="1" name="Shape 113"/>
+        <p:cNvPr id="1" name="Shape 114"/>
         <p:cNvGrpSpPr/>
         <p:nvPr/>
       </p:nvGrpSpPr>
@@ -7635,7 +8350,7 @@
       </p:grpSpPr>
       <p:sp>
         <p:nvSpPr>
-          <p:cNvPr id="114" name="Google Shape;114;p23"/>
+          <p:cNvPr id="115" name="Google Shape;115;p23"/>
           <p:cNvSpPr txBox="1">
             <a:spLocks noGrp="1"/>
           </p:cNvSpPr>
@@ -7645,8 +8360,8 @@
         </p:nvSpPr>
         <p:spPr>
           <a:xfrm>
-            <a:off x="2145000" y="697300"/>
-            <a:ext cx="4854000" cy="860700"/>
+            <a:off x="1974600" y="686025"/>
+            <a:ext cx="5194800" cy="860700"/>
           </a:xfrm>
           <a:prstGeom prst="rect">
             <a:avLst/>
@@ -7658,7 +8373,7 @@
           </a:bodyPr>
           <a:lstStyle/>
           <a:p>
-            <a:pPr marL="0" lvl="0" indent="0" algn="l" rtl="0">
+            <a:pPr marL="0" lvl="0" indent="0" algn="ctr" rtl="0">
               <a:lnSpc>
                 <a:spcPct val="115000"/>
               </a:lnSpc>
@@ -7676,7 +8391,7 @@
                   <a:srgbClr val="FFFFFF"/>
                 </a:solidFill>
               </a:rPr>
-              <a:t>ALGORITHM SELECTION</a:t>
+              <a:t>3. FEATURE ENGINEERING</a:t>
             </a:r>
             <a:endParaRPr sz="3000" b="1">
               <a:solidFill>
@@ -7688,7 +8403,7 @@
       </p:sp>
       <p:sp>
         <p:nvSpPr>
-          <p:cNvPr id="115" name="Google Shape;115;p23"/>
+          <p:cNvPr id="116" name="Google Shape;116;p23"/>
           <p:cNvSpPr txBox="1">
             <a:spLocks noGrp="1"/>
           </p:cNvSpPr>
@@ -7733,7 +8448,7 @@
                   <a:srgbClr val="FFFFFF"/>
                 </a:solidFill>
               </a:rPr>
-              <a:t>The models had to be developed on the Lagrangian bias removed data sets and had work in all domains like spam calls, phishing emails and inappropriate conversations in social media. </a:t>
+              <a:t>The models had been evaluated based on the Common Vulnerability Scoring System (CVSS) v3.0 standards which is commonly followed in the cyber security domain. </a:t>
             </a:r>
             <a:endParaRPr sz="1800">
               <a:solidFill>
@@ -7764,7 +8479,7 @@
                   <a:srgbClr val="FFFFFF"/>
                 </a:solidFill>
               </a:rPr>
-              <a:t>As a result they had to be tested against the same CVSS standard.  </a:t>
+              <a:t>But to make the model more generic we also introduced a few parameters for the social factors that would depend on the use case domain. </a:t>
             </a:r>
             <a:endParaRPr sz="1800">
               <a:solidFill>
@@ -7773,7 +8488,7 @@
             </a:endParaRPr>
           </a:p>
           <a:p>
-            <a:pPr marL="457200" lvl="0" indent="-342900" algn="just" rtl="0">
+            <a:pPr marL="457200" lvl="0" indent="0" algn="just" rtl="0">
               <a:lnSpc>
                 <a:spcPct val="115000"/>
               </a:lnSpc>
@@ -7783,20 +8498,8 @@
               <a:spcAft>
                 <a:spcPts val="0"/>
               </a:spcAft>
-              <a:buClr>
-                <a:srgbClr val="FFFFFF"/>
-              </a:buClr>
-              <a:buSzPts val="1800"/>
-              <a:buChar char="●"/>
-            </a:pPr>
-            <a:r>
-              <a:rPr lang="en" sz="1800">
-                <a:solidFill>
-                  <a:srgbClr val="FFFFFF"/>
-                </a:solidFill>
-              </a:rPr>
-              <a:t>The scalar output with the CVSS standard we could go with the k-means models as they would be efficient and generic enough.</a:t>
-            </a:r>
+              <a:buNone/>
+            </a:pPr>
             <a:endParaRPr sz="1800">
               <a:solidFill>
                 <a:srgbClr val="FFFFFF"/>
@@ -7818,7 +8521,7 @@
   <p:cSld>
     <p:spTree>
       <p:nvGrpSpPr>
-        <p:cNvPr id="1" name="Shape 119"/>
+        <p:cNvPr id="1" name="Shape 120"/>
         <p:cNvGrpSpPr/>
         <p:nvPr/>
       </p:nvGrpSpPr>
@@ -7832,7 +8535,432 @@
       </p:grpSpPr>
       <p:sp>
         <p:nvSpPr>
-          <p:cNvPr id="120" name="Google Shape;120;p24"/>
+          <p:cNvPr id="121" name="Google Shape;121;p24"/>
+          <p:cNvSpPr txBox="1">
+            <a:spLocks noGrp="1"/>
+          </p:cNvSpPr>
+          <p:nvPr>
+            <p:ph type="ctrTitle"/>
+          </p:nvPr>
+        </p:nvSpPr>
+        <p:spPr>
+          <a:xfrm>
+            <a:off x="1763400" y="697300"/>
+            <a:ext cx="5617200" cy="860700"/>
+          </a:xfrm>
+          <a:prstGeom prst="rect">
+            <a:avLst/>
+          </a:prstGeom>
+        </p:spPr>
+        <p:txBody>
+          <a:bodyPr spcFirstLastPara="1" wrap="square" lIns="91425" tIns="91425" rIns="91425" bIns="91425" anchor="b" anchorCtr="0">
+            <a:noAutofit/>
+          </a:bodyPr>
+          <a:lstStyle/>
+          <a:p>
+            <a:pPr marL="0" lvl="0" indent="0" algn="ctr" rtl="0">
+              <a:lnSpc>
+                <a:spcPct val="115000"/>
+              </a:lnSpc>
+              <a:spcBef>
+                <a:spcPts val="0"/>
+              </a:spcBef>
+              <a:spcAft>
+                <a:spcPts val="0"/>
+              </a:spcAft>
+              <a:buNone/>
+            </a:pPr>
+            <a:r>
+              <a:rPr lang="en" sz="3000" b="1">
+                <a:solidFill>
+                  <a:srgbClr val="FFFFFF"/>
+                </a:solidFill>
+              </a:rPr>
+              <a:t>4. ALGORITHM SELECTION</a:t>
+            </a:r>
+            <a:endParaRPr sz="3000" b="1">
+              <a:solidFill>
+                <a:srgbClr val="FFFFFF"/>
+              </a:solidFill>
+            </a:endParaRPr>
+          </a:p>
+        </p:txBody>
+      </p:sp>
+      <p:sp>
+        <p:nvSpPr>
+          <p:cNvPr id="122" name="Google Shape;122;p24"/>
+          <p:cNvSpPr txBox="1">
+            <a:spLocks noGrp="1"/>
+          </p:cNvSpPr>
+          <p:nvPr>
+            <p:ph type="subTitle" idx="1"/>
+          </p:nvPr>
+        </p:nvSpPr>
+        <p:spPr>
+          <a:xfrm>
+            <a:off x="516925" y="1927500"/>
+            <a:ext cx="7955700" cy="2342700"/>
+          </a:xfrm>
+          <a:prstGeom prst="rect">
+            <a:avLst/>
+          </a:prstGeom>
+        </p:spPr>
+        <p:txBody>
+          <a:bodyPr spcFirstLastPara="1" wrap="square" lIns="91425" tIns="91425" rIns="91425" bIns="91425" anchor="t" anchorCtr="0">
+            <a:noAutofit/>
+          </a:bodyPr>
+          <a:lstStyle/>
+          <a:p>
+            <a:pPr marL="457200" lvl="0" indent="-342900" algn="just" rtl="0">
+              <a:lnSpc>
+                <a:spcPct val="115000"/>
+              </a:lnSpc>
+              <a:spcBef>
+                <a:spcPts val="0"/>
+              </a:spcBef>
+              <a:spcAft>
+                <a:spcPts val="0"/>
+              </a:spcAft>
+              <a:buClr>
+                <a:srgbClr val="FFFFFF"/>
+              </a:buClr>
+              <a:buSzPts val="1800"/>
+              <a:buChar char="●"/>
+            </a:pPr>
+            <a:r>
+              <a:rPr lang="en" sz="1800">
+                <a:solidFill>
+                  <a:srgbClr val="FFFFFF"/>
+                </a:solidFill>
+              </a:rPr>
+              <a:t>The models had to be developed on the Lagrangian bias removed data sets and had work in all domains like spam calls, phishing emails and inappropriate conversations in social media. </a:t>
+            </a:r>
+            <a:endParaRPr sz="1800">
+              <a:solidFill>
+                <a:srgbClr val="FFFFFF"/>
+              </a:solidFill>
+            </a:endParaRPr>
+          </a:p>
+          <a:p>
+            <a:pPr marL="457200" lvl="0" indent="-342900" algn="just" rtl="0">
+              <a:lnSpc>
+                <a:spcPct val="115000"/>
+              </a:lnSpc>
+              <a:spcBef>
+                <a:spcPts val="0"/>
+              </a:spcBef>
+              <a:spcAft>
+                <a:spcPts val="0"/>
+              </a:spcAft>
+              <a:buClr>
+                <a:srgbClr val="FFFFFF"/>
+              </a:buClr>
+              <a:buSzPts val="1800"/>
+              <a:buChar char="●"/>
+            </a:pPr>
+            <a:r>
+              <a:rPr lang="en" sz="1800">
+                <a:solidFill>
+                  <a:srgbClr val="FFFFFF"/>
+                </a:solidFill>
+              </a:rPr>
+              <a:t>As a result they had to be tested against the same CVSS standard.  </a:t>
+            </a:r>
+            <a:endParaRPr sz="1800">
+              <a:solidFill>
+                <a:srgbClr val="FFFFFF"/>
+              </a:solidFill>
+            </a:endParaRPr>
+          </a:p>
+          <a:p>
+            <a:pPr marL="457200" lvl="0" indent="-342900" algn="just" rtl="0">
+              <a:lnSpc>
+                <a:spcPct val="115000"/>
+              </a:lnSpc>
+              <a:spcBef>
+                <a:spcPts val="0"/>
+              </a:spcBef>
+              <a:spcAft>
+                <a:spcPts val="0"/>
+              </a:spcAft>
+              <a:buClr>
+                <a:srgbClr val="FFFFFF"/>
+              </a:buClr>
+              <a:buSzPts val="1800"/>
+              <a:buChar char="●"/>
+            </a:pPr>
+            <a:r>
+              <a:rPr lang="en" sz="1800">
+                <a:solidFill>
+                  <a:srgbClr val="FFFFFF"/>
+                </a:solidFill>
+              </a:rPr>
+              <a:t>The scalar output with the CVSS standard we could go with the k-means models as they would be efficient and generic enough.</a:t>
+            </a:r>
+            <a:endParaRPr sz="1800">
+              <a:solidFill>
+                <a:srgbClr val="FFFFFF"/>
+              </a:solidFill>
+            </a:endParaRPr>
+          </a:p>
+        </p:txBody>
+      </p:sp>
+    </p:spTree>
+  </p:cSld>
+  <p:clrMapOvr>
+    <a:masterClrMapping/>
+  </p:clrMapOvr>
+</p:sld>
+</file>
+
+<file path=ppt/slides/slide13.xml><?xml version="1.0" encoding="utf-8"?>
+<p:sld xmlns:a="http://schemas.openxmlformats.org/drawingml/2006/main" xmlns:r="http://schemas.openxmlformats.org/officeDocument/2006/relationships" xmlns:p="http://schemas.openxmlformats.org/presentationml/2006/main">
+  <p:cSld>
+    <p:spTree>
+      <p:nvGrpSpPr>
+        <p:cNvPr id="1" name="Shape 126"/>
+        <p:cNvGrpSpPr/>
+        <p:nvPr/>
+      </p:nvGrpSpPr>
+      <p:grpSpPr>
+        <a:xfrm>
+          <a:off x="0" y="0"/>
+          <a:ext cx="0" cy="0"/>
+          <a:chOff x="0" y="0"/>
+          <a:chExt cx="0" cy="0"/>
+        </a:xfrm>
+      </p:grpSpPr>
+      <p:sp>
+        <p:nvSpPr>
+          <p:cNvPr id="127" name="Google Shape;127;p25"/>
+          <p:cNvSpPr txBox="1">
+            <a:spLocks noGrp="1"/>
+          </p:cNvSpPr>
+          <p:nvPr>
+            <p:ph type="ctrTitle"/>
+          </p:nvPr>
+        </p:nvSpPr>
+        <p:spPr>
+          <a:xfrm>
+            <a:off x="1403100" y="732325"/>
+            <a:ext cx="6337800" cy="860700"/>
+          </a:xfrm>
+          <a:prstGeom prst="rect">
+            <a:avLst/>
+          </a:prstGeom>
+        </p:spPr>
+        <p:txBody>
+          <a:bodyPr spcFirstLastPara="1" wrap="square" lIns="91425" tIns="91425" rIns="91425" bIns="91425" anchor="b" anchorCtr="0">
+            <a:noAutofit/>
+          </a:bodyPr>
+          <a:lstStyle/>
+          <a:p>
+            <a:pPr marL="0" lvl="0" indent="0" algn="ctr" rtl="0">
+              <a:lnSpc>
+                <a:spcPct val="115000"/>
+              </a:lnSpc>
+              <a:spcBef>
+                <a:spcPts val="0"/>
+              </a:spcBef>
+              <a:spcAft>
+                <a:spcPts val="0"/>
+              </a:spcAft>
+              <a:buNone/>
+            </a:pPr>
+            <a:r>
+              <a:rPr lang="en" sz="3000" b="1">
+                <a:solidFill>
+                  <a:srgbClr val="FFFFFF"/>
+                </a:solidFill>
+              </a:rPr>
+              <a:t>5. PERFORMANCE EVALUATION</a:t>
+            </a:r>
+            <a:endParaRPr sz="3000" b="1">
+              <a:solidFill>
+                <a:srgbClr val="FFFFFF"/>
+              </a:solidFill>
+            </a:endParaRPr>
+          </a:p>
+        </p:txBody>
+      </p:sp>
+      <p:sp>
+        <p:nvSpPr>
+          <p:cNvPr id="128" name="Google Shape;128;p25"/>
+          <p:cNvSpPr txBox="1">
+            <a:spLocks noGrp="1"/>
+          </p:cNvSpPr>
+          <p:nvPr>
+            <p:ph type="subTitle" idx="1"/>
+          </p:nvPr>
+        </p:nvSpPr>
+        <p:spPr>
+          <a:xfrm>
+            <a:off x="516925" y="1927500"/>
+            <a:ext cx="7955700" cy="2342700"/>
+          </a:xfrm>
+          <a:prstGeom prst="rect">
+            <a:avLst/>
+          </a:prstGeom>
+        </p:spPr>
+        <p:txBody>
+          <a:bodyPr spcFirstLastPara="1" wrap="square" lIns="91425" tIns="91425" rIns="91425" bIns="91425" anchor="t" anchorCtr="0">
+            <a:noAutofit/>
+          </a:bodyPr>
+          <a:lstStyle/>
+          <a:p>
+            <a:pPr marL="457200" lvl="0" indent="-342900" algn="just" rtl="0">
+              <a:lnSpc>
+                <a:spcPct val="115000"/>
+              </a:lnSpc>
+              <a:spcBef>
+                <a:spcPts val="0"/>
+              </a:spcBef>
+              <a:spcAft>
+                <a:spcPts val="0"/>
+              </a:spcAft>
+              <a:buClr>
+                <a:srgbClr val="FFFFFF"/>
+              </a:buClr>
+              <a:buSzPts val="1800"/>
+              <a:buChar char="●"/>
+            </a:pPr>
+            <a:r>
+              <a:rPr lang="en" sz="1800">
+                <a:solidFill>
+                  <a:srgbClr val="FFFFFF"/>
+                </a:solidFill>
+              </a:rPr>
+              <a:t>Common Vulnerability Scoring System (CVSS) v3.0 standards</a:t>
+            </a:r>
+            <a:endParaRPr sz="1800">
+              <a:solidFill>
+                <a:srgbClr val="FFFFFF"/>
+              </a:solidFill>
+            </a:endParaRPr>
+          </a:p>
+          <a:p>
+            <a:pPr marL="457200" lvl="0" indent="-342900" algn="just" rtl="0">
+              <a:lnSpc>
+                <a:spcPct val="115000"/>
+              </a:lnSpc>
+              <a:spcBef>
+                <a:spcPts val="0"/>
+              </a:spcBef>
+              <a:spcAft>
+                <a:spcPts val="0"/>
+              </a:spcAft>
+              <a:buClr>
+                <a:srgbClr val="FFFFFF"/>
+              </a:buClr>
+              <a:buSzPts val="1800"/>
+              <a:buChar char="●"/>
+            </a:pPr>
+            <a:r>
+              <a:rPr lang="en" sz="1800">
+                <a:solidFill>
+                  <a:srgbClr val="FFFFFF"/>
+                </a:solidFill>
+              </a:rPr>
+              <a:t>Score from 0 to 10 based on the ease to exploit the vulnerability and the industry impact it will be having. </a:t>
+            </a:r>
+            <a:endParaRPr sz="1800">
+              <a:solidFill>
+                <a:srgbClr val="FFFFFF"/>
+              </a:solidFill>
+            </a:endParaRPr>
+          </a:p>
+          <a:p>
+            <a:pPr marL="457200" lvl="0" indent="-342900" algn="just" rtl="0">
+              <a:lnSpc>
+                <a:spcPct val="115000"/>
+              </a:lnSpc>
+              <a:spcBef>
+                <a:spcPts val="0"/>
+              </a:spcBef>
+              <a:spcAft>
+                <a:spcPts val="0"/>
+              </a:spcAft>
+              <a:buClr>
+                <a:srgbClr val="FFFFFF"/>
+              </a:buClr>
+              <a:buSzPts val="1800"/>
+              <a:buChar char="●"/>
+            </a:pPr>
+            <a:r>
+              <a:rPr lang="en" sz="1800">
+                <a:solidFill>
+                  <a:srgbClr val="FFFFFF"/>
+                </a:solidFill>
+              </a:rPr>
+              <a:t>Gold standard. </a:t>
+            </a:r>
+            <a:endParaRPr sz="1800">
+              <a:solidFill>
+                <a:srgbClr val="FFFFFF"/>
+              </a:solidFill>
+            </a:endParaRPr>
+          </a:p>
+          <a:p>
+            <a:pPr marL="457200" lvl="0" indent="-342900" algn="just" rtl="0">
+              <a:lnSpc>
+                <a:spcPct val="115000"/>
+              </a:lnSpc>
+              <a:spcBef>
+                <a:spcPts val="0"/>
+              </a:spcBef>
+              <a:spcAft>
+                <a:spcPts val="0"/>
+              </a:spcAft>
+              <a:buClr>
+                <a:srgbClr val="FFFFFF"/>
+              </a:buClr>
+              <a:buSzPts val="1800"/>
+              <a:buChar char="●"/>
+            </a:pPr>
+            <a:r>
+              <a:rPr lang="en" sz="1800">
+                <a:solidFill>
+                  <a:srgbClr val="FFFFFF"/>
+                </a:solidFill>
+              </a:rPr>
+              <a:t>We will also check the information gain from the clustering of the data points and try to arrive at conclusions.</a:t>
+            </a:r>
+            <a:endParaRPr sz="1800">
+              <a:solidFill>
+                <a:srgbClr val="FFFFFF"/>
+              </a:solidFill>
+            </a:endParaRPr>
+          </a:p>
+        </p:txBody>
+      </p:sp>
+    </p:spTree>
+  </p:cSld>
+  <p:clrMapOvr>
+    <a:masterClrMapping/>
+  </p:clrMapOvr>
+</p:sld>
+</file>
+
+<file path=ppt/slides/slide14.xml><?xml version="1.0" encoding="utf-8"?>
+<p:sld xmlns:a="http://schemas.openxmlformats.org/drawingml/2006/main" xmlns:r="http://schemas.openxmlformats.org/officeDocument/2006/relationships" xmlns:p="http://schemas.openxmlformats.org/presentationml/2006/main">
+  <p:cSld>
+    <p:spTree>
+      <p:nvGrpSpPr>
+        <p:cNvPr id="1" name="Shape 132"/>
+        <p:cNvGrpSpPr/>
+        <p:nvPr/>
+      </p:nvGrpSpPr>
+      <p:grpSpPr>
+        <a:xfrm>
+          <a:off x="0" y="0"/>
+          <a:ext cx="0" cy="0"/>
+          <a:chOff x="0" y="0"/>
+          <a:chExt cx="0" cy="0"/>
+        </a:xfrm>
+      </p:grpSpPr>
+      <p:sp>
+        <p:nvSpPr>
+          <p:cNvPr id="133" name="Google Shape;133;p26"/>
           <p:cNvSpPr txBox="1">
             <a:spLocks noGrp="1"/>
           </p:cNvSpPr>
@@ -7855,7 +8983,7 @@
           </a:bodyPr>
           <a:lstStyle/>
           <a:p>
-            <a:pPr marL="0" lvl="0" indent="0" algn="l" rtl="0">
+            <a:pPr marL="0" lvl="0" indent="0" algn="ctr" rtl="0">
               <a:lnSpc>
                 <a:spcPct val="115000"/>
               </a:lnSpc>
@@ -7873,7 +9001,7 @@
                   <a:srgbClr val="FFFFFF"/>
                 </a:solidFill>
               </a:rPr>
-              <a:t>PERFORMANCE EVALUATION</a:t>
+              <a:t>IMPLEMENTATION</a:t>
             </a:r>
             <a:endParaRPr sz="3000" b="1">
               <a:solidFill>
@@ -7885,7 +9013,7 @@
       </p:sp>
       <p:sp>
         <p:nvSpPr>
-          <p:cNvPr id="121" name="Google Shape;121;p24"/>
+          <p:cNvPr id="134" name="Google Shape;134;p26"/>
           <p:cNvSpPr txBox="1">
             <a:spLocks noGrp="1"/>
           </p:cNvSpPr>
@@ -7930,7 +9058,7 @@
                   <a:srgbClr val="FFFFFF"/>
                 </a:solidFill>
               </a:rPr>
-              <a:t>Common Vulnerability Scoring System (CVSS) v3.0 standards</a:t>
+              <a:t>Python with Jupyter Notebook</a:t>
             </a:r>
             <a:endParaRPr sz="1800">
               <a:solidFill>
@@ -7961,7 +9089,7 @@
                   <a:srgbClr val="FFFFFF"/>
                 </a:solidFill>
               </a:rPr>
-              <a:t>Score from 0 to 10 based on the ease to exploit the vulnerability and the industry impact it will be having. </a:t>
+              <a:t>Pandas, NumPy, BeautifulSoup, matplotlib, sklearn</a:t>
             </a:r>
             <a:endParaRPr sz="1800">
               <a:solidFill>
@@ -7992,7 +9120,7 @@
                   <a:srgbClr val="FFFFFF"/>
                 </a:solidFill>
               </a:rPr>
-              <a:t>Gold standard. </a:t>
+              <a:t>K-mean cluster</a:t>
             </a:r>
             <a:endParaRPr sz="1800">
               <a:solidFill>
@@ -8023,7 +9151,69 @@
                   <a:srgbClr val="FFFFFF"/>
                 </a:solidFill>
               </a:rPr>
-              <a:t>We will also check the information gain from the clustering of the data points and try to arrive at conclusions.</a:t>
+              <a:t>Silhouette analysis cluster size 6</a:t>
+            </a:r>
+            <a:endParaRPr sz="1800">
+              <a:solidFill>
+                <a:srgbClr val="FFFFFF"/>
+              </a:solidFill>
+            </a:endParaRPr>
+          </a:p>
+          <a:p>
+            <a:pPr marL="457200" lvl="0" indent="-342900" algn="just" rtl="0">
+              <a:lnSpc>
+                <a:spcPct val="115000"/>
+              </a:lnSpc>
+              <a:spcBef>
+                <a:spcPts val="0"/>
+              </a:spcBef>
+              <a:spcAft>
+                <a:spcPts val="0"/>
+              </a:spcAft>
+              <a:buClr>
+                <a:srgbClr val="FFFFFF"/>
+              </a:buClr>
+              <a:buSzPts val="1800"/>
+              <a:buChar char="●"/>
+            </a:pPr>
+            <a:r>
+              <a:rPr lang="en" sz="1800">
+                <a:solidFill>
+                  <a:srgbClr val="FFFFFF"/>
+                </a:solidFill>
+              </a:rPr>
+              <a:t>Plot exploitability with impact score for a basic idea</a:t>
+            </a:r>
+            <a:endParaRPr sz="1800">
+              <a:solidFill>
+                <a:srgbClr val="FFFFFF"/>
+              </a:solidFill>
+            </a:endParaRPr>
+          </a:p>
+          <a:p>
+            <a:pPr marL="457200" lvl="0" indent="-342900" algn="just" rtl="0">
+              <a:lnSpc>
+                <a:spcPct val="115000"/>
+              </a:lnSpc>
+              <a:spcBef>
+                <a:spcPts val="0"/>
+              </a:spcBef>
+              <a:spcAft>
+                <a:spcPts val="0"/>
+              </a:spcAft>
+              <a:buClr>
+                <a:srgbClr val="FFFFFF"/>
+              </a:buClr>
+              <a:buSzPts val="1800"/>
+              <a:buChar char="●"/>
+            </a:pPr>
+            <a:r>
+              <a:rPr lang="en" sz="1800">
+                <a:solidFill>
+                  <a:srgbClr val="FFFFFF"/>
+                </a:solidFill>
+              </a:rPr>
+              <a:t>Equifax hack with CVE-2017-5638</a:t>
             </a:r>
             <a:endParaRPr sz="1800">
               <a:solidFill>
@@ -8041,12 +9231,347 @@
 </p:sld>
 </file>
 
-<file path=ppt/slides/slide13.xml><?xml version="1.0" encoding="utf-8"?>
+<file path=ppt/slides/slide15.xml><?xml version="1.0" encoding="utf-8"?>
+<p:sld xmlns:a="http://schemas.openxmlformats.org/drawingml/2006/main" xmlns:r="http://schemas.openxmlformats.org/officeDocument/2006/relationships" xmlns:p="http://schemas.openxmlformats.org/presentationml/2006/main">
+  <p:cSld>
+    <p:bg>
+      <p:bgPr>
+        <a:noFill/>
+        <a:effectLst/>
+      </p:bgPr>
+    </p:bg>
+    <p:spTree>
+      <p:nvGrpSpPr>
+        <p:cNvPr id="1" name="Shape 138"/>
+        <p:cNvGrpSpPr/>
+        <p:nvPr/>
+      </p:nvGrpSpPr>
+      <p:grpSpPr>
+        <a:xfrm>
+          <a:off x="0" y="0"/>
+          <a:ext cx="0" cy="0"/>
+          <a:chOff x="0" y="0"/>
+          <a:chExt cx="0" cy="0"/>
+        </a:xfrm>
+      </p:grpSpPr>
+      <p:pic>
+        <p:nvPicPr>
+          <p:cNvPr id="139" name="Google Shape;139;p27"/>
+          <p:cNvPicPr preferRelativeResize="0"/>
+          <p:nvPr/>
+        </p:nvPicPr>
+        <p:blipFill rotWithShape="1">
+          <a:blip r:embed="rId3">
+            <a:alphaModFix/>
+          </a:blip>
+          <a:srcRect t="5580"/>
+          <a:stretch/>
+        </p:blipFill>
+        <p:spPr>
+          <a:xfrm>
+            <a:off x="304800" y="1143000"/>
+            <a:ext cx="8561226" cy="3455775"/>
+          </a:xfrm>
+          <a:prstGeom prst="rect">
+            <a:avLst/>
+          </a:prstGeom>
+          <a:noFill/>
+          <a:ln>
+            <a:noFill/>
+          </a:ln>
+        </p:spPr>
+      </p:pic>
+      <p:sp>
+        <p:nvSpPr>
+          <p:cNvPr id="140" name="Google Shape;140;p27"/>
+          <p:cNvSpPr txBox="1">
+            <a:spLocks noGrp="1"/>
+          </p:cNvSpPr>
+          <p:nvPr>
+            <p:ph type="ctrTitle"/>
+          </p:nvPr>
+        </p:nvSpPr>
+        <p:spPr>
+          <a:xfrm>
+            <a:off x="1576950" y="180375"/>
+            <a:ext cx="5990100" cy="860700"/>
+          </a:xfrm>
+          <a:prstGeom prst="rect">
+            <a:avLst/>
+          </a:prstGeom>
+        </p:spPr>
+        <p:txBody>
+          <a:bodyPr spcFirstLastPara="1" wrap="square" lIns="91425" tIns="91425" rIns="91425" bIns="91425" anchor="b" anchorCtr="0">
+            <a:noAutofit/>
+          </a:bodyPr>
+          <a:lstStyle/>
+          <a:p>
+            <a:pPr marL="0" lvl="0" indent="0" algn="ctr" rtl="0">
+              <a:lnSpc>
+                <a:spcPct val="115000"/>
+              </a:lnSpc>
+              <a:spcBef>
+                <a:spcPts val="0"/>
+              </a:spcBef>
+              <a:spcAft>
+                <a:spcPts val="0"/>
+              </a:spcAft>
+              <a:buNone/>
+            </a:pPr>
+            <a:r>
+              <a:rPr lang="en" sz="3000" b="1">
+                <a:solidFill>
+                  <a:srgbClr val="000000"/>
+                </a:solidFill>
+              </a:rPr>
+              <a:t>SILHOUETTE SCORE</a:t>
+            </a:r>
+            <a:endParaRPr sz="3000" b="1">
+              <a:solidFill>
+                <a:srgbClr val="000000"/>
+              </a:solidFill>
+            </a:endParaRPr>
+          </a:p>
+        </p:txBody>
+      </p:sp>
+    </p:spTree>
+  </p:cSld>
+  <p:clrMapOvr>
+    <a:masterClrMapping/>
+  </p:clrMapOvr>
+</p:sld>
+</file>
+
+<file path=ppt/slides/slide16.xml><?xml version="1.0" encoding="utf-8"?>
+<p:sld xmlns:a="http://schemas.openxmlformats.org/drawingml/2006/main" xmlns:r="http://schemas.openxmlformats.org/officeDocument/2006/relationships" xmlns:p="http://schemas.openxmlformats.org/presentationml/2006/main">
+  <p:cSld>
+    <p:bg>
+      <p:bgPr>
+        <a:noFill/>
+        <a:effectLst/>
+      </p:bgPr>
+    </p:bg>
+    <p:spTree>
+      <p:nvGrpSpPr>
+        <p:cNvPr id="1" name="Shape 144"/>
+        <p:cNvGrpSpPr/>
+        <p:nvPr/>
+      </p:nvGrpSpPr>
+      <p:grpSpPr>
+        <a:xfrm>
+          <a:off x="0" y="0"/>
+          <a:ext cx="0" cy="0"/>
+          <a:chOff x="0" y="0"/>
+          <a:chExt cx="0" cy="0"/>
+        </a:xfrm>
+      </p:grpSpPr>
+      <p:pic>
+        <p:nvPicPr>
+          <p:cNvPr id="145" name="Google Shape;145;p28"/>
+          <p:cNvPicPr preferRelativeResize="0"/>
+          <p:nvPr/>
+        </p:nvPicPr>
+        <p:blipFill>
+          <a:blip r:embed="rId3">
+            <a:alphaModFix/>
+          </a:blip>
+          <a:stretch>
+            <a:fillRect/>
+          </a:stretch>
+        </p:blipFill>
+        <p:spPr>
+          <a:xfrm>
+            <a:off x="457200" y="1295400"/>
+            <a:ext cx="7988400" cy="3171475"/>
+          </a:xfrm>
+          <a:prstGeom prst="rect">
+            <a:avLst/>
+          </a:prstGeom>
+          <a:noFill/>
+          <a:ln>
+            <a:noFill/>
+          </a:ln>
+        </p:spPr>
+      </p:pic>
+      <p:sp>
+        <p:nvSpPr>
+          <p:cNvPr id="146" name="Google Shape;146;p28"/>
+          <p:cNvSpPr txBox="1">
+            <a:spLocks noGrp="1"/>
+          </p:cNvSpPr>
+          <p:nvPr>
+            <p:ph type="ctrTitle"/>
+          </p:nvPr>
+        </p:nvSpPr>
+        <p:spPr>
+          <a:xfrm>
+            <a:off x="1576950" y="180375"/>
+            <a:ext cx="5990100" cy="860700"/>
+          </a:xfrm>
+          <a:prstGeom prst="rect">
+            <a:avLst/>
+          </a:prstGeom>
+        </p:spPr>
+        <p:txBody>
+          <a:bodyPr spcFirstLastPara="1" wrap="square" lIns="91425" tIns="91425" rIns="91425" bIns="91425" anchor="b" anchorCtr="0">
+            <a:noAutofit/>
+          </a:bodyPr>
+          <a:lstStyle/>
+          <a:p>
+            <a:pPr marL="0" lvl="0" indent="0" algn="ctr" rtl="0">
+              <a:lnSpc>
+                <a:spcPct val="115000"/>
+              </a:lnSpc>
+              <a:spcBef>
+                <a:spcPts val="0"/>
+              </a:spcBef>
+              <a:spcAft>
+                <a:spcPts val="0"/>
+              </a:spcAft>
+              <a:buNone/>
+            </a:pPr>
+            <a:r>
+              <a:rPr lang="en" sz="3000" b="1">
+                <a:solidFill>
+                  <a:srgbClr val="000000"/>
+                </a:solidFill>
+              </a:rPr>
+              <a:t>CVSS 3.0 SCORE</a:t>
+            </a:r>
+            <a:endParaRPr sz="3000" b="1">
+              <a:solidFill>
+                <a:srgbClr val="000000"/>
+              </a:solidFill>
+            </a:endParaRPr>
+          </a:p>
+        </p:txBody>
+      </p:sp>
+    </p:spTree>
+  </p:cSld>
+  <p:clrMapOvr>
+    <a:masterClrMapping/>
+  </p:clrMapOvr>
+</p:sld>
+</file>
+
+<file path=ppt/slides/slide17.xml><?xml version="1.0" encoding="utf-8"?>
+<p:sld xmlns:a="http://schemas.openxmlformats.org/drawingml/2006/main" xmlns:r="http://schemas.openxmlformats.org/officeDocument/2006/relationships" xmlns:p="http://schemas.openxmlformats.org/presentationml/2006/main">
+  <p:cSld>
+    <p:bg>
+      <p:bgPr>
+        <a:noFill/>
+        <a:effectLst/>
+      </p:bgPr>
+    </p:bg>
+    <p:spTree>
+      <p:nvGrpSpPr>
+        <p:cNvPr id="1" name="Shape 150"/>
+        <p:cNvGrpSpPr/>
+        <p:nvPr/>
+      </p:nvGrpSpPr>
+      <p:grpSpPr>
+        <a:xfrm>
+          <a:off x="0" y="0"/>
+          <a:ext cx="0" cy="0"/>
+          <a:chOff x="0" y="0"/>
+          <a:chExt cx="0" cy="0"/>
+        </a:xfrm>
+      </p:grpSpPr>
+      <p:pic>
+        <p:nvPicPr>
+          <p:cNvPr id="151" name="Google Shape;151;p29"/>
+          <p:cNvPicPr preferRelativeResize="0"/>
+          <p:nvPr/>
+        </p:nvPicPr>
+        <p:blipFill>
+          <a:blip r:embed="rId3">
+            <a:alphaModFix/>
+          </a:blip>
+          <a:stretch>
+            <a:fillRect/>
+          </a:stretch>
+        </p:blipFill>
+        <p:spPr>
+          <a:xfrm>
+            <a:off x="2359463" y="897750"/>
+            <a:ext cx="4425074" cy="4081600"/>
+          </a:xfrm>
+          <a:prstGeom prst="rect">
+            <a:avLst/>
+          </a:prstGeom>
+          <a:noFill/>
+          <a:ln>
+            <a:noFill/>
+          </a:ln>
+        </p:spPr>
+      </p:pic>
+      <p:sp>
+        <p:nvSpPr>
+          <p:cNvPr id="152" name="Google Shape;152;p29"/>
+          <p:cNvSpPr txBox="1">
+            <a:spLocks noGrp="1"/>
+          </p:cNvSpPr>
+          <p:nvPr>
+            <p:ph type="ctrTitle"/>
+          </p:nvPr>
+        </p:nvSpPr>
+        <p:spPr>
+          <a:xfrm>
+            <a:off x="1576950" y="180375"/>
+            <a:ext cx="5990100" cy="717300"/>
+          </a:xfrm>
+          <a:prstGeom prst="rect">
+            <a:avLst/>
+          </a:prstGeom>
+        </p:spPr>
+        <p:txBody>
+          <a:bodyPr spcFirstLastPara="1" wrap="square" lIns="91425" tIns="91425" rIns="91425" bIns="91425" anchor="b" anchorCtr="0">
+            <a:noAutofit/>
+          </a:bodyPr>
+          <a:lstStyle/>
+          <a:p>
+            <a:pPr marL="0" lvl="0" indent="0" algn="ctr" rtl="0">
+              <a:lnSpc>
+                <a:spcPct val="115000"/>
+              </a:lnSpc>
+              <a:spcBef>
+                <a:spcPts val="0"/>
+              </a:spcBef>
+              <a:spcAft>
+                <a:spcPts val="0"/>
+              </a:spcAft>
+              <a:buNone/>
+            </a:pPr>
+            <a:r>
+              <a:rPr lang="en" sz="3000" b="1">
+                <a:solidFill>
+                  <a:srgbClr val="000000"/>
+                </a:solidFill>
+              </a:rPr>
+              <a:t>Exploitability Score</a:t>
+            </a:r>
+            <a:endParaRPr sz="3000" b="1">
+              <a:solidFill>
+                <a:srgbClr val="000000"/>
+              </a:solidFill>
+            </a:endParaRPr>
+          </a:p>
+        </p:txBody>
+      </p:sp>
+    </p:spTree>
+  </p:cSld>
+  <p:clrMapOvr>
+    <a:masterClrMapping/>
+  </p:clrMapOvr>
+</p:sld>
+</file>
+
+<file path=ppt/slides/slide18.xml><?xml version="1.0" encoding="utf-8"?>
 <p:sld xmlns:a="http://schemas.openxmlformats.org/drawingml/2006/main" xmlns:r="http://schemas.openxmlformats.org/officeDocument/2006/relationships" xmlns:p="http://schemas.openxmlformats.org/presentationml/2006/main">
   <p:cSld>
     <p:spTree>
       <p:nvGrpSpPr>
-        <p:cNvPr id="1" name="Shape 125"/>
+        <p:cNvPr id="1" name="Shape 156"/>
         <p:cNvGrpSpPr/>
         <p:nvPr/>
       </p:nvGrpSpPr>
@@ -8060,7 +9585,7 @@
       </p:grpSpPr>
       <p:sp>
         <p:nvSpPr>
-          <p:cNvPr id="126" name="Google Shape;126;p25"/>
+          <p:cNvPr id="157" name="Google Shape;157;p30"/>
           <p:cNvSpPr txBox="1">
             <a:spLocks noGrp="1"/>
           </p:cNvSpPr>
@@ -8101,7 +9626,7 @@
                   <a:srgbClr val="FFFFFF"/>
                 </a:solidFill>
               </a:rPr>
-              <a:t>IMPLEMENTATION</a:t>
+              <a:t>CONCLUSIONS</a:t>
             </a:r>
             <a:endParaRPr sz="3000" b="1">
               <a:solidFill>
@@ -8113,7 +9638,7 @@
       </p:sp>
       <p:sp>
         <p:nvSpPr>
-          <p:cNvPr id="127" name="Google Shape;127;p25"/>
+          <p:cNvPr id="158" name="Google Shape;158;p30"/>
           <p:cNvSpPr txBox="1">
             <a:spLocks noGrp="1"/>
           </p:cNvSpPr>
@@ -8158,7 +9683,7 @@
                   <a:srgbClr val="FFFFFF"/>
                 </a:solidFill>
               </a:rPr>
-              <a:t>Python with Jupyter Notebook</a:t>
+              <a:t>Known vulnerabilities</a:t>
             </a:r>
             <a:endParaRPr sz="1800">
               <a:solidFill>
@@ -8189,7 +9714,7 @@
                   <a:srgbClr val="FFFFFF"/>
                 </a:solidFill>
               </a:rPr>
-              <a:t>Pandas, NumPy, BeautifulSoup, matplotlib, sklearn</a:t>
+              <a:t>Form correct clusters based on seriousness</a:t>
             </a:r>
             <a:endParaRPr sz="1800">
               <a:solidFill>
@@ -8251,7 +9776,7 @@
                   <a:srgbClr val="FFFFFF"/>
                 </a:solidFill>
               </a:rPr>
-              <a:t>Silhouette analysis cluster size 6</a:t>
+              <a:t>rules of thumb</a:t>
             </a:r>
             <a:endParaRPr sz="1800">
               <a:solidFill>
@@ -8282,7 +9807,7 @@
                   <a:srgbClr val="FFFFFF"/>
                 </a:solidFill>
               </a:rPr>
-              <a:t>Plot exploitability with impact score for a basic idea</a:t>
+              <a:t>exploitable vulnerabilities are quite common</a:t>
             </a:r>
             <a:endParaRPr sz="1800">
               <a:solidFill>
@@ -8313,7 +9838,7 @@
                   <a:srgbClr val="FFFFFF"/>
                 </a:solidFill>
               </a:rPr>
-              <a:t>Equifax hack with CVE-2017-5638</a:t>
+              <a:t>vulnerabilities share some common characteristics</a:t>
             </a:r>
             <a:endParaRPr sz="1800">
               <a:solidFill>
@@ -8331,12 +9856,12 @@
 </p:sld>
 </file>
 
-<file path=ppt/slides/slide14.xml><?xml version="1.0" encoding="utf-8"?>
+<file path=ppt/slides/slide19.xml><?xml version="1.0" encoding="utf-8"?>
 <p:sld xmlns:a="http://schemas.openxmlformats.org/drawingml/2006/main" xmlns:r="http://schemas.openxmlformats.org/officeDocument/2006/relationships" xmlns:p="http://schemas.openxmlformats.org/presentationml/2006/main">
   <p:cSld>
     <p:spTree>
       <p:nvGrpSpPr>
-        <p:cNvPr id="1" name="Shape 131"/>
+        <p:cNvPr id="1" name="Shape 162"/>
         <p:cNvGrpSpPr/>
         <p:nvPr/>
       </p:nvGrpSpPr>
@@ -8350,7 +9875,7 @@
       </p:grpSpPr>
       <p:sp>
         <p:nvSpPr>
-          <p:cNvPr id="132" name="Google Shape;132;p26"/>
+          <p:cNvPr id="163" name="Google Shape;163;p31"/>
           <p:cNvSpPr txBox="1">
             <a:spLocks noGrp="1"/>
           </p:cNvSpPr>
@@ -8391,7 +9916,7 @@
                   <a:srgbClr val="FFFFFF"/>
                 </a:solidFill>
               </a:rPr>
-              <a:t>CONCLUSIONS</a:t>
+              <a:t>FUTURE WORK</a:t>
             </a:r>
             <a:endParaRPr sz="3000" b="1">
               <a:solidFill>
@@ -8403,7 +9928,7 @@
       </p:sp>
       <p:sp>
         <p:nvSpPr>
-          <p:cNvPr id="133" name="Google Shape;133;p26"/>
+          <p:cNvPr id="164" name="Google Shape;164;p31"/>
           <p:cNvSpPr txBox="1">
             <a:spLocks noGrp="1"/>
           </p:cNvSpPr>
@@ -8448,7 +9973,7 @@
                   <a:srgbClr val="FFFFFF"/>
                 </a:solidFill>
               </a:rPr>
-              <a:t>Known vulnerabilities</a:t>
+              <a:t>User Interface</a:t>
             </a:r>
             <a:endParaRPr sz="1800">
               <a:solidFill>
@@ -8479,7 +10004,7 @@
                   <a:srgbClr val="FFFFFF"/>
                 </a:solidFill>
               </a:rPr>
-              <a:t>Form correct clusters based on seriousness</a:t>
+              <a:t>Check if data clustered</a:t>
             </a:r>
             <a:endParaRPr sz="1800">
               <a:solidFill>
@@ -8510,7 +10035,7 @@
                   <a:srgbClr val="FFFFFF"/>
                 </a:solidFill>
               </a:rPr>
-              <a:t>K-mean cluster</a:t>
+              <a:t>Analyse scaling of CVSS 3.0</a:t>
             </a:r>
             <a:endParaRPr sz="1800">
               <a:solidFill>
@@ -8541,69 +10066,7 @@
                   <a:srgbClr val="FFFFFF"/>
                 </a:solidFill>
               </a:rPr>
-              <a:t>rules of thumb</a:t>
-            </a:r>
-            <a:endParaRPr sz="1800">
-              <a:solidFill>
-                <a:srgbClr val="FFFFFF"/>
-              </a:solidFill>
-            </a:endParaRPr>
-          </a:p>
-          <a:p>
-            <a:pPr marL="457200" lvl="0" indent="-342900" algn="just" rtl="0">
-              <a:lnSpc>
-                <a:spcPct val="115000"/>
-              </a:lnSpc>
-              <a:spcBef>
-                <a:spcPts val="0"/>
-              </a:spcBef>
-              <a:spcAft>
-                <a:spcPts val="0"/>
-              </a:spcAft>
-              <a:buClr>
-                <a:srgbClr val="FFFFFF"/>
-              </a:buClr>
-              <a:buSzPts val="1800"/>
-              <a:buChar char="●"/>
-            </a:pPr>
-            <a:r>
-              <a:rPr lang="en" sz="1800">
-                <a:solidFill>
-                  <a:srgbClr val="FFFFFF"/>
-                </a:solidFill>
-              </a:rPr>
-              <a:t>exploitable vulnerabilities are quite common</a:t>
-            </a:r>
-            <a:endParaRPr sz="1800">
-              <a:solidFill>
-                <a:srgbClr val="FFFFFF"/>
-              </a:solidFill>
-            </a:endParaRPr>
-          </a:p>
-          <a:p>
-            <a:pPr marL="457200" lvl="0" indent="-342900" algn="just" rtl="0">
-              <a:lnSpc>
-                <a:spcPct val="115000"/>
-              </a:lnSpc>
-              <a:spcBef>
-                <a:spcPts val="0"/>
-              </a:spcBef>
-              <a:spcAft>
-                <a:spcPts val="0"/>
-              </a:spcAft>
-              <a:buClr>
-                <a:srgbClr val="FFFFFF"/>
-              </a:buClr>
-              <a:buSzPts val="1800"/>
-              <a:buChar char="●"/>
-            </a:pPr>
-            <a:r>
-              <a:rPr lang="en" sz="1800">
-                <a:solidFill>
-                  <a:srgbClr val="FFFFFF"/>
-                </a:solidFill>
-              </a:rPr>
-              <a:t>vulnerabilities share some common characteristics</a:t>
+              <a:t>Construct similar SVM</a:t>
             </a:r>
             <a:endParaRPr sz="1800">
               <a:solidFill>
@@ -8621,12 +10084,12 @@
 </p:sld>
 </file>
 
-<file path=ppt/slides/slide15.xml><?xml version="1.0" encoding="utf-8"?>
+<file path=ppt/slides/slide2.xml><?xml version="1.0" encoding="utf-8"?>
 <p:sld xmlns:a="http://schemas.openxmlformats.org/drawingml/2006/main" xmlns:r="http://schemas.openxmlformats.org/officeDocument/2006/relationships" xmlns:p="http://schemas.openxmlformats.org/presentationml/2006/main">
   <p:cSld>
     <p:spTree>
       <p:nvGrpSpPr>
-        <p:cNvPr id="1" name="Shape 137"/>
+        <p:cNvPr id="1" name="Shape 60"/>
         <p:cNvGrpSpPr/>
         <p:nvPr/>
       </p:nvGrpSpPr>
@@ -8640,7 +10103,7 @@
       </p:grpSpPr>
       <p:sp>
         <p:nvSpPr>
-          <p:cNvPr id="138" name="Google Shape;138;p27"/>
+          <p:cNvPr id="61" name="Google Shape;61;p14"/>
           <p:cNvSpPr txBox="1">
             <a:spLocks noGrp="1"/>
           </p:cNvSpPr>
@@ -8650,8 +10113,8 @@
         </p:nvSpPr>
         <p:spPr>
           <a:xfrm>
-            <a:off x="3164875" y="708825"/>
-            <a:ext cx="2910600" cy="860700"/>
+            <a:off x="3326875" y="685800"/>
+            <a:ext cx="2335800" cy="860700"/>
           </a:xfrm>
           <a:prstGeom prst="rect">
             <a:avLst/>
@@ -8681,9 +10144,9 @@
                   <a:srgbClr val="FFFFFF"/>
                 </a:solidFill>
               </a:rPr>
-              <a:t>REFERENCES</a:t>
+              <a:t>ABSTRACT</a:t>
             </a:r>
-            <a:endParaRPr sz="3000" b="1">
+            <a:endParaRPr sz="3000">
               <a:solidFill>
                 <a:srgbClr val="FFFFFF"/>
               </a:solidFill>
@@ -8693,7 +10156,723 @@
       </p:sp>
       <p:sp>
         <p:nvSpPr>
-          <p:cNvPr id="139" name="Google Shape;139;p27"/>
+          <p:cNvPr id="62" name="Google Shape;62;p14"/>
+          <p:cNvSpPr txBox="1">
+            <a:spLocks noGrp="1"/>
+          </p:cNvSpPr>
+          <p:nvPr>
+            <p:ph type="subTitle" idx="1"/>
+          </p:nvPr>
+        </p:nvSpPr>
+        <p:spPr>
+          <a:xfrm>
+            <a:off x="516925" y="1775100"/>
+            <a:ext cx="7955700" cy="2562300"/>
+          </a:xfrm>
+          <a:prstGeom prst="rect">
+            <a:avLst/>
+          </a:prstGeom>
+        </p:spPr>
+        <p:txBody>
+          <a:bodyPr spcFirstLastPara="1" wrap="square" lIns="91425" tIns="91425" rIns="91425" bIns="91425" anchor="t" anchorCtr="0">
+            <a:noAutofit/>
+          </a:bodyPr>
+          <a:lstStyle/>
+          <a:p>
+            <a:pPr marL="457200" lvl="0" indent="-342900" algn="just" rtl="0">
+              <a:lnSpc>
+                <a:spcPct val="115000"/>
+              </a:lnSpc>
+              <a:spcBef>
+                <a:spcPts val="0"/>
+              </a:spcBef>
+              <a:spcAft>
+                <a:spcPts val="0"/>
+              </a:spcAft>
+              <a:buClr>
+                <a:srgbClr val="FFFFFF"/>
+              </a:buClr>
+              <a:buSzPts val="1800"/>
+              <a:buChar char="●"/>
+            </a:pPr>
+            <a:r>
+              <a:rPr lang="en" sz="1800">
+                <a:solidFill>
+                  <a:srgbClr val="FFFFFF"/>
+                </a:solidFill>
+              </a:rPr>
+              <a:t>Datasets from NVD</a:t>
+            </a:r>
+            <a:endParaRPr sz="1800">
+              <a:solidFill>
+                <a:srgbClr val="FFFFFF"/>
+              </a:solidFill>
+            </a:endParaRPr>
+          </a:p>
+          <a:p>
+            <a:pPr marL="457200" lvl="0" indent="-342900" algn="just" rtl="0">
+              <a:lnSpc>
+                <a:spcPct val="115000"/>
+              </a:lnSpc>
+              <a:spcBef>
+                <a:spcPts val="0"/>
+              </a:spcBef>
+              <a:spcAft>
+                <a:spcPts val="0"/>
+              </a:spcAft>
+              <a:buClr>
+                <a:srgbClr val="FFFFFF"/>
+              </a:buClr>
+              <a:buSzPts val="1800"/>
+              <a:buChar char="●"/>
+            </a:pPr>
+            <a:r>
+              <a:rPr lang="en" sz="1800">
+                <a:solidFill>
+                  <a:srgbClr val="FFFFFF"/>
+                </a:solidFill>
+              </a:rPr>
+              <a:t>U.S. Department of Homeland Security’s Computer Emergency Readiness Team (US-CERT)</a:t>
+            </a:r>
+            <a:endParaRPr sz="1800">
+              <a:solidFill>
+                <a:srgbClr val="FFFFFF"/>
+              </a:solidFill>
+            </a:endParaRPr>
+          </a:p>
+          <a:p>
+            <a:pPr marL="457200" lvl="0" indent="-342900" algn="just" rtl="0">
+              <a:lnSpc>
+                <a:spcPct val="115000"/>
+              </a:lnSpc>
+              <a:spcBef>
+                <a:spcPts val="0"/>
+              </a:spcBef>
+              <a:spcAft>
+                <a:spcPts val="0"/>
+              </a:spcAft>
+              <a:buSzPts val="1800"/>
+              <a:buChar char="●"/>
+            </a:pPr>
+            <a:r>
+              <a:rPr lang="en" sz="1800">
+                <a:solidFill>
+                  <a:schemeClr val="dk1"/>
+                </a:solidFill>
+              </a:rPr>
+              <a:t>Generic </a:t>
+            </a:r>
+            <a:r>
+              <a:rPr lang="en" sz="1800">
+                <a:solidFill>
+                  <a:srgbClr val="FFFFFF"/>
+                </a:solidFill>
+              </a:rPr>
+              <a:t>model that is enough to support additional parameters. </a:t>
+            </a:r>
+            <a:endParaRPr sz="1800">
+              <a:solidFill>
+                <a:srgbClr val="FFFFFF"/>
+              </a:solidFill>
+            </a:endParaRPr>
+          </a:p>
+          <a:p>
+            <a:pPr marL="457200" lvl="0" indent="-342900" algn="just" rtl="0">
+              <a:lnSpc>
+                <a:spcPct val="115000"/>
+              </a:lnSpc>
+              <a:spcBef>
+                <a:spcPts val="0"/>
+              </a:spcBef>
+              <a:spcAft>
+                <a:spcPts val="0"/>
+              </a:spcAft>
+              <a:buClr>
+                <a:srgbClr val="FFFFFF"/>
+              </a:buClr>
+              <a:buSzPts val="1800"/>
+              <a:buChar char="●"/>
+            </a:pPr>
+            <a:r>
+              <a:rPr lang="en" sz="1800">
+                <a:solidFill>
+                  <a:srgbClr val="FFFFFF"/>
+                </a:solidFill>
+              </a:rPr>
+              <a:t>Common Vulnerability Scoring System (CVSS) v3.0 standards. </a:t>
+            </a:r>
+            <a:endParaRPr sz="1800">
+              <a:solidFill>
+                <a:srgbClr val="FFFFFF"/>
+              </a:solidFill>
+            </a:endParaRPr>
+          </a:p>
+        </p:txBody>
+      </p:sp>
+    </p:spTree>
+  </p:cSld>
+  <p:clrMapOvr>
+    <a:masterClrMapping/>
+  </p:clrMapOvr>
+</p:sld>
+</file>
+
+<file path=ppt/slides/slide3.xml><?xml version="1.0" encoding="utf-8"?>
+<p:sld xmlns:a="http://schemas.openxmlformats.org/drawingml/2006/main" xmlns:r="http://schemas.openxmlformats.org/officeDocument/2006/relationships" xmlns:p="http://schemas.openxmlformats.org/presentationml/2006/main">
+  <p:cSld>
+    <p:spTree>
+      <p:nvGrpSpPr>
+        <p:cNvPr id="1" name="Shape 66"/>
+        <p:cNvGrpSpPr/>
+        <p:nvPr/>
+      </p:nvGrpSpPr>
+      <p:grpSpPr>
+        <a:xfrm>
+          <a:off x="0" y="0"/>
+          <a:ext cx="0" cy="0"/>
+          <a:chOff x="0" y="0"/>
+          <a:chExt cx="0" cy="0"/>
+        </a:xfrm>
+      </p:grpSpPr>
+      <p:sp>
+        <p:nvSpPr>
+          <p:cNvPr id="67" name="Google Shape;67;p15"/>
+          <p:cNvSpPr txBox="1">
+            <a:spLocks noGrp="1"/>
+          </p:cNvSpPr>
+          <p:nvPr>
+            <p:ph type="ctrTitle"/>
+          </p:nvPr>
+        </p:nvSpPr>
+        <p:spPr>
+          <a:xfrm>
+            <a:off x="3611400" y="317600"/>
+            <a:ext cx="1921200" cy="860700"/>
+          </a:xfrm>
+          <a:prstGeom prst="rect">
+            <a:avLst/>
+          </a:prstGeom>
+        </p:spPr>
+        <p:txBody>
+          <a:bodyPr spcFirstLastPara="1" wrap="square" lIns="91425" tIns="91425" rIns="91425" bIns="91425" anchor="b" anchorCtr="0">
+            <a:noAutofit/>
+          </a:bodyPr>
+          <a:lstStyle/>
+          <a:p>
+            <a:pPr marL="0" lvl="0" indent="0" algn="l" rtl="0">
+              <a:lnSpc>
+                <a:spcPct val="115000"/>
+              </a:lnSpc>
+              <a:spcBef>
+                <a:spcPts val="0"/>
+              </a:spcBef>
+              <a:spcAft>
+                <a:spcPts val="0"/>
+              </a:spcAft>
+              <a:buNone/>
+            </a:pPr>
+            <a:r>
+              <a:rPr lang="en" sz="3000" b="1">
+                <a:solidFill>
+                  <a:srgbClr val="FFFFFF"/>
+                </a:solidFill>
+              </a:rPr>
+              <a:t>OUTLINE</a:t>
+            </a:r>
+            <a:endParaRPr sz="3000" b="1">
+              <a:solidFill>
+                <a:srgbClr val="FFFFFF"/>
+              </a:solidFill>
+            </a:endParaRPr>
+          </a:p>
+        </p:txBody>
+      </p:sp>
+      <p:sp>
+        <p:nvSpPr>
+          <p:cNvPr id="68" name="Google Shape;68;p15"/>
+          <p:cNvSpPr txBox="1">
+            <a:spLocks noGrp="1"/>
+          </p:cNvSpPr>
+          <p:nvPr>
+            <p:ph type="subTitle" idx="1"/>
+          </p:nvPr>
+        </p:nvSpPr>
+        <p:spPr>
+          <a:xfrm>
+            <a:off x="516925" y="1564925"/>
+            <a:ext cx="7955700" cy="3164400"/>
+          </a:xfrm>
+          <a:prstGeom prst="rect">
+            <a:avLst/>
+          </a:prstGeom>
+        </p:spPr>
+        <p:txBody>
+          <a:bodyPr spcFirstLastPara="1" wrap="square" lIns="91425" tIns="91425" rIns="91425" bIns="91425" anchor="t" anchorCtr="0">
+            <a:noAutofit/>
+          </a:bodyPr>
+          <a:lstStyle/>
+          <a:p>
+            <a:pPr marL="457200" lvl="0" indent="-342900" algn="just" rtl="0">
+              <a:lnSpc>
+                <a:spcPct val="115000"/>
+              </a:lnSpc>
+              <a:spcBef>
+                <a:spcPts val="0"/>
+              </a:spcBef>
+              <a:spcAft>
+                <a:spcPts val="0"/>
+              </a:spcAft>
+              <a:buClr>
+                <a:srgbClr val="FFFFFF"/>
+              </a:buClr>
+              <a:buSzPts val="1800"/>
+              <a:buAutoNum type="arabicPeriod"/>
+            </a:pPr>
+            <a:r>
+              <a:rPr lang="en" sz="1800">
+                <a:solidFill>
+                  <a:srgbClr val="FFFFFF"/>
+                </a:solidFill>
+              </a:rPr>
+              <a:t>PROBLEM STATEMENT</a:t>
+            </a:r>
+            <a:endParaRPr sz="1800">
+              <a:solidFill>
+                <a:srgbClr val="FFFFFF"/>
+              </a:solidFill>
+            </a:endParaRPr>
+          </a:p>
+          <a:p>
+            <a:pPr marL="457200" lvl="0" indent="-342900" algn="just" rtl="0">
+              <a:lnSpc>
+                <a:spcPct val="115000"/>
+              </a:lnSpc>
+              <a:spcBef>
+                <a:spcPts val="0"/>
+              </a:spcBef>
+              <a:spcAft>
+                <a:spcPts val="0"/>
+              </a:spcAft>
+              <a:buClr>
+                <a:srgbClr val="FFFFFF"/>
+              </a:buClr>
+              <a:buSzPts val="1800"/>
+              <a:buAutoNum type="arabicPeriod"/>
+            </a:pPr>
+            <a:r>
+              <a:rPr lang="en" sz="1800">
+                <a:solidFill>
+                  <a:srgbClr val="FFFFFF"/>
+                </a:solidFill>
+              </a:rPr>
+              <a:t>PROBLEM DESCRIPTION</a:t>
+            </a:r>
+            <a:endParaRPr sz="1800">
+              <a:solidFill>
+                <a:srgbClr val="FFFFFF"/>
+              </a:solidFill>
+            </a:endParaRPr>
+          </a:p>
+          <a:p>
+            <a:pPr marL="457200" lvl="0" indent="-342900" algn="just" rtl="0">
+              <a:lnSpc>
+                <a:spcPct val="115000"/>
+              </a:lnSpc>
+              <a:spcBef>
+                <a:spcPts val="0"/>
+              </a:spcBef>
+              <a:spcAft>
+                <a:spcPts val="0"/>
+              </a:spcAft>
+              <a:buClr>
+                <a:srgbClr val="FFFFFF"/>
+              </a:buClr>
+              <a:buSzPts val="1800"/>
+              <a:buAutoNum type="arabicPeriod"/>
+            </a:pPr>
+            <a:r>
+              <a:rPr lang="en" sz="1800">
+                <a:solidFill>
+                  <a:srgbClr val="FFFFFF"/>
+                </a:solidFill>
+              </a:rPr>
+              <a:t>FLOW CHART</a:t>
+            </a:r>
+            <a:endParaRPr sz="1800">
+              <a:solidFill>
+                <a:srgbClr val="FFFFFF"/>
+              </a:solidFill>
+            </a:endParaRPr>
+          </a:p>
+          <a:p>
+            <a:pPr marL="457200" lvl="0" indent="-342900" algn="just" rtl="0">
+              <a:lnSpc>
+                <a:spcPct val="115000"/>
+              </a:lnSpc>
+              <a:spcBef>
+                <a:spcPts val="0"/>
+              </a:spcBef>
+              <a:spcAft>
+                <a:spcPts val="0"/>
+              </a:spcAft>
+              <a:buClr>
+                <a:srgbClr val="FFFFFF"/>
+              </a:buClr>
+              <a:buSzPts val="1800"/>
+              <a:buAutoNum type="arabicPeriod"/>
+            </a:pPr>
+            <a:r>
+              <a:rPr lang="en" sz="1800">
+                <a:solidFill>
+                  <a:srgbClr val="FFFFFF"/>
+                </a:solidFill>
+              </a:rPr>
+              <a:t>SYSTEM ARCHITECTURE</a:t>
+            </a:r>
+            <a:endParaRPr sz="1800">
+              <a:solidFill>
+                <a:srgbClr val="FFFFFF"/>
+              </a:solidFill>
+            </a:endParaRPr>
+          </a:p>
+          <a:p>
+            <a:pPr marL="457200" lvl="0" indent="-342900" algn="just" rtl="0">
+              <a:lnSpc>
+                <a:spcPct val="115000"/>
+              </a:lnSpc>
+              <a:spcBef>
+                <a:spcPts val="0"/>
+              </a:spcBef>
+              <a:spcAft>
+                <a:spcPts val="0"/>
+              </a:spcAft>
+              <a:buClr>
+                <a:srgbClr val="FFFFFF"/>
+              </a:buClr>
+              <a:buSzPts val="1800"/>
+              <a:buAutoNum type="arabicPeriod"/>
+            </a:pPr>
+            <a:r>
+              <a:rPr lang="en" sz="1800">
+                <a:solidFill>
+                  <a:srgbClr val="FFFFFF"/>
+                </a:solidFill>
+              </a:rPr>
+              <a:t>IMPLEMENTATION</a:t>
+            </a:r>
+            <a:endParaRPr sz="1800">
+              <a:solidFill>
+                <a:srgbClr val="FFFFFF"/>
+              </a:solidFill>
+            </a:endParaRPr>
+          </a:p>
+          <a:p>
+            <a:pPr marL="457200" lvl="0" indent="-342900" algn="just" rtl="0">
+              <a:lnSpc>
+                <a:spcPct val="115000"/>
+              </a:lnSpc>
+              <a:spcBef>
+                <a:spcPts val="0"/>
+              </a:spcBef>
+              <a:spcAft>
+                <a:spcPts val="0"/>
+              </a:spcAft>
+              <a:buClr>
+                <a:srgbClr val="FFFFFF"/>
+              </a:buClr>
+              <a:buSzPts val="1800"/>
+              <a:buAutoNum type="arabicPeriod"/>
+            </a:pPr>
+            <a:r>
+              <a:rPr lang="en" sz="1800">
+                <a:solidFill>
+                  <a:srgbClr val="FFFFFF"/>
+                </a:solidFill>
+              </a:rPr>
+              <a:t>PERFORMANCE EVALUATION</a:t>
+            </a:r>
+            <a:endParaRPr sz="1800">
+              <a:solidFill>
+                <a:srgbClr val="FFFFFF"/>
+              </a:solidFill>
+            </a:endParaRPr>
+          </a:p>
+          <a:p>
+            <a:pPr marL="457200" lvl="0" indent="-342900" algn="just" rtl="0">
+              <a:lnSpc>
+                <a:spcPct val="115000"/>
+              </a:lnSpc>
+              <a:spcBef>
+                <a:spcPts val="0"/>
+              </a:spcBef>
+              <a:spcAft>
+                <a:spcPts val="0"/>
+              </a:spcAft>
+              <a:buClr>
+                <a:srgbClr val="FFFFFF"/>
+              </a:buClr>
+              <a:buSzPts val="1800"/>
+              <a:buAutoNum type="arabicPeriod"/>
+            </a:pPr>
+            <a:r>
+              <a:rPr lang="en" sz="1800">
+                <a:solidFill>
+                  <a:srgbClr val="FFFFFF"/>
+                </a:solidFill>
+              </a:rPr>
+              <a:t>CONCLUSIONS</a:t>
+            </a:r>
+            <a:endParaRPr sz="1800">
+              <a:solidFill>
+                <a:srgbClr val="FFFFFF"/>
+              </a:solidFill>
+            </a:endParaRPr>
+          </a:p>
+          <a:p>
+            <a:pPr marL="457200" lvl="0" indent="-342900" algn="just" rtl="0">
+              <a:lnSpc>
+                <a:spcPct val="115000"/>
+              </a:lnSpc>
+              <a:spcBef>
+                <a:spcPts val="0"/>
+              </a:spcBef>
+              <a:spcAft>
+                <a:spcPts val="0"/>
+              </a:spcAft>
+              <a:buClr>
+                <a:srgbClr val="FFFFFF"/>
+              </a:buClr>
+              <a:buSzPts val="1800"/>
+              <a:buAutoNum type="arabicPeriod"/>
+            </a:pPr>
+            <a:r>
+              <a:rPr lang="en" sz="1800">
+                <a:solidFill>
+                  <a:srgbClr val="FFFFFF"/>
+                </a:solidFill>
+              </a:rPr>
+              <a:t>REFERENCES</a:t>
+            </a:r>
+            <a:endParaRPr sz="1800">
+              <a:solidFill>
+                <a:srgbClr val="FFFFFF"/>
+              </a:solidFill>
+            </a:endParaRPr>
+          </a:p>
+        </p:txBody>
+      </p:sp>
+    </p:spTree>
+  </p:cSld>
+  <p:clrMapOvr>
+    <a:masterClrMapping/>
+  </p:clrMapOvr>
+</p:sld>
+</file>
+
+<file path=ppt/slides/slide4.xml><?xml version="1.0" encoding="utf-8"?>
+<p:sld xmlns:a="http://schemas.openxmlformats.org/drawingml/2006/main" xmlns:r="http://schemas.openxmlformats.org/officeDocument/2006/relationships" xmlns:p="http://schemas.openxmlformats.org/presentationml/2006/main">
+  <p:cSld>
+    <p:spTree>
+      <p:nvGrpSpPr>
+        <p:cNvPr id="1" name="Shape 72"/>
+        <p:cNvGrpSpPr/>
+        <p:nvPr/>
+      </p:nvGrpSpPr>
+      <p:grpSpPr>
+        <a:xfrm>
+          <a:off x="0" y="0"/>
+          <a:ext cx="0" cy="0"/>
+          <a:chOff x="0" y="0"/>
+          <a:chExt cx="0" cy="0"/>
+        </a:xfrm>
+      </p:grpSpPr>
+      <p:sp>
+        <p:nvSpPr>
+          <p:cNvPr id="73" name="Google Shape;73;p16"/>
+          <p:cNvSpPr txBox="1">
+            <a:spLocks noGrp="1"/>
+          </p:cNvSpPr>
+          <p:nvPr>
+            <p:ph type="ctrTitle"/>
+          </p:nvPr>
+        </p:nvSpPr>
+        <p:spPr>
+          <a:xfrm>
+            <a:off x="2236225" y="685800"/>
+            <a:ext cx="4924596" cy="860700"/>
+          </a:xfrm>
+          <a:prstGeom prst="rect">
+            <a:avLst/>
+          </a:prstGeom>
+        </p:spPr>
+        <p:txBody>
+          <a:bodyPr spcFirstLastPara="1" wrap="square" lIns="91425" tIns="91425" rIns="91425" bIns="91425" anchor="b" anchorCtr="0">
+            <a:noAutofit/>
+          </a:bodyPr>
+          <a:lstStyle/>
+          <a:p>
+            <a:pPr marL="0" lvl="0" indent="0" algn="l" rtl="0">
+              <a:lnSpc>
+                <a:spcPct val="115000"/>
+              </a:lnSpc>
+              <a:spcBef>
+                <a:spcPts val="0"/>
+              </a:spcBef>
+              <a:spcAft>
+                <a:spcPts val="0"/>
+              </a:spcAft>
+              <a:buNone/>
+            </a:pPr>
+            <a:r>
+              <a:rPr lang="en" sz="3000" b="1" dirty="0">
+                <a:solidFill>
+                  <a:srgbClr val="FFFFFF"/>
+                </a:solidFill>
+              </a:rPr>
+              <a:t>PROBLEM STATEMENT</a:t>
+            </a:r>
+            <a:endParaRPr sz="3000" dirty="0">
+              <a:solidFill>
+                <a:srgbClr val="FFFFFF"/>
+              </a:solidFill>
+            </a:endParaRPr>
+          </a:p>
+        </p:txBody>
+      </p:sp>
+      <p:sp>
+        <p:nvSpPr>
+          <p:cNvPr id="74" name="Google Shape;74;p16"/>
+          <p:cNvSpPr txBox="1">
+            <a:spLocks noGrp="1"/>
+          </p:cNvSpPr>
+          <p:nvPr>
+            <p:ph type="subTitle" idx="1"/>
+          </p:nvPr>
+        </p:nvSpPr>
+        <p:spPr>
+          <a:xfrm>
+            <a:off x="516925" y="2232300"/>
+            <a:ext cx="7955700" cy="1274400"/>
+          </a:xfrm>
+          <a:prstGeom prst="rect">
+            <a:avLst/>
+          </a:prstGeom>
+        </p:spPr>
+        <p:txBody>
+          <a:bodyPr spcFirstLastPara="1" wrap="square" lIns="91425" tIns="91425" rIns="91425" bIns="91425" anchor="t" anchorCtr="0">
+            <a:noAutofit/>
+          </a:bodyPr>
+          <a:lstStyle/>
+          <a:p>
+            <a:pPr marL="457200" lvl="0" indent="0" algn="just" rtl="0">
+              <a:lnSpc>
+                <a:spcPct val="115000"/>
+              </a:lnSpc>
+              <a:spcBef>
+                <a:spcPts val="0"/>
+              </a:spcBef>
+              <a:spcAft>
+                <a:spcPts val="0"/>
+              </a:spcAft>
+              <a:buNone/>
+            </a:pPr>
+            <a:r>
+              <a:rPr lang="en" sz="1800">
+                <a:solidFill>
+                  <a:srgbClr val="FFFFFF"/>
+                </a:solidFill>
+              </a:rPr>
+              <a:t>To develop a generic model for the cyber security domain because all the machine learning models in this domain have been abstracted as per industry regulations.</a:t>
+            </a:r>
+            <a:endParaRPr sz="1800">
+              <a:solidFill>
+                <a:srgbClr val="FFFFFF"/>
+              </a:solidFill>
+            </a:endParaRPr>
+          </a:p>
+        </p:txBody>
+      </p:sp>
+    </p:spTree>
+  </p:cSld>
+  <p:clrMapOvr>
+    <a:masterClrMapping/>
+  </p:clrMapOvr>
+</p:sld>
+</file>
+
+<file path=ppt/slides/slide5.xml><?xml version="1.0" encoding="utf-8"?>
+<p:sld xmlns:a="http://schemas.openxmlformats.org/drawingml/2006/main" xmlns:r="http://schemas.openxmlformats.org/officeDocument/2006/relationships" xmlns:p="http://schemas.openxmlformats.org/presentationml/2006/main">
+  <p:cSld>
+    <p:spTree>
+      <p:nvGrpSpPr>
+        <p:cNvPr id="1" name="Shape 78"/>
+        <p:cNvGrpSpPr/>
+        <p:nvPr/>
+      </p:nvGrpSpPr>
+      <p:grpSpPr>
+        <a:xfrm>
+          <a:off x="0" y="0"/>
+          <a:ext cx="0" cy="0"/>
+          <a:chOff x="0" y="0"/>
+          <a:chExt cx="0" cy="0"/>
+        </a:xfrm>
+      </p:grpSpPr>
+      <p:sp>
+        <p:nvSpPr>
+          <p:cNvPr id="79" name="Google Shape;79;p17"/>
+          <p:cNvSpPr txBox="1">
+            <a:spLocks noGrp="1"/>
+          </p:cNvSpPr>
+          <p:nvPr>
+            <p:ph type="ctrTitle"/>
+          </p:nvPr>
+        </p:nvSpPr>
+        <p:spPr>
+          <a:xfrm>
+            <a:off x="2129700" y="685800"/>
+            <a:ext cx="4884600" cy="860700"/>
+          </a:xfrm>
+          <a:prstGeom prst="rect">
+            <a:avLst/>
+          </a:prstGeom>
+        </p:spPr>
+        <p:txBody>
+          <a:bodyPr spcFirstLastPara="1" wrap="square" lIns="91425" tIns="91425" rIns="91425" bIns="91425" anchor="b" anchorCtr="0">
+            <a:noAutofit/>
+          </a:bodyPr>
+          <a:lstStyle/>
+          <a:p>
+            <a:pPr marL="0" lvl="0" indent="0" algn="l" rtl="0">
+              <a:lnSpc>
+                <a:spcPct val="115000"/>
+              </a:lnSpc>
+              <a:spcBef>
+                <a:spcPts val="0"/>
+              </a:spcBef>
+              <a:spcAft>
+                <a:spcPts val="0"/>
+              </a:spcAft>
+              <a:buNone/>
+            </a:pPr>
+            <a:r>
+              <a:rPr lang="en" sz="3000" b="1">
+                <a:solidFill>
+                  <a:srgbClr val="FFFFFF"/>
+                </a:solidFill>
+              </a:rPr>
+              <a:t>PROBLEM DESCRIPTION</a:t>
+            </a:r>
+            <a:endParaRPr sz="3000">
+              <a:solidFill>
+                <a:srgbClr val="FFFFFF"/>
+              </a:solidFill>
+            </a:endParaRPr>
+          </a:p>
+        </p:txBody>
+      </p:sp>
+      <p:sp>
+        <p:nvSpPr>
+          <p:cNvPr id="80" name="Google Shape;80;p17"/>
           <p:cNvSpPr txBox="1">
             <a:spLocks noGrp="1"/>
           </p:cNvSpPr>
@@ -8726,28 +10905,24 @@
               <a:spcAft>
                 <a:spcPts val="0"/>
               </a:spcAft>
-              <a:buClr>
-                <a:srgbClr val="FFFFFF"/>
-              </a:buClr>
               <a:buSzPts val="1800"/>
-              <a:buAutoNum type="arabicPeriod"/>
+              <a:buChar char="●"/>
             </a:pPr>
             <a:r>
               <a:rPr lang="en" sz="1800">
                 <a:solidFill>
-                  <a:srgbClr val="FFFFFF"/>
+                  <a:schemeClr val="dk1"/>
                 </a:solidFill>
               </a:rPr>
-              <a:t>A user-centric machine learning framework for cyber security operations center </a:t>
+              <a:t>Generic model for </a:t>
             </a:r>
             <a:r>
-              <a:rPr lang="en" sz="1800" u="sng">
-                <a:solidFill>
-                  <a:schemeClr val="hlink"/>
-                </a:solidFill>
-                <a:hlinkClick r:id="rId3"/>
+              <a:rPr lang="en" sz="1800">
+                <a:solidFill>
+                  <a:srgbClr val="FFFFFF"/>
+                </a:solidFill>
               </a:rPr>
-              <a:t>https://ieeexplore.ieee.org/document/8004902</a:t>
+              <a:t>cyber security domain</a:t>
             </a:r>
             <a:endParaRPr sz="1800">
               <a:solidFill>
@@ -8770,7 +10945,7 @@
                 <a:srgbClr val="FFFFFF"/>
               </a:buClr>
               <a:buSzPts val="1800"/>
-              <a:buAutoNum type="arabicPeriod"/>
+              <a:buChar char="●"/>
             </a:pPr>
             <a:r>
               <a:rPr lang="en" sz="1800">
@@ -8778,16 +10953,7 @@
                   <a:srgbClr val="FFFFFF"/>
                 </a:solidFill>
               </a:rPr>
-              <a:t>Downloading and unzipping a .zip file without writing to disk </a:t>
-            </a:r>
-            <a:r>
-              <a:rPr lang="en" sz="1800" u="sng">
-                <a:solidFill>
-                  <a:schemeClr val="hlink"/>
-                </a:solidFill>
-                <a:hlinkClick r:id="rId4"/>
-              </a:rPr>
-              <a:t>https://stackoverflow.com/questions/5710867/downloading-and-unzipping-a-zip-file-without-writing-to-disk</a:t>
+              <a:t>Implementation for machine learning</a:t>
             </a:r>
             <a:endParaRPr sz="1800">
               <a:solidFill>
@@ -8810,7 +10976,7 @@
                 <a:srgbClr val="FFFFFF"/>
               </a:buClr>
               <a:buSzPts val="1800"/>
-              <a:buAutoNum type="arabicPeriod"/>
+              <a:buChar char="●"/>
             </a:pPr>
             <a:r>
               <a:rPr lang="en" sz="1800">
@@ -8818,16 +10984,7 @@
                   <a:srgbClr val="FFFFFF"/>
                 </a:solidFill>
               </a:rPr>
-              <a:t>Parsing JSON Dataset with Pandas </a:t>
-            </a:r>
-            <a:r>
-              <a:rPr lang="en" sz="1800" u="sng">
-                <a:solidFill>
-                  <a:schemeClr val="hlink"/>
-                </a:solidFill>
-                <a:hlinkClick r:id="rId5"/>
-              </a:rPr>
-              <a:t>https://www.geeksforgeeks.org/pandas-parsing-json-dataset</a:t>
+              <a:t>Industry regulations </a:t>
             </a:r>
             <a:endParaRPr sz="1800">
               <a:solidFill>
@@ -8835,241 +10992,6 @@
               </a:solidFill>
             </a:endParaRPr>
           </a:p>
-        </p:txBody>
-      </p:sp>
-    </p:spTree>
-  </p:cSld>
-  <p:clrMapOvr>
-    <a:masterClrMapping/>
-  </p:clrMapOvr>
-</p:sld>
-</file>
-
-<file path=ppt/slides/slide2.xml><?xml version="1.0" encoding="utf-8"?>
-<p:sld xmlns:a="http://schemas.openxmlformats.org/drawingml/2006/main" xmlns:r="http://schemas.openxmlformats.org/officeDocument/2006/relationships" xmlns:p="http://schemas.openxmlformats.org/presentationml/2006/main">
-  <p:cSld>
-    <p:spTree>
-      <p:nvGrpSpPr>
-        <p:cNvPr id="1" name="Shape 59"/>
-        <p:cNvGrpSpPr/>
-        <p:nvPr/>
-      </p:nvGrpSpPr>
-      <p:grpSpPr>
-        <a:xfrm>
-          <a:off x="0" y="0"/>
-          <a:ext cx="0" cy="0"/>
-          <a:chOff x="0" y="0"/>
-          <a:chExt cx="0" cy="0"/>
-        </a:xfrm>
-      </p:grpSpPr>
-      <p:sp>
-        <p:nvSpPr>
-          <p:cNvPr id="60" name="Google Shape;60;p14"/>
-          <p:cNvSpPr txBox="1">
-            <a:spLocks noGrp="1"/>
-          </p:cNvSpPr>
-          <p:nvPr>
-            <p:ph type="ctrTitle"/>
-          </p:nvPr>
-        </p:nvSpPr>
-        <p:spPr>
-          <a:xfrm>
-            <a:off x="3326875" y="685800"/>
-            <a:ext cx="2335800" cy="860700"/>
-          </a:xfrm>
-          <a:prstGeom prst="rect">
-            <a:avLst/>
-          </a:prstGeom>
-        </p:spPr>
-        <p:txBody>
-          <a:bodyPr spcFirstLastPara="1" wrap="square" lIns="91425" tIns="91425" rIns="91425" bIns="91425" anchor="b" anchorCtr="0">
-            <a:noAutofit/>
-          </a:bodyPr>
-          <a:lstStyle/>
-          <a:p>
-            <a:pPr marL="0" lvl="0" indent="0" algn="l" rtl="0">
-              <a:lnSpc>
-                <a:spcPct val="115000"/>
-              </a:lnSpc>
-              <a:spcBef>
-                <a:spcPts val="0"/>
-              </a:spcBef>
-              <a:spcAft>
-                <a:spcPts val="0"/>
-              </a:spcAft>
-              <a:buNone/>
-            </a:pPr>
-            <a:r>
-              <a:rPr lang="en" sz="3000" b="1">
-                <a:solidFill>
-                  <a:srgbClr val="FFFFFF"/>
-                </a:solidFill>
-              </a:rPr>
-              <a:t>ABSTRACT</a:t>
-            </a:r>
-            <a:endParaRPr sz="3000">
-              <a:solidFill>
-                <a:srgbClr val="FFFFFF"/>
-              </a:solidFill>
-            </a:endParaRPr>
-          </a:p>
-        </p:txBody>
-      </p:sp>
-      <p:sp>
-        <p:nvSpPr>
-          <p:cNvPr id="61" name="Google Shape;61;p14"/>
-          <p:cNvSpPr txBox="1">
-            <a:spLocks noGrp="1"/>
-          </p:cNvSpPr>
-          <p:nvPr>
-            <p:ph type="subTitle" idx="1"/>
-          </p:nvPr>
-        </p:nvSpPr>
-        <p:spPr>
-          <a:xfrm>
-            <a:off x="516925" y="1775100"/>
-            <a:ext cx="7955700" cy="2562300"/>
-          </a:xfrm>
-          <a:prstGeom prst="rect">
-            <a:avLst/>
-          </a:prstGeom>
-        </p:spPr>
-        <p:txBody>
-          <a:bodyPr spcFirstLastPara="1" wrap="square" lIns="91425" tIns="91425" rIns="91425" bIns="91425" anchor="t" anchorCtr="0">
-            <a:noAutofit/>
-          </a:bodyPr>
-          <a:lstStyle/>
-          <a:p>
-            <a:pPr marL="457200" lvl="0" indent="0" algn="just" rtl="0">
-              <a:lnSpc>
-                <a:spcPct val="115000"/>
-              </a:lnSpc>
-              <a:spcBef>
-                <a:spcPts val="0"/>
-              </a:spcBef>
-              <a:spcAft>
-                <a:spcPts val="0"/>
-              </a:spcAft>
-              <a:buNone/>
-            </a:pPr>
-            <a:r>
-              <a:rPr lang="en" sz="1800">
-                <a:solidFill>
-                  <a:srgbClr val="FFFFFF"/>
-                </a:solidFill>
-              </a:rPr>
-              <a:t>The datasets from the industry were hard to find and so we used the NVD provided by the U.S. Department of Homeland Security’s Computer Emergency Readiness Team (US-CERT). This had to be used to train a k-means model that is generic enough to support additional parameters. And finally the model would be tested on the golden standard of the Common Vulnerability Scoring System (CVSS) v3.0 standards. </a:t>
-            </a:r>
-            <a:endParaRPr sz="1800">
-              <a:solidFill>
-                <a:srgbClr val="FFFFFF"/>
-              </a:solidFill>
-            </a:endParaRPr>
-          </a:p>
-        </p:txBody>
-      </p:sp>
-    </p:spTree>
-  </p:cSld>
-  <p:clrMapOvr>
-    <a:masterClrMapping/>
-  </p:clrMapOvr>
-</p:sld>
-</file>
-
-<file path=ppt/slides/slide3.xml><?xml version="1.0" encoding="utf-8"?>
-<p:sld xmlns:a="http://schemas.openxmlformats.org/drawingml/2006/main" xmlns:r="http://schemas.openxmlformats.org/officeDocument/2006/relationships" xmlns:p="http://schemas.openxmlformats.org/presentationml/2006/main">
-  <p:cSld>
-    <p:spTree>
-      <p:nvGrpSpPr>
-        <p:cNvPr id="1" name="Shape 65"/>
-        <p:cNvGrpSpPr/>
-        <p:nvPr/>
-      </p:nvGrpSpPr>
-      <p:grpSpPr>
-        <a:xfrm>
-          <a:off x="0" y="0"/>
-          <a:ext cx="0" cy="0"/>
-          <a:chOff x="0" y="0"/>
-          <a:chExt cx="0" cy="0"/>
-        </a:xfrm>
-      </p:grpSpPr>
-      <p:sp>
-        <p:nvSpPr>
-          <p:cNvPr id="66" name="Google Shape;66;p15"/>
-          <p:cNvSpPr txBox="1">
-            <a:spLocks noGrp="1"/>
-          </p:cNvSpPr>
-          <p:nvPr>
-            <p:ph type="ctrTitle"/>
-          </p:nvPr>
-        </p:nvSpPr>
-        <p:spPr>
-          <a:xfrm>
-            <a:off x="3611400" y="317600"/>
-            <a:ext cx="1921200" cy="860700"/>
-          </a:xfrm>
-          <a:prstGeom prst="rect">
-            <a:avLst/>
-          </a:prstGeom>
-        </p:spPr>
-        <p:txBody>
-          <a:bodyPr spcFirstLastPara="1" wrap="square" lIns="91425" tIns="91425" rIns="91425" bIns="91425" anchor="b" anchorCtr="0">
-            <a:noAutofit/>
-          </a:bodyPr>
-          <a:lstStyle/>
-          <a:p>
-            <a:pPr marL="0" lvl="0" indent="0" algn="l" rtl="0">
-              <a:lnSpc>
-                <a:spcPct val="115000"/>
-              </a:lnSpc>
-              <a:spcBef>
-                <a:spcPts val="0"/>
-              </a:spcBef>
-              <a:spcAft>
-                <a:spcPts val="0"/>
-              </a:spcAft>
-              <a:buNone/>
-            </a:pPr>
-            <a:r>
-              <a:rPr lang="en" sz="3000" b="1">
-                <a:solidFill>
-                  <a:srgbClr val="FFFFFF"/>
-                </a:solidFill>
-              </a:rPr>
-              <a:t>OUTLINE</a:t>
-            </a:r>
-            <a:endParaRPr sz="3000" b="1">
-              <a:solidFill>
-                <a:srgbClr val="FFFFFF"/>
-              </a:solidFill>
-            </a:endParaRPr>
-          </a:p>
-        </p:txBody>
-      </p:sp>
-      <p:sp>
-        <p:nvSpPr>
-          <p:cNvPr id="67" name="Google Shape;67;p15"/>
-          <p:cNvSpPr txBox="1">
-            <a:spLocks noGrp="1"/>
-          </p:cNvSpPr>
-          <p:nvPr>
-            <p:ph type="subTitle" idx="1"/>
-          </p:nvPr>
-        </p:nvSpPr>
-        <p:spPr>
-          <a:xfrm>
-            <a:off x="516925" y="1564925"/>
-            <a:ext cx="7955700" cy="3164400"/>
-          </a:xfrm>
-          <a:prstGeom prst="rect">
-            <a:avLst/>
-          </a:prstGeom>
-        </p:spPr>
-        <p:txBody>
-          <a:bodyPr spcFirstLastPara="1" wrap="square" lIns="91425" tIns="91425" rIns="91425" bIns="91425" anchor="t" anchorCtr="0">
-            <a:noAutofit/>
-          </a:bodyPr>
-          <a:lstStyle/>
           <a:p>
             <a:pPr marL="457200" lvl="0" indent="-342900" algn="just" rtl="0">
               <a:lnSpc>
@@ -9085,7 +11007,7 @@
                 <a:srgbClr val="FFFFFF"/>
               </a:buClr>
               <a:buSzPts val="1800"/>
-              <a:buAutoNum type="arabicPeriod"/>
+              <a:buChar char="●"/>
             </a:pPr>
             <a:r>
               <a:rPr lang="en" sz="1800">
@@ -9093,7 +11015,7 @@
                   <a:srgbClr val="FFFFFF"/>
                 </a:solidFill>
               </a:rPr>
-              <a:t>PROBLEM STATEMENT</a:t>
+              <a:t>NVD data set</a:t>
             </a:r>
             <a:endParaRPr sz="1800">
               <a:solidFill>
@@ -9116,7 +11038,7 @@
                 <a:srgbClr val="FFFFFF"/>
               </a:buClr>
               <a:buSzPts val="1800"/>
-              <a:buAutoNum type="arabicPeriod"/>
+              <a:buChar char="●"/>
             </a:pPr>
             <a:r>
               <a:rPr lang="en" sz="1800">
@@ -9124,401 +11046,8 @@
                   <a:srgbClr val="FFFFFF"/>
                 </a:solidFill>
               </a:rPr>
-              <a:t>PROBLEM DESCRIPTION</a:t>
+              <a:t>Test against the CVSS standard</a:t>
             </a:r>
-            <a:endParaRPr sz="1800">
-              <a:solidFill>
-                <a:srgbClr val="FFFFFF"/>
-              </a:solidFill>
-            </a:endParaRPr>
-          </a:p>
-          <a:p>
-            <a:pPr marL="457200" lvl="0" indent="-342900" algn="just" rtl="0">
-              <a:lnSpc>
-                <a:spcPct val="115000"/>
-              </a:lnSpc>
-              <a:spcBef>
-                <a:spcPts val="0"/>
-              </a:spcBef>
-              <a:spcAft>
-                <a:spcPts val="0"/>
-              </a:spcAft>
-              <a:buClr>
-                <a:srgbClr val="FFFFFF"/>
-              </a:buClr>
-              <a:buSzPts val="1800"/>
-              <a:buAutoNum type="arabicPeriod"/>
-            </a:pPr>
-            <a:r>
-              <a:rPr lang="en" sz="1800">
-                <a:solidFill>
-                  <a:srgbClr val="FFFFFF"/>
-                </a:solidFill>
-              </a:rPr>
-              <a:t>FLOW CHART</a:t>
-            </a:r>
-            <a:endParaRPr sz="1800">
-              <a:solidFill>
-                <a:srgbClr val="FFFFFF"/>
-              </a:solidFill>
-            </a:endParaRPr>
-          </a:p>
-          <a:p>
-            <a:pPr marL="457200" lvl="0" indent="-342900" algn="just" rtl="0">
-              <a:lnSpc>
-                <a:spcPct val="115000"/>
-              </a:lnSpc>
-              <a:spcBef>
-                <a:spcPts val="0"/>
-              </a:spcBef>
-              <a:spcAft>
-                <a:spcPts val="0"/>
-              </a:spcAft>
-              <a:buClr>
-                <a:srgbClr val="FFFFFF"/>
-              </a:buClr>
-              <a:buSzPts val="1800"/>
-              <a:buAutoNum type="arabicPeriod"/>
-            </a:pPr>
-            <a:r>
-              <a:rPr lang="en" sz="1800">
-                <a:solidFill>
-                  <a:srgbClr val="FFFFFF"/>
-                </a:solidFill>
-              </a:rPr>
-              <a:t>SYSTEM ARCHITECTURE</a:t>
-            </a:r>
-            <a:endParaRPr sz="1800">
-              <a:solidFill>
-                <a:srgbClr val="FFFFFF"/>
-              </a:solidFill>
-            </a:endParaRPr>
-          </a:p>
-          <a:p>
-            <a:pPr marL="457200" lvl="0" indent="-342900" algn="just" rtl="0">
-              <a:lnSpc>
-                <a:spcPct val="115000"/>
-              </a:lnSpc>
-              <a:spcBef>
-                <a:spcPts val="0"/>
-              </a:spcBef>
-              <a:spcAft>
-                <a:spcPts val="0"/>
-              </a:spcAft>
-              <a:buClr>
-                <a:srgbClr val="FFFFFF"/>
-              </a:buClr>
-              <a:buSzPts val="1800"/>
-              <a:buAutoNum type="arabicPeriod"/>
-            </a:pPr>
-            <a:r>
-              <a:rPr lang="en" sz="1800">
-                <a:solidFill>
-                  <a:srgbClr val="FFFFFF"/>
-                </a:solidFill>
-              </a:rPr>
-              <a:t>REFERENCES</a:t>
-            </a:r>
-            <a:endParaRPr sz="1800">
-              <a:solidFill>
-                <a:srgbClr val="FFFFFF"/>
-              </a:solidFill>
-            </a:endParaRPr>
-          </a:p>
-        </p:txBody>
-      </p:sp>
-    </p:spTree>
-  </p:cSld>
-  <p:clrMapOvr>
-    <a:masterClrMapping/>
-  </p:clrMapOvr>
-</p:sld>
-</file>
-
-<file path=ppt/slides/slide4.xml><?xml version="1.0" encoding="utf-8"?>
-<p:sld xmlns:a="http://schemas.openxmlformats.org/drawingml/2006/main" xmlns:r="http://schemas.openxmlformats.org/officeDocument/2006/relationships" xmlns:p="http://schemas.openxmlformats.org/presentationml/2006/main">
-  <p:cSld>
-    <p:spTree>
-      <p:nvGrpSpPr>
-        <p:cNvPr id="1" name="Shape 71"/>
-        <p:cNvGrpSpPr/>
-        <p:nvPr/>
-      </p:nvGrpSpPr>
-      <p:grpSpPr>
-        <a:xfrm>
-          <a:off x="0" y="0"/>
-          <a:ext cx="0" cy="0"/>
-          <a:chOff x="0" y="0"/>
-          <a:chExt cx="0" cy="0"/>
-        </a:xfrm>
-      </p:grpSpPr>
-      <p:sp>
-        <p:nvSpPr>
-          <p:cNvPr id="72" name="Google Shape;72;p16"/>
-          <p:cNvSpPr txBox="1">
-            <a:spLocks noGrp="1"/>
-          </p:cNvSpPr>
-          <p:nvPr>
-            <p:ph type="ctrTitle"/>
-          </p:nvPr>
-        </p:nvSpPr>
-        <p:spPr>
-          <a:xfrm>
-            <a:off x="2236224" y="685800"/>
-            <a:ext cx="4592087" cy="860700"/>
-          </a:xfrm>
-          <a:prstGeom prst="rect">
-            <a:avLst/>
-          </a:prstGeom>
-        </p:spPr>
-        <p:txBody>
-          <a:bodyPr spcFirstLastPara="1" wrap="square" lIns="91425" tIns="91425" rIns="91425" bIns="91425" anchor="b" anchorCtr="0">
-            <a:noAutofit/>
-          </a:bodyPr>
-          <a:lstStyle/>
-          <a:p>
-            <a:pPr marL="0" lvl="0" indent="0" algn="l" rtl="0">
-              <a:lnSpc>
-                <a:spcPct val="115000"/>
-              </a:lnSpc>
-              <a:spcBef>
-                <a:spcPts val="0"/>
-              </a:spcBef>
-              <a:spcAft>
-                <a:spcPts val="0"/>
-              </a:spcAft>
-              <a:buNone/>
-            </a:pPr>
-            <a:r>
-              <a:rPr lang="en" sz="3000" b="1" dirty="0">
-                <a:solidFill>
-                  <a:srgbClr val="FFFFFF"/>
-                </a:solidFill>
-              </a:rPr>
-              <a:t>PROBLEM STATEMENT</a:t>
-            </a:r>
-            <a:endParaRPr sz="3000" dirty="0">
-              <a:solidFill>
-                <a:srgbClr val="FFFFFF"/>
-              </a:solidFill>
-            </a:endParaRPr>
-          </a:p>
-        </p:txBody>
-      </p:sp>
-      <p:sp>
-        <p:nvSpPr>
-          <p:cNvPr id="73" name="Google Shape;73;p16"/>
-          <p:cNvSpPr txBox="1">
-            <a:spLocks noGrp="1"/>
-          </p:cNvSpPr>
-          <p:nvPr>
-            <p:ph type="subTitle" idx="1"/>
-          </p:nvPr>
-        </p:nvSpPr>
-        <p:spPr>
-          <a:xfrm>
-            <a:off x="516925" y="2232300"/>
-            <a:ext cx="7955700" cy="1274400"/>
-          </a:xfrm>
-          <a:prstGeom prst="rect">
-            <a:avLst/>
-          </a:prstGeom>
-        </p:spPr>
-        <p:txBody>
-          <a:bodyPr spcFirstLastPara="1" wrap="square" lIns="91425" tIns="91425" rIns="91425" bIns="91425" anchor="t" anchorCtr="0">
-            <a:noAutofit/>
-          </a:bodyPr>
-          <a:lstStyle/>
-          <a:p>
-            <a:pPr marL="457200" lvl="0" indent="0" algn="just" rtl="0">
-              <a:lnSpc>
-                <a:spcPct val="115000"/>
-              </a:lnSpc>
-              <a:spcBef>
-                <a:spcPts val="0"/>
-              </a:spcBef>
-              <a:spcAft>
-                <a:spcPts val="0"/>
-              </a:spcAft>
-              <a:buNone/>
-            </a:pPr>
-            <a:r>
-              <a:rPr lang="en" sz="1800">
-                <a:solidFill>
-                  <a:srgbClr val="FFFFFF"/>
-                </a:solidFill>
-              </a:rPr>
-              <a:t>To develop a generic model for the cyber security domain because all the machine learning models in this domain have been abstracted as per industry regulations.</a:t>
-            </a:r>
-            <a:endParaRPr sz="1800">
-              <a:solidFill>
-                <a:srgbClr val="FFFFFF"/>
-              </a:solidFill>
-            </a:endParaRPr>
-          </a:p>
-        </p:txBody>
-      </p:sp>
-    </p:spTree>
-  </p:cSld>
-  <p:clrMapOvr>
-    <a:masterClrMapping/>
-  </p:clrMapOvr>
-</p:sld>
-</file>
-
-<file path=ppt/slides/slide5.xml><?xml version="1.0" encoding="utf-8"?>
-<p:sld xmlns:a="http://schemas.openxmlformats.org/drawingml/2006/main" xmlns:r="http://schemas.openxmlformats.org/officeDocument/2006/relationships" xmlns:p="http://schemas.openxmlformats.org/presentationml/2006/main">
-  <p:cSld>
-    <p:spTree>
-      <p:nvGrpSpPr>
-        <p:cNvPr id="1" name="Shape 77"/>
-        <p:cNvGrpSpPr/>
-        <p:nvPr/>
-      </p:nvGrpSpPr>
-      <p:grpSpPr>
-        <a:xfrm>
-          <a:off x="0" y="0"/>
-          <a:ext cx="0" cy="0"/>
-          <a:chOff x="0" y="0"/>
-          <a:chExt cx="0" cy="0"/>
-        </a:xfrm>
-      </p:grpSpPr>
-      <p:sp>
-        <p:nvSpPr>
-          <p:cNvPr id="78" name="Google Shape;78;p17"/>
-          <p:cNvSpPr txBox="1">
-            <a:spLocks noGrp="1"/>
-          </p:cNvSpPr>
-          <p:nvPr>
-            <p:ph type="ctrTitle"/>
-          </p:nvPr>
-        </p:nvSpPr>
-        <p:spPr>
-          <a:xfrm>
-            <a:off x="2129700" y="685800"/>
-            <a:ext cx="4884600" cy="860700"/>
-          </a:xfrm>
-          <a:prstGeom prst="rect">
-            <a:avLst/>
-          </a:prstGeom>
-        </p:spPr>
-        <p:txBody>
-          <a:bodyPr spcFirstLastPara="1" wrap="square" lIns="91425" tIns="91425" rIns="91425" bIns="91425" anchor="b" anchorCtr="0">
-            <a:noAutofit/>
-          </a:bodyPr>
-          <a:lstStyle/>
-          <a:p>
-            <a:pPr marL="0" lvl="0" indent="0" algn="l" rtl="0">
-              <a:lnSpc>
-                <a:spcPct val="115000"/>
-              </a:lnSpc>
-              <a:spcBef>
-                <a:spcPts val="0"/>
-              </a:spcBef>
-              <a:spcAft>
-                <a:spcPts val="0"/>
-              </a:spcAft>
-              <a:buNone/>
-            </a:pPr>
-            <a:r>
-              <a:rPr lang="en" sz="3000" b="1">
-                <a:solidFill>
-                  <a:srgbClr val="FFFFFF"/>
-                </a:solidFill>
-              </a:rPr>
-              <a:t>PROBLEM DESCRIPTION</a:t>
-            </a:r>
-            <a:endParaRPr sz="3000">
-              <a:solidFill>
-                <a:srgbClr val="FFFFFF"/>
-              </a:solidFill>
-            </a:endParaRPr>
-          </a:p>
-        </p:txBody>
-      </p:sp>
-      <p:sp>
-        <p:nvSpPr>
-          <p:cNvPr id="79" name="Google Shape;79;p17"/>
-          <p:cNvSpPr txBox="1">
-            <a:spLocks noGrp="1"/>
-          </p:cNvSpPr>
-          <p:nvPr>
-            <p:ph type="subTitle" idx="1"/>
-          </p:nvPr>
-        </p:nvSpPr>
-        <p:spPr>
-          <a:xfrm>
-            <a:off x="516925" y="1927500"/>
-            <a:ext cx="7955700" cy="2342700"/>
-          </a:xfrm>
-          <a:prstGeom prst="rect">
-            <a:avLst/>
-          </a:prstGeom>
-        </p:spPr>
-        <p:txBody>
-          <a:bodyPr spcFirstLastPara="1" wrap="square" lIns="91425" tIns="91425" rIns="91425" bIns="91425" anchor="t" anchorCtr="0">
-            <a:noAutofit/>
-          </a:bodyPr>
-          <a:lstStyle/>
-          <a:p>
-            <a:pPr marL="457200" lvl="0" indent="0" algn="just" rtl="0">
-              <a:lnSpc>
-                <a:spcPct val="115000"/>
-              </a:lnSpc>
-              <a:spcBef>
-                <a:spcPts val="0"/>
-              </a:spcBef>
-              <a:spcAft>
-                <a:spcPts val="0"/>
-              </a:spcAft>
-              <a:buNone/>
-            </a:pPr>
-            <a:r>
-              <a:rPr lang="en" sz="1800">
-                <a:solidFill>
-                  <a:srgbClr val="FFFFFF"/>
-                </a:solidFill>
-              </a:rPr>
-              <a:t>The cyber security domain has a few implementation for machine learning to be used but they have been abstracted because of the industry regulations. Thus here we try to develop a generic model that works for all datasets in the cyber security domain. The data sets of NVD will be used and the models developed and tested against the CVSS standard .</a:t>
-            </a:r>
-            <a:endParaRPr sz="1800">
-              <a:solidFill>
-                <a:srgbClr val="FFFFFF"/>
-              </a:solidFill>
-            </a:endParaRPr>
-          </a:p>
-          <a:p>
-            <a:pPr marL="457200" lvl="0" indent="0" algn="just" rtl="0">
-              <a:lnSpc>
-                <a:spcPct val="115000"/>
-              </a:lnSpc>
-              <a:spcBef>
-                <a:spcPts val="0"/>
-              </a:spcBef>
-              <a:spcAft>
-                <a:spcPts val="0"/>
-              </a:spcAft>
-              <a:buNone/>
-            </a:pPr>
-            <a:endParaRPr sz="1800">
-              <a:solidFill>
-                <a:srgbClr val="FFFFFF"/>
-              </a:solidFill>
-            </a:endParaRPr>
-          </a:p>
-          <a:p>
-            <a:pPr marL="457200" lvl="0" indent="0" algn="just" rtl="0">
-              <a:lnSpc>
-                <a:spcPct val="115000"/>
-              </a:lnSpc>
-              <a:spcBef>
-                <a:spcPts val="0"/>
-              </a:spcBef>
-              <a:spcAft>
-                <a:spcPts val="0"/>
-              </a:spcAft>
-              <a:buNone/>
-            </a:pPr>
             <a:endParaRPr sz="1800">
               <a:solidFill>
                 <a:srgbClr val="FFFFFF"/>
@@ -9540,7 +11069,7 @@
   <p:cSld>
     <p:spTree>
       <p:nvGrpSpPr>
-        <p:cNvPr id="1" name="Shape 83"/>
+        <p:cNvPr id="1" name="Shape 84"/>
         <p:cNvGrpSpPr/>
         <p:nvPr/>
       </p:nvGrpSpPr>
@@ -9554,7 +11083,7 @@
       </p:grpSpPr>
       <p:sp>
         <p:nvSpPr>
-          <p:cNvPr id="84" name="Google Shape;84;p18"/>
+          <p:cNvPr id="85" name="Google Shape;85;p18"/>
           <p:cNvSpPr txBox="1">
             <a:spLocks noGrp="1"/>
           </p:cNvSpPr>
@@ -9607,7 +11136,7 @@
       </p:sp>
       <p:sp>
         <p:nvSpPr>
-          <p:cNvPr id="85" name="Google Shape;85;p18"/>
+          <p:cNvPr id="86" name="Google Shape;86;p18"/>
           <p:cNvSpPr txBox="1">
             <a:spLocks noGrp="1"/>
           </p:cNvSpPr>
@@ -9780,7 +11309,7 @@
       </p:sp>
       <p:pic>
         <p:nvPicPr>
-          <p:cNvPr id="86" name="Google Shape;86;p18"/>
+          <p:cNvPr id="87" name="Google Shape;87;p18"/>
           <p:cNvPicPr preferRelativeResize="0"/>
           <p:nvPr/>
         </p:nvPicPr>
@@ -9819,7 +11348,7 @@
   <p:cSld>
     <p:spTree>
       <p:nvGrpSpPr>
-        <p:cNvPr id="1" name="Shape 90"/>
+        <p:cNvPr id="1" name="Shape 91"/>
         <p:cNvGrpSpPr/>
         <p:nvPr/>
       </p:nvGrpSpPr>
@@ -9833,7 +11362,7 @@
       </p:grpSpPr>
       <p:pic>
         <p:nvPicPr>
-          <p:cNvPr id="91" name="Google Shape;91;p19"/>
+          <p:cNvPr id="92" name="Google Shape;92;p19"/>
           <p:cNvPicPr preferRelativeResize="0"/>
           <p:nvPr/>
         </p:nvPicPr>
@@ -9872,7 +11401,7 @@
   <p:cSld>
     <p:spTree>
       <p:nvGrpSpPr>
-        <p:cNvPr id="1" name="Shape 95"/>
+        <p:cNvPr id="1" name="Shape 96"/>
         <p:cNvGrpSpPr/>
         <p:nvPr/>
       </p:nvGrpSpPr>
@@ -9886,7 +11415,7 @@
       </p:grpSpPr>
       <p:sp>
         <p:nvSpPr>
-          <p:cNvPr id="96" name="Google Shape;96;p20"/>
+          <p:cNvPr id="97" name="Google Shape;97;p20"/>
           <p:cNvSpPr txBox="1">
             <a:spLocks noGrp="1"/>
           </p:cNvSpPr>
@@ -9927,7 +11456,7 @@
                   <a:srgbClr val="FFFFFF"/>
                 </a:solidFill>
               </a:rPr>
-              <a:t>DATA COLLECTION</a:t>
+              <a:t>PROPOSED WORK</a:t>
             </a:r>
             <a:endParaRPr sz="3000" b="1">
               <a:solidFill>
@@ -9939,7 +11468,270 @@
       </p:sp>
       <p:sp>
         <p:nvSpPr>
-          <p:cNvPr id="97" name="Google Shape;97;p20"/>
+          <p:cNvPr id="98" name="Google Shape;98;p20"/>
+          <p:cNvSpPr txBox="1">
+            <a:spLocks noGrp="1"/>
+          </p:cNvSpPr>
+          <p:nvPr>
+            <p:ph type="subTitle" idx="1"/>
+          </p:nvPr>
+        </p:nvSpPr>
+        <p:spPr>
+          <a:xfrm>
+            <a:off x="2043550" y="1939250"/>
+            <a:ext cx="3499200" cy="2342700"/>
+          </a:xfrm>
+          <a:prstGeom prst="rect">
+            <a:avLst/>
+          </a:prstGeom>
+        </p:spPr>
+        <p:txBody>
+          <a:bodyPr spcFirstLastPara="1" wrap="square" lIns="91425" tIns="91425" rIns="91425" bIns="91425" anchor="t" anchorCtr="0">
+            <a:noAutofit/>
+          </a:bodyPr>
+          <a:lstStyle/>
+          <a:p>
+            <a:pPr marL="457200" lvl="0" indent="-342900" algn="just" rtl="0">
+              <a:lnSpc>
+                <a:spcPct val="115000"/>
+              </a:lnSpc>
+              <a:spcBef>
+                <a:spcPts val="0"/>
+              </a:spcBef>
+              <a:spcAft>
+                <a:spcPts val="0"/>
+              </a:spcAft>
+              <a:buClr>
+                <a:srgbClr val="FFFFFF"/>
+              </a:buClr>
+              <a:buSzPts val="1800"/>
+              <a:buAutoNum type="arabicPeriod"/>
+            </a:pPr>
+            <a:r>
+              <a:rPr lang="en" sz="1800">
+                <a:solidFill>
+                  <a:srgbClr val="FFFFFF"/>
+                </a:solidFill>
+              </a:rPr>
+              <a:t>Data Collection</a:t>
+            </a:r>
+            <a:endParaRPr sz="1800">
+              <a:solidFill>
+                <a:srgbClr val="FFFFFF"/>
+              </a:solidFill>
+            </a:endParaRPr>
+          </a:p>
+          <a:p>
+            <a:pPr marL="457200" lvl="0" indent="-342900" algn="just" rtl="0">
+              <a:lnSpc>
+                <a:spcPct val="115000"/>
+              </a:lnSpc>
+              <a:spcBef>
+                <a:spcPts val="0"/>
+              </a:spcBef>
+              <a:spcAft>
+                <a:spcPts val="0"/>
+              </a:spcAft>
+              <a:buClr>
+                <a:srgbClr val="FFFFFF"/>
+              </a:buClr>
+              <a:buSzPts val="1800"/>
+              <a:buAutoNum type="arabicPeriod"/>
+            </a:pPr>
+            <a:r>
+              <a:rPr lang="en" sz="1800">
+                <a:solidFill>
+                  <a:srgbClr val="FFFFFF"/>
+                </a:solidFill>
+              </a:rPr>
+              <a:t>Label Creation</a:t>
+            </a:r>
+            <a:endParaRPr sz="1800">
+              <a:solidFill>
+                <a:srgbClr val="FFFFFF"/>
+              </a:solidFill>
+            </a:endParaRPr>
+          </a:p>
+          <a:p>
+            <a:pPr marL="457200" lvl="0" indent="-342900" algn="just" rtl="0">
+              <a:lnSpc>
+                <a:spcPct val="115000"/>
+              </a:lnSpc>
+              <a:spcBef>
+                <a:spcPts val="0"/>
+              </a:spcBef>
+              <a:spcAft>
+                <a:spcPts val="0"/>
+              </a:spcAft>
+              <a:buClr>
+                <a:srgbClr val="FFFFFF"/>
+              </a:buClr>
+              <a:buSzPts val="1800"/>
+              <a:buAutoNum type="arabicPeriod"/>
+            </a:pPr>
+            <a:r>
+              <a:rPr lang="en" sz="1800">
+                <a:solidFill>
+                  <a:srgbClr val="FFFFFF"/>
+                </a:solidFill>
+              </a:rPr>
+              <a:t>Feature Engineering</a:t>
+            </a:r>
+            <a:endParaRPr sz="1800">
+              <a:solidFill>
+                <a:srgbClr val="FFFFFF"/>
+              </a:solidFill>
+            </a:endParaRPr>
+          </a:p>
+          <a:p>
+            <a:pPr marL="457200" lvl="0" indent="-342900" algn="just" rtl="0">
+              <a:lnSpc>
+                <a:spcPct val="115000"/>
+              </a:lnSpc>
+              <a:spcBef>
+                <a:spcPts val="0"/>
+              </a:spcBef>
+              <a:spcAft>
+                <a:spcPts val="0"/>
+              </a:spcAft>
+              <a:buClr>
+                <a:srgbClr val="FFFFFF"/>
+              </a:buClr>
+              <a:buSzPts val="1800"/>
+              <a:buAutoNum type="arabicPeriod"/>
+            </a:pPr>
+            <a:r>
+              <a:rPr lang="en" sz="1800">
+                <a:solidFill>
+                  <a:srgbClr val="FFFFFF"/>
+                </a:solidFill>
+              </a:rPr>
+              <a:t>Algorithm Selection</a:t>
+            </a:r>
+            <a:endParaRPr sz="1800">
+              <a:solidFill>
+                <a:srgbClr val="FFFFFF"/>
+              </a:solidFill>
+            </a:endParaRPr>
+          </a:p>
+          <a:p>
+            <a:pPr marL="457200" lvl="0" indent="-342900" algn="just" rtl="0">
+              <a:lnSpc>
+                <a:spcPct val="115000"/>
+              </a:lnSpc>
+              <a:spcBef>
+                <a:spcPts val="0"/>
+              </a:spcBef>
+              <a:spcAft>
+                <a:spcPts val="0"/>
+              </a:spcAft>
+              <a:buClr>
+                <a:srgbClr val="FFFFFF"/>
+              </a:buClr>
+              <a:buSzPts val="1800"/>
+              <a:buAutoNum type="arabicPeriod"/>
+            </a:pPr>
+            <a:r>
+              <a:rPr lang="en" sz="1800">
+                <a:solidFill>
+                  <a:srgbClr val="FFFFFF"/>
+                </a:solidFill>
+              </a:rPr>
+              <a:t>Performance Evaluation</a:t>
+            </a:r>
+            <a:endParaRPr sz="1800">
+              <a:solidFill>
+                <a:srgbClr val="FFFFFF"/>
+              </a:solidFill>
+            </a:endParaRPr>
+          </a:p>
+        </p:txBody>
+      </p:sp>
+    </p:spTree>
+  </p:cSld>
+  <p:clrMapOvr>
+    <a:masterClrMapping/>
+  </p:clrMapOvr>
+</p:sld>
+</file>
+
+<file path=ppt/slides/slide9.xml><?xml version="1.0" encoding="utf-8"?>
+<p:sld xmlns:a="http://schemas.openxmlformats.org/drawingml/2006/main" xmlns:r="http://schemas.openxmlformats.org/officeDocument/2006/relationships" xmlns:p="http://schemas.openxmlformats.org/presentationml/2006/main">
+  <p:cSld>
+    <p:spTree>
+      <p:nvGrpSpPr>
+        <p:cNvPr id="1" name="Shape 102"/>
+        <p:cNvGrpSpPr/>
+        <p:nvPr/>
+      </p:nvGrpSpPr>
+      <p:grpSpPr>
+        <a:xfrm>
+          <a:off x="0" y="0"/>
+          <a:ext cx="0" cy="0"/>
+          <a:chOff x="0" y="0"/>
+          <a:chExt cx="0" cy="0"/>
+        </a:xfrm>
+      </p:grpSpPr>
+      <p:sp>
+        <p:nvSpPr>
+          <p:cNvPr id="103" name="Google Shape;103;p21"/>
+          <p:cNvSpPr txBox="1">
+            <a:spLocks noGrp="1"/>
+          </p:cNvSpPr>
+          <p:nvPr>
+            <p:ph type="ctrTitle"/>
+          </p:nvPr>
+        </p:nvSpPr>
+        <p:spPr>
+          <a:xfrm>
+            <a:off x="2579424" y="674275"/>
+            <a:ext cx="4628897" cy="860700"/>
+          </a:xfrm>
+          <a:prstGeom prst="rect">
+            <a:avLst/>
+          </a:prstGeom>
+        </p:spPr>
+        <p:txBody>
+          <a:bodyPr spcFirstLastPara="1" wrap="square" lIns="91425" tIns="91425" rIns="91425" bIns="91425" anchor="b" anchorCtr="0">
+            <a:noAutofit/>
+          </a:bodyPr>
+          <a:lstStyle/>
+          <a:p>
+            <a:pPr marL="457200" lvl="0" indent="-419100" algn="l" rtl="0">
+              <a:lnSpc>
+                <a:spcPct val="115000"/>
+              </a:lnSpc>
+              <a:spcBef>
+                <a:spcPts val="0"/>
+              </a:spcBef>
+              <a:spcAft>
+                <a:spcPts val="0"/>
+              </a:spcAft>
+              <a:buClr>
+                <a:srgbClr val="FFFFFF"/>
+              </a:buClr>
+              <a:buSzPts val="3000"/>
+              <a:buAutoNum type="arabicPeriod"/>
+            </a:pPr>
+            <a:r>
+              <a:rPr lang="en" sz="3000" b="1" dirty="0">
+                <a:solidFill>
+                  <a:srgbClr val="FFFFFF"/>
+                </a:solidFill>
+              </a:rPr>
+              <a:t>DATA COLLECTION</a:t>
+            </a:r>
+            <a:endParaRPr sz="3000" b="1" dirty="0">
+              <a:solidFill>
+                <a:srgbClr val="FFFFFF"/>
+              </a:solidFill>
+            </a:endParaRPr>
+          </a:p>
+        </p:txBody>
+      </p:sp>
+      <p:sp>
+        <p:nvSpPr>
+          <p:cNvPr id="104" name="Google Shape;104;p21"/>
           <p:cNvSpPr txBox="1">
             <a:spLocks noGrp="1"/>
           </p:cNvSpPr>
@@ -10016,241 +11808,6 @@
                 </a:solidFill>
               </a:rPr>
               <a:t>Hit the server and concatenate the data into a JSON file.</a:t>
-            </a:r>
-            <a:endParaRPr sz="1800">
-              <a:solidFill>
-                <a:srgbClr val="FFFFFF"/>
-              </a:solidFill>
-            </a:endParaRPr>
-          </a:p>
-          <a:p>
-            <a:pPr marL="457200" lvl="0" indent="0" algn="just" rtl="0">
-              <a:lnSpc>
-                <a:spcPct val="115000"/>
-              </a:lnSpc>
-              <a:spcBef>
-                <a:spcPts val="0"/>
-              </a:spcBef>
-              <a:spcAft>
-                <a:spcPts val="0"/>
-              </a:spcAft>
-              <a:buNone/>
-            </a:pPr>
-            <a:endParaRPr sz="1800">
-              <a:solidFill>
-                <a:srgbClr val="FFFFFF"/>
-              </a:solidFill>
-            </a:endParaRPr>
-          </a:p>
-          <a:p>
-            <a:pPr marL="457200" lvl="0" indent="0" algn="just" rtl="0">
-              <a:lnSpc>
-                <a:spcPct val="115000"/>
-              </a:lnSpc>
-              <a:spcBef>
-                <a:spcPts val="0"/>
-              </a:spcBef>
-              <a:spcAft>
-                <a:spcPts val="0"/>
-              </a:spcAft>
-              <a:buNone/>
-            </a:pPr>
-            <a:endParaRPr sz="1800">
-              <a:solidFill>
-                <a:srgbClr val="FFFFFF"/>
-              </a:solidFill>
-            </a:endParaRPr>
-          </a:p>
-        </p:txBody>
-      </p:sp>
-    </p:spTree>
-  </p:cSld>
-  <p:clrMapOvr>
-    <a:masterClrMapping/>
-  </p:clrMapOvr>
-</p:sld>
-</file>
-
-<file path=ppt/slides/slide9.xml><?xml version="1.0" encoding="utf-8"?>
-<p:sld xmlns:a="http://schemas.openxmlformats.org/drawingml/2006/main" xmlns:r="http://schemas.openxmlformats.org/officeDocument/2006/relationships" xmlns:p="http://schemas.openxmlformats.org/presentationml/2006/main">
-  <p:cSld>
-    <p:spTree>
-      <p:nvGrpSpPr>
-        <p:cNvPr id="1" name="Shape 101"/>
-        <p:cNvGrpSpPr/>
-        <p:nvPr/>
-      </p:nvGrpSpPr>
-      <p:grpSpPr>
-        <a:xfrm>
-          <a:off x="0" y="0"/>
-          <a:ext cx="0" cy="0"/>
-          <a:chOff x="0" y="0"/>
-          <a:chExt cx="0" cy="0"/>
-        </a:xfrm>
-      </p:grpSpPr>
-      <p:sp>
-        <p:nvSpPr>
-          <p:cNvPr id="102" name="Google Shape;102;p21"/>
-          <p:cNvSpPr txBox="1">
-            <a:spLocks noGrp="1"/>
-          </p:cNvSpPr>
-          <p:nvPr>
-            <p:ph type="ctrTitle"/>
-          </p:nvPr>
-        </p:nvSpPr>
-        <p:spPr>
-          <a:xfrm>
-            <a:off x="2579425" y="674275"/>
-            <a:ext cx="3830700" cy="860700"/>
-          </a:xfrm>
-          <a:prstGeom prst="rect">
-            <a:avLst/>
-          </a:prstGeom>
-        </p:spPr>
-        <p:txBody>
-          <a:bodyPr spcFirstLastPara="1" wrap="square" lIns="91425" tIns="91425" rIns="91425" bIns="91425" anchor="b" anchorCtr="0">
-            <a:noAutofit/>
-          </a:bodyPr>
-          <a:lstStyle/>
-          <a:p>
-            <a:pPr marL="0" lvl="0" indent="0" algn="l" rtl="0">
-              <a:lnSpc>
-                <a:spcPct val="115000"/>
-              </a:lnSpc>
-              <a:spcBef>
-                <a:spcPts val="0"/>
-              </a:spcBef>
-              <a:spcAft>
-                <a:spcPts val="0"/>
-              </a:spcAft>
-              <a:buNone/>
-            </a:pPr>
-            <a:r>
-              <a:rPr lang="en" sz="3000" b="1">
-                <a:solidFill>
-                  <a:srgbClr val="FFFFFF"/>
-                </a:solidFill>
-              </a:rPr>
-              <a:t>LABEL CREATION</a:t>
-            </a:r>
-            <a:endParaRPr sz="3000" b="1">
-              <a:solidFill>
-                <a:srgbClr val="FFFFFF"/>
-              </a:solidFill>
-            </a:endParaRPr>
-          </a:p>
-        </p:txBody>
-      </p:sp>
-      <p:sp>
-        <p:nvSpPr>
-          <p:cNvPr id="103" name="Google Shape;103;p21"/>
-          <p:cNvSpPr txBox="1">
-            <a:spLocks noGrp="1"/>
-          </p:cNvSpPr>
-          <p:nvPr>
-            <p:ph type="subTitle" idx="1"/>
-          </p:nvPr>
-        </p:nvSpPr>
-        <p:spPr>
-          <a:xfrm>
-            <a:off x="516925" y="1927500"/>
-            <a:ext cx="7955700" cy="2342700"/>
-          </a:xfrm>
-          <a:prstGeom prst="rect">
-            <a:avLst/>
-          </a:prstGeom>
-        </p:spPr>
-        <p:txBody>
-          <a:bodyPr spcFirstLastPara="1" wrap="square" lIns="91425" tIns="91425" rIns="91425" bIns="91425" anchor="t" anchorCtr="0">
-            <a:noAutofit/>
-          </a:bodyPr>
-          <a:lstStyle/>
-          <a:p>
-            <a:pPr marL="457200" lvl="0" indent="-342900" algn="just" rtl="0">
-              <a:lnSpc>
-                <a:spcPct val="115000"/>
-              </a:lnSpc>
-              <a:spcBef>
-                <a:spcPts val="0"/>
-              </a:spcBef>
-              <a:spcAft>
-                <a:spcPts val="0"/>
-              </a:spcAft>
-              <a:buClr>
-                <a:srgbClr val="FFFFFF"/>
-              </a:buClr>
-              <a:buSzPts val="1800"/>
-              <a:buChar char="●"/>
-            </a:pPr>
-            <a:r>
-              <a:rPr lang="en" sz="1800">
-                <a:solidFill>
-                  <a:srgbClr val="FFFFFF"/>
-                </a:solidFill>
-              </a:rPr>
-              <a:t>The data was accumulated as JSON files in accordance to the year of data creation. </a:t>
-            </a:r>
-            <a:endParaRPr sz="1800">
-              <a:solidFill>
-                <a:srgbClr val="FFFFFF"/>
-              </a:solidFill>
-            </a:endParaRPr>
-          </a:p>
-          <a:p>
-            <a:pPr marL="457200" lvl="0" indent="-342900" algn="just" rtl="0">
-              <a:lnSpc>
-                <a:spcPct val="115000"/>
-              </a:lnSpc>
-              <a:spcBef>
-                <a:spcPts val="0"/>
-              </a:spcBef>
-              <a:spcAft>
-                <a:spcPts val="0"/>
-              </a:spcAft>
-              <a:buClr>
-                <a:srgbClr val="FFFFFF"/>
-              </a:buClr>
-              <a:buSzPts val="1800"/>
-              <a:buChar char="●"/>
-            </a:pPr>
-            <a:r>
-              <a:rPr lang="en" sz="1800">
-                <a:solidFill>
-                  <a:srgbClr val="FFFFFF"/>
-                </a:solidFill>
-              </a:rPr>
-              <a:t>Due to the file size was a bit large we zipped files for later use and loaded them into our local hard disks. </a:t>
-            </a:r>
-            <a:endParaRPr sz="1800">
-              <a:solidFill>
-                <a:srgbClr val="FFFFFF"/>
-              </a:solidFill>
-            </a:endParaRPr>
-          </a:p>
-          <a:p>
-            <a:pPr marL="457200" lvl="0" indent="-342900" algn="just" rtl="0">
-              <a:lnSpc>
-                <a:spcPct val="115000"/>
-              </a:lnSpc>
-              <a:spcBef>
-                <a:spcPts val="0"/>
-              </a:spcBef>
-              <a:spcAft>
-                <a:spcPts val="0"/>
-              </a:spcAft>
-              <a:buClr>
-                <a:srgbClr val="FFFFFF"/>
-              </a:buClr>
-              <a:buSzPts val="1800"/>
-              <a:buChar char="●"/>
-            </a:pPr>
-            <a:r>
-              <a:rPr lang="en" sz="1800">
-                <a:solidFill>
-                  <a:srgbClr val="FFFFFF"/>
-                </a:solidFill>
-              </a:rPr>
-              <a:t>The caching and retrieval components were provided by Pandas and so we stuck to using the same for developing our machine learning models as well.</a:t>
             </a:r>
             <a:endParaRPr sz="1800">
               <a:solidFill>
